--- a/01 Bots, Messaging Extensions and Cards/TimeSheetsBot-DevScope-TeamsChallenge2018.pptx
+++ b/01 Bots, Messaging Extensions and Cards/TimeSheetsBot-DevScope-TeamsChallenge2018.pptx
@@ -6,33 +6,34 @@
     <p:sldMasterId id="2147483663" r:id="rId2"/>
   </p:sldMasterIdLst>
   <p:notesMasterIdLst>
-    <p:notesMasterId r:id="rId27"/>
+    <p:notesMasterId r:id="rId28"/>
   </p:notesMasterIdLst>
   <p:sldIdLst>
     <p:sldId id="508" r:id="rId3"/>
-    <p:sldId id="422" r:id="rId4"/>
-    <p:sldId id="416" r:id="rId5"/>
-    <p:sldId id="417" r:id="rId6"/>
-    <p:sldId id="438" r:id="rId7"/>
-    <p:sldId id="498" r:id="rId8"/>
-    <p:sldId id="505" r:id="rId9"/>
-    <p:sldId id="473" r:id="rId10"/>
-    <p:sldId id="474" r:id="rId11"/>
-    <p:sldId id="506" r:id="rId12"/>
-    <p:sldId id="507" r:id="rId13"/>
-    <p:sldId id="476" r:id="rId14"/>
-    <p:sldId id="494" r:id="rId15"/>
-    <p:sldId id="501" r:id="rId16"/>
-    <p:sldId id="441" r:id="rId17"/>
-    <p:sldId id="491" r:id="rId18"/>
-    <p:sldId id="490" r:id="rId19"/>
-    <p:sldId id="504" r:id="rId20"/>
-    <p:sldId id="503" r:id="rId21"/>
-    <p:sldId id="447" r:id="rId22"/>
-    <p:sldId id="456" r:id="rId23"/>
-    <p:sldId id="509" r:id="rId24"/>
-    <p:sldId id="511" r:id="rId25"/>
-    <p:sldId id="512" r:id="rId26"/>
+    <p:sldId id="513" r:id="rId4"/>
+    <p:sldId id="422" r:id="rId5"/>
+    <p:sldId id="416" r:id="rId6"/>
+    <p:sldId id="417" r:id="rId7"/>
+    <p:sldId id="438" r:id="rId8"/>
+    <p:sldId id="498" r:id="rId9"/>
+    <p:sldId id="505" r:id="rId10"/>
+    <p:sldId id="473" r:id="rId11"/>
+    <p:sldId id="474" r:id="rId12"/>
+    <p:sldId id="506" r:id="rId13"/>
+    <p:sldId id="507" r:id="rId14"/>
+    <p:sldId id="476" r:id="rId15"/>
+    <p:sldId id="494" r:id="rId16"/>
+    <p:sldId id="501" r:id="rId17"/>
+    <p:sldId id="441" r:id="rId18"/>
+    <p:sldId id="491" r:id="rId19"/>
+    <p:sldId id="490" r:id="rId20"/>
+    <p:sldId id="504" r:id="rId21"/>
+    <p:sldId id="503" r:id="rId22"/>
+    <p:sldId id="447" r:id="rId23"/>
+    <p:sldId id="456" r:id="rId24"/>
+    <p:sldId id="509" r:id="rId25"/>
+    <p:sldId id="511" r:id="rId26"/>
+    <p:sldId id="512" r:id="rId27"/>
   </p:sldIdLst>
   <p:sldSz cx="12192000" cy="6858000"/>
   <p:notesSz cx="6858000" cy="9144000"/>
@@ -137,6 +138,7 @@
         <p14:section name="Intro" id="{6A0CCFBD-3720-4107-BC31-4D0B167B1053}">
           <p14:sldIdLst>
             <p14:sldId id="508"/>
+            <p14:sldId id="513"/>
             <p14:sldId id="422"/>
             <p14:sldId id="416"/>
             <p14:sldId id="417"/>
@@ -3510,153 +3512,23 @@
           <a:bodyPr/>
           <a:lstStyle/>
           <a:p>
-            <a:pPr marL="0" marR="0" lvl="0" indent="0" algn="l" defTabSz="914400" rtl="0" eaLnBrk="1" fontAlgn="auto" latinLnBrk="0" hangingPunct="1">
-              <a:lnSpc>
-                <a:spcPct val="100000"/>
-              </a:lnSpc>
-              <a:spcBef>
-                <a:spcPts val="0"/>
-              </a:spcBef>
-              <a:spcAft>
-                <a:spcPts val="0"/>
-              </a:spcAft>
-              <a:buClrTx/>
-              <a:buSzTx/>
-              <a:buFontTx/>
-              <a:buNone/>
-              <a:tabLst/>
-              <a:defRPr/>
-            </a:pPr>
             <a:r>
               <a:rPr lang="en-US" dirty="0"/>
-              <a:t>[10s]</a:t>
-            </a:r>
-          </a:p>
-          <a:p>
-            <a:pPr marL="0" marR="0" lvl="0" indent="0" algn="l" defTabSz="914400" rtl="0" eaLnBrk="1" fontAlgn="auto" latinLnBrk="0" hangingPunct="1">
-              <a:lnSpc>
-                <a:spcPct val="100000"/>
-              </a:lnSpc>
-              <a:spcBef>
-                <a:spcPts val="0"/>
-              </a:spcBef>
-              <a:spcAft>
-                <a:spcPts val="0"/>
-              </a:spcAft>
-              <a:buClrTx/>
-              <a:buSzTx/>
-              <a:buFontTx/>
-              <a:buNone/>
-              <a:tabLst/>
-              <a:defRPr/>
-            </a:pPr>
-            <a:r>
-              <a:rPr lang="en-US" dirty="0"/>
-              <a:t>No </a:t>
-            </a:r>
-            <a:r>
-              <a:rPr lang="en-US" dirty="0" err="1"/>
-              <a:t>dia</a:t>
-            </a:r>
-            <a:r>
-              <a:rPr lang="en-US" dirty="0"/>
-              <a:t> a </a:t>
-            </a:r>
-            <a:r>
-              <a:rPr lang="en-US" dirty="0" err="1"/>
-              <a:t>dia</a:t>
-            </a:r>
-            <a:r>
-              <a:rPr lang="en-US" dirty="0"/>
-              <a:t> de </a:t>
-            </a:r>
-            <a:r>
-              <a:rPr lang="en-US" dirty="0" err="1"/>
-              <a:t>cada</a:t>
-            </a:r>
-            <a:r>
-              <a:rPr lang="en-US" dirty="0"/>
-              <a:t> </a:t>
-            </a:r>
-            <a:r>
-              <a:rPr lang="en-US" dirty="0" err="1"/>
-              <a:t>colaborador</a:t>
-            </a:r>
-            <a:r>
-              <a:rPr lang="en-US" dirty="0"/>
-              <a:t> é normal a </a:t>
-            </a:r>
-            <a:r>
-              <a:rPr lang="en-US" dirty="0" err="1"/>
-              <a:t>procura</a:t>
-            </a:r>
-            <a:r>
-              <a:rPr lang="en-US" dirty="0"/>
-              <a:t> pela </a:t>
-            </a:r>
-            <a:r>
-              <a:rPr lang="en-US" dirty="0" err="1"/>
-              <a:t>otimização</a:t>
-            </a:r>
-            <a:r>
-              <a:rPr lang="en-US" dirty="0"/>
-              <a:t> a </a:t>
-            </a:r>
-            <a:r>
-              <a:rPr lang="en-US" dirty="0" err="1"/>
-              <a:t>utilização</a:t>
-            </a:r>
-            <a:r>
-              <a:rPr lang="en-US" dirty="0"/>
-              <a:t> do tempo </a:t>
-            </a:r>
-            <a:r>
-              <a:rPr lang="en-US" dirty="0" err="1"/>
-              <a:t>em</a:t>
-            </a:r>
-            <a:r>
-              <a:rPr lang="en-US" dirty="0"/>
-              <a:t> </a:t>
-            </a:r>
-            <a:r>
-              <a:rPr lang="en-US" dirty="0" err="1"/>
-              <a:t>tarefas</a:t>
-            </a:r>
-            <a:r>
-              <a:rPr lang="en-US" dirty="0"/>
-              <a:t> mais </a:t>
-            </a:r>
-            <a:r>
-              <a:rPr lang="en-US" dirty="0" err="1"/>
-              <a:t>rotineiras</a:t>
-            </a:r>
-            <a:r>
-              <a:rPr lang="en-US" dirty="0"/>
-              <a:t> e um das que mais </a:t>
-            </a:r>
-            <a:r>
-              <a:rPr lang="en-US" dirty="0" err="1"/>
-              <a:t>carecem</a:t>
-            </a:r>
-            <a:r>
-              <a:rPr lang="en-US" dirty="0"/>
-              <a:t> de </a:t>
-            </a:r>
-            <a:r>
-              <a:rPr lang="en-US" dirty="0" err="1"/>
-              <a:t>atenção</a:t>
-            </a:r>
-            <a:r>
-              <a:rPr lang="en-US" dirty="0"/>
-              <a:t> é o </a:t>
-            </a:r>
-            <a:r>
-              <a:rPr lang="en-US" dirty="0" err="1"/>
-              <a:t>registos</a:t>
-            </a:r>
-            <a:r>
-              <a:rPr lang="en-US" dirty="0"/>
-              <a:t> das horas.</a:t>
+              <a:t>If you found this, tweet about it!</a:t>
+            </a:r>
+          </a:p>
+          <a:p>
+            <a:r>
+              <a:rPr lang="pt-PT" sz="1200" b="1" i="0" kern="1200" dirty="0">
+                <a:solidFill>
+                  <a:schemeClr val="tx1"/>
+                </a:solidFill>
+                <a:effectLst/>
+                <a:latin typeface="+mn-lt"/>
+                <a:ea typeface="+mn-ea"/>
+                <a:cs typeface="+mn-cs"/>
+              </a:rPr>
+              <a:t>https://tinyurl.com/y9f5qkfy</a:t>
             </a:r>
             <a:endParaRPr lang="pt-PT" dirty="0"/>
           </a:p>
@@ -3688,7 +3560,7 @@
     </p:spTree>
     <p:extLst>
       <p:ext uri="{BB962C8B-B14F-4D97-AF65-F5344CB8AC3E}">
-        <p14:creationId xmlns:p14="http://schemas.microsoft.com/office/powerpoint/2010/main" val="1002386625"/>
+        <p14:creationId xmlns:p14="http://schemas.microsoft.com/office/powerpoint/2010/main" val="691380060"/>
       </p:ext>
     </p:extLst>
   </p:cSld>
@@ -3744,11 +3616,11 @@
           <a:p>
             <a:r>
               <a:rPr lang="en-US" dirty="0"/>
-              <a:t>[30s] Para que bot </a:t>
+              <a:t>[30s] Para </a:t>
             </a:r>
             <a:r>
               <a:rPr lang="en-US" dirty="0" err="1"/>
-              <a:t>entenda</a:t>
+              <a:t>podermos</a:t>
             </a:r>
             <a:r>
               <a:rPr lang="en-US" dirty="0"/>
@@ -3756,41 +3628,52 @@
             </a:r>
             <a:r>
               <a:rPr lang="en-US" dirty="0" err="1"/>
-              <a:t>melhor</a:t>
+              <a:t>identificar</a:t>
             </a:r>
             <a:r>
               <a:rPr lang="en-US" dirty="0"/>
-              <a:t> o input do </a:t>
+              <a:t> o </a:t>
             </a:r>
             <a:r>
               <a:rPr lang="en-US" dirty="0" err="1"/>
-              <a:t>colaborador</a:t>
+              <a:t>utilizador</a:t>
             </a:r>
             <a:r>
               <a:rPr lang="en-US" dirty="0"/>
-              <a:t> é </a:t>
+              <a:t> para </a:t>
             </a:r>
             <a:r>
               <a:rPr lang="en-US" dirty="0" err="1"/>
-              <a:t>usado</a:t>
+              <a:t>executar</a:t>
             </a:r>
             <a:r>
               <a:rPr lang="en-US" dirty="0"/>
-              <a:t> o LUIS para </a:t>
+              <a:t> as </a:t>
             </a:r>
             <a:r>
               <a:rPr lang="en-US" dirty="0" err="1"/>
-              <a:t>fazer</a:t>
+              <a:t>operações</a:t>
             </a:r>
             <a:r>
               <a:rPr lang="en-US" dirty="0"/>
-              <a:t> a </a:t>
+              <a:t> sob o CRM </a:t>
             </a:r>
             <a:r>
               <a:rPr lang="en-US" dirty="0" err="1"/>
-              <a:t>triagem</a:t>
-            </a:r>
-            <a:endParaRPr lang="en-US" dirty="0"/>
+              <a:t>usamos</a:t>
+            </a:r>
+            <a:r>
+              <a:rPr lang="en-US" dirty="0"/>
+              <a:t> o Azure AD </a:t>
+            </a:r>
+            <a:r>
+              <a:rPr lang="en-US" dirty="0" err="1"/>
+              <a:t>ou</a:t>
+            </a:r>
+            <a:r>
+              <a:rPr lang="en-US" dirty="0"/>
+              <a:t> Azure Active Directory</a:t>
+            </a:r>
           </a:p>
         </p:txBody>
       </p:sp>
@@ -3820,7 +3703,7 @@
     </p:spTree>
     <p:extLst>
       <p:ext uri="{BB962C8B-B14F-4D97-AF65-F5344CB8AC3E}">
-        <p14:creationId xmlns:p14="http://schemas.microsoft.com/office/powerpoint/2010/main" val="681191430"/>
+        <p14:creationId xmlns:p14="http://schemas.microsoft.com/office/powerpoint/2010/main" val="3109215568"/>
       </p:ext>
     </p:extLst>
   </p:cSld>
@@ -3876,13 +3759,27 @@
           <a:p>
             <a:r>
               <a:rPr lang="en-US" dirty="0"/>
-              <a:t>[30s]</a:t>
-            </a:r>
-          </a:p>
-          <a:p>
+              <a:t>[30s] Para que bot </a:t>
+            </a:r>
             <a:r>
               <a:rPr lang="en-US" dirty="0" err="1"/>
-              <a:t>Também</a:t>
+              <a:t>entenda</a:t>
+            </a:r>
+            <a:r>
+              <a:rPr lang="en-US" dirty="0"/>
+              <a:t> </a:t>
+            </a:r>
+            <a:r>
+              <a:rPr lang="en-US" dirty="0" err="1"/>
+              <a:t>melhor</a:t>
+            </a:r>
+            <a:r>
+              <a:rPr lang="en-US" dirty="0"/>
+              <a:t> o input do </a:t>
+            </a:r>
+            <a:r>
+              <a:rPr lang="en-US" dirty="0" err="1"/>
+              <a:t>colaborador</a:t>
             </a:r>
             <a:r>
               <a:rPr lang="en-US" dirty="0"/>
@@ -3894,8 +3791,21 @@
             </a:r>
             <a:r>
               <a:rPr lang="en-US" dirty="0"/>
-              <a:t> o Microsoft Flow</a:t>
-            </a:r>
+              <a:t> o LUIS para </a:t>
+            </a:r>
+            <a:r>
+              <a:rPr lang="en-US" dirty="0" err="1"/>
+              <a:t>fazer</a:t>
+            </a:r>
+            <a:r>
+              <a:rPr lang="en-US" dirty="0"/>
+              <a:t> a </a:t>
+            </a:r>
+            <a:r>
+              <a:rPr lang="en-US" dirty="0" err="1"/>
+              <a:t>triagem</a:t>
+            </a:r>
+            <a:endParaRPr lang="en-US" dirty="0"/>
           </a:p>
         </p:txBody>
       </p:sp>
@@ -3925,7 +3835,7 @@
     </p:spTree>
     <p:extLst>
       <p:ext uri="{BB962C8B-B14F-4D97-AF65-F5344CB8AC3E}">
-        <p14:creationId xmlns:p14="http://schemas.microsoft.com/office/powerpoint/2010/main" val="3093562586"/>
+        <p14:creationId xmlns:p14="http://schemas.microsoft.com/office/powerpoint/2010/main" val="681191430"/>
       </p:ext>
     </p:extLst>
   </p:cSld>
@@ -3981,101 +3891,25 @@
           <a:p>
             <a:r>
               <a:rPr lang="en-US" dirty="0"/>
-              <a:t>[20s]</a:t>
-            </a:r>
-          </a:p>
-          <a:p>
+              <a:t>[30s]</a:t>
+            </a:r>
+          </a:p>
+          <a:p>
+            <a:r>
+              <a:rPr lang="en-US" dirty="0" err="1"/>
+              <a:t>Também</a:t>
+            </a:r>
             <a:r>
               <a:rPr lang="en-US" dirty="0"/>
-              <a:t>Para </a:t>
+              <a:t> é </a:t>
             </a:r>
             <a:r>
               <a:rPr lang="en-US" dirty="0" err="1"/>
-              <a:t>criar</a:t>
+              <a:t>usado</a:t>
             </a:r>
             <a:r>
               <a:rPr lang="en-US" dirty="0"/>
-              <a:t> </a:t>
-            </a:r>
-            <a:r>
-              <a:rPr lang="en-US" dirty="0" err="1"/>
-              <a:t>uma</a:t>
-            </a:r>
-            <a:r>
-              <a:rPr lang="en-US" dirty="0"/>
-              <a:t> </a:t>
-            </a:r>
-            <a:r>
-              <a:rPr lang="en-US" dirty="0" err="1"/>
-              <a:t>regra</a:t>
-            </a:r>
-            <a:r>
-              <a:rPr lang="en-US" dirty="0"/>
-              <a:t> com </a:t>
-            </a:r>
-            <a:r>
-              <a:rPr lang="en-US" dirty="0" err="1"/>
-              <a:t>recorrencia</a:t>
-            </a:r>
-            <a:r>
-              <a:rPr lang="en-US" dirty="0"/>
-              <a:t> </a:t>
-            </a:r>
-            <a:r>
-              <a:rPr lang="en-US" dirty="0" err="1"/>
-              <a:t>diaria</a:t>
-            </a:r>
-            <a:r>
-              <a:rPr lang="en-US" dirty="0"/>
-              <a:t> para </a:t>
-            </a:r>
-            <a:r>
-              <a:rPr lang="en-US" dirty="0" err="1"/>
-              <a:t>ativar</a:t>
-            </a:r>
-            <a:r>
-              <a:rPr lang="en-US" dirty="0"/>
-              <a:t> o bot de forma a que </a:t>
-            </a:r>
-            <a:r>
-              <a:rPr lang="en-US" dirty="0" err="1"/>
-              <a:t>este</a:t>
-            </a:r>
-            <a:r>
-              <a:rPr lang="en-US" dirty="0"/>
-              <a:t> </a:t>
-            </a:r>
-            <a:r>
-              <a:rPr lang="en-US" dirty="0" err="1"/>
-              <a:t>seja</a:t>
-            </a:r>
-            <a:r>
-              <a:rPr lang="en-US" dirty="0"/>
-              <a:t> </a:t>
-            </a:r>
-            <a:r>
-              <a:rPr lang="en-US" dirty="0" err="1"/>
-              <a:t>proativo</a:t>
-            </a:r>
-            <a:r>
-              <a:rPr lang="en-US" dirty="0"/>
-              <a:t> </a:t>
-            </a:r>
-            <a:r>
-              <a:rPr lang="en-US" dirty="0" err="1"/>
-              <a:t>nos</a:t>
-            </a:r>
-            <a:r>
-              <a:rPr lang="en-US" dirty="0"/>
-              <a:t> </a:t>
-            </a:r>
-            <a:r>
-              <a:rPr lang="en-US" dirty="0" err="1"/>
-              <a:t>alertas</a:t>
-            </a:r>
-            <a:r>
-              <a:rPr lang="en-US" dirty="0"/>
-              <a:t>.</a:t>
+              <a:t> o Microsoft Flow</a:t>
             </a:r>
           </a:p>
         </p:txBody>
@@ -4106,6 +3940,187 @@
     </p:spTree>
     <p:extLst>
       <p:ext uri="{BB962C8B-B14F-4D97-AF65-F5344CB8AC3E}">
+        <p14:creationId xmlns:p14="http://schemas.microsoft.com/office/powerpoint/2010/main" val="3093562586"/>
+      </p:ext>
+    </p:extLst>
+  </p:cSld>
+  <p:clrMapOvr>
+    <a:masterClrMapping/>
+  </p:clrMapOvr>
+</p:notes>
+</file>
+
+<file path=ppt/notesSlides/notesSlide13.xml><?xml version="1.0" encoding="utf-8"?>
+<p:notes xmlns:a="http://schemas.openxmlformats.org/drawingml/2006/main" xmlns:r="http://schemas.openxmlformats.org/officeDocument/2006/relationships" xmlns:p="http://schemas.openxmlformats.org/presentationml/2006/main">
+  <p:cSld>
+    <p:spTree>
+      <p:nvGrpSpPr>
+        <p:cNvPr id="1" name=""/>
+        <p:cNvGrpSpPr/>
+        <p:nvPr/>
+      </p:nvGrpSpPr>
+      <p:grpSpPr>
+        <a:xfrm>
+          <a:off x="0" y="0"/>
+          <a:ext cx="0" cy="0"/>
+          <a:chOff x="0" y="0"/>
+          <a:chExt cx="0" cy="0"/>
+        </a:xfrm>
+      </p:grpSpPr>
+      <p:sp>
+        <p:nvSpPr>
+          <p:cNvPr id="2" name="Marcador de Posição da Imagem do Diapositivo 1"/>
+          <p:cNvSpPr>
+            <a:spLocks noGrp="1" noRot="1" noChangeAspect="1"/>
+          </p:cNvSpPr>
+          <p:nvPr>
+            <p:ph type="sldImg"/>
+          </p:nvPr>
+        </p:nvSpPr>
+        <p:spPr/>
+      </p:sp>
+      <p:sp>
+        <p:nvSpPr>
+          <p:cNvPr id="3" name="Marcador de Posição de Notas 2"/>
+          <p:cNvSpPr>
+            <a:spLocks noGrp="1"/>
+          </p:cNvSpPr>
+          <p:nvPr>
+            <p:ph type="body" idx="1"/>
+          </p:nvPr>
+        </p:nvSpPr>
+        <p:spPr/>
+        <p:txBody>
+          <a:bodyPr/>
+          <a:lstStyle/>
+          <a:p>
+            <a:r>
+              <a:rPr lang="en-US" dirty="0"/>
+              <a:t>[20s]</a:t>
+            </a:r>
+          </a:p>
+          <a:p>
+            <a:r>
+              <a:rPr lang="en-US" dirty="0"/>
+              <a:t>Para </a:t>
+            </a:r>
+            <a:r>
+              <a:rPr lang="en-US" dirty="0" err="1"/>
+              <a:t>criar</a:t>
+            </a:r>
+            <a:r>
+              <a:rPr lang="en-US" dirty="0"/>
+              <a:t> </a:t>
+            </a:r>
+            <a:r>
+              <a:rPr lang="en-US" dirty="0" err="1"/>
+              <a:t>uma</a:t>
+            </a:r>
+            <a:r>
+              <a:rPr lang="en-US" dirty="0"/>
+              <a:t> </a:t>
+            </a:r>
+            <a:r>
+              <a:rPr lang="en-US" dirty="0" err="1"/>
+              <a:t>regra</a:t>
+            </a:r>
+            <a:r>
+              <a:rPr lang="en-US" dirty="0"/>
+              <a:t> com </a:t>
+            </a:r>
+            <a:r>
+              <a:rPr lang="en-US" dirty="0" err="1"/>
+              <a:t>recorrencia</a:t>
+            </a:r>
+            <a:r>
+              <a:rPr lang="en-US" dirty="0"/>
+              <a:t> </a:t>
+            </a:r>
+            <a:r>
+              <a:rPr lang="en-US" dirty="0" err="1"/>
+              <a:t>diaria</a:t>
+            </a:r>
+            <a:r>
+              <a:rPr lang="en-US" dirty="0"/>
+              <a:t> para </a:t>
+            </a:r>
+            <a:r>
+              <a:rPr lang="en-US" dirty="0" err="1"/>
+              <a:t>ativar</a:t>
+            </a:r>
+            <a:r>
+              <a:rPr lang="en-US" dirty="0"/>
+              <a:t> o bot de forma a que </a:t>
+            </a:r>
+            <a:r>
+              <a:rPr lang="en-US" dirty="0" err="1"/>
+              <a:t>este</a:t>
+            </a:r>
+            <a:r>
+              <a:rPr lang="en-US" dirty="0"/>
+              <a:t> </a:t>
+            </a:r>
+            <a:r>
+              <a:rPr lang="en-US" dirty="0" err="1"/>
+              <a:t>seja</a:t>
+            </a:r>
+            <a:r>
+              <a:rPr lang="en-US" dirty="0"/>
+              <a:t> </a:t>
+            </a:r>
+            <a:r>
+              <a:rPr lang="en-US" dirty="0" err="1"/>
+              <a:t>proativo</a:t>
+            </a:r>
+            <a:r>
+              <a:rPr lang="en-US" dirty="0"/>
+              <a:t> </a:t>
+            </a:r>
+            <a:r>
+              <a:rPr lang="en-US" dirty="0" err="1"/>
+              <a:t>nos</a:t>
+            </a:r>
+            <a:r>
+              <a:rPr lang="en-US" dirty="0"/>
+              <a:t> </a:t>
+            </a:r>
+            <a:r>
+              <a:rPr lang="en-US" dirty="0" err="1"/>
+              <a:t>alertas</a:t>
+            </a:r>
+            <a:r>
+              <a:rPr lang="en-US" dirty="0"/>
+              <a:t>.</a:t>
+            </a:r>
+          </a:p>
+        </p:txBody>
+      </p:sp>
+      <p:sp>
+        <p:nvSpPr>
+          <p:cNvPr id="4" name="Marcador de Posição do Número do Diapositivo 3"/>
+          <p:cNvSpPr>
+            <a:spLocks noGrp="1"/>
+          </p:cNvSpPr>
+          <p:nvPr>
+            <p:ph type="sldNum" sz="quarter" idx="5"/>
+          </p:nvPr>
+        </p:nvSpPr>
+        <p:spPr/>
+        <p:txBody>
+          <a:bodyPr/>
+          <a:lstStyle/>
+          <a:p>
+            <a:fld id="{01283FAC-A721-45A3-BBDE-EAF2B09B7CD9}" type="slidenum">
+              <a:rPr lang="en-US" smtClean="0"/>
+              <a:t>15</a:t>
+            </a:fld>
+            <a:endParaRPr lang="en-US"/>
+          </a:p>
+        </p:txBody>
+      </p:sp>
+    </p:spTree>
+    <p:extLst>
+      <p:ext uri="{BB962C8B-B14F-4D97-AF65-F5344CB8AC3E}">
         <p14:creationId xmlns:p14="http://schemas.microsoft.com/office/powerpoint/2010/main" val="1385080331"/>
       </p:ext>
     </p:extLst>
@@ -4116,7 +4131,7 @@
 </p:notes>
 </file>
 
-<file path=ppt/notesSlides/notesSlide13.xml><?xml version="1.0" encoding="utf-8"?>
+<file path=ppt/notesSlides/notesSlide14.xml><?xml version="1.0" encoding="utf-8"?>
 <p:notes xmlns:a="http://schemas.openxmlformats.org/drawingml/2006/main" xmlns:r="http://schemas.openxmlformats.org/officeDocument/2006/relationships" xmlns:p="http://schemas.openxmlformats.org/presentationml/2006/main">
   <p:cSld>
     <p:spTree>
@@ -4184,7 +4199,7 @@
           <a:p>
             <a:fld id="{01283FAC-A721-45A3-BBDE-EAF2B09B7CD9}" type="slidenum">
               <a:rPr lang="en-US" smtClean="0"/>
-              <a:t>15</a:t>
+              <a:t>16</a:t>
             </a:fld>
             <a:endParaRPr lang="en-US"/>
           </a:p>
@@ -4194,94 +4209,6 @@
     <p:extLst>
       <p:ext uri="{BB962C8B-B14F-4D97-AF65-F5344CB8AC3E}">
         <p14:creationId xmlns:p14="http://schemas.microsoft.com/office/powerpoint/2010/main" val="59729904"/>
-      </p:ext>
-    </p:extLst>
-  </p:cSld>
-  <p:clrMapOvr>
-    <a:masterClrMapping/>
-  </p:clrMapOvr>
-</p:notes>
-</file>
-
-<file path=ppt/notesSlides/notesSlide14.xml><?xml version="1.0" encoding="utf-8"?>
-<p:notes xmlns:a="http://schemas.openxmlformats.org/drawingml/2006/main" xmlns:r="http://schemas.openxmlformats.org/officeDocument/2006/relationships" xmlns:p="http://schemas.openxmlformats.org/presentationml/2006/main">
-  <p:cSld>
-    <p:spTree>
-      <p:nvGrpSpPr>
-        <p:cNvPr id="1" name=""/>
-        <p:cNvGrpSpPr/>
-        <p:nvPr/>
-      </p:nvGrpSpPr>
-      <p:grpSpPr>
-        <a:xfrm>
-          <a:off x="0" y="0"/>
-          <a:ext cx="0" cy="0"/>
-          <a:chOff x="0" y="0"/>
-          <a:chExt cx="0" cy="0"/>
-        </a:xfrm>
-      </p:grpSpPr>
-      <p:sp>
-        <p:nvSpPr>
-          <p:cNvPr id="2" name="Marcador de Posição da Imagem do Diapositivo 1"/>
-          <p:cNvSpPr>
-            <a:spLocks noGrp="1" noRot="1" noChangeAspect="1"/>
-          </p:cNvSpPr>
-          <p:nvPr>
-            <p:ph type="sldImg"/>
-          </p:nvPr>
-        </p:nvSpPr>
-        <p:spPr/>
-      </p:sp>
-      <p:sp>
-        <p:nvSpPr>
-          <p:cNvPr id="3" name="Marcador de Posição de Notas 2"/>
-          <p:cNvSpPr>
-            <a:spLocks noGrp="1"/>
-          </p:cNvSpPr>
-          <p:nvPr>
-            <p:ph type="body" idx="1"/>
-          </p:nvPr>
-        </p:nvSpPr>
-        <p:spPr/>
-        <p:txBody>
-          <a:bodyPr/>
-          <a:lstStyle/>
-          <a:p>
-            <a:r>
-              <a:rPr lang="en-US" dirty="0"/>
-              <a:t>[30s]</a:t>
-            </a:r>
-            <a:endParaRPr lang="pt-PT" dirty="0"/>
-          </a:p>
-        </p:txBody>
-      </p:sp>
-      <p:sp>
-        <p:nvSpPr>
-          <p:cNvPr id="4" name="Marcador de Posição do Número do Diapositivo 3"/>
-          <p:cNvSpPr>
-            <a:spLocks noGrp="1"/>
-          </p:cNvSpPr>
-          <p:nvPr>
-            <p:ph type="sldNum" sz="quarter" idx="5"/>
-          </p:nvPr>
-        </p:nvSpPr>
-        <p:spPr/>
-        <p:txBody>
-          <a:bodyPr/>
-          <a:lstStyle/>
-          <a:p>
-            <a:fld id="{01283FAC-A721-45A3-BBDE-EAF2B09B7CD9}" type="slidenum">
-              <a:rPr lang="en-US" smtClean="0"/>
-              <a:t>16</a:t>
-            </a:fld>
-            <a:endParaRPr lang="en-US"/>
-          </a:p>
-        </p:txBody>
-      </p:sp>
-    </p:spTree>
-    <p:extLst>
-      <p:ext uri="{BB962C8B-B14F-4D97-AF65-F5344CB8AC3E}">
-        <p14:creationId xmlns:p14="http://schemas.microsoft.com/office/powerpoint/2010/main" val="1901790136"/>
       </p:ext>
     </p:extLst>
   </p:cSld>
@@ -4369,6 +4296,94 @@
     </p:spTree>
     <p:extLst>
       <p:ext uri="{BB962C8B-B14F-4D97-AF65-F5344CB8AC3E}">
+        <p14:creationId xmlns:p14="http://schemas.microsoft.com/office/powerpoint/2010/main" val="1901790136"/>
+      </p:ext>
+    </p:extLst>
+  </p:cSld>
+  <p:clrMapOvr>
+    <a:masterClrMapping/>
+  </p:clrMapOvr>
+</p:notes>
+</file>
+
+<file path=ppt/notesSlides/notesSlide16.xml><?xml version="1.0" encoding="utf-8"?>
+<p:notes xmlns:a="http://schemas.openxmlformats.org/drawingml/2006/main" xmlns:r="http://schemas.openxmlformats.org/officeDocument/2006/relationships" xmlns:p="http://schemas.openxmlformats.org/presentationml/2006/main">
+  <p:cSld>
+    <p:spTree>
+      <p:nvGrpSpPr>
+        <p:cNvPr id="1" name=""/>
+        <p:cNvGrpSpPr/>
+        <p:nvPr/>
+      </p:nvGrpSpPr>
+      <p:grpSpPr>
+        <a:xfrm>
+          <a:off x="0" y="0"/>
+          <a:ext cx="0" cy="0"/>
+          <a:chOff x="0" y="0"/>
+          <a:chExt cx="0" cy="0"/>
+        </a:xfrm>
+      </p:grpSpPr>
+      <p:sp>
+        <p:nvSpPr>
+          <p:cNvPr id="2" name="Marcador de Posição da Imagem do Diapositivo 1"/>
+          <p:cNvSpPr>
+            <a:spLocks noGrp="1" noRot="1" noChangeAspect="1"/>
+          </p:cNvSpPr>
+          <p:nvPr>
+            <p:ph type="sldImg"/>
+          </p:nvPr>
+        </p:nvSpPr>
+        <p:spPr/>
+      </p:sp>
+      <p:sp>
+        <p:nvSpPr>
+          <p:cNvPr id="3" name="Marcador de Posição de Notas 2"/>
+          <p:cNvSpPr>
+            <a:spLocks noGrp="1"/>
+          </p:cNvSpPr>
+          <p:nvPr>
+            <p:ph type="body" idx="1"/>
+          </p:nvPr>
+        </p:nvSpPr>
+        <p:spPr/>
+        <p:txBody>
+          <a:bodyPr/>
+          <a:lstStyle/>
+          <a:p>
+            <a:r>
+              <a:rPr lang="en-US" dirty="0"/>
+              <a:t>[30s]</a:t>
+            </a:r>
+            <a:endParaRPr lang="pt-PT" dirty="0"/>
+          </a:p>
+        </p:txBody>
+      </p:sp>
+      <p:sp>
+        <p:nvSpPr>
+          <p:cNvPr id="4" name="Marcador de Posição do Número do Diapositivo 3"/>
+          <p:cNvSpPr>
+            <a:spLocks noGrp="1"/>
+          </p:cNvSpPr>
+          <p:nvPr>
+            <p:ph type="sldNum" sz="quarter" idx="5"/>
+          </p:nvPr>
+        </p:nvSpPr>
+        <p:spPr/>
+        <p:txBody>
+          <a:bodyPr/>
+          <a:lstStyle/>
+          <a:p>
+            <a:fld id="{01283FAC-A721-45A3-BBDE-EAF2B09B7CD9}" type="slidenum">
+              <a:rPr lang="en-US" smtClean="0"/>
+              <a:t>18</a:t>
+            </a:fld>
+            <a:endParaRPr lang="en-US"/>
+          </a:p>
+        </p:txBody>
+      </p:sp>
+    </p:spTree>
+    <p:extLst>
+      <p:ext uri="{BB962C8B-B14F-4D97-AF65-F5344CB8AC3E}">
         <p14:creationId xmlns:p14="http://schemas.microsoft.com/office/powerpoint/2010/main" val="770022856"/>
       </p:ext>
     </p:extLst>
@@ -4379,7 +4394,7 @@
 </p:notes>
 </file>
 
-<file path=ppt/notesSlides/notesSlide16.xml><?xml version="1.0" encoding="utf-8"?>
+<file path=ppt/notesSlides/notesSlide17.xml><?xml version="1.0" encoding="utf-8"?>
 <p:notes xmlns:a="http://schemas.openxmlformats.org/drawingml/2006/main" xmlns:r="http://schemas.openxmlformats.org/officeDocument/2006/relationships" xmlns:p="http://schemas.openxmlformats.org/presentationml/2006/main">
   <p:cSld>
     <p:spTree>
@@ -4447,7 +4462,7 @@
           <a:p>
             <a:fld id="{01283FAC-A721-45A3-BBDE-EAF2B09B7CD9}" type="slidenum">
               <a:rPr lang="en-US" smtClean="0"/>
-              <a:t>18</a:t>
+              <a:t>19</a:t>
             </a:fld>
             <a:endParaRPr lang="en-US"/>
           </a:p>
@@ -4466,7 +4481,7 @@
 </p:notes>
 </file>
 
-<file path=ppt/notesSlides/notesSlide17.xml><?xml version="1.0" encoding="utf-8"?>
+<file path=ppt/notesSlides/notesSlide18.xml><?xml version="1.0" encoding="utf-8"?>
 <p:notes xmlns:a="http://schemas.openxmlformats.org/drawingml/2006/main" xmlns:r="http://schemas.openxmlformats.org/officeDocument/2006/relationships" xmlns:p="http://schemas.openxmlformats.org/presentationml/2006/main">
   <p:cSld>
     <p:spTree>
@@ -4535,7 +4550,7 @@
           <a:p>
             <a:fld id="{01283FAC-A721-45A3-BBDE-EAF2B09B7CD9}" type="slidenum">
               <a:rPr lang="en-US" smtClean="0"/>
-              <a:t>19</a:t>
+              <a:t>20</a:t>
             </a:fld>
             <a:endParaRPr lang="en-US"/>
           </a:p>
@@ -4554,7 +4569,7 @@
 </p:notes>
 </file>
 
-<file path=ppt/notesSlides/notesSlide18.xml><?xml version="1.0" encoding="utf-8"?>
+<file path=ppt/notesSlides/notesSlide19.xml><?xml version="1.0" encoding="utf-8"?>
 <p:notes xmlns:a="http://schemas.openxmlformats.org/drawingml/2006/main" xmlns:r="http://schemas.openxmlformats.org/officeDocument/2006/relationships" xmlns:p="http://schemas.openxmlformats.org/presentationml/2006/main">
   <p:cSld>
     <p:spTree>
@@ -4622,7 +4637,7 @@
           <a:p>
             <a:fld id="{01283FAC-A721-45A3-BBDE-EAF2B09B7CD9}" type="slidenum">
               <a:rPr lang="en-US" smtClean="0"/>
-              <a:t>20</a:t>
+              <a:t>21</a:t>
             </a:fld>
             <a:endParaRPr lang="en-US"/>
           </a:p>
@@ -4632,94 +4647,6 @@
     <p:extLst>
       <p:ext uri="{BB962C8B-B14F-4D97-AF65-F5344CB8AC3E}">
         <p14:creationId xmlns:p14="http://schemas.microsoft.com/office/powerpoint/2010/main" val="2401799420"/>
-      </p:ext>
-    </p:extLst>
-  </p:cSld>
-  <p:clrMapOvr>
-    <a:masterClrMapping/>
-  </p:clrMapOvr>
-</p:notes>
-</file>
-
-<file path=ppt/notesSlides/notesSlide19.xml><?xml version="1.0" encoding="utf-8"?>
-<p:notes xmlns:a="http://schemas.openxmlformats.org/drawingml/2006/main" xmlns:r="http://schemas.openxmlformats.org/officeDocument/2006/relationships" xmlns:p="http://schemas.openxmlformats.org/presentationml/2006/main">
-  <p:cSld>
-    <p:spTree>
-      <p:nvGrpSpPr>
-        <p:cNvPr id="1" name=""/>
-        <p:cNvGrpSpPr/>
-        <p:nvPr/>
-      </p:nvGrpSpPr>
-      <p:grpSpPr>
-        <a:xfrm>
-          <a:off x="0" y="0"/>
-          <a:ext cx="0" cy="0"/>
-          <a:chOff x="0" y="0"/>
-          <a:chExt cx="0" cy="0"/>
-        </a:xfrm>
-      </p:grpSpPr>
-      <p:sp>
-        <p:nvSpPr>
-          <p:cNvPr id="2" name="Marcador de Posição da Imagem do Diapositivo 1"/>
-          <p:cNvSpPr>
-            <a:spLocks noGrp="1" noRot="1" noChangeAspect="1"/>
-          </p:cNvSpPr>
-          <p:nvPr>
-            <p:ph type="sldImg"/>
-          </p:nvPr>
-        </p:nvSpPr>
-        <p:spPr/>
-      </p:sp>
-      <p:sp>
-        <p:nvSpPr>
-          <p:cNvPr id="3" name="Marcador de Posição de Notas 2"/>
-          <p:cNvSpPr>
-            <a:spLocks noGrp="1"/>
-          </p:cNvSpPr>
-          <p:nvPr>
-            <p:ph type="body" idx="1"/>
-          </p:nvPr>
-        </p:nvSpPr>
-        <p:spPr/>
-        <p:txBody>
-          <a:bodyPr/>
-          <a:lstStyle/>
-          <a:p>
-            <a:r>
-              <a:rPr lang="en-US" dirty="0"/>
-              <a:t>[60s]</a:t>
-            </a:r>
-            <a:endParaRPr lang="pt-PT" dirty="0"/>
-          </a:p>
-        </p:txBody>
-      </p:sp>
-      <p:sp>
-        <p:nvSpPr>
-          <p:cNvPr id="4" name="Marcador de Posição do Número do Diapositivo 3"/>
-          <p:cNvSpPr>
-            <a:spLocks noGrp="1"/>
-          </p:cNvSpPr>
-          <p:nvPr>
-            <p:ph type="sldNum" sz="quarter" idx="5"/>
-          </p:nvPr>
-        </p:nvSpPr>
-        <p:spPr/>
-        <p:txBody>
-          <a:bodyPr/>
-          <a:lstStyle/>
-          <a:p>
-            <a:fld id="{01283FAC-A721-45A3-BBDE-EAF2B09B7CD9}" type="slidenum">
-              <a:rPr lang="en-US" smtClean="0"/>
-              <a:t>21</a:t>
-            </a:fld>
-            <a:endParaRPr lang="en-US"/>
-          </a:p>
-        </p:txBody>
-      </p:sp>
-    </p:spTree>
-    <p:extLst>
-      <p:ext uri="{BB962C8B-B14F-4D97-AF65-F5344CB8AC3E}">
-        <p14:creationId xmlns:p14="http://schemas.microsoft.com/office/powerpoint/2010/main" val="1978866515"/>
       </p:ext>
     </p:extLst>
   </p:cSld>
@@ -4792,7 +4719,134 @@
             </a:pPr>
             <a:r>
               <a:rPr lang="en-US" dirty="0"/>
-              <a:t>[5s]</a:t>
+              <a:t>[10s]</a:t>
+            </a:r>
+          </a:p>
+          <a:p>
+            <a:pPr marL="0" marR="0" lvl="0" indent="0" algn="l" defTabSz="914400" rtl="0" eaLnBrk="1" fontAlgn="auto" latinLnBrk="0" hangingPunct="1">
+              <a:lnSpc>
+                <a:spcPct val="100000"/>
+              </a:lnSpc>
+              <a:spcBef>
+                <a:spcPts val="0"/>
+              </a:spcBef>
+              <a:spcAft>
+                <a:spcPts val="0"/>
+              </a:spcAft>
+              <a:buClrTx/>
+              <a:buSzTx/>
+              <a:buFontTx/>
+              <a:buNone/>
+              <a:tabLst/>
+              <a:defRPr/>
+            </a:pPr>
+            <a:r>
+              <a:rPr lang="en-US" dirty="0"/>
+              <a:t>No </a:t>
+            </a:r>
+            <a:r>
+              <a:rPr lang="en-US" dirty="0" err="1"/>
+              <a:t>dia</a:t>
+            </a:r>
+            <a:r>
+              <a:rPr lang="en-US" dirty="0"/>
+              <a:t> a </a:t>
+            </a:r>
+            <a:r>
+              <a:rPr lang="en-US" dirty="0" err="1"/>
+              <a:t>dia</a:t>
+            </a:r>
+            <a:r>
+              <a:rPr lang="en-US" dirty="0"/>
+              <a:t> de </a:t>
+            </a:r>
+            <a:r>
+              <a:rPr lang="en-US" dirty="0" err="1"/>
+              <a:t>cada</a:t>
+            </a:r>
+            <a:r>
+              <a:rPr lang="en-US" dirty="0"/>
+              <a:t> </a:t>
+            </a:r>
+            <a:r>
+              <a:rPr lang="en-US" dirty="0" err="1"/>
+              <a:t>colaborador</a:t>
+            </a:r>
+            <a:r>
+              <a:rPr lang="en-US" dirty="0"/>
+              <a:t> é normal a </a:t>
+            </a:r>
+            <a:r>
+              <a:rPr lang="en-US" dirty="0" err="1"/>
+              <a:t>procura</a:t>
+            </a:r>
+            <a:r>
+              <a:rPr lang="en-US" dirty="0"/>
+              <a:t> pela </a:t>
+            </a:r>
+            <a:r>
+              <a:rPr lang="en-US" dirty="0" err="1"/>
+              <a:t>otimização</a:t>
+            </a:r>
+            <a:r>
+              <a:rPr lang="en-US" dirty="0"/>
+              <a:t> a </a:t>
+            </a:r>
+            <a:r>
+              <a:rPr lang="en-US" dirty="0" err="1"/>
+              <a:t>utilização</a:t>
+            </a:r>
+            <a:r>
+              <a:rPr lang="en-US" dirty="0"/>
+              <a:t> do tempo </a:t>
+            </a:r>
+            <a:r>
+              <a:rPr lang="en-US" dirty="0" err="1"/>
+              <a:t>em</a:t>
+            </a:r>
+            <a:r>
+              <a:rPr lang="en-US" dirty="0"/>
+              <a:t> </a:t>
+            </a:r>
+            <a:r>
+              <a:rPr lang="en-US" dirty="0" err="1"/>
+              <a:t>tarefas</a:t>
+            </a:r>
+            <a:r>
+              <a:rPr lang="en-US" dirty="0"/>
+              <a:t> mais </a:t>
+            </a:r>
+            <a:r>
+              <a:rPr lang="en-US" dirty="0" err="1"/>
+              <a:t>rotineiras</a:t>
+            </a:r>
+            <a:r>
+              <a:rPr lang="en-US" dirty="0"/>
+              <a:t> e um das que mais </a:t>
+            </a:r>
+            <a:r>
+              <a:rPr lang="en-US" dirty="0" err="1"/>
+              <a:t>carecem</a:t>
+            </a:r>
+            <a:r>
+              <a:rPr lang="en-US" dirty="0"/>
+              <a:t> de </a:t>
+            </a:r>
+            <a:r>
+              <a:rPr lang="en-US" dirty="0" err="1"/>
+              <a:t>atenção</a:t>
+            </a:r>
+            <a:r>
+              <a:rPr lang="en-US" dirty="0"/>
+              <a:t> é o </a:t>
+            </a:r>
+            <a:r>
+              <a:rPr lang="en-US" dirty="0" err="1"/>
+              <a:t>registos</a:t>
+            </a:r>
+            <a:r>
+              <a:rPr lang="en-US" dirty="0"/>
+              <a:t> das horas.</a:t>
             </a:r>
             <a:endParaRPr lang="pt-PT" dirty="0"/>
           </a:p>
@@ -4824,7 +4878,7 @@
     </p:spTree>
     <p:extLst>
       <p:ext uri="{BB962C8B-B14F-4D97-AF65-F5344CB8AC3E}">
-        <p14:creationId xmlns:p14="http://schemas.microsoft.com/office/powerpoint/2010/main" val="3348391638"/>
+        <p14:creationId xmlns:p14="http://schemas.microsoft.com/office/powerpoint/2010/main" val="1002386625"/>
       </p:ext>
     </p:extLst>
   </p:cSld>
@@ -4835,6 +4889,94 @@
 </file>
 
 <file path=ppt/notesSlides/notesSlide20.xml><?xml version="1.0" encoding="utf-8"?>
+<p:notes xmlns:a="http://schemas.openxmlformats.org/drawingml/2006/main" xmlns:r="http://schemas.openxmlformats.org/officeDocument/2006/relationships" xmlns:p="http://schemas.openxmlformats.org/presentationml/2006/main">
+  <p:cSld>
+    <p:spTree>
+      <p:nvGrpSpPr>
+        <p:cNvPr id="1" name=""/>
+        <p:cNvGrpSpPr/>
+        <p:nvPr/>
+      </p:nvGrpSpPr>
+      <p:grpSpPr>
+        <a:xfrm>
+          <a:off x="0" y="0"/>
+          <a:ext cx="0" cy="0"/>
+          <a:chOff x="0" y="0"/>
+          <a:chExt cx="0" cy="0"/>
+        </a:xfrm>
+      </p:grpSpPr>
+      <p:sp>
+        <p:nvSpPr>
+          <p:cNvPr id="2" name="Marcador de Posição da Imagem do Diapositivo 1"/>
+          <p:cNvSpPr>
+            <a:spLocks noGrp="1" noRot="1" noChangeAspect="1"/>
+          </p:cNvSpPr>
+          <p:nvPr>
+            <p:ph type="sldImg"/>
+          </p:nvPr>
+        </p:nvSpPr>
+        <p:spPr/>
+      </p:sp>
+      <p:sp>
+        <p:nvSpPr>
+          <p:cNvPr id="3" name="Marcador de Posição de Notas 2"/>
+          <p:cNvSpPr>
+            <a:spLocks noGrp="1"/>
+          </p:cNvSpPr>
+          <p:nvPr>
+            <p:ph type="body" idx="1"/>
+          </p:nvPr>
+        </p:nvSpPr>
+        <p:spPr/>
+        <p:txBody>
+          <a:bodyPr/>
+          <a:lstStyle/>
+          <a:p>
+            <a:r>
+              <a:rPr lang="en-US" dirty="0"/>
+              <a:t>[60s]</a:t>
+            </a:r>
+            <a:endParaRPr lang="pt-PT" dirty="0"/>
+          </a:p>
+        </p:txBody>
+      </p:sp>
+      <p:sp>
+        <p:nvSpPr>
+          <p:cNvPr id="4" name="Marcador de Posição do Número do Diapositivo 3"/>
+          <p:cNvSpPr>
+            <a:spLocks noGrp="1"/>
+          </p:cNvSpPr>
+          <p:nvPr>
+            <p:ph type="sldNum" sz="quarter" idx="5"/>
+          </p:nvPr>
+        </p:nvSpPr>
+        <p:spPr/>
+        <p:txBody>
+          <a:bodyPr/>
+          <a:lstStyle/>
+          <a:p>
+            <a:fld id="{01283FAC-A721-45A3-BBDE-EAF2B09B7CD9}" type="slidenum">
+              <a:rPr lang="en-US" smtClean="0"/>
+              <a:t>22</a:t>
+            </a:fld>
+            <a:endParaRPr lang="en-US"/>
+          </a:p>
+        </p:txBody>
+      </p:sp>
+    </p:spTree>
+    <p:extLst>
+      <p:ext uri="{BB962C8B-B14F-4D97-AF65-F5344CB8AC3E}">
+        <p14:creationId xmlns:p14="http://schemas.microsoft.com/office/powerpoint/2010/main" val="1978866515"/>
+      </p:ext>
+    </p:extLst>
+  </p:cSld>
+  <p:clrMapOvr>
+    <a:masterClrMapping/>
+  </p:clrMapOvr>
+</p:notes>
+</file>
+
+<file path=ppt/notesSlides/notesSlide21.xml><?xml version="1.0" encoding="utf-8"?>
 <p:notes xmlns:a="http://schemas.openxmlformats.org/drawingml/2006/main" xmlns:r="http://schemas.openxmlformats.org/officeDocument/2006/relationships" xmlns:p="http://schemas.openxmlformats.org/presentationml/2006/main">
   <p:cSld>
     <p:spTree>
@@ -4902,7 +5044,7 @@
           <a:p>
             <a:fld id="{01283FAC-A721-45A3-BBDE-EAF2B09B7CD9}" type="slidenum">
               <a:rPr lang="en-US" smtClean="0"/>
-              <a:t>22</a:t>
+              <a:t>23</a:t>
             </a:fld>
             <a:endParaRPr lang="en-US"/>
           </a:p>
@@ -4912,94 +5054,6 @@
     <p:extLst>
       <p:ext uri="{BB962C8B-B14F-4D97-AF65-F5344CB8AC3E}">
         <p14:creationId xmlns:p14="http://schemas.microsoft.com/office/powerpoint/2010/main" val="2126888572"/>
-      </p:ext>
-    </p:extLst>
-  </p:cSld>
-  <p:clrMapOvr>
-    <a:masterClrMapping/>
-  </p:clrMapOvr>
-</p:notes>
-</file>
-
-<file path=ppt/notesSlides/notesSlide21.xml><?xml version="1.0" encoding="utf-8"?>
-<p:notes xmlns:a="http://schemas.openxmlformats.org/drawingml/2006/main" xmlns:r="http://schemas.openxmlformats.org/officeDocument/2006/relationships" xmlns:p="http://schemas.openxmlformats.org/presentationml/2006/main">
-  <p:cSld>
-    <p:spTree>
-      <p:nvGrpSpPr>
-        <p:cNvPr id="1" name=""/>
-        <p:cNvGrpSpPr/>
-        <p:nvPr/>
-      </p:nvGrpSpPr>
-      <p:grpSpPr>
-        <a:xfrm>
-          <a:off x="0" y="0"/>
-          <a:ext cx="0" cy="0"/>
-          <a:chOff x="0" y="0"/>
-          <a:chExt cx="0" cy="0"/>
-        </a:xfrm>
-      </p:grpSpPr>
-      <p:sp>
-        <p:nvSpPr>
-          <p:cNvPr id="2" name="Marcador de Posição da Imagem do Diapositivo 1"/>
-          <p:cNvSpPr>
-            <a:spLocks noGrp="1" noRot="1" noChangeAspect="1"/>
-          </p:cNvSpPr>
-          <p:nvPr>
-            <p:ph type="sldImg"/>
-          </p:nvPr>
-        </p:nvSpPr>
-        <p:spPr/>
-      </p:sp>
-      <p:sp>
-        <p:nvSpPr>
-          <p:cNvPr id="3" name="Marcador de Posição de Notas 2"/>
-          <p:cNvSpPr>
-            <a:spLocks noGrp="1"/>
-          </p:cNvSpPr>
-          <p:nvPr>
-            <p:ph type="body" idx="1"/>
-          </p:nvPr>
-        </p:nvSpPr>
-        <p:spPr/>
-        <p:txBody>
-          <a:bodyPr/>
-          <a:lstStyle/>
-          <a:p>
-            <a:r>
-              <a:rPr lang="en-US" dirty="0"/>
-              <a:t>[60s]</a:t>
-            </a:r>
-            <a:endParaRPr lang="pt-PT" dirty="0"/>
-          </a:p>
-        </p:txBody>
-      </p:sp>
-      <p:sp>
-        <p:nvSpPr>
-          <p:cNvPr id="4" name="Marcador de Posição do Número do Diapositivo 3"/>
-          <p:cNvSpPr>
-            <a:spLocks noGrp="1"/>
-          </p:cNvSpPr>
-          <p:nvPr>
-            <p:ph type="sldNum" sz="quarter" idx="5"/>
-          </p:nvPr>
-        </p:nvSpPr>
-        <p:spPr/>
-        <p:txBody>
-          <a:bodyPr/>
-          <a:lstStyle/>
-          <a:p>
-            <a:fld id="{01283FAC-A721-45A3-BBDE-EAF2B09B7CD9}" type="slidenum">
-              <a:rPr lang="en-US" smtClean="0"/>
-              <a:t>23</a:t>
-            </a:fld>
-            <a:endParaRPr lang="en-US"/>
-          </a:p>
-        </p:txBody>
-      </p:sp>
-    </p:spTree>
-    <p:extLst>
-      <p:ext uri="{BB962C8B-B14F-4D97-AF65-F5344CB8AC3E}">
-        <p14:creationId xmlns:p14="http://schemas.microsoft.com/office/powerpoint/2010/main" val="2682389337"/>
       </p:ext>
     </p:extLst>
   </p:cSld>
@@ -5079,6 +5133,94 @@
             <a:fld id="{01283FAC-A721-45A3-BBDE-EAF2B09B7CD9}" type="slidenum">
               <a:rPr lang="en-US" smtClean="0"/>
               <a:t>24</a:t>
+            </a:fld>
+            <a:endParaRPr lang="en-US"/>
+          </a:p>
+        </p:txBody>
+      </p:sp>
+    </p:spTree>
+    <p:extLst>
+      <p:ext uri="{BB962C8B-B14F-4D97-AF65-F5344CB8AC3E}">
+        <p14:creationId xmlns:p14="http://schemas.microsoft.com/office/powerpoint/2010/main" val="2682389337"/>
+      </p:ext>
+    </p:extLst>
+  </p:cSld>
+  <p:clrMapOvr>
+    <a:masterClrMapping/>
+  </p:clrMapOvr>
+</p:notes>
+</file>
+
+<file path=ppt/notesSlides/notesSlide23.xml><?xml version="1.0" encoding="utf-8"?>
+<p:notes xmlns:a="http://schemas.openxmlformats.org/drawingml/2006/main" xmlns:r="http://schemas.openxmlformats.org/officeDocument/2006/relationships" xmlns:p="http://schemas.openxmlformats.org/presentationml/2006/main">
+  <p:cSld>
+    <p:spTree>
+      <p:nvGrpSpPr>
+        <p:cNvPr id="1" name=""/>
+        <p:cNvGrpSpPr/>
+        <p:nvPr/>
+      </p:nvGrpSpPr>
+      <p:grpSpPr>
+        <a:xfrm>
+          <a:off x="0" y="0"/>
+          <a:ext cx="0" cy="0"/>
+          <a:chOff x="0" y="0"/>
+          <a:chExt cx="0" cy="0"/>
+        </a:xfrm>
+      </p:grpSpPr>
+      <p:sp>
+        <p:nvSpPr>
+          <p:cNvPr id="2" name="Marcador de Posição da Imagem do Diapositivo 1"/>
+          <p:cNvSpPr>
+            <a:spLocks noGrp="1" noRot="1" noChangeAspect="1"/>
+          </p:cNvSpPr>
+          <p:nvPr>
+            <p:ph type="sldImg"/>
+          </p:nvPr>
+        </p:nvSpPr>
+        <p:spPr/>
+      </p:sp>
+      <p:sp>
+        <p:nvSpPr>
+          <p:cNvPr id="3" name="Marcador de Posição de Notas 2"/>
+          <p:cNvSpPr>
+            <a:spLocks noGrp="1"/>
+          </p:cNvSpPr>
+          <p:nvPr>
+            <p:ph type="body" idx="1"/>
+          </p:nvPr>
+        </p:nvSpPr>
+        <p:spPr/>
+        <p:txBody>
+          <a:bodyPr/>
+          <a:lstStyle/>
+          <a:p>
+            <a:r>
+              <a:rPr lang="en-US" dirty="0"/>
+              <a:t>[60s]</a:t>
+            </a:r>
+            <a:endParaRPr lang="pt-PT" dirty="0"/>
+          </a:p>
+        </p:txBody>
+      </p:sp>
+      <p:sp>
+        <p:nvSpPr>
+          <p:cNvPr id="4" name="Marcador de Posição do Número do Diapositivo 3"/>
+          <p:cNvSpPr>
+            <a:spLocks noGrp="1"/>
+          </p:cNvSpPr>
+          <p:nvPr>
+            <p:ph type="sldNum" sz="quarter" idx="5"/>
+          </p:nvPr>
+        </p:nvSpPr>
+        <p:spPr/>
+        <p:txBody>
+          <a:bodyPr/>
+          <a:lstStyle/>
+          <a:p>
+            <a:fld id="{01283FAC-A721-45A3-BBDE-EAF2B09B7CD9}" type="slidenum">
+              <a:rPr lang="en-US" smtClean="0"/>
+              <a:t>25</a:t>
             </a:fld>
             <a:endParaRPr lang="en-US"/>
           </a:p>
@@ -5141,9 +5283,26 @@
           <a:bodyPr/>
           <a:lstStyle/>
           <a:p>
+            <a:pPr marL="0" marR="0" lvl="0" indent="0" algn="l" defTabSz="914400" rtl="0" eaLnBrk="1" fontAlgn="auto" latinLnBrk="0" hangingPunct="1">
+              <a:lnSpc>
+                <a:spcPct val="100000"/>
+              </a:lnSpc>
+              <a:spcBef>
+                <a:spcPts val="0"/>
+              </a:spcBef>
+              <a:spcAft>
+                <a:spcPts val="0"/>
+              </a:spcAft>
+              <a:buClrTx/>
+              <a:buSzTx/>
+              <a:buFontTx/>
+              <a:buNone/>
+              <a:tabLst/>
+              <a:defRPr/>
+            </a:pPr>
             <a:r>
               <a:rPr lang="en-US" dirty="0"/>
-              <a:t>[2s]</a:t>
+              <a:t>[5s]</a:t>
             </a:r>
             <a:endParaRPr lang="pt-PT" dirty="0"/>
           </a:p>
@@ -5175,6 +5334,94 @@
     </p:spTree>
     <p:extLst>
       <p:ext uri="{BB962C8B-B14F-4D97-AF65-F5344CB8AC3E}">
+        <p14:creationId xmlns:p14="http://schemas.microsoft.com/office/powerpoint/2010/main" val="3348391638"/>
+      </p:ext>
+    </p:extLst>
+  </p:cSld>
+  <p:clrMapOvr>
+    <a:masterClrMapping/>
+  </p:clrMapOvr>
+</p:notes>
+</file>
+
+<file path=ppt/notesSlides/notesSlide4.xml><?xml version="1.0" encoding="utf-8"?>
+<p:notes xmlns:a="http://schemas.openxmlformats.org/drawingml/2006/main" xmlns:r="http://schemas.openxmlformats.org/officeDocument/2006/relationships" xmlns:p="http://schemas.openxmlformats.org/presentationml/2006/main">
+  <p:cSld>
+    <p:spTree>
+      <p:nvGrpSpPr>
+        <p:cNvPr id="1" name=""/>
+        <p:cNvGrpSpPr/>
+        <p:nvPr/>
+      </p:nvGrpSpPr>
+      <p:grpSpPr>
+        <a:xfrm>
+          <a:off x="0" y="0"/>
+          <a:ext cx="0" cy="0"/>
+          <a:chOff x="0" y="0"/>
+          <a:chExt cx="0" cy="0"/>
+        </a:xfrm>
+      </p:grpSpPr>
+      <p:sp>
+        <p:nvSpPr>
+          <p:cNvPr id="2" name="Marcador de Posição da Imagem do Diapositivo 1"/>
+          <p:cNvSpPr>
+            <a:spLocks noGrp="1" noRot="1" noChangeAspect="1"/>
+          </p:cNvSpPr>
+          <p:nvPr>
+            <p:ph type="sldImg"/>
+          </p:nvPr>
+        </p:nvSpPr>
+        <p:spPr/>
+      </p:sp>
+      <p:sp>
+        <p:nvSpPr>
+          <p:cNvPr id="3" name="Marcador de Posição de Notas 2"/>
+          <p:cNvSpPr>
+            <a:spLocks noGrp="1"/>
+          </p:cNvSpPr>
+          <p:nvPr>
+            <p:ph type="body" idx="1"/>
+          </p:nvPr>
+        </p:nvSpPr>
+        <p:spPr/>
+        <p:txBody>
+          <a:bodyPr/>
+          <a:lstStyle/>
+          <a:p>
+            <a:r>
+              <a:rPr lang="en-US" dirty="0"/>
+              <a:t>[2s]</a:t>
+            </a:r>
+            <a:endParaRPr lang="pt-PT" dirty="0"/>
+          </a:p>
+        </p:txBody>
+      </p:sp>
+      <p:sp>
+        <p:nvSpPr>
+          <p:cNvPr id="4" name="Marcador de Posição do Número do Diapositivo 3"/>
+          <p:cNvSpPr>
+            <a:spLocks noGrp="1"/>
+          </p:cNvSpPr>
+          <p:nvPr>
+            <p:ph type="sldNum" sz="quarter" idx="5"/>
+          </p:nvPr>
+        </p:nvSpPr>
+        <p:spPr/>
+        <p:txBody>
+          <a:bodyPr/>
+          <a:lstStyle/>
+          <a:p>
+            <a:fld id="{01283FAC-A721-45A3-BBDE-EAF2B09B7CD9}" type="slidenum">
+              <a:rPr lang="en-US" smtClean="0"/>
+              <a:t>5</a:t>
+            </a:fld>
+            <a:endParaRPr lang="en-US"/>
+          </a:p>
+        </p:txBody>
+      </p:sp>
+    </p:spTree>
+    <p:extLst>
+      <p:ext uri="{BB962C8B-B14F-4D97-AF65-F5344CB8AC3E}">
         <p14:creationId xmlns:p14="http://schemas.microsoft.com/office/powerpoint/2010/main" val="2788510090"/>
       </p:ext>
     </p:extLst>
@@ -5185,7 +5432,7 @@
 </p:notes>
 </file>
 
-<file path=ppt/notesSlides/notesSlide4.xml><?xml version="1.0" encoding="utf-8"?>
+<file path=ppt/notesSlides/notesSlide5.xml><?xml version="1.0" encoding="utf-8"?>
 <p:notes xmlns:a="http://schemas.openxmlformats.org/drawingml/2006/main" xmlns:r="http://schemas.openxmlformats.org/officeDocument/2006/relationships" xmlns:p="http://schemas.openxmlformats.org/presentationml/2006/main">
   <p:cSld>
     <p:spTree>
@@ -5276,7 +5523,7 @@
           <a:p>
             <a:fld id="{01283FAC-A721-45A3-BBDE-EAF2B09B7CD9}" type="slidenum">
               <a:rPr lang="en-US" smtClean="0"/>
-              <a:t>5</a:t>
+              <a:t>6</a:t>
             </a:fld>
             <a:endParaRPr lang="en-US"/>
           </a:p>
@@ -5286,152 +5533,6 @@
     <p:extLst>
       <p:ext uri="{BB962C8B-B14F-4D97-AF65-F5344CB8AC3E}">
         <p14:creationId xmlns:p14="http://schemas.microsoft.com/office/powerpoint/2010/main" val="1445374738"/>
-      </p:ext>
-    </p:extLst>
-  </p:cSld>
-  <p:clrMapOvr>
-    <a:masterClrMapping/>
-  </p:clrMapOvr>
-</p:notes>
-</file>
-
-<file path=ppt/notesSlides/notesSlide5.xml><?xml version="1.0" encoding="utf-8"?>
-<p:notes xmlns:a="http://schemas.openxmlformats.org/drawingml/2006/main" xmlns:r="http://schemas.openxmlformats.org/officeDocument/2006/relationships" xmlns:p="http://schemas.openxmlformats.org/presentationml/2006/main">
-  <p:cSld>
-    <p:spTree>
-      <p:nvGrpSpPr>
-        <p:cNvPr id="1" name=""/>
-        <p:cNvGrpSpPr/>
-        <p:nvPr/>
-      </p:nvGrpSpPr>
-      <p:grpSpPr>
-        <a:xfrm>
-          <a:off x="0" y="0"/>
-          <a:ext cx="0" cy="0"/>
-          <a:chOff x="0" y="0"/>
-          <a:chExt cx="0" cy="0"/>
-        </a:xfrm>
-      </p:grpSpPr>
-      <p:sp>
-        <p:nvSpPr>
-          <p:cNvPr id="2" name="Marcador de Posição da Imagem do Diapositivo 1"/>
-          <p:cNvSpPr>
-            <a:spLocks noGrp="1" noRot="1" noChangeAspect="1"/>
-          </p:cNvSpPr>
-          <p:nvPr>
-            <p:ph type="sldImg"/>
-          </p:nvPr>
-        </p:nvSpPr>
-        <p:spPr/>
-      </p:sp>
-      <p:sp>
-        <p:nvSpPr>
-          <p:cNvPr id="3" name="Marcador de Posição de Notas 2"/>
-          <p:cNvSpPr>
-            <a:spLocks noGrp="1"/>
-          </p:cNvSpPr>
-          <p:nvPr>
-            <p:ph type="body" idx="1"/>
-          </p:nvPr>
-        </p:nvSpPr>
-        <p:spPr/>
-        <p:txBody>
-          <a:bodyPr/>
-          <a:lstStyle/>
-          <a:p>
-            <a:r>
-              <a:rPr lang="en-US" dirty="0"/>
-              <a:t>[20s]</a:t>
-            </a:r>
-          </a:p>
-          <a:p>
-            <a:r>
-              <a:rPr lang="en-US" dirty="0"/>
-              <a:t>É </a:t>
-            </a:r>
-            <a:r>
-              <a:rPr lang="en-US" dirty="0" err="1"/>
-              <a:t>usado</a:t>
-            </a:r>
-            <a:r>
-              <a:rPr lang="en-US" dirty="0"/>
-              <a:t> o bot framework que é </a:t>
-            </a:r>
-            <a:r>
-              <a:rPr lang="en-US" dirty="0" err="1"/>
-              <a:t>responsável</a:t>
-            </a:r>
-            <a:r>
-              <a:rPr lang="en-US" dirty="0"/>
-              <a:t> pela </a:t>
-            </a:r>
-            <a:r>
-              <a:rPr lang="en-US" dirty="0" err="1"/>
-              <a:t>abstração</a:t>
-            </a:r>
-            <a:r>
-              <a:rPr lang="en-US" dirty="0"/>
-              <a:t> da </a:t>
-            </a:r>
-            <a:r>
-              <a:rPr lang="en-US" dirty="0" err="1"/>
-              <a:t>comunicação</a:t>
-            </a:r>
-            <a:r>
-              <a:rPr lang="en-US" dirty="0"/>
-              <a:t> com </a:t>
-            </a:r>
-            <a:r>
-              <a:rPr lang="en-US" dirty="0" err="1"/>
-              <a:t>os</a:t>
-            </a:r>
-            <a:r>
-              <a:rPr lang="en-US" dirty="0"/>
-              <a:t> </a:t>
-            </a:r>
-            <a:r>
-              <a:rPr lang="en-US" dirty="0" err="1"/>
-              <a:t>canais</a:t>
-            </a:r>
-            <a:r>
-              <a:rPr lang="en-US" dirty="0"/>
-              <a:t> de </a:t>
-            </a:r>
-            <a:r>
-              <a:rPr lang="en-US" dirty="0" err="1"/>
-              <a:t>comunicação</a:t>
-            </a:r>
-            <a:endParaRPr lang="pt-PT" dirty="0"/>
-          </a:p>
-        </p:txBody>
-      </p:sp>
-      <p:sp>
-        <p:nvSpPr>
-          <p:cNvPr id="4" name="Marcador de Posição do Número do Diapositivo 3"/>
-          <p:cNvSpPr>
-            <a:spLocks noGrp="1"/>
-          </p:cNvSpPr>
-          <p:nvPr>
-            <p:ph type="sldNum" sz="quarter" idx="5"/>
-          </p:nvPr>
-        </p:nvSpPr>
-        <p:spPr/>
-        <p:txBody>
-          <a:bodyPr/>
-          <a:lstStyle/>
-          <a:p>
-            <a:fld id="{01283FAC-A721-45A3-BBDE-EAF2B09B7CD9}" type="slidenum">
-              <a:rPr lang="en-US" smtClean="0"/>
-              <a:t>6</a:t>
-            </a:fld>
-            <a:endParaRPr lang="en-US"/>
-          </a:p>
-        </p:txBody>
-      </p:sp>
-    </p:spTree>
-    <p:extLst>
-      <p:ext uri="{BB962C8B-B14F-4D97-AF65-F5344CB8AC3E}">
-        <p14:creationId xmlns:p14="http://schemas.microsoft.com/office/powerpoint/2010/main" val="513363707"/>
       </p:ext>
     </p:extLst>
   </p:cSld>
@@ -5485,65 +5586,39 @@
           <a:bodyPr/>
           <a:lstStyle/>
           <a:p>
-            <a:pPr marL="0" marR="0" lvl="0" indent="0" algn="l" defTabSz="914400" rtl="0" eaLnBrk="1" fontAlgn="auto" latinLnBrk="0" hangingPunct="1">
-              <a:lnSpc>
-                <a:spcPct val="100000"/>
-              </a:lnSpc>
-              <a:spcBef>
-                <a:spcPts val="0"/>
-              </a:spcBef>
-              <a:spcAft>
-                <a:spcPts val="0"/>
-              </a:spcAft>
-              <a:buClrTx/>
-              <a:buSzTx/>
-              <a:buFont typeface="Arial" panose="020B0604020202020204" pitchFamily="34" charset="0"/>
-              <a:buNone/>
-              <a:tabLst/>
-              <a:defRPr/>
-            </a:pPr>
             <a:r>
               <a:rPr lang="en-US" dirty="0"/>
-              <a:t>[10s]</a:t>
-            </a:r>
-          </a:p>
-          <a:p>
-            <a:pPr marL="0" marR="0" lvl="0" indent="0" algn="l" defTabSz="914400" rtl="0" eaLnBrk="1" fontAlgn="auto" latinLnBrk="0" hangingPunct="1">
-              <a:lnSpc>
-                <a:spcPct val="100000"/>
-              </a:lnSpc>
-              <a:spcBef>
-                <a:spcPts val="0"/>
-              </a:spcBef>
-              <a:spcAft>
-                <a:spcPts val="0"/>
-              </a:spcAft>
-              <a:buClrTx/>
-              <a:buSzTx/>
-              <a:buFont typeface="Arial" panose="020B0604020202020204" pitchFamily="34" charset="0"/>
-              <a:buNone/>
-              <a:tabLst/>
-              <a:defRPr/>
-            </a:pPr>
+              <a:t>[20s]</a:t>
+            </a:r>
+          </a:p>
+          <a:p>
             <a:r>
               <a:rPr lang="en-US" dirty="0"/>
               <a:t>É </a:t>
             </a:r>
             <a:r>
               <a:rPr lang="en-US" dirty="0" err="1"/>
-              <a:t>implementado</a:t>
+              <a:t>usado</a:t>
             </a:r>
             <a:r>
               <a:rPr lang="en-US" dirty="0"/>
-              <a:t> um plugin que </a:t>
+              <a:t> o bot framework que é </a:t>
             </a:r>
             <a:r>
               <a:rPr lang="en-US" dirty="0" err="1"/>
-              <a:t>faz</a:t>
+              <a:t>responsável</a:t>
             </a:r>
             <a:r>
               <a:rPr lang="en-US" dirty="0"/>
-              <a:t> a </a:t>
+              <a:t> pela </a:t>
+            </a:r>
+            <a:r>
+              <a:rPr lang="en-US" dirty="0" err="1"/>
+              <a:t>abstração</a:t>
+            </a:r>
+            <a:r>
+              <a:rPr lang="en-US" dirty="0"/>
+              <a:t> da </a:t>
             </a:r>
             <a:r>
               <a:rPr lang="en-US" dirty="0" err="1"/>
@@ -5551,8 +5626,29 @@
             </a:r>
             <a:r>
               <a:rPr lang="en-US" dirty="0"/>
-              <a:t> da solução com o CRM</a:t>
-            </a:r>
+              <a:t> com </a:t>
+            </a:r>
+            <a:r>
+              <a:rPr lang="en-US" dirty="0" err="1"/>
+              <a:t>os</a:t>
+            </a:r>
+            <a:r>
+              <a:rPr lang="en-US" dirty="0"/>
+              <a:t> </a:t>
+            </a:r>
+            <a:r>
+              <a:rPr lang="en-US" dirty="0" err="1"/>
+              <a:t>canais</a:t>
+            </a:r>
+            <a:r>
+              <a:rPr lang="en-US" dirty="0"/>
+              <a:t> de </a:t>
+            </a:r>
+            <a:r>
+              <a:rPr lang="en-US" dirty="0" err="1"/>
+              <a:t>comunicação</a:t>
+            </a:r>
+            <a:endParaRPr lang="pt-PT" dirty="0"/>
           </a:p>
         </p:txBody>
       </p:sp>
@@ -5573,7 +5669,7 @@
           <a:p>
             <a:fld id="{01283FAC-A721-45A3-BBDE-EAF2B09B7CD9}" type="slidenum">
               <a:rPr lang="en-US" smtClean="0"/>
-              <a:t>8</a:t>
+              <a:t>7</a:t>
             </a:fld>
             <a:endParaRPr lang="en-US"/>
           </a:p>
@@ -5582,7 +5678,7 @@
     </p:spTree>
     <p:extLst>
       <p:ext uri="{BB962C8B-B14F-4D97-AF65-F5344CB8AC3E}">
-        <p14:creationId xmlns:p14="http://schemas.microsoft.com/office/powerpoint/2010/main" val="618019258"/>
+        <p14:creationId xmlns:p14="http://schemas.microsoft.com/office/powerpoint/2010/main" val="513363707"/>
       </p:ext>
     </p:extLst>
   </p:cSld>
@@ -5636,23 +5732,57 @@
           <a:bodyPr/>
           <a:lstStyle/>
           <a:p>
+            <a:pPr marL="0" marR="0" lvl="0" indent="0" algn="l" defTabSz="914400" rtl="0" eaLnBrk="1" fontAlgn="auto" latinLnBrk="0" hangingPunct="1">
+              <a:lnSpc>
+                <a:spcPct val="100000"/>
+              </a:lnSpc>
+              <a:spcBef>
+                <a:spcPts val="0"/>
+              </a:spcBef>
+              <a:spcAft>
+                <a:spcPts val="0"/>
+              </a:spcAft>
+              <a:buClrTx/>
+              <a:buSzTx/>
+              <a:buFont typeface="Arial" panose="020B0604020202020204" pitchFamily="34" charset="0"/>
+              <a:buNone/>
+              <a:tabLst/>
+              <a:defRPr/>
+            </a:pPr>
             <a:r>
               <a:rPr lang="en-US" dirty="0"/>
-              <a:t>[10s] </a:t>
-            </a:r>
-          </a:p>
-          <a:p>
+              <a:t>[10s]</a:t>
+            </a:r>
+          </a:p>
+          <a:p>
+            <a:pPr marL="0" marR="0" lvl="0" indent="0" algn="l" defTabSz="914400" rtl="0" eaLnBrk="1" fontAlgn="auto" latinLnBrk="0" hangingPunct="1">
+              <a:lnSpc>
+                <a:spcPct val="100000"/>
+              </a:lnSpc>
+              <a:spcBef>
+                <a:spcPts val="0"/>
+              </a:spcBef>
+              <a:spcAft>
+                <a:spcPts val="0"/>
+              </a:spcAft>
+              <a:buClrTx/>
+              <a:buSzTx/>
+              <a:buFont typeface="Arial" panose="020B0604020202020204" pitchFamily="34" charset="0"/>
+              <a:buNone/>
+              <a:tabLst/>
+              <a:defRPr/>
+            </a:pPr>
             <a:r>
               <a:rPr lang="en-US" dirty="0"/>
-              <a:t>Depois é </a:t>
+              <a:t>É </a:t>
             </a:r>
             <a:r>
               <a:rPr lang="en-US" dirty="0" err="1"/>
-              <a:t>criado</a:t>
+              <a:t>implementado</a:t>
             </a:r>
             <a:r>
               <a:rPr lang="en-US" dirty="0"/>
-              <a:t> o bot que </a:t>
+              <a:t> um plugin que </a:t>
             </a:r>
             <a:r>
               <a:rPr lang="en-US" dirty="0" err="1"/>
@@ -5668,52 +5798,8 @@
             </a:r>
             <a:r>
               <a:rPr lang="en-US" dirty="0"/>
-              <a:t> com esse plugin para a </a:t>
-            </a:r>
-          </a:p>
-          <a:p>
-            <a:pPr marL="171450" indent="-171450">
-              <a:buFont typeface="Arial" panose="020B0604020202020204" pitchFamily="34" charset="0"/>
-              <a:buChar char="•"/>
-            </a:pPr>
-            <a:r>
-              <a:rPr lang="en-US" dirty="0" err="1"/>
-              <a:t>Criação</a:t>
-            </a:r>
-            <a:endParaRPr lang="en-US" dirty="0"/>
-          </a:p>
-          <a:p>
-            <a:pPr marL="171450" indent="-171450">
-              <a:buFont typeface="Arial" panose="020B0604020202020204" pitchFamily="34" charset="0"/>
-              <a:buChar char="•"/>
-            </a:pPr>
-            <a:r>
-              <a:rPr lang="en-US" dirty="0" err="1"/>
-              <a:t>Listagem</a:t>
-            </a:r>
-            <a:r>
-              <a:rPr lang="en-US" dirty="0"/>
-              <a:t> e a </a:t>
-            </a:r>
-          </a:p>
-          <a:p>
-            <a:pPr marL="171450" indent="-171450">
-              <a:buFont typeface="Arial" panose="020B0604020202020204" pitchFamily="34" charset="0"/>
-              <a:buChar char="•"/>
-            </a:pPr>
-            <a:r>
-              <a:rPr lang="en-US" dirty="0" err="1"/>
-              <a:t>Anulação</a:t>
-            </a:r>
-            <a:r>
-              <a:rPr lang="en-US" dirty="0"/>
-              <a:t> de </a:t>
-            </a:r>
-            <a:r>
-              <a:rPr lang="en-US" dirty="0" err="1"/>
-              <a:t>registos</a:t>
-            </a:r>
-            <a:endParaRPr lang="en-US" dirty="0"/>
+              <a:t> da solução com o CRM</a:t>
+            </a:r>
           </a:p>
         </p:txBody>
       </p:sp>
@@ -5743,7 +5829,7 @@
     </p:spTree>
     <p:extLst>
       <p:ext uri="{BB962C8B-B14F-4D97-AF65-F5344CB8AC3E}">
-        <p14:creationId xmlns:p14="http://schemas.microsoft.com/office/powerpoint/2010/main" val="1103250774"/>
+        <p14:creationId xmlns:p14="http://schemas.microsoft.com/office/powerpoint/2010/main" val="618019258"/>
       </p:ext>
     </p:extLst>
   </p:cSld>
@@ -5904,7 +5990,7 @@
     </p:spTree>
     <p:extLst>
       <p:ext uri="{BB962C8B-B14F-4D97-AF65-F5344CB8AC3E}">
-        <p14:creationId xmlns:p14="http://schemas.microsoft.com/office/powerpoint/2010/main" val="2443300081"/>
+        <p14:creationId xmlns:p14="http://schemas.microsoft.com/office/powerpoint/2010/main" val="1103250774"/>
       </p:ext>
     </p:extLst>
   </p:cSld>
@@ -5960,64 +6046,82 @@
           <a:p>
             <a:r>
               <a:rPr lang="en-US" dirty="0"/>
-              <a:t>[30s] Para </a:t>
+              <a:t>[10s] </a:t>
+            </a:r>
+          </a:p>
+          <a:p>
+            <a:r>
+              <a:rPr lang="en-US" dirty="0"/>
+              <a:t>Depois é </a:t>
             </a:r>
             <a:r>
               <a:rPr lang="en-US" dirty="0" err="1"/>
-              <a:t>podermos</a:t>
+              <a:t>criado</a:t>
             </a:r>
             <a:r>
               <a:rPr lang="en-US" dirty="0"/>
-              <a:t> </a:t>
+              <a:t> o bot que </a:t>
             </a:r>
             <a:r>
               <a:rPr lang="en-US" dirty="0" err="1"/>
-              <a:t>identificar</a:t>
+              <a:t>faz</a:t>
             </a:r>
             <a:r>
               <a:rPr lang="en-US" dirty="0"/>
-              <a:t> o </a:t>
+              <a:t> a </a:t>
             </a:r>
             <a:r>
               <a:rPr lang="en-US" dirty="0" err="1"/>
-              <a:t>utilizador</a:t>
+              <a:t>comunicação</a:t>
             </a:r>
             <a:r>
               <a:rPr lang="en-US" dirty="0"/>
-              <a:t> para </a:t>
-            </a:r>
+              <a:t> com esse plugin para a </a:t>
+            </a:r>
+          </a:p>
+          <a:p>
+            <a:pPr marL="171450" indent="-171450">
+              <a:buFont typeface="Arial" panose="020B0604020202020204" pitchFamily="34" charset="0"/>
+              <a:buChar char="•"/>
+            </a:pPr>
             <a:r>
               <a:rPr lang="en-US" dirty="0" err="1"/>
-              <a:t>executar</a:t>
+              <a:t>Criação</a:t>
+            </a:r>
+            <a:endParaRPr lang="en-US" dirty="0"/>
+          </a:p>
+          <a:p>
+            <a:pPr marL="171450" indent="-171450">
+              <a:buFont typeface="Arial" panose="020B0604020202020204" pitchFamily="34" charset="0"/>
+              <a:buChar char="•"/>
+            </a:pPr>
+            <a:r>
+              <a:rPr lang="en-US" dirty="0" err="1"/>
+              <a:t>Listagem</a:t>
             </a:r>
             <a:r>
               <a:rPr lang="en-US" dirty="0"/>
-              <a:t> as </a:t>
-            </a:r>
+              <a:t> e a </a:t>
+            </a:r>
+          </a:p>
+          <a:p>
+            <a:pPr marL="171450" indent="-171450">
+              <a:buFont typeface="Arial" panose="020B0604020202020204" pitchFamily="34" charset="0"/>
+              <a:buChar char="•"/>
+            </a:pPr>
             <a:r>
               <a:rPr lang="en-US" dirty="0" err="1"/>
-              <a:t>operações</a:t>
+              <a:t>Anulação</a:t>
             </a:r>
             <a:r>
               <a:rPr lang="en-US" dirty="0"/>
-              <a:t> sob o CRM </a:t>
+              <a:t> de </a:t>
             </a:r>
             <a:r>
               <a:rPr lang="en-US" dirty="0" err="1"/>
-              <a:t>usamos</a:t>
-            </a:r>
-            <a:r>
-              <a:rPr lang="en-US" dirty="0"/>
-              <a:t> o Azure AD </a:t>
-            </a:r>
-            <a:r>
-              <a:rPr lang="en-US" dirty="0" err="1"/>
-              <a:t>ou</a:t>
-            </a:r>
-            <a:r>
-              <a:rPr lang="en-US" dirty="0"/>
-              <a:t> Azure Active Directory</a:t>
-            </a:r>
+              <a:t>registos</a:t>
+            </a:r>
+            <a:endParaRPr lang="en-US" dirty="0"/>
           </a:p>
         </p:txBody>
       </p:sp>
@@ -6047,7 +6151,7 @@
     </p:spTree>
     <p:extLst>
       <p:ext uri="{BB962C8B-B14F-4D97-AF65-F5344CB8AC3E}">
-        <p14:creationId xmlns:p14="http://schemas.microsoft.com/office/powerpoint/2010/main" val="3109215568"/>
+        <p14:creationId xmlns:p14="http://schemas.microsoft.com/office/powerpoint/2010/main" val="2443300081"/>
       </p:ext>
     </p:extLst>
   </p:cSld>
@@ -20675,6 +20779,530 @@
           <a:chExt cx="0" cy="0"/>
         </a:xfrm>
       </p:grpSpPr>
+      <p:grpSp>
+        <p:nvGrpSpPr>
+          <p:cNvPr id="3" name="Group 2">
+            <a:extLst>
+              <a:ext uri="{FF2B5EF4-FFF2-40B4-BE49-F238E27FC236}">
+                <a16:creationId xmlns:a16="http://schemas.microsoft.com/office/drawing/2014/main" id="{0F0383F6-EE1B-40B4-A2B4-18FDD0B65173}"/>
+              </a:ext>
+            </a:extLst>
+          </p:cNvPr>
+          <p:cNvGrpSpPr/>
+          <p:nvPr/>
+        </p:nvGrpSpPr>
+        <p:grpSpPr>
+          <a:xfrm>
+            <a:off x="3046152" y="2705406"/>
+            <a:ext cx="1718034" cy="2066891"/>
+            <a:chOff x="2881523" y="2434361"/>
+            <a:chExt cx="1718034" cy="2066891"/>
+          </a:xfrm>
+        </p:grpSpPr>
+        <p:pic>
+          <p:nvPicPr>
+            <p:cNvPr id="23" name="Imagem 22" descr="Bot Framework">
+              <a:extLst>
+                <a:ext uri="{FF2B5EF4-FFF2-40B4-BE49-F238E27FC236}">
+                  <a16:creationId xmlns:a16="http://schemas.microsoft.com/office/drawing/2014/main" id="{24E6F6A0-E1DF-4931-B914-D1FAC4D2E331}"/>
+                </a:ext>
+                <a:ext uri="{C183D7F6-B498-43B3-948B-1728B52AA6E4}">
+                  <adec:decorative xmlns:adec="http://schemas.microsoft.com/office/drawing/2017/decorative" val="0"/>
+                </a:ext>
+              </a:extLst>
+            </p:cNvPr>
+            <p:cNvPicPr>
+              <a:picLocks noChangeAspect="1"/>
+            </p:cNvPicPr>
+            <p:nvPr/>
+          </p:nvPicPr>
+          <p:blipFill>
+            <a:blip r:embed="rId3">
+              <a:extLst>
+                <a:ext uri="{28A0092B-C50C-407E-A947-70E740481C1C}">
+                  <a14:useLocalDpi xmlns:a14="http://schemas.microsoft.com/office/drawing/2010/main" val="0"/>
+                </a:ext>
+              </a:extLst>
+            </a:blip>
+            <a:stretch>
+              <a:fillRect/>
+            </a:stretch>
+          </p:blipFill>
+          <p:spPr>
+            <a:xfrm>
+              <a:off x="2927698" y="2434361"/>
+              <a:ext cx="1625684" cy="1625684"/>
+            </a:xfrm>
+            <a:prstGeom prst="rect">
+              <a:avLst/>
+            </a:prstGeom>
+          </p:spPr>
+        </p:pic>
+        <p:sp>
+          <p:nvSpPr>
+            <p:cNvPr id="25" name="CaixaDeTexto 24">
+              <a:extLst>
+                <a:ext uri="{FF2B5EF4-FFF2-40B4-BE49-F238E27FC236}">
+                  <a16:creationId xmlns:a16="http://schemas.microsoft.com/office/drawing/2014/main" id="{FD786B10-3A10-430B-85C2-8959575BE24B}"/>
+                </a:ext>
+              </a:extLst>
+            </p:cNvPr>
+            <p:cNvSpPr txBox="1"/>
+            <p:nvPr/>
+          </p:nvSpPr>
+          <p:spPr>
+            <a:xfrm>
+              <a:off x="2881523" y="4131920"/>
+              <a:ext cx="1718034" cy="369332"/>
+            </a:xfrm>
+            <a:prstGeom prst="rect">
+              <a:avLst/>
+            </a:prstGeom>
+            <a:noFill/>
+          </p:spPr>
+          <p:txBody>
+            <a:bodyPr wrap="none" rtlCol="0">
+              <a:spAutoFit/>
+            </a:bodyPr>
+            <a:lstStyle/>
+            <a:p>
+              <a:r>
+                <a:rPr lang="en-US" dirty="0"/>
+                <a:t>Bot Framework</a:t>
+              </a:r>
+            </a:p>
+          </p:txBody>
+        </p:sp>
+      </p:grpSp>
+      <p:sp>
+        <p:nvSpPr>
+          <p:cNvPr id="26" name="Seta: Para a Direita 25">
+            <a:extLst>
+              <a:ext uri="{FF2B5EF4-FFF2-40B4-BE49-F238E27FC236}">
+                <a16:creationId xmlns:a16="http://schemas.microsoft.com/office/drawing/2014/main" id="{56608159-C789-424A-80CF-9B45136DFF9F}"/>
+              </a:ext>
+            </a:extLst>
+          </p:cNvPr>
+          <p:cNvSpPr/>
+          <p:nvPr/>
+        </p:nvSpPr>
+        <p:spPr>
+          <a:xfrm>
+            <a:off x="5479200" y="3247203"/>
+            <a:ext cx="2190750" cy="519706"/>
+          </a:xfrm>
+          <a:prstGeom prst="rightArrow">
+            <a:avLst/>
+          </a:prstGeom>
+          <a:solidFill>
+            <a:schemeClr val="accent1">
+              <a:lumMod val="75000"/>
+            </a:schemeClr>
+          </a:solidFill>
+          <a:ln>
+            <a:noFill/>
+          </a:ln>
+        </p:spPr>
+        <p:style>
+          <a:lnRef idx="2">
+            <a:schemeClr val="accent1">
+              <a:shade val="50000"/>
+            </a:schemeClr>
+          </a:lnRef>
+          <a:fillRef idx="1">
+            <a:schemeClr val="accent1"/>
+          </a:fillRef>
+          <a:effectRef idx="0">
+            <a:schemeClr val="accent1"/>
+          </a:effectRef>
+          <a:fontRef idx="minor">
+            <a:schemeClr val="lt1"/>
+          </a:fontRef>
+        </p:style>
+        <p:txBody>
+          <a:bodyPr rtlCol="0" anchor="ctr"/>
+          <a:lstStyle/>
+          <a:p>
+            <a:pPr algn="ctr"/>
+            <a:endParaRPr lang="en-US" dirty="0">
+              <a:solidFill>
+                <a:schemeClr val="bg1"/>
+              </a:solidFill>
+            </a:endParaRPr>
+          </a:p>
+        </p:txBody>
+      </p:sp>
+      <p:sp>
+        <p:nvSpPr>
+          <p:cNvPr id="2" name="Título 1">
+            <a:extLst>
+              <a:ext uri="{FF2B5EF4-FFF2-40B4-BE49-F238E27FC236}">
+                <a16:creationId xmlns:a16="http://schemas.microsoft.com/office/drawing/2014/main" id="{CB62B9E9-0D50-4AD2-9915-759A37C90587}"/>
+              </a:ext>
+            </a:extLst>
+          </p:cNvPr>
+          <p:cNvSpPr>
+            <a:spLocks noGrp="1"/>
+          </p:cNvSpPr>
+          <p:nvPr>
+            <p:ph type="title"/>
+          </p:nvPr>
+        </p:nvSpPr>
+        <p:spPr/>
+        <p:txBody>
+          <a:bodyPr/>
+          <a:lstStyle/>
+          <a:p>
+            <a:r>
+              <a:rPr lang="en-US" dirty="0"/>
+              <a:t>API de </a:t>
+            </a:r>
+            <a:r>
+              <a:rPr lang="en-US" dirty="0" err="1"/>
+              <a:t>Gestão</a:t>
+            </a:r>
+            <a:r>
+              <a:rPr lang="en-US" dirty="0"/>
+              <a:t> de </a:t>
+            </a:r>
+            <a:r>
+              <a:rPr lang="en-US" dirty="0" err="1"/>
+              <a:t>Registos</a:t>
+            </a:r>
+            <a:r>
+              <a:rPr lang="en-US" dirty="0"/>
+              <a:t> (</a:t>
+            </a:r>
+            <a:r>
+              <a:rPr lang="en-US" dirty="0" err="1"/>
+              <a:t>TimeSheets</a:t>
+            </a:r>
+            <a:r>
+              <a:rPr lang="en-US" dirty="0"/>
+              <a:t>)</a:t>
+            </a:r>
+          </a:p>
+        </p:txBody>
+      </p:sp>
+      <p:sp>
+        <p:nvSpPr>
+          <p:cNvPr id="12" name="CaixaDeTexto 11">
+            <a:extLst>
+              <a:ext uri="{FF2B5EF4-FFF2-40B4-BE49-F238E27FC236}">
+                <a16:creationId xmlns:a16="http://schemas.microsoft.com/office/drawing/2014/main" id="{24F71750-F8EC-4789-9C22-DC92B3825188}"/>
+              </a:ext>
+            </a:extLst>
+          </p:cNvPr>
+          <p:cNvSpPr txBox="1"/>
+          <p:nvPr/>
+        </p:nvSpPr>
+        <p:spPr>
+          <a:xfrm>
+            <a:off x="5373369" y="2243741"/>
+            <a:ext cx="2613216" cy="923330"/>
+          </a:xfrm>
+          <a:prstGeom prst="rect">
+            <a:avLst/>
+          </a:prstGeom>
+          <a:noFill/>
+        </p:spPr>
+        <p:txBody>
+          <a:bodyPr wrap="none" rtlCol="0">
+            <a:spAutoFit/>
+          </a:bodyPr>
+          <a:lstStyle/>
+          <a:p>
+            <a:pPr marL="285750" indent="-285750">
+              <a:buFont typeface="Arial" panose="020B0604020202020204" pitchFamily="34" charset="0"/>
+              <a:buChar char="•"/>
+            </a:pPr>
+            <a:r>
+              <a:rPr lang="en-US" dirty="0"/>
+              <a:t>Criar </a:t>
+            </a:r>
+            <a:r>
+              <a:rPr lang="en-US" dirty="0" err="1"/>
+              <a:t>registo</a:t>
+            </a:r>
+            <a:endParaRPr lang="en-US" dirty="0"/>
+          </a:p>
+          <a:p>
+            <a:pPr marL="285750" indent="-285750">
+              <a:buFont typeface="Arial" panose="020B0604020202020204" pitchFamily="34" charset="0"/>
+              <a:buChar char="•"/>
+            </a:pPr>
+            <a:r>
+              <a:rPr lang="en-US" dirty="0" err="1"/>
+              <a:t>Listar</a:t>
+            </a:r>
+            <a:r>
+              <a:rPr lang="en-US" dirty="0"/>
+              <a:t> </a:t>
+            </a:r>
+            <a:r>
+              <a:rPr lang="en-US" dirty="0" err="1"/>
+              <a:t>registos</a:t>
+            </a:r>
+            <a:endParaRPr lang="en-US" dirty="0"/>
+          </a:p>
+          <a:p>
+            <a:pPr marL="285750" indent="-285750">
+              <a:buFont typeface="Arial" panose="020B0604020202020204" pitchFamily="34" charset="0"/>
+              <a:buChar char="•"/>
+            </a:pPr>
+            <a:r>
+              <a:rPr lang="en-US" dirty="0" err="1"/>
+              <a:t>Anular</a:t>
+            </a:r>
+            <a:r>
+              <a:rPr lang="en-US" dirty="0"/>
+              <a:t> </a:t>
+            </a:r>
+            <a:r>
+              <a:rPr lang="en-US" dirty="0" err="1"/>
+              <a:t>último</a:t>
+            </a:r>
+            <a:r>
+              <a:rPr lang="en-US" dirty="0"/>
+              <a:t> </a:t>
+            </a:r>
+            <a:r>
+              <a:rPr lang="en-US" dirty="0" err="1"/>
+              <a:t>registo</a:t>
+            </a:r>
+            <a:endParaRPr lang="en-US" dirty="0"/>
+          </a:p>
+        </p:txBody>
+      </p:sp>
+      <p:pic>
+        <p:nvPicPr>
+          <p:cNvPr id="27" name="Imagem 35">
+            <a:extLst>
+              <a:ext uri="{FF2B5EF4-FFF2-40B4-BE49-F238E27FC236}">
+                <a16:creationId xmlns:a16="http://schemas.microsoft.com/office/drawing/2014/main" id="{C2DF9BEF-91B5-4C3A-B670-B93CCD0266C3}"/>
+              </a:ext>
+            </a:extLst>
+          </p:cNvPr>
+          <p:cNvPicPr>
+            <a:picLocks noChangeAspect="1"/>
+          </p:cNvPicPr>
+          <p:nvPr/>
+        </p:nvPicPr>
+        <p:blipFill>
+          <a:blip r:embed="rId4">
+            <a:extLst>
+              <a:ext uri="{28A0092B-C50C-407E-A947-70E740481C1C}">
+                <a14:useLocalDpi xmlns:a14="http://schemas.microsoft.com/office/drawing/2010/main" val="0"/>
+              </a:ext>
+            </a:extLst>
+          </a:blip>
+          <a:stretch>
+            <a:fillRect/>
+          </a:stretch>
+        </p:blipFill>
+        <p:spPr>
+          <a:xfrm>
+            <a:off x="13303263" y="3167071"/>
+            <a:ext cx="3016137" cy="700382"/>
+          </a:xfrm>
+          <a:prstGeom prst="rect">
+            <a:avLst/>
+          </a:prstGeom>
+        </p:spPr>
+      </p:pic>
+      <p:sp>
+        <p:nvSpPr>
+          <p:cNvPr id="35" name="Seta: Para a Direita 2">
+            <a:extLst>
+              <a:ext uri="{FF2B5EF4-FFF2-40B4-BE49-F238E27FC236}">
+                <a16:creationId xmlns:a16="http://schemas.microsoft.com/office/drawing/2014/main" id="{954F5AF3-BDD1-4958-9B1C-96AE11DF5742}"/>
+              </a:ext>
+            </a:extLst>
+          </p:cNvPr>
+          <p:cNvSpPr/>
+          <p:nvPr/>
+        </p:nvSpPr>
+        <p:spPr>
+          <a:xfrm>
+            <a:off x="10667957" y="3257409"/>
+            <a:ext cx="2190750" cy="519706"/>
+          </a:xfrm>
+          <a:prstGeom prst="rightArrow">
+            <a:avLst/>
+          </a:prstGeom>
+          <a:solidFill>
+            <a:schemeClr val="accent1">
+              <a:lumMod val="75000"/>
+            </a:schemeClr>
+          </a:solidFill>
+          <a:ln>
+            <a:noFill/>
+          </a:ln>
+        </p:spPr>
+        <p:style>
+          <a:lnRef idx="2">
+            <a:schemeClr val="accent1">
+              <a:shade val="50000"/>
+            </a:schemeClr>
+          </a:lnRef>
+          <a:fillRef idx="1">
+            <a:schemeClr val="accent1"/>
+          </a:fillRef>
+          <a:effectRef idx="0">
+            <a:schemeClr val="accent1"/>
+          </a:effectRef>
+          <a:fontRef idx="minor">
+            <a:schemeClr val="lt1"/>
+          </a:fontRef>
+        </p:style>
+        <p:txBody>
+          <a:bodyPr rtlCol="0" anchor="ctr"/>
+          <a:lstStyle/>
+          <a:p>
+            <a:pPr algn="ctr"/>
+            <a:endParaRPr lang="en-US" dirty="0">
+              <a:solidFill>
+                <a:schemeClr val="bg1"/>
+              </a:solidFill>
+            </a:endParaRPr>
+          </a:p>
+        </p:txBody>
+      </p:sp>
+      <p:grpSp>
+        <p:nvGrpSpPr>
+          <p:cNvPr id="36" name="Agrupar 12">
+            <a:extLst>
+              <a:ext uri="{FF2B5EF4-FFF2-40B4-BE49-F238E27FC236}">
+                <a16:creationId xmlns:a16="http://schemas.microsoft.com/office/drawing/2014/main" id="{0D1FA898-9503-4155-B437-F48073DF27A1}"/>
+              </a:ext>
+            </a:extLst>
+          </p:cNvPr>
+          <p:cNvGrpSpPr/>
+          <p:nvPr/>
+        </p:nvGrpSpPr>
+        <p:grpSpPr>
+          <a:xfrm>
+            <a:off x="8595768" y="2611113"/>
+            <a:ext cx="1627632" cy="1812298"/>
+            <a:chOff x="4961009" y="-311009"/>
+            <a:chExt cx="1627632" cy="1812298"/>
+          </a:xfrm>
+        </p:grpSpPr>
+        <p:pic>
+          <p:nvPicPr>
+            <p:cNvPr id="37" name="Imagem 13" descr="Uma imagem com objeto&#10;&#10;Descrição gerada automaticamente">
+              <a:extLst>
+                <a:ext uri="{FF2B5EF4-FFF2-40B4-BE49-F238E27FC236}">
+                  <a16:creationId xmlns:a16="http://schemas.microsoft.com/office/drawing/2014/main" id="{1DE2A6F7-7867-4823-903B-23D758FEFEA5}"/>
+                </a:ext>
+              </a:extLst>
+            </p:cNvPr>
+            <p:cNvPicPr>
+              <a:picLocks noChangeAspect="1"/>
+            </p:cNvPicPr>
+            <p:nvPr/>
+          </p:nvPicPr>
+          <p:blipFill>
+            <a:blip r:embed="rId5">
+              <a:biLevel thresh="50000"/>
+              <a:extLst>
+                <a:ext uri="{28A0092B-C50C-407E-A947-70E740481C1C}">
+                  <a14:useLocalDpi xmlns:a14="http://schemas.microsoft.com/office/drawing/2010/main" val="0"/>
+                </a:ext>
+              </a:extLst>
+            </a:blip>
+            <a:stretch>
+              <a:fillRect/>
+            </a:stretch>
+          </p:blipFill>
+          <p:spPr>
+            <a:xfrm rot="5400000">
+              <a:off x="4961009" y="-311009"/>
+              <a:ext cx="1627632" cy="1627632"/>
+            </a:xfrm>
+            <a:prstGeom prst="rect">
+              <a:avLst/>
+            </a:prstGeom>
+          </p:spPr>
+        </p:pic>
+        <p:sp>
+          <p:nvSpPr>
+            <p:cNvPr id="38" name="CaixaDeTexto 14">
+              <a:extLst>
+                <a:ext uri="{FF2B5EF4-FFF2-40B4-BE49-F238E27FC236}">
+                  <a16:creationId xmlns:a16="http://schemas.microsoft.com/office/drawing/2014/main" id="{77EBE2B7-76B2-4C57-8B17-E8AF58E7F209}"/>
+                </a:ext>
+              </a:extLst>
+            </p:cNvPr>
+            <p:cNvSpPr txBox="1"/>
+            <p:nvPr/>
+          </p:nvSpPr>
+          <p:spPr>
+            <a:xfrm>
+              <a:off x="5363494" y="1131957"/>
+              <a:ext cx="822661" cy="369332"/>
+            </a:xfrm>
+            <a:prstGeom prst="rect">
+              <a:avLst/>
+            </a:prstGeom>
+            <a:noFill/>
+          </p:spPr>
+          <p:txBody>
+            <a:bodyPr wrap="none" rtlCol="0">
+              <a:spAutoFit/>
+            </a:bodyPr>
+            <a:lstStyle/>
+            <a:p>
+              <a:r>
+                <a:rPr lang="en-US" dirty="0"/>
+                <a:t>Plugin</a:t>
+              </a:r>
+            </a:p>
+          </p:txBody>
+        </p:sp>
+      </p:grpSp>
+    </p:spTree>
+    <p:extLst>
+      <p:ext uri="{BB962C8B-B14F-4D97-AF65-F5344CB8AC3E}">
+        <p14:creationId xmlns:p14="http://schemas.microsoft.com/office/powerpoint/2010/main" val="2196912933"/>
+      </p:ext>
+    </p:extLst>
+  </p:cSld>
+  <p:clrMapOvr>
+    <a:masterClrMapping/>
+  </p:clrMapOvr>
+  <mc:AlternateContent xmlns:mc="http://schemas.openxmlformats.org/markup-compatibility/2006" xmlns:p159="http://schemas.microsoft.com/office/powerpoint/2015/09/main">
+    <mc:Choice Requires="p159">
+      <p:transition xmlns:p14="http://schemas.microsoft.com/office/powerpoint/2010/main" p14:dur="250">
+        <p159:morph option="byWord"/>
+      </p:transition>
+    </mc:Choice>
+    <mc:Fallback xmlns="">
+      <p:transition>
+        <p:fade/>
+      </p:transition>
+    </mc:Fallback>
+  </mc:AlternateContent>
+</p:sld>
+</file>
+
+<file path=ppt/slides/slide11.xml><?xml version="1.0" encoding="utf-8"?>
+<p:sld xmlns:a="http://schemas.openxmlformats.org/drawingml/2006/main" xmlns:r="http://schemas.openxmlformats.org/officeDocument/2006/relationships" xmlns:p="http://schemas.openxmlformats.org/presentationml/2006/main">
+  <p:cSld>
+    <p:spTree>
+      <p:nvGrpSpPr>
+        <p:cNvPr id="1" name=""/>
+        <p:cNvGrpSpPr/>
+        <p:nvPr/>
+      </p:nvGrpSpPr>
+      <p:grpSpPr>
+        <a:xfrm>
+          <a:off x="0" y="0"/>
+          <a:ext cx="0" cy="0"/>
+          <a:chOff x="0" y="0"/>
+          <a:chExt cx="0" cy="0"/>
+        </a:xfrm>
+      </p:grpSpPr>
       <p:sp>
         <p:nvSpPr>
           <p:cNvPr id="25" name="CaixaDeTexto 24">
@@ -21230,7 +21858,7 @@
 </p:sld>
 </file>
 
-<file path=ppt/slides/slide11.xml><?xml version="1.0" encoding="utf-8"?>
+<file path=ppt/slides/slide12.xml><?xml version="1.0" encoding="utf-8"?>
 <p:sld xmlns:a="http://schemas.openxmlformats.org/drawingml/2006/main" xmlns:r="http://schemas.openxmlformats.org/officeDocument/2006/relationships" xmlns:p="http://schemas.openxmlformats.org/presentationml/2006/main">
   <p:cSld>
     <p:spTree>
@@ -21991,7 +22619,7 @@
 </p:sld>
 </file>
 
-<file path=ppt/slides/slide12.xml><?xml version="1.0" encoding="utf-8"?>
+<file path=ppt/slides/slide13.xml><?xml version="1.0" encoding="utf-8"?>
 <p:sld xmlns:a="http://schemas.openxmlformats.org/drawingml/2006/main" xmlns:r="http://schemas.openxmlformats.org/officeDocument/2006/relationships" xmlns:p="http://schemas.openxmlformats.org/presentationml/2006/main">
   <p:cSld>
     <p:spTree>
@@ -22892,7 +23520,7 @@
 </p:sld>
 </file>
 
-<file path=ppt/slides/slide13.xml><?xml version="1.0" encoding="utf-8"?>
+<file path=ppt/slides/slide14.xml><?xml version="1.0" encoding="utf-8"?>
 <p:sld xmlns:a="http://schemas.openxmlformats.org/drawingml/2006/main" xmlns:r="http://schemas.openxmlformats.org/officeDocument/2006/relationships" xmlns:p="http://schemas.openxmlformats.org/presentationml/2006/main">
   <p:cSld>
     <p:spTree>
@@ -23900,7 +24528,7 @@
 </p:sld>
 </file>
 
-<file path=ppt/slides/slide14.xml><?xml version="1.0" encoding="utf-8"?>
+<file path=ppt/slides/slide15.xml><?xml version="1.0" encoding="utf-8"?>
 <p:sld xmlns:a="http://schemas.openxmlformats.org/drawingml/2006/main" xmlns:r="http://schemas.openxmlformats.org/officeDocument/2006/relationships" xmlns:p="http://schemas.openxmlformats.org/presentationml/2006/main">
   <p:cSld>
     <p:spTree>
@@ -24090,7 +24718,7 @@
 </p:sld>
 </file>
 
-<file path=ppt/slides/slide15.xml><?xml version="1.0" encoding="utf-8"?>
+<file path=ppt/slides/slide16.xml><?xml version="1.0" encoding="utf-8"?>
 <p:sld xmlns:a="http://schemas.openxmlformats.org/drawingml/2006/main" xmlns:r="http://schemas.openxmlformats.org/officeDocument/2006/relationships" xmlns:p="http://schemas.openxmlformats.org/presentationml/2006/main">
   <p:cSld>
     <p:spTree>
@@ -24139,163 +24767,6 @@
     <p:extLst>
       <p:ext uri="{BB962C8B-B14F-4D97-AF65-F5344CB8AC3E}">
         <p14:creationId xmlns:p14="http://schemas.microsoft.com/office/powerpoint/2010/main" val="66424768"/>
-      </p:ext>
-    </p:extLst>
-  </p:cSld>
-  <p:clrMapOvr>
-    <a:masterClrMapping/>
-  </p:clrMapOvr>
-  <mc:AlternateContent xmlns:mc="http://schemas.openxmlformats.org/markup-compatibility/2006" xmlns:p159="http://schemas.microsoft.com/office/powerpoint/2015/09/main">
-    <mc:Choice Requires="p159">
-      <p:transition xmlns:p14="http://schemas.microsoft.com/office/powerpoint/2010/main" p14:dur="250">
-        <p159:morph option="byWord"/>
-      </p:transition>
-    </mc:Choice>
-    <mc:Fallback xmlns="">
-      <p:transition>
-        <p:fade/>
-      </p:transition>
-    </mc:Fallback>
-  </mc:AlternateContent>
-</p:sld>
-</file>
-
-<file path=ppt/slides/slide16.xml><?xml version="1.0" encoding="utf-8"?>
-<p:sld xmlns:a="http://schemas.openxmlformats.org/drawingml/2006/main" xmlns:r="http://schemas.openxmlformats.org/officeDocument/2006/relationships" xmlns:p="http://schemas.openxmlformats.org/presentationml/2006/main">
-  <p:cSld>
-    <p:spTree>
-      <p:nvGrpSpPr>
-        <p:cNvPr id="1" name=""/>
-        <p:cNvGrpSpPr/>
-        <p:nvPr/>
-      </p:nvGrpSpPr>
-      <p:grpSpPr>
-        <a:xfrm>
-          <a:off x="0" y="0"/>
-          <a:ext cx="0" cy="0"/>
-          <a:chOff x="0" y="0"/>
-          <a:chExt cx="0" cy="0"/>
-        </a:xfrm>
-      </p:grpSpPr>
-      <p:sp>
-        <p:nvSpPr>
-          <p:cNvPr id="2" name="Título 1">
-            <a:extLst>
-              <a:ext uri="{FF2B5EF4-FFF2-40B4-BE49-F238E27FC236}">
-                <a16:creationId xmlns:a16="http://schemas.microsoft.com/office/drawing/2014/main" id="{CB62B9E9-0D50-4AD2-9915-759A37C90587}"/>
-              </a:ext>
-            </a:extLst>
-          </p:cNvPr>
-          <p:cNvSpPr>
-            <a:spLocks noGrp="1"/>
-          </p:cNvSpPr>
-          <p:nvPr>
-            <p:ph type="title"/>
-          </p:nvPr>
-        </p:nvSpPr>
-        <p:spPr/>
-        <p:txBody>
-          <a:bodyPr/>
-          <a:lstStyle/>
-          <a:p>
-            <a:r>
-              <a:rPr lang="en-US" dirty="0" err="1"/>
-              <a:t>Resultados</a:t>
-            </a:r>
-            <a:endParaRPr lang="en-US" dirty="0"/>
-          </a:p>
-        </p:txBody>
-      </p:sp>
-      <p:sp>
-        <p:nvSpPr>
-          <p:cNvPr id="14" name="Content Placeholder 2">
-            <a:extLst>
-              <a:ext uri="{FF2B5EF4-FFF2-40B4-BE49-F238E27FC236}">
-                <a16:creationId xmlns:a16="http://schemas.microsoft.com/office/drawing/2014/main" id="{04517473-56A2-4BBC-913B-0CB260629346}"/>
-              </a:ext>
-            </a:extLst>
-          </p:cNvPr>
-          <p:cNvSpPr>
-            <a:spLocks noGrp="1"/>
-          </p:cNvSpPr>
-          <p:nvPr>
-            <p:ph idx="1"/>
-          </p:nvPr>
-        </p:nvSpPr>
-        <p:spPr>
-          <a:xfrm>
-            <a:off x="838200" y="1825625"/>
-            <a:ext cx="10071100" cy="924717"/>
-          </a:xfrm>
-        </p:spPr>
-        <p:txBody>
-          <a:bodyPr>
-            <a:normAutofit/>
-          </a:bodyPr>
-          <a:lstStyle/>
-          <a:p>
-            <a:pPr marL="0" indent="0">
-              <a:buNone/>
-            </a:pPr>
-            <a:r>
-              <a:rPr lang="pt-PT" sz="2600" dirty="0"/>
-              <a:t>Comparação da </a:t>
-            </a:r>
-            <a:r>
-              <a:rPr lang="en-US" sz="2600" b="1" dirty="0" err="1"/>
-              <a:t>periodicidade</a:t>
-            </a:r>
-            <a:r>
-              <a:rPr lang="en-US" sz="2600" b="1" dirty="0"/>
-              <a:t> dos </a:t>
-            </a:r>
-            <a:r>
-              <a:rPr lang="en-US" sz="2600" b="1" dirty="0" err="1"/>
-              <a:t>registos</a:t>
-            </a:r>
-            <a:r>
-              <a:rPr lang="en-US" sz="2600" b="1" dirty="0"/>
-              <a:t> </a:t>
-            </a:r>
-            <a:r>
-              <a:rPr lang="pt-PT" sz="2600" dirty="0"/>
-              <a:t>usando o portal CRM</a:t>
-            </a:r>
-          </a:p>
-        </p:txBody>
-      </p:sp>
-      <p:graphicFrame>
-        <p:nvGraphicFramePr>
-          <p:cNvPr id="13" name="Gráfico 12">
-            <a:extLst>
-              <a:ext uri="{FF2B5EF4-FFF2-40B4-BE49-F238E27FC236}">
-                <a16:creationId xmlns:a16="http://schemas.microsoft.com/office/drawing/2014/main" id="{4006F227-CF9E-4A77-BA78-B246D6D8BFF5}"/>
-              </a:ext>
-            </a:extLst>
-          </p:cNvPr>
-          <p:cNvGraphicFramePr/>
-          <p:nvPr>
-            <p:extLst>
-              <p:ext uri="{D42A27DB-BD31-4B8C-83A1-F6EECF244321}">
-                <p14:modId xmlns:p14="http://schemas.microsoft.com/office/powerpoint/2010/main" val="2877821028"/>
-              </p:ext>
-            </p:extLst>
-          </p:nvPr>
-        </p:nvGraphicFramePr>
-        <p:xfrm>
-          <a:off x="717548" y="2284413"/>
-          <a:ext cx="10636252" cy="3934783"/>
-        </p:xfrm>
-        <a:graphic>
-          <a:graphicData uri="http://schemas.openxmlformats.org/drawingml/2006/chart">
-            <c:chart xmlns:c="http://schemas.openxmlformats.org/drawingml/2006/chart" xmlns:r="http://schemas.openxmlformats.org/officeDocument/2006/relationships" r:id="rId3"/>
-          </a:graphicData>
-        </a:graphic>
-      </p:graphicFrame>
-    </p:spTree>
-    <p:extLst>
-      <p:ext uri="{BB962C8B-B14F-4D97-AF65-F5344CB8AC3E}">
-        <p14:creationId xmlns:p14="http://schemas.microsoft.com/office/powerpoint/2010/main" val="1120787578"/>
       </p:ext>
     </p:extLst>
   </p:cSld>
@@ -24381,6 +24852,163 @@
         </p:nvSpPr>
         <p:spPr>
           <a:xfrm>
+            <a:off x="838200" y="1825625"/>
+            <a:ext cx="10071100" cy="924717"/>
+          </a:xfrm>
+        </p:spPr>
+        <p:txBody>
+          <a:bodyPr>
+            <a:normAutofit/>
+          </a:bodyPr>
+          <a:lstStyle/>
+          <a:p>
+            <a:pPr marL="0" indent="0">
+              <a:buNone/>
+            </a:pPr>
+            <a:r>
+              <a:rPr lang="pt-PT" sz="2600" dirty="0"/>
+              <a:t>Comparação da </a:t>
+            </a:r>
+            <a:r>
+              <a:rPr lang="en-US" sz="2600" b="1" dirty="0" err="1"/>
+              <a:t>periodicidade</a:t>
+            </a:r>
+            <a:r>
+              <a:rPr lang="en-US" sz="2600" b="1" dirty="0"/>
+              <a:t> dos </a:t>
+            </a:r>
+            <a:r>
+              <a:rPr lang="en-US" sz="2600" b="1" dirty="0" err="1"/>
+              <a:t>registos</a:t>
+            </a:r>
+            <a:r>
+              <a:rPr lang="en-US" sz="2600" b="1" dirty="0"/>
+              <a:t> </a:t>
+            </a:r>
+            <a:r>
+              <a:rPr lang="pt-PT" sz="2600" dirty="0"/>
+              <a:t>usando o portal CRM</a:t>
+            </a:r>
+          </a:p>
+        </p:txBody>
+      </p:sp>
+      <p:graphicFrame>
+        <p:nvGraphicFramePr>
+          <p:cNvPr id="13" name="Gráfico 12">
+            <a:extLst>
+              <a:ext uri="{FF2B5EF4-FFF2-40B4-BE49-F238E27FC236}">
+                <a16:creationId xmlns:a16="http://schemas.microsoft.com/office/drawing/2014/main" id="{4006F227-CF9E-4A77-BA78-B246D6D8BFF5}"/>
+              </a:ext>
+            </a:extLst>
+          </p:cNvPr>
+          <p:cNvGraphicFramePr/>
+          <p:nvPr>
+            <p:extLst>
+              <p:ext uri="{D42A27DB-BD31-4B8C-83A1-F6EECF244321}">
+                <p14:modId xmlns:p14="http://schemas.microsoft.com/office/powerpoint/2010/main" val="2877821028"/>
+              </p:ext>
+            </p:extLst>
+          </p:nvPr>
+        </p:nvGraphicFramePr>
+        <p:xfrm>
+          <a:off x="717548" y="2284413"/>
+          <a:ext cx="10636252" cy="3934783"/>
+        </p:xfrm>
+        <a:graphic>
+          <a:graphicData uri="http://schemas.openxmlformats.org/drawingml/2006/chart">
+            <c:chart xmlns:c="http://schemas.openxmlformats.org/drawingml/2006/chart" xmlns:r="http://schemas.openxmlformats.org/officeDocument/2006/relationships" r:id="rId3"/>
+          </a:graphicData>
+        </a:graphic>
+      </p:graphicFrame>
+    </p:spTree>
+    <p:extLst>
+      <p:ext uri="{BB962C8B-B14F-4D97-AF65-F5344CB8AC3E}">
+        <p14:creationId xmlns:p14="http://schemas.microsoft.com/office/powerpoint/2010/main" val="1120787578"/>
+      </p:ext>
+    </p:extLst>
+  </p:cSld>
+  <p:clrMapOvr>
+    <a:masterClrMapping/>
+  </p:clrMapOvr>
+  <mc:AlternateContent xmlns:mc="http://schemas.openxmlformats.org/markup-compatibility/2006" xmlns:p159="http://schemas.microsoft.com/office/powerpoint/2015/09/main">
+    <mc:Choice Requires="p159">
+      <p:transition xmlns:p14="http://schemas.microsoft.com/office/powerpoint/2010/main" p14:dur="250">
+        <p159:morph option="byWord"/>
+      </p:transition>
+    </mc:Choice>
+    <mc:Fallback xmlns="">
+      <p:transition>
+        <p:fade/>
+      </p:transition>
+    </mc:Fallback>
+  </mc:AlternateContent>
+</p:sld>
+</file>
+
+<file path=ppt/slides/slide18.xml><?xml version="1.0" encoding="utf-8"?>
+<p:sld xmlns:a="http://schemas.openxmlformats.org/drawingml/2006/main" xmlns:r="http://schemas.openxmlformats.org/officeDocument/2006/relationships" xmlns:p="http://schemas.openxmlformats.org/presentationml/2006/main">
+  <p:cSld>
+    <p:spTree>
+      <p:nvGrpSpPr>
+        <p:cNvPr id="1" name=""/>
+        <p:cNvGrpSpPr/>
+        <p:nvPr/>
+      </p:nvGrpSpPr>
+      <p:grpSpPr>
+        <a:xfrm>
+          <a:off x="0" y="0"/>
+          <a:ext cx="0" cy="0"/>
+          <a:chOff x="0" y="0"/>
+          <a:chExt cx="0" cy="0"/>
+        </a:xfrm>
+      </p:grpSpPr>
+      <p:sp>
+        <p:nvSpPr>
+          <p:cNvPr id="2" name="Título 1">
+            <a:extLst>
+              <a:ext uri="{FF2B5EF4-FFF2-40B4-BE49-F238E27FC236}">
+                <a16:creationId xmlns:a16="http://schemas.microsoft.com/office/drawing/2014/main" id="{CB62B9E9-0D50-4AD2-9915-759A37C90587}"/>
+              </a:ext>
+            </a:extLst>
+          </p:cNvPr>
+          <p:cNvSpPr>
+            <a:spLocks noGrp="1"/>
+          </p:cNvSpPr>
+          <p:nvPr>
+            <p:ph type="title"/>
+          </p:nvPr>
+        </p:nvSpPr>
+        <p:spPr/>
+        <p:txBody>
+          <a:bodyPr/>
+          <a:lstStyle/>
+          <a:p>
+            <a:r>
+              <a:rPr lang="en-US" dirty="0" err="1"/>
+              <a:t>Resultados</a:t>
+            </a:r>
+            <a:endParaRPr lang="en-US" dirty="0"/>
+          </a:p>
+        </p:txBody>
+      </p:sp>
+      <p:sp>
+        <p:nvSpPr>
+          <p:cNvPr id="14" name="Content Placeholder 2">
+            <a:extLst>
+              <a:ext uri="{FF2B5EF4-FFF2-40B4-BE49-F238E27FC236}">
+                <a16:creationId xmlns:a16="http://schemas.microsoft.com/office/drawing/2014/main" id="{04517473-56A2-4BBC-913B-0CB260629346}"/>
+              </a:ext>
+            </a:extLst>
+          </p:cNvPr>
+          <p:cNvSpPr>
+            <a:spLocks noGrp="1"/>
+          </p:cNvSpPr>
+          <p:nvPr>
+            <p:ph idx="1"/>
+          </p:nvPr>
+        </p:nvSpPr>
+        <p:spPr>
+          <a:xfrm>
             <a:off x="838199" y="1825625"/>
             <a:ext cx="10305739" cy="846151"/>
           </a:xfrm>
@@ -24462,7 +25090,7 @@
 </p:sld>
 </file>
 
-<file path=ppt/slides/slide18.xml><?xml version="1.0" encoding="utf-8"?>
+<file path=ppt/slides/slide19.xml><?xml version="1.0" encoding="utf-8"?>
 <p:sld xmlns:a="http://schemas.openxmlformats.org/drawingml/2006/main" xmlns:r="http://schemas.openxmlformats.org/officeDocument/2006/relationships" xmlns:p="http://schemas.openxmlformats.org/presentationml/2006/main">
   <p:cSld>
     <p:spTree>
@@ -24532,7 +25160,180 @@
 </p:sld>
 </file>
 
-<file path=ppt/slides/slide19.xml><?xml version="1.0" encoding="utf-8"?>
+<file path=ppt/slides/slide2.xml><?xml version="1.0" encoding="utf-8"?>
+<p:sld xmlns:a="http://schemas.openxmlformats.org/drawingml/2006/main" xmlns:r="http://schemas.openxmlformats.org/officeDocument/2006/relationships" xmlns:p="http://schemas.openxmlformats.org/presentationml/2006/main" show="0">
+  <p:cSld>
+    <p:spTree>
+      <p:nvGrpSpPr>
+        <p:cNvPr id="1" name=""/>
+        <p:cNvGrpSpPr/>
+        <p:nvPr/>
+      </p:nvGrpSpPr>
+      <p:grpSpPr>
+        <a:xfrm>
+          <a:off x="0" y="0"/>
+          <a:ext cx="0" cy="0"/>
+          <a:chOff x="0" y="0"/>
+          <a:chExt cx="0" cy="0"/>
+        </a:xfrm>
+      </p:grpSpPr>
+      <p:sp>
+        <p:nvSpPr>
+          <p:cNvPr id="5" name="Title 4">
+            <a:extLst>
+              <a:ext uri="{FF2B5EF4-FFF2-40B4-BE49-F238E27FC236}">
+                <a16:creationId xmlns:a16="http://schemas.microsoft.com/office/drawing/2014/main" id="{9585E97D-3EDC-457A-8E7C-7A9C309EE26F}"/>
+              </a:ext>
+            </a:extLst>
+          </p:cNvPr>
+          <p:cNvSpPr>
+            <a:spLocks noGrp="1"/>
+          </p:cNvSpPr>
+          <p:nvPr>
+            <p:ph type="ctrTitle"/>
+          </p:nvPr>
+        </p:nvSpPr>
+        <p:spPr>
+          <a:xfrm>
+            <a:off x="-524467" y="-502144"/>
+            <a:ext cx="9144000" cy="2387600"/>
+          </a:xfrm>
+        </p:spPr>
+        <p:txBody>
+          <a:bodyPr>
+            <a:normAutofit/>
+          </a:bodyPr>
+          <a:lstStyle/>
+          <a:p>
+            <a:r>
+              <a:rPr lang="en-US" sz="6600" dirty="0">
+                <a:effectLst>
+                  <a:outerShdw blurRad="38100" dist="38100" dir="2700000" algn="tl">
+                    <a:srgbClr val="000000">
+                      <a:alpha val="43137"/>
+                    </a:srgbClr>
+                  </a:outerShdw>
+                </a:effectLst>
+              </a:rPr>
+              <a:t>DevScope</a:t>
+            </a:r>
+          </a:p>
+        </p:txBody>
+      </p:sp>
+      <p:pic>
+        <p:nvPicPr>
+          <p:cNvPr id="7" name="Picture 2" descr="https://intranet.devscope.net/operacional/marketing/Branding/Logotipo%20Devscope/devscope_square.png">
+            <a:extLst>
+              <a:ext uri="{FF2B5EF4-FFF2-40B4-BE49-F238E27FC236}">
+                <a16:creationId xmlns:a16="http://schemas.microsoft.com/office/drawing/2014/main" id="{7146BEBF-458A-455B-866C-E7CCB334F5A5}"/>
+              </a:ext>
+            </a:extLst>
+          </p:cNvPr>
+          <p:cNvPicPr>
+            <a:picLocks noChangeAspect="1" noChangeArrowheads="1"/>
+          </p:cNvPicPr>
+          <p:nvPr/>
+        </p:nvPicPr>
+        <p:blipFill>
+          <a:blip r:embed="rId3" cstate="print">
+            <a:extLst>
+              <a:ext uri="{28A0092B-C50C-407E-A947-70E740481C1C}">
+                <a14:useLocalDpi xmlns:a14="http://schemas.microsoft.com/office/drawing/2010/main" val="0"/>
+              </a:ext>
+            </a:extLst>
+          </a:blip>
+          <a:srcRect/>
+          <a:stretch>
+            <a:fillRect/>
+          </a:stretch>
+        </p:blipFill>
+        <p:spPr bwMode="auto">
+          <a:xfrm>
+            <a:off x="10552983" y="5185603"/>
+            <a:ext cx="1453070" cy="1453070"/>
+          </a:xfrm>
+          <a:prstGeom prst="rect">
+            <a:avLst/>
+          </a:prstGeom>
+          <a:solidFill>
+            <a:schemeClr val="tx1"/>
+          </a:solidFill>
+          <a:extLst/>
+        </p:spPr>
+      </p:pic>
+      <p:pic>
+        <p:nvPicPr>
+          <p:cNvPr id="8" name="Picture 2" descr="Resultado de imagem para devscope">
+            <a:extLst>
+              <a:ext uri="{FF2B5EF4-FFF2-40B4-BE49-F238E27FC236}">
+                <a16:creationId xmlns:a16="http://schemas.microsoft.com/office/drawing/2014/main" id="{07724E9E-47D5-429C-A03E-A6360C976F77}"/>
+              </a:ext>
+            </a:extLst>
+          </p:cNvPr>
+          <p:cNvPicPr>
+            <a:picLocks noChangeAspect="1" noChangeArrowheads="1"/>
+          </p:cNvPicPr>
+          <p:nvPr/>
+        </p:nvPicPr>
+        <p:blipFill>
+          <a:blip r:embed="rId4">
+            <a:extLst>
+              <a:ext uri="{28A0092B-C50C-407E-A947-70E740481C1C}">
+                <a14:useLocalDpi xmlns:a14="http://schemas.microsoft.com/office/drawing/2010/main" val="0"/>
+              </a:ext>
+            </a:extLst>
+          </a:blip>
+          <a:srcRect/>
+          <a:stretch>
+            <a:fillRect/>
+          </a:stretch>
+        </p:blipFill>
+        <p:spPr bwMode="auto">
+          <a:xfrm>
+            <a:off x="2122096" y="2018581"/>
+            <a:ext cx="8213496" cy="4620092"/>
+          </a:xfrm>
+          <a:prstGeom prst="rect">
+            <a:avLst/>
+          </a:prstGeom>
+          <a:noFill/>
+          <a:extLst>
+            <a:ext uri="{909E8E84-426E-40DD-AFC4-6F175D3DCCD1}">
+              <a14:hiddenFill xmlns:a14="http://schemas.microsoft.com/office/drawing/2010/main">
+                <a:solidFill>
+                  <a:srgbClr val="FFFFFF"/>
+                </a:solidFill>
+              </a14:hiddenFill>
+            </a:ext>
+          </a:extLst>
+        </p:spPr>
+      </p:pic>
+    </p:spTree>
+    <p:extLst>
+      <p:ext uri="{BB962C8B-B14F-4D97-AF65-F5344CB8AC3E}">
+        <p14:creationId xmlns:p14="http://schemas.microsoft.com/office/powerpoint/2010/main" val="2306624542"/>
+      </p:ext>
+    </p:extLst>
+  </p:cSld>
+  <p:clrMapOvr>
+    <a:masterClrMapping/>
+  </p:clrMapOvr>
+  <mc:AlternateContent xmlns:mc="http://schemas.openxmlformats.org/markup-compatibility/2006">
+    <mc:Choice xmlns:p159="http://schemas.microsoft.com/office/powerpoint/2015/09/main" Requires="p159">
+      <p:transition xmlns:p14="http://schemas.microsoft.com/office/powerpoint/2010/main" p14:dur="250">
+        <p159:morph option="byWord"/>
+      </p:transition>
+    </mc:Choice>
+    <mc:Fallback>
+      <p:transition>
+        <p:fade/>
+      </p:transition>
+    </mc:Fallback>
+  </mc:AlternateContent>
+</p:sld>
+</file>
+
+<file path=ppt/slides/slide20.xml><?xml version="1.0" encoding="utf-8"?>
 <p:sld xmlns:a="http://schemas.openxmlformats.org/drawingml/2006/main" xmlns:r="http://schemas.openxmlformats.org/officeDocument/2006/relationships" xmlns:p="http://schemas.openxmlformats.org/presentationml/2006/main">
   <p:cSld>
     <p:spTree>
@@ -24731,7 +25532,646 @@
 </p:sld>
 </file>
 
-<file path=ppt/slides/slide2.xml><?xml version="1.0" encoding="utf-8"?>
+<file path=ppt/slides/slide21.xml><?xml version="1.0" encoding="utf-8"?>
+<p:sld xmlns:a="http://schemas.openxmlformats.org/drawingml/2006/main" xmlns:r="http://schemas.openxmlformats.org/officeDocument/2006/relationships" xmlns:p="http://schemas.openxmlformats.org/presentationml/2006/main">
+  <p:cSld>
+    <p:spTree>
+      <p:nvGrpSpPr>
+        <p:cNvPr id="1" name=""/>
+        <p:cNvGrpSpPr/>
+        <p:nvPr/>
+      </p:nvGrpSpPr>
+      <p:grpSpPr>
+        <a:xfrm>
+          <a:off x="0" y="0"/>
+          <a:ext cx="0" cy="0"/>
+          <a:chOff x="0" y="0"/>
+          <a:chExt cx="0" cy="0"/>
+        </a:xfrm>
+      </p:grpSpPr>
+      <p:sp>
+        <p:nvSpPr>
+          <p:cNvPr id="2" name="Title 1"/>
+          <p:cNvSpPr>
+            <a:spLocks noGrp="1"/>
+          </p:cNvSpPr>
+          <p:nvPr>
+            <p:ph type="title"/>
+          </p:nvPr>
+        </p:nvSpPr>
+        <p:spPr>
+          <a:xfrm>
+            <a:off x="831850" y="1709738"/>
+            <a:ext cx="10515600" cy="2852737"/>
+          </a:xfrm>
+        </p:spPr>
+        <p:txBody>
+          <a:bodyPr/>
+          <a:lstStyle/>
+          <a:p>
+            <a:r>
+              <a:rPr lang="en-US" dirty="0"/>
+              <a:t>Passos </a:t>
+            </a:r>
+            <a:r>
+              <a:rPr lang="en-US" dirty="0" err="1"/>
+              <a:t>Futuros</a:t>
+            </a:r>
+            <a:endParaRPr lang="en-US" dirty="0"/>
+          </a:p>
+        </p:txBody>
+      </p:sp>
+    </p:spTree>
+    <p:extLst>
+      <p:ext uri="{BB962C8B-B14F-4D97-AF65-F5344CB8AC3E}">
+        <p14:creationId xmlns:p14="http://schemas.microsoft.com/office/powerpoint/2010/main" val="1205179811"/>
+      </p:ext>
+    </p:extLst>
+  </p:cSld>
+  <p:clrMapOvr>
+    <a:masterClrMapping/>
+  </p:clrMapOvr>
+  <mc:AlternateContent xmlns:mc="http://schemas.openxmlformats.org/markup-compatibility/2006" xmlns:p159="http://schemas.microsoft.com/office/powerpoint/2015/09/main">
+    <mc:Choice Requires="p159">
+      <p:transition xmlns:p14="http://schemas.microsoft.com/office/powerpoint/2010/main" p14:dur="250">
+        <p159:morph option="byWord"/>
+      </p:transition>
+    </mc:Choice>
+    <mc:Fallback xmlns="">
+      <p:transition>
+        <p:fade/>
+      </p:transition>
+    </mc:Fallback>
+  </mc:AlternateContent>
+</p:sld>
+</file>
+
+<file path=ppt/slides/slide22.xml><?xml version="1.0" encoding="utf-8"?>
+<p:sld xmlns:a="http://schemas.openxmlformats.org/drawingml/2006/main" xmlns:r="http://schemas.openxmlformats.org/officeDocument/2006/relationships" xmlns:p="http://schemas.openxmlformats.org/presentationml/2006/main">
+  <p:cSld>
+    <p:spTree>
+      <p:nvGrpSpPr>
+        <p:cNvPr id="1" name=""/>
+        <p:cNvGrpSpPr/>
+        <p:nvPr/>
+      </p:nvGrpSpPr>
+      <p:grpSpPr>
+        <a:xfrm>
+          <a:off x="0" y="0"/>
+          <a:ext cx="0" cy="0"/>
+          <a:chOff x="0" y="0"/>
+          <a:chExt cx="0" cy="0"/>
+        </a:xfrm>
+      </p:grpSpPr>
+      <p:sp>
+        <p:nvSpPr>
+          <p:cNvPr id="2" name="Título 1">
+            <a:extLst>
+              <a:ext uri="{FF2B5EF4-FFF2-40B4-BE49-F238E27FC236}">
+                <a16:creationId xmlns:a16="http://schemas.microsoft.com/office/drawing/2014/main" id="{CB62B9E9-0D50-4AD2-9915-759A37C90587}"/>
+              </a:ext>
+            </a:extLst>
+          </p:cNvPr>
+          <p:cNvSpPr>
+            <a:spLocks noGrp="1"/>
+          </p:cNvSpPr>
+          <p:nvPr>
+            <p:ph type="title"/>
+          </p:nvPr>
+        </p:nvSpPr>
+        <p:spPr/>
+        <p:txBody>
+          <a:bodyPr/>
+          <a:lstStyle/>
+          <a:p>
+            <a:r>
+              <a:rPr lang="en-US" dirty="0"/>
+              <a:t>Passos </a:t>
+            </a:r>
+            <a:r>
+              <a:rPr lang="en-US" dirty="0" err="1"/>
+              <a:t>Futuros</a:t>
+            </a:r>
+            <a:endParaRPr lang="en-US" dirty="0"/>
+          </a:p>
+        </p:txBody>
+      </p:sp>
+      <p:sp>
+        <p:nvSpPr>
+          <p:cNvPr id="14" name="Content Placeholder 2">
+            <a:extLst>
+              <a:ext uri="{FF2B5EF4-FFF2-40B4-BE49-F238E27FC236}">
+                <a16:creationId xmlns:a16="http://schemas.microsoft.com/office/drawing/2014/main" id="{04517473-56A2-4BBC-913B-0CB260629346}"/>
+              </a:ext>
+            </a:extLst>
+          </p:cNvPr>
+          <p:cNvSpPr>
+            <a:spLocks noGrp="1"/>
+          </p:cNvSpPr>
+          <p:nvPr>
+            <p:ph idx="1"/>
+          </p:nvPr>
+        </p:nvSpPr>
+        <p:spPr>
+          <a:xfrm>
+            <a:off x="838200" y="1825625"/>
+            <a:ext cx="10198100" cy="3482975"/>
+          </a:xfrm>
+        </p:spPr>
+        <p:txBody>
+          <a:bodyPr>
+            <a:normAutofit lnSpcReduction="10000"/>
+          </a:bodyPr>
+          <a:lstStyle/>
+          <a:p>
+            <a:pPr>
+              <a:lnSpc>
+                <a:spcPct val="150000"/>
+              </a:lnSpc>
+            </a:pPr>
+            <a:r>
+              <a:rPr lang="pt-PT" sz="2600" dirty="0"/>
+              <a:t>Maturação do LUIS</a:t>
+            </a:r>
+          </a:p>
+          <a:p>
+            <a:pPr>
+              <a:lnSpc>
+                <a:spcPct val="150000"/>
+              </a:lnSpc>
+            </a:pPr>
+            <a:r>
+              <a:rPr lang="pt-PT" sz="2600" dirty="0"/>
+              <a:t>Suporte a registo de despesas associadas</a:t>
+            </a:r>
+          </a:p>
+          <a:p>
+            <a:pPr>
+              <a:lnSpc>
+                <a:spcPct val="150000"/>
+              </a:lnSpc>
+            </a:pPr>
+            <a:r>
+              <a:rPr lang="pt-PT" sz="2600" dirty="0"/>
+              <a:t>Utilização de síntese de voz</a:t>
+            </a:r>
+          </a:p>
+          <a:p>
+            <a:pPr>
+              <a:lnSpc>
+                <a:spcPct val="150000"/>
+              </a:lnSpc>
+            </a:pPr>
+            <a:r>
+              <a:rPr lang="pt-PT" sz="2600" dirty="0"/>
+              <a:t>Sistema de feedback de desempenho da solução</a:t>
+            </a:r>
+          </a:p>
+          <a:p>
+            <a:pPr>
+              <a:lnSpc>
+                <a:spcPct val="150000"/>
+              </a:lnSpc>
+            </a:pPr>
+            <a:r>
+              <a:rPr lang="pt-PT" sz="2600" dirty="0"/>
+              <a:t>Expansão via plugins</a:t>
+            </a:r>
+          </a:p>
+          <a:p>
+            <a:pPr marL="0" indent="0">
+              <a:buNone/>
+            </a:pPr>
+            <a:endParaRPr lang="pt-PT" sz="2600" dirty="0"/>
+          </a:p>
+        </p:txBody>
+      </p:sp>
+    </p:spTree>
+    <p:extLst>
+      <p:ext uri="{BB962C8B-B14F-4D97-AF65-F5344CB8AC3E}">
+        <p14:creationId xmlns:p14="http://schemas.microsoft.com/office/powerpoint/2010/main" val="693226067"/>
+      </p:ext>
+    </p:extLst>
+  </p:cSld>
+  <p:clrMapOvr>
+    <a:masterClrMapping/>
+  </p:clrMapOvr>
+  <mc:AlternateContent xmlns:mc="http://schemas.openxmlformats.org/markup-compatibility/2006" xmlns:p159="http://schemas.microsoft.com/office/powerpoint/2015/09/main">
+    <mc:Choice Requires="p159">
+      <p:transition xmlns:p14="http://schemas.microsoft.com/office/powerpoint/2010/main" p14:dur="250">
+        <p159:morph option="byWord"/>
+      </p:transition>
+    </mc:Choice>
+    <mc:Fallback xmlns="">
+      <p:transition>
+        <p:fade/>
+      </p:transition>
+    </mc:Fallback>
+  </mc:AlternateContent>
+</p:sld>
+</file>
+
+<file path=ppt/slides/slide23.xml><?xml version="1.0" encoding="utf-8"?>
+<p:sld xmlns:a="http://schemas.openxmlformats.org/drawingml/2006/main" xmlns:r="http://schemas.openxmlformats.org/officeDocument/2006/relationships" xmlns:p="http://schemas.openxmlformats.org/presentationml/2006/main">
+  <p:cSld>
+    <p:bg>
+      <p:bgPr>
+        <a:solidFill>
+          <a:srgbClr val="5095D1"/>
+        </a:solidFill>
+        <a:effectLst/>
+      </p:bgPr>
+    </p:bg>
+    <p:spTree>
+      <p:nvGrpSpPr>
+        <p:cNvPr id="1" name=""/>
+        <p:cNvGrpSpPr/>
+        <p:nvPr/>
+      </p:nvGrpSpPr>
+      <p:grpSpPr>
+        <a:xfrm>
+          <a:off x="0" y="0"/>
+          <a:ext cx="0" cy="0"/>
+          <a:chOff x="0" y="0"/>
+          <a:chExt cx="0" cy="0"/>
+        </a:xfrm>
+      </p:grpSpPr>
+      <p:sp>
+        <p:nvSpPr>
+          <p:cNvPr id="2" name="Title 1"/>
+          <p:cNvSpPr>
+            <a:spLocks noGrp="1"/>
+          </p:cNvSpPr>
+          <p:nvPr>
+            <p:ph type="title"/>
+          </p:nvPr>
+        </p:nvSpPr>
+        <p:spPr>
+          <a:xfrm>
+            <a:off x="831850" y="1709738"/>
+            <a:ext cx="10515600" cy="2852737"/>
+          </a:xfrm>
+        </p:spPr>
+        <p:txBody>
+          <a:bodyPr/>
+          <a:lstStyle/>
+          <a:p>
+            <a:r>
+              <a:rPr lang="en-US" dirty="0"/>
+              <a:t>Hands On</a:t>
+            </a:r>
+            <a:br>
+              <a:rPr lang="en-US" dirty="0"/>
+            </a:br>
+            <a:endParaRPr lang="en-US" dirty="0"/>
+          </a:p>
+        </p:txBody>
+      </p:sp>
+    </p:spTree>
+    <p:extLst>
+      <p:ext uri="{BB962C8B-B14F-4D97-AF65-F5344CB8AC3E}">
+        <p14:creationId xmlns:p14="http://schemas.microsoft.com/office/powerpoint/2010/main" val="4168173363"/>
+      </p:ext>
+    </p:extLst>
+  </p:cSld>
+  <p:clrMapOvr>
+    <a:masterClrMapping/>
+  </p:clrMapOvr>
+  <mc:AlternateContent xmlns:mc="http://schemas.openxmlformats.org/markup-compatibility/2006" xmlns:p159="http://schemas.microsoft.com/office/powerpoint/2015/09/main">
+    <mc:Choice Requires="p159">
+      <p:transition xmlns:p14="http://schemas.microsoft.com/office/powerpoint/2010/main" p14:dur="250">
+        <p159:morph option="byWord"/>
+      </p:transition>
+    </mc:Choice>
+    <mc:Fallback xmlns="">
+      <p:transition>
+        <p:fade/>
+      </p:transition>
+    </mc:Fallback>
+  </mc:AlternateContent>
+</p:sld>
+</file>
+
+<file path=ppt/slides/slide24.xml><?xml version="1.0" encoding="utf-8"?>
+<p:sld xmlns:a="http://schemas.openxmlformats.org/drawingml/2006/main" xmlns:r="http://schemas.openxmlformats.org/officeDocument/2006/relationships" xmlns:p="http://schemas.openxmlformats.org/presentationml/2006/main">
+  <p:cSld>
+    <p:spTree>
+      <p:nvGrpSpPr>
+        <p:cNvPr id="1" name=""/>
+        <p:cNvGrpSpPr/>
+        <p:nvPr/>
+      </p:nvGrpSpPr>
+      <p:grpSpPr>
+        <a:xfrm>
+          <a:off x="0" y="0"/>
+          <a:ext cx="0" cy="0"/>
+          <a:chOff x="0" y="0"/>
+          <a:chExt cx="0" cy="0"/>
+        </a:xfrm>
+      </p:grpSpPr>
+      <p:pic>
+        <p:nvPicPr>
+          <p:cNvPr id="12" name="Imagem 11">
+            <a:extLst>
+              <a:ext uri="{FF2B5EF4-FFF2-40B4-BE49-F238E27FC236}">
+                <a16:creationId xmlns:a16="http://schemas.microsoft.com/office/drawing/2014/main" id="{3D8D84A6-8A50-427C-A700-BAA871B17A13}"/>
+              </a:ext>
+            </a:extLst>
+          </p:cNvPr>
+          <p:cNvPicPr>
+            <a:picLocks noChangeAspect="1"/>
+          </p:cNvPicPr>
+          <p:nvPr/>
+        </p:nvPicPr>
+        <p:blipFill>
+          <a:blip r:embed="rId3">
+            <a:extLst>
+              <a:ext uri="{28A0092B-C50C-407E-A947-70E740481C1C}">
+                <a14:useLocalDpi xmlns:a14="http://schemas.microsoft.com/office/drawing/2010/main" val="0"/>
+              </a:ext>
+            </a:extLst>
+          </a:blip>
+          <a:stretch>
+            <a:fillRect/>
+          </a:stretch>
+        </p:blipFill>
+        <p:spPr>
+          <a:xfrm>
+            <a:off x="4583339" y="3575193"/>
+            <a:ext cx="3025320" cy="3025320"/>
+          </a:xfrm>
+          <a:prstGeom prst="rect">
+            <a:avLst/>
+          </a:prstGeom>
+        </p:spPr>
+      </p:pic>
+      <p:sp>
+        <p:nvSpPr>
+          <p:cNvPr id="2" name="Título 1">
+            <a:extLst>
+              <a:ext uri="{FF2B5EF4-FFF2-40B4-BE49-F238E27FC236}">
+                <a16:creationId xmlns:a16="http://schemas.microsoft.com/office/drawing/2014/main" id="{CB62B9E9-0D50-4AD2-9915-759A37C90587}"/>
+              </a:ext>
+            </a:extLst>
+          </p:cNvPr>
+          <p:cNvSpPr>
+            <a:spLocks noGrp="1"/>
+          </p:cNvSpPr>
+          <p:nvPr>
+            <p:ph type="title"/>
+          </p:nvPr>
+        </p:nvSpPr>
+        <p:spPr/>
+        <p:txBody>
+          <a:bodyPr/>
+          <a:lstStyle/>
+          <a:p>
+            <a:r>
+              <a:rPr lang="en-US" dirty="0"/>
+              <a:t>Hands On</a:t>
+            </a:r>
+          </a:p>
+        </p:txBody>
+      </p:sp>
+      <p:sp>
+        <p:nvSpPr>
+          <p:cNvPr id="9" name="Retângulo 8">
+            <a:extLst>
+              <a:ext uri="{FF2B5EF4-FFF2-40B4-BE49-F238E27FC236}">
+                <a16:creationId xmlns:a16="http://schemas.microsoft.com/office/drawing/2014/main" id="{87DCF375-DA0F-4E0E-9C96-72EB4F2C0895}"/>
+              </a:ext>
+            </a:extLst>
+          </p:cNvPr>
+          <p:cNvSpPr/>
+          <p:nvPr/>
+        </p:nvSpPr>
+        <p:spPr>
+          <a:xfrm>
+            <a:off x="898904" y="2003137"/>
+            <a:ext cx="10394192" cy="584775"/>
+          </a:xfrm>
+          <a:prstGeom prst="rect">
+            <a:avLst/>
+          </a:prstGeom>
+        </p:spPr>
+        <p:txBody>
+          <a:bodyPr wrap="none">
+            <a:spAutoFit/>
+          </a:bodyPr>
+          <a:lstStyle/>
+          <a:p>
+            <a:r>
+              <a:rPr lang="pt-PT" sz="3200" dirty="0"/>
+              <a:t>https://github.com/ruisilva450/O365BootcampDevscope</a:t>
+            </a:r>
+          </a:p>
+        </p:txBody>
+      </p:sp>
+      <p:sp>
+        <p:nvSpPr>
+          <p:cNvPr id="10" name="Retângulo 9">
+            <a:extLst>
+              <a:ext uri="{FF2B5EF4-FFF2-40B4-BE49-F238E27FC236}">
+                <a16:creationId xmlns:a16="http://schemas.microsoft.com/office/drawing/2014/main" id="{92BC17F6-CB07-447D-B437-44A497ED96CA}"/>
+              </a:ext>
+            </a:extLst>
+          </p:cNvPr>
+          <p:cNvSpPr/>
+          <p:nvPr/>
+        </p:nvSpPr>
+        <p:spPr>
+          <a:xfrm>
+            <a:off x="4000105" y="2990418"/>
+            <a:ext cx="4191789" cy="584775"/>
+          </a:xfrm>
+          <a:prstGeom prst="rect">
+            <a:avLst/>
+          </a:prstGeom>
+        </p:spPr>
+        <p:txBody>
+          <a:bodyPr wrap="none">
+            <a:spAutoFit/>
+          </a:bodyPr>
+          <a:lstStyle/>
+          <a:p>
+            <a:r>
+              <a:rPr lang="pt-PT" sz="3200" dirty="0"/>
+              <a:t>https://bit.ly/</a:t>
+            </a:r>
+            <a:r>
+              <a:rPr lang="pt-PT" sz="3200" b="1" dirty="0"/>
+              <a:t>2RpFrwr</a:t>
+            </a:r>
+          </a:p>
+        </p:txBody>
+      </p:sp>
+    </p:spTree>
+    <p:extLst>
+      <p:ext uri="{BB962C8B-B14F-4D97-AF65-F5344CB8AC3E}">
+        <p14:creationId xmlns:p14="http://schemas.microsoft.com/office/powerpoint/2010/main" val="1556897733"/>
+      </p:ext>
+    </p:extLst>
+  </p:cSld>
+  <p:clrMapOvr>
+    <a:masterClrMapping/>
+  </p:clrMapOvr>
+  <mc:AlternateContent xmlns:mc="http://schemas.openxmlformats.org/markup-compatibility/2006" xmlns:p159="http://schemas.microsoft.com/office/powerpoint/2015/09/main">
+    <mc:Choice Requires="p159">
+      <p:transition xmlns:p14="http://schemas.microsoft.com/office/powerpoint/2010/main" p14:dur="250">
+        <p159:morph option="byWord"/>
+      </p:transition>
+    </mc:Choice>
+    <mc:Fallback xmlns="">
+      <p:transition>
+        <p:fade/>
+      </p:transition>
+    </mc:Fallback>
+  </mc:AlternateContent>
+</p:sld>
+</file>
+
+<file path=ppt/slides/slide25.xml><?xml version="1.0" encoding="utf-8"?>
+<p:sld xmlns:a="http://schemas.openxmlformats.org/drawingml/2006/main" xmlns:r="http://schemas.openxmlformats.org/officeDocument/2006/relationships" xmlns:p="http://schemas.openxmlformats.org/presentationml/2006/main">
+  <p:cSld>
+    <p:spTree>
+      <p:nvGrpSpPr>
+        <p:cNvPr id="1" name=""/>
+        <p:cNvGrpSpPr/>
+        <p:nvPr/>
+      </p:nvGrpSpPr>
+      <p:grpSpPr>
+        <a:xfrm>
+          <a:off x="0" y="0"/>
+          <a:ext cx="0" cy="0"/>
+          <a:chOff x="0" y="0"/>
+          <a:chExt cx="0" cy="0"/>
+        </a:xfrm>
+      </p:grpSpPr>
+      <p:sp>
+        <p:nvSpPr>
+          <p:cNvPr id="2" name="Título 1">
+            <a:extLst>
+              <a:ext uri="{FF2B5EF4-FFF2-40B4-BE49-F238E27FC236}">
+                <a16:creationId xmlns:a16="http://schemas.microsoft.com/office/drawing/2014/main" id="{CB62B9E9-0D50-4AD2-9915-759A37C90587}"/>
+              </a:ext>
+            </a:extLst>
+          </p:cNvPr>
+          <p:cNvSpPr>
+            <a:spLocks noGrp="1"/>
+          </p:cNvSpPr>
+          <p:nvPr>
+            <p:ph type="title"/>
+          </p:nvPr>
+        </p:nvSpPr>
+        <p:spPr/>
+        <p:txBody>
+          <a:bodyPr/>
+          <a:lstStyle/>
+          <a:p>
+            <a:r>
+              <a:rPr lang="en-US" dirty="0"/>
+              <a:t>Obrigado</a:t>
+            </a:r>
+          </a:p>
+        </p:txBody>
+      </p:sp>
+      <p:sp>
+        <p:nvSpPr>
+          <p:cNvPr id="9" name="Retângulo 8">
+            <a:extLst>
+              <a:ext uri="{FF2B5EF4-FFF2-40B4-BE49-F238E27FC236}">
+                <a16:creationId xmlns:a16="http://schemas.microsoft.com/office/drawing/2014/main" id="{87DCF375-DA0F-4E0E-9C96-72EB4F2C0895}"/>
+              </a:ext>
+            </a:extLst>
+          </p:cNvPr>
+          <p:cNvSpPr/>
+          <p:nvPr/>
+        </p:nvSpPr>
+        <p:spPr>
+          <a:xfrm>
+            <a:off x="948597" y="2003137"/>
+            <a:ext cx="10294806" cy="584775"/>
+          </a:xfrm>
+          <a:prstGeom prst="rect">
+            <a:avLst/>
+          </a:prstGeom>
+        </p:spPr>
+        <p:txBody>
+          <a:bodyPr wrap="none">
+            <a:spAutoFit/>
+          </a:bodyPr>
+          <a:lstStyle/>
+          <a:p>
+            <a:r>
+              <a:rPr lang="en-US" sz="3200" dirty="0"/>
+              <a:t>http://aka.ms/2018GlobalOffice365DevBootcampSurvey</a:t>
+            </a:r>
+            <a:endParaRPr lang="pt-PT" sz="3200" dirty="0"/>
+          </a:p>
+        </p:txBody>
+      </p:sp>
+      <p:pic>
+        <p:nvPicPr>
+          <p:cNvPr id="4" name="Imagem 3">
+            <a:extLst>
+              <a:ext uri="{FF2B5EF4-FFF2-40B4-BE49-F238E27FC236}">
+                <a16:creationId xmlns:a16="http://schemas.microsoft.com/office/drawing/2014/main" id="{693FB4F3-4AA0-41F8-95A6-1CD194EDB1B3}"/>
+              </a:ext>
+            </a:extLst>
+          </p:cNvPr>
+          <p:cNvPicPr>
+            <a:picLocks noChangeAspect="1"/>
+          </p:cNvPicPr>
+          <p:nvPr/>
+        </p:nvPicPr>
+        <p:blipFill>
+          <a:blip r:embed="rId3">
+            <a:extLst>
+              <a:ext uri="{28A0092B-C50C-407E-A947-70E740481C1C}">
+                <a14:useLocalDpi xmlns:a14="http://schemas.microsoft.com/office/drawing/2010/main" val="0"/>
+              </a:ext>
+            </a:extLst>
+          </a:blip>
+          <a:stretch>
+            <a:fillRect/>
+          </a:stretch>
+        </p:blipFill>
+        <p:spPr>
+          <a:xfrm>
+            <a:off x="4585658" y="3574211"/>
+            <a:ext cx="3020683" cy="3020683"/>
+          </a:xfrm>
+          <a:prstGeom prst="rect">
+            <a:avLst/>
+          </a:prstGeom>
+        </p:spPr>
+      </p:pic>
+    </p:spTree>
+    <p:extLst>
+      <p:ext uri="{BB962C8B-B14F-4D97-AF65-F5344CB8AC3E}">
+        <p14:creationId xmlns:p14="http://schemas.microsoft.com/office/powerpoint/2010/main" val="4150081116"/>
+      </p:ext>
+    </p:extLst>
+  </p:cSld>
+  <p:clrMapOvr>
+    <a:masterClrMapping/>
+  </p:clrMapOvr>
+  <mc:AlternateContent xmlns:mc="http://schemas.openxmlformats.org/markup-compatibility/2006" xmlns:p159="http://schemas.microsoft.com/office/powerpoint/2015/09/main">
+    <mc:Choice Requires="p159">
+      <p:transition xmlns:p14="http://schemas.microsoft.com/office/powerpoint/2010/main" p14:dur="250">
+        <p159:morph option="byWord"/>
+      </p:transition>
+    </mc:Choice>
+    <mc:Fallback xmlns="">
+      <p:transition>
+        <p:fade/>
+      </p:transition>
+    </mc:Fallback>
+  </mc:AlternateContent>
+</p:sld>
+</file>
+
+<file path=ppt/slides/slide3.xml><?xml version="1.0" encoding="utf-8"?>
 <p:sld xmlns:a="http://schemas.openxmlformats.org/drawingml/2006/main" xmlns:r="http://schemas.openxmlformats.org/officeDocument/2006/relationships" xmlns:p="http://schemas.openxmlformats.org/presentationml/2006/main">
   <p:cSld>
     <p:spTree>
@@ -24891,646 +26331,7 @@
 </p:sld>
 </file>
 
-<file path=ppt/slides/slide20.xml><?xml version="1.0" encoding="utf-8"?>
-<p:sld xmlns:a="http://schemas.openxmlformats.org/drawingml/2006/main" xmlns:r="http://schemas.openxmlformats.org/officeDocument/2006/relationships" xmlns:p="http://schemas.openxmlformats.org/presentationml/2006/main">
-  <p:cSld>
-    <p:spTree>
-      <p:nvGrpSpPr>
-        <p:cNvPr id="1" name=""/>
-        <p:cNvGrpSpPr/>
-        <p:nvPr/>
-      </p:nvGrpSpPr>
-      <p:grpSpPr>
-        <a:xfrm>
-          <a:off x="0" y="0"/>
-          <a:ext cx="0" cy="0"/>
-          <a:chOff x="0" y="0"/>
-          <a:chExt cx="0" cy="0"/>
-        </a:xfrm>
-      </p:grpSpPr>
-      <p:sp>
-        <p:nvSpPr>
-          <p:cNvPr id="2" name="Title 1"/>
-          <p:cNvSpPr>
-            <a:spLocks noGrp="1"/>
-          </p:cNvSpPr>
-          <p:nvPr>
-            <p:ph type="title"/>
-          </p:nvPr>
-        </p:nvSpPr>
-        <p:spPr>
-          <a:xfrm>
-            <a:off x="831850" y="1709738"/>
-            <a:ext cx="10515600" cy="2852737"/>
-          </a:xfrm>
-        </p:spPr>
-        <p:txBody>
-          <a:bodyPr/>
-          <a:lstStyle/>
-          <a:p>
-            <a:r>
-              <a:rPr lang="en-US" dirty="0"/>
-              <a:t>Passos </a:t>
-            </a:r>
-            <a:r>
-              <a:rPr lang="en-US" dirty="0" err="1"/>
-              <a:t>Futuros</a:t>
-            </a:r>
-            <a:endParaRPr lang="en-US" dirty="0"/>
-          </a:p>
-        </p:txBody>
-      </p:sp>
-    </p:spTree>
-    <p:extLst>
-      <p:ext uri="{BB962C8B-B14F-4D97-AF65-F5344CB8AC3E}">
-        <p14:creationId xmlns:p14="http://schemas.microsoft.com/office/powerpoint/2010/main" val="1205179811"/>
-      </p:ext>
-    </p:extLst>
-  </p:cSld>
-  <p:clrMapOvr>
-    <a:masterClrMapping/>
-  </p:clrMapOvr>
-  <mc:AlternateContent xmlns:mc="http://schemas.openxmlformats.org/markup-compatibility/2006" xmlns:p159="http://schemas.microsoft.com/office/powerpoint/2015/09/main">
-    <mc:Choice Requires="p159">
-      <p:transition xmlns:p14="http://schemas.microsoft.com/office/powerpoint/2010/main" p14:dur="250">
-        <p159:morph option="byWord"/>
-      </p:transition>
-    </mc:Choice>
-    <mc:Fallback xmlns="">
-      <p:transition>
-        <p:fade/>
-      </p:transition>
-    </mc:Fallback>
-  </mc:AlternateContent>
-</p:sld>
-</file>
-
-<file path=ppt/slides/slide21.xml><?xml version="1.0" encoding="utf-8"?>
-<p:sld xmlns:a="http://schemas.openxmlformats.org/drawingml/2006/main" xmlns:r="http://schemas.openxmlformats.org/officeDocument/2006/relationships" xmlns:p="http://schemas.openxmlformats.org/presentationml/2006/main">
-  <p:cSld>
-    <p:spTree>
-      <p:nvGrpSpPr>
-        <p:cNvPr id="1" name=""/>
-        <p:cNvGrpSpPr/>
-        <p:nvPr/>
-      </p:nvGrpSpPr>
-      <p:grpSpPr>
-        <a:xfrm>
-          <a:off x="0" y="0"/>
-          <a:ext cx="0" cy="0"/>
-          <a:chOff x="0" y="0"/>
-          <a:chExt cx="0" cy="0"/>
-        </a:xfrm>
-      </p:grpSpPr>
-      <p:sp>
-        <p:nvSpPr>
-          <p:cNvPr id="2" name="Título 1">
-            <a:extLst>
-              <a:ext uri="{FF2B5EF4-FFF2-40B4-BE49-F238E27FC236}">
-                <a16:creationId xmlns:a16="http://schemas.microsoft.com/office/drawing/2014/main" id="{CB62B9E9-0D50-4AD2-9915-759A37C90587}"/>
-              </a:ext>
-            </a:extLst>
-          </p:cNvPr>
-          <p:cNvSpPr>
-            <a:spLocks noGrp="1"/>
-          </p:cNvSpPr>
-          <p:nvPr>
-            <p:ph type="title"/>
-          </p:nvPr>
-        </p:nvSpPr>
-        <p:spPr/>
-        <p:txBody>
-          <a:bodyPr/>
-          <a:lstStyle/>
-          <a:p>
-            <a:r>
-              <a:rPr lang="en-US" dirty="0"/>
-              <a:t>Passos </a:t>
-            </a:r>
-            <a:r>
-              <a:rPr lang="en-US" dirty="0" err="1"/>
-              <a:t>Futuros</a:t>
-            </a:r>
-            <a:endParaRPr lang="en-US" dirty="0"/>
-          </a:p>
-        </p:txBody>
-      </p:sp>
-      <p:sp>
-        <p:nvSpPr>
-          <p:cNvPr id="14" name="Content Placeholder 2">
-            <a:extLst>
-              <a:ext uri="{FF2B5EF4-FFF2-40B4-BE49-F238E27FC236}">
-                <a16:creationId xmlns:a16="http://schemas.microsoft.com/office/drawing/2014/main" id="{04517473-56A2-4BBC-913B-0CB260629346}"/>
-              </a:ext>
-            </a:extLst>
-          </p:cNvPr>
-          <p:cNvSpPr>
-            <a:spLocks noGrp="1"/>
-          </p:cNvSpPr>
-          <p:nvPr>
-            <p:ph idx="1"/>
-          </p:nvPr>
-        </p:nvSpPr>
-        <p:spPr>
-          <a:xfrm>
-            <a:off x="838200" y="1825625"/>
-            <a:ext cx="10198100" cy="3482975"/>
-          </a:xfrm>
-        </p:spPr>
-        <p:txBody>
-          <a:bodyPr>
-            <a:normAutofit lnSpcReduction="10000"/>
-          </a:bodyPr>
-          <a:lstStyle/>
-          <a:p>
-            <a:pPr>
-              <a:lnSpc>
-                <a:spcPct val="150000"/>
-              </a:lnSpc>
-            </a:pPr>
-            <a:r>
-              <a:rPr lang="pt-PT" sz="2600" dirty="0"/>
-              <a:t>Maturação do LUIS</a:t>
-            </a:r>
-          </a:p>
-          <a:p>
-            <a:pPr>
-              <a:lnSpc>
-                <a:spcPct val="150000"/>
-              </a:lnSpc>
-            </a:pPr>
-            <a:r>
-              <a:rPr lang="pt-PT" sz="2600" dirty="0"/>
-              <a:t>Suporte a registo de despesas associadas</a:t>
-            </a:r>
-          </a:p>
-          <a:p>
-            <a:pPr>
-              <a:lnSpc>
-                <a:spcPct val="150000"/>
-              </a:lnSpc>
-            </a:pPr>
-            <a:r>
-              <a:rPr lang="pt-PT" sz="2600" dirty="0"/>
-              <a:t>Utilização de síntese de voz</a:t>
-            </a:r>
-          </a:p>
-          <a:p>
-            <a:pPr>
-              <a:lnSpc>
-                <a:spcPct val="150000"/>
-              </a:lnSpc>
-            </a:pPr>
-            <a:r>
-              <a:rPr lang="pt-PT" sz="2600" dirty="0"/>
-              <a:t>Sistema de feedback de desempenho da solução</a:t>
-            </a:r>
-          </a:p>
-          <a:p>
-            <a:pPr>
-              <a:lnSpc>
-                <a:spcPct val="150000"/>
-              </a:lnSpc>
-            </a:pPr>
-            <a:r>
-              <a:rPr lang="pt-PT" sz="2600" dirty="0"/>
-              <a:t>Expansão via plugins</a:t>
-            </a:r>
-          </a:p>
-          <a:p>
-            <a:pPr marL="0" indent="0">
-              <a:buNone/>
-            </a:pPr>
-            <a:endParaRPr lang="pt-PT" sz="2600" dirty="0"/>
-          </a:p>
-        </p:txBody>
-      </p:sp>
-    </p:spTree>
-    <p:extLst>
-      <p:ext uri="{BB962C8B-B14F-4D97-AF65-F5344CB8AC3E}">
-        <p14:creationId xmlns:p14="http://schemas.microsoft.com/office/powerpoint/2010/main" val="693226067"/>
-      </p:ext>
-    </p:extLst>
-  </p:cSld>
-  <p:clrMapOvr>
-    <a:masterClrMapping/>
-  </p:clrMapOvr>
-  <mc:AlternateContent xmlns:mc="http://schemas.openxmlformats.org/markup-compatibility/2006" xmlns:p159="http://schemas.microsoft.com/office/powerpoint/2015/09/main">
-    <mc:Choice Requires="p159">
-      <p:transition xmlns:p14="http://schemas.microsoft.com/office/powerpoint/2010/main" p14:dur="250">
-        <p159:morph option="byWord"/>
-      </p:transition>
-    </mc:Choice>
-    <mc:Fallback xmlns="">
-      <p:transition>
-        <p:fade/>
-      </p:transition>
-    </mc:Fallback>
-  </mc:AlternateContent>
-</p:sld>
-</file>
-
-<file path=ppt/slides/slide22.xml><?xml version="1.0" encoding="utf-8"?>
-<p:sld xmlns:a="http://schemas.openxmlformats.org/drawingml/2006/main" xmlns:r="http://schemas.openxmlformats.org/officeDocument/2006/relationships" xmlns:p="http://schemas.openxmlformats.org/presentationml/2006/main">
-  <p:cSld>
-    <p:bg>
-      <p:bgPr>
-        <a:solidFill>
-          <a:srgbClr val="5095D1"/>
-        </a:solidFill>
-        <a:effectLst/>
-      </p:bgPr>
-    </p:bg>
-    <p:spTree>
-      <p:nvGrpSpPr>
-        <p:cNvPr id="1" name=""/>
-        <p:cNvGrpSpPr/>
-        <p:nvPr/>
-      </p:nvGrpSpPr>
-      <p:grpSpPr>
-        <a:xfrm>
-          <a:off x="0" y="0"/>
-          <a:ext cx="0" cy="0"/>
-          <a:chOff x="0" y="0"/>
-          <a:chExt cx="0" cy="0"/>
-        </a:xfrm>
-      </p:grpSpPr>
-      <p:sp>
-        <p:nvSpPr>
-          <p:cNvPr id="2" name="Title 1"/>
-          <p:cNvSpPr>
-            <a:spLocks noGrp="1"/>
-          </p:cNvSpPr>
-          <p:nvPr>
-            <p:ph type="title"/>
-          </p:nvPr>
-        </p:nvSpPr>
-        <p:spPr>
-          <a:xfrm>
-            <a:off x="831850" y="1709738"/>
-            <a:ext cx="10515600" cy="2852737"/>
-          </a:xfrm>
-        </p:spPr>
-        <p:txBody>
-          <a:bodyPr/>
-          <a:lstStyle/>
-          <a:p>
-            <a:r>
-              <a:rPr lang="en-US" dirty="0"/>
-              <a:t>Hands On</a:t>
-            </a:r>
-            <a:br>
-              <a:rPr lang="en-US" dirty="0"/>
-            </a:br>
-            <a:endParaRPr lang="en-US" dirty="0"/>
-          </a:p>
-        </p:txBody>
-      </p:sp>
-    </p:spTree>
-    <p:extLst>
-      <p:ext uri="{BB962C8B-B14F-4D97-AF65-F5344CB8AC3E}">
-        <p14:creationId xmlns:p14="http://schemas.microsoft.com/office/powerpoint/2010/main" val="4168173363"/>
-      </p:ext>
-    </p:extLst>
-  </p:cSld>
-  <p:clrMapOvr>
-    <a:masterClrMapping/>
-  </p:clrMapOvr>
-  <mc:AlternateContent xmlns:mc="http://schemas.openxmlformats.org/markup-compatibility/2006" xmlns:p159="http://schemas.microsoft.com/office/powerpoint/2015/09/main">
-    <mc:Choice Requires="p159">
-      <p:transition xmlns:p14="http://schemas.microsoft.com/office/powerpoint/2010/main" p14:dur="250">
-        <p159:morph option="byWord"/>
-      </p:transition>
-    </mc:Choice>
-    <mc:Fallback xmlns="">
-      <p:transition>
-        <p:fade/>
-      </p:transition>
-    </mc:Fallback>
-  </mc:AlternateContent>
-</p:sld>
-</file>
-
-<file path=ppt/slides/slide23.xml><?xml version="1.0" encoding="utf-8"?>
-<p:sld xmlns:a="http://schemas.openxmlformats.org/drawingml/2006/main" xmlns:r="http://schemas.openxmlformats.org/officeDocument/2006/relationships" xmlns:p="http://schemas.openxmlformats.org/presentationml/2006/main">
-  <p:cSld>
-    <p:spTree>
-      <p:nvGrpSpPr>
-        <p:cNvPr id="1" name=""/>
-        <p:cNvGrpSpPr/>
-        <p:nvPr/>
-      </p:nvGrpSpPr>
-      <p:grpSpPr>
-        <a:xfrm>
-          <a:off x="0" y="0"/>
-          <a:ext cx="0" cy="0"/>
-          <a:chOff x="0" y="0"/>
-          <a:chExt cx="0" cy="0"/>
-        </a:xfrm>
-      </p:grpSpPr>
-      <p:pic>
-        <p:nvPicPr>
-          <p:cNvPr id="12" name="Imagem 11">
-            <a:extLst>
-              <a:ext uri="{FF2B5EF4-FFF2-40B4-BE49-F238E27FC236}">
-                <a16:creationId xmlns:a16="http://schemas.microsoft.com/office/drawing/2014/main" id="{3D8D84A6-8A50-427C-A700-BAA871B17A13}"/>
-              </a:ext>
-            </a:extLst>
-          </p:cNvPr>
-          <p:cNvPicPr>
-            <a:picLocks noChangeAspect="1"/>
-          </p:cNvPicPr>
-          <p:nvPr/>
-        </p:nvPicPr>
-        <p:blipFill>
-          <a:blip r:embed="rId3">
-            <a:extLst>
-              <a:ext uri="{28A0092B-C50C-407E-A947-70E740481C1C}">
-                <a14:useLocalDpi xmlns:a14="http://schemas.microsoft.com/office/drawing/2010/main" val="0"/>
-              </a:ext>
-            </a:extLst>
-          </a:blip>
-          <a:stretch>
-            <a:fillRect/>
-          </a:stretch>
-        </p:blipFill>
-        <p:spPr>
-          <a:xfrm>
-            <a:off x="4583339" y="3575193"/>
-            <a:ext cx="3025320" cy="3025320"/>
-          </a:xfrm>
-          <a:prstGeom prst="rect">
-            <a:avLst/>
-          </a:prstGeom>
-        </p:spPr>
-      </p:pic>
-      <p:sp>
-        <p:nvSpPr>
-          <p:cNvPr id="2" name="Título 1">
-            <a:extLst>
-              <a:ext uri="{FF2B5EF4-FFF2-40B4-BE49-F238E27FC236}">
-                <a16:creationId xmlns:a16="http://schemas.microsoft.com/office/drawing/2014/main" id="{CB62B9E9-0D50-4AD2-9915-759A37C90587}"/>
-              </a:ext>
-            </a:extLst>
-          </p:cNvPr>
-          <p:cNvSpPr>
-            <a:spLocks noGrp="1"/>
-          </p:cNvSpPr>
-          <p:nvPr>
-            <p:ph type="title"/>
-          </p:nvPr>
-        </p:nvSpPr>
-        <p:spPr/>
-        <p:txBody>
-          <a:bodyPr/>
-          <a:lstStyle/>
-          <a:p>
-            <a:r>
-              <a:rPr lang="en-US" dirty="0"/>
-              <a:t>Hands On</a:t>
-            </a:r>
-          </a:p>
-        </p:txBody>
-      </p:sp>
-      <p:sp>
-        <p:nvSpPr>
-          <p:cNvPr id="9" name="Retângulo 8">
-            <a:extLst>
-              <a:ext uri="{FF2B5EF4-FFF2-40B4-BE49-F238E27FC236}">
-                <a16:creationId xmlns:a16="http://schemas.microsoft.com/office/drawing/2014/main" id="{87DCF375-DA0F-4E0E-9C96-72EB4F2C0895}"/>
-              </a:ext>
-            </a:extLst>
-          </p:cNvPr>
-          <p:cNvSpPr/>
-          <p:nvPr/>
-        </p:nvSpPr>
-        <p:spPr>
-          <a:xfrm>
-            <a:off x="898904" y="2003137"/>
-            <a:ext cx="10394192" cy="584775"/>
-          </a:xfrm>
-          <a:prstGeom prst="rect">
-            <a:avLst/>
-          </a:prstGeom>
-        </p:spPr>
-        <p:txBody>
-          <a:bodyPr wrap="none">
-            <a:spAutoFit/>
-          </a:bodyPr>
-          <a:lstStyle/>
-          <a:p>
-            <a:r>
-              <a:rPr lang="pt-PT" sz="3200" dirty="0"/>
-              <a:t>https://github.com/ruisilva450/O365BootcampDevscope</a:t>
-            </a:r>
-          </a:p>
-        </p:txBody>
-      </p:sp>
-      <p:sp>
-        <p:nvSpPr>
-          <p:cNvPr id="10" name="Retângulo 9">
-            <a:extLst>
-              <a:ext uri="{FF2B5EF4-FFF2-40B4-BE49-F238E27FC236}">
-                <a16:creationId xmlns:a16="http://schemas.microsoft.com/office/drawing/2014/main" id="{92BC17F6-CB07-447D-B437-44A497ED96CA}"/>
-              </a:ext>
-            </a:extLst>
-          </p:cNvPr>
-          <p:cNvSpPr/>
-          <p:nvPr/>
-        </p:nvSpPr>
-        <p:spPr>
-          <a:xfrm>
-            <a:off x="4000105" y="2990418"/>
-            <a:ext cx="4191789" cy="584775"/>
-          </a:xfrm>
-          <a:prstGeom prst="rect">
-            <a:avLst/>
-          </a:prstGeom>
-        </p:spPr>
-        <p:txBody>
-          <a:bodyPr wrap="none">
-            <a:spAutoFit/>
-          </a:bodyPr>
-          <a:lstStyle/>
-          <a:p>
-            <a:r>
-              <a:rPr lang="pt-PT" sz="3200" dirty="0"/>
-              <a:t>https://bit.ly/</a:t>
-            </a:r>
-            <a:r>
-              <a:rPr lang="pt-PT" sz="3200" b="1" dirty="0"/>
-              <a:t>2RpFrwr</a:t>
-            </a:r>
-          </a:p>
-        </p:txBody>
-      </p:sp>
-    </p:spTree>
-    <p:extLst>
-      <p:ext uri="{BB962C8B-B14F-4D97-AF65-F5344CB8AC3E}">
-        <p14:creationId xmlns:p14="http://schemas.microsoft.com/office/powerpoint/2010/main" val="1556897733"/>
-      </p:ext>
-    </p:extLst>
-  </p:cSld>
-  <p:clrMapOvr>
-    <a:masterClrMapping/>
-  </p:clrMapOvr>
-  <mc:AlternateContent xmlns:mc="http://schemas.openxmlformats.org/markup-compatibility/2006" xmlns:p159="http://schemas.microsoft.com/office/powerpoint/2015/09/main">
-    <mc:Choice Requires="p159">
-      <p:transition xmlns:p14="http://schemas.microsoft.com/office/powerpoint/2010/main" p14:dur="250">
-        <p159:morph option="byWord"/>
-      </p:transition>
-    </mc:Choice>
-    <mc:Fallback xmlns="">
-      <p:transition>
-        <p:fade/>
-      </p:transition>
-    </mc:Fallback>
-  </mc:AlternateContent>
-</p:sld>
-</file>
-
-<file path=ppt/slides/slide24.xml><?xml version="1.0" encoding="utf-8"?>
-<p:sld xmlns:a="http://schemas.openxmlformats.org/drawingml/2006/main" xmlns:r="http://schemas.openxmlformats.org/officeDocument/2006/relationships" xmlns:p="http://schemas.openxmlformats.org/presentationml/2006/main">
-  <p:cSld>
-    <p:spTree>
-      <p:nvGrpSpPr>
-        <p:cNvPr id="1" name=""/>
-        <p:cNvGrpSpPr/>
-        <p:nvPr/>
-      </p:nvGrpSpPr>
-      <p:grpSpPr>
-        <a:xfrm>
-          <a:off x="0" y="0"/>
-          <a:ext cx="0" cy="0"/>
-          <a:chOff x="0" y="0"/>
-          <a:chExt cx="0" cy="0"/>
-        </a:xfrm>
-      </p:grpSpPr>
-      <p:sp>
-        <p:nvSpPr>
-          <p:cNvPr id="2" name="Título 1">
-            <a:extLst>
-              <a:ext uri="{FF2B5EF4-FFF2-40B4-BE49-F238E27FC236}">
-                <a16:creationId xmlns:a16="http://schemas.microsoft.com/office/drawing/2014/main" id="{CB62B9E9-0D50-4AD2-9915-759A37C90587}"/>
-              </a:ext>
-            </a:extLst>
-          </p:cNvPr>
-          <p:cNvSpPr>
-            <a:spLocks noGrp="1"/>
-          </p:cNvSpPr>
-          <p:nvPr>
-            <p:ph type="title"/>
-          </p:nvPr>
-        </p:nvSpPr>
-        <p:spPr/>
-        <p:txBody>
-          <a:bodyPr/>
-          <a:lstStyle/>
-          <a:p>
-            <a:r>
-              <a:rPr lang="en-US" dirty="0"/>
-              <a:t>Obrigado</a:t>
-            </a:r>
-          </a:p>
-        </p:txBody>
-      </p:sp>
-      <p:sp>
-        <p:nvSpPr>
-          <p:cNvPr id="9" name="Retângulo 8">
-            <a:extLst>
-              <a:ext uri="{FF2B5EF4-FFF2-40B4-BE49-F238E27FC236}">
-                <a16:creationId xmlns:a16="http://schemas.microsoft.com/office/drawing/2014/main" id="{87DCF375-DA0F-4E0E-9C96-72EB4F2C0895}"/>
-              </a:ext>
-            </a:extLst>
-          </p:cNvPr>
-          <p:cNvSpPr/>
-          <p:nvPr/>
-        </p:nvSpPr>
-        <p:spPr>
-          <a:xfrm>
-            <a:off x="948597" y="2003137"/>
-            <a:ext cx="10294806" cy="584775"/>
-          </a:xfrm>
-          <a:prstGeom prst="rect">
-            <a:avLst/>
-          </a:prstGeom>
-        </p:spPr>
-        <p:txBody>
-          <a:bodyPr wrap="none">
-            <a:spAutoFit/>
-          </a:bodyPr>
-          <a:lstStyle/>
-          <a:p>
-            <a:r>
-              <a:rPr lang="en-US" sz="3200" dirty="0"/>
-              <a:t>http://aka.ms/2018GlobalOffice365DevBootcampSurvey</a:t>
-            </a:r>
-            <a:endParaRPr lang="pt-PT" sz="3200" dirty="0"/>
-          </a:p>
-        </p:txBody>
-      </p:sp>
-      <p:pic>
-        <p:nvPicPr>
-          <p:cNvPr id="4" name="Imagem 3">
-            <a:extLst>
-              <a:ext uri="{FF2B5EF4-FFF2-40B4-BE49-F238E27FC236}">
-                <a16:creationId xmlns:a16="http://schemas.microsoft.com/office/drawing/2014/main" id="{693FB4F3-4AA0-41F8-95A6-1CD194EDB1B3}"/>
-              </a:ext>
-            </a:extLst>
-          </p:cNvPr>
-          <p:cNvPicPr>
-            <a:picLocks noChangeAspect="1"/>
-          </p:cNvPicPr>
-          <p:nvPr/>
-        </p:nvPicPr>
-        <p:blipFill>
-          <a:blip r:embed="rId3">
-            <a:extLst>
-              <a:ext uri="{28A0092B-C50C-407E-A947-70E740481C1C}">
-                <a14:useLocalDpi xmlns:a14="http://schemas.microsoft.com/office/drawing/2010/main" val="0"/>
-              </a:ext>
-            </a:extLst>
-          </a:blip>
-          <a:stretch>
-            <a:fillRect/>
-          </a:stretch>
-        </p:blipFill>
-        <p:spPr>
-          <a:xfrm>
-            <a:off x="4585658" y="3574211"/>
-            <a:ext cx="3020683" cy="3020683"/>
-          </a:xfrm>
-          <a:prstGeom prst="rect">
-            <a:avLst/>
-          </a:prstGeom>
-        </p:spPr>
-      </p:pic>
-    </p:spTree>
-    <p:extLst>
-      <p:ext uri="{BB962C8B-B14F-4D97-AF65-F5344CB8AC3E}">
-        <p14:creationId xmlns:p14="http://schemas.microsoft.com/office/powerpoint/2010/main" val="4150081116"/>
-      </p:ext>
-    </p:extLst>
-  </p:cSld>
-  <p:clrMapOvr>
-    <a:masterClrMapping/>
-  </p:clrMapOvr>
-  <mc:AlternateContent xmlns:mc="http://schemas.openxmlformats.org/markup-compatibility/2006" xmlns:p159="http://schemas.microsoft.com/office/powerpoint/2015/09/main">
-    <mc:Choice Requires="p159">
-      <p:transition xmlns:p14="http://schemas.microsoft.com/office/powerpoint/2010/main" p14:dur="250">
-        <p159:morph option="byWord"/>
-      </p:transition>
-    </mc:Choice>
-    <mc:Fallback xmlns="">
-      <p:transition>
-        <p:fade/>
-      </p:transition>
-    </mc:Fallback>
-  </mc:AlternateContent>
-</p:sld>
-</file>
-
-<file path=ppt/slides/slide3.xml><?xml version="1.0" encoding="utf-8"?>
+<file path=ppt/slides/slide4.xml><?xml version="1.0" encoding="utf-8"?>
 <p:sld xmlns:a="http://schemas.openxmlformats.org/drawingml/2006/main" xmlns:r="http://schemas.openxmlformats.org/officeDocument/2006/relationships" xmlns:p="http://schemas.openxmlformats.org/presentationml/2006/main">
   <p:cSld>
     <p:spTree>
@@ -26333,7 +27134,7 @@
 </p:sld>
 </file>
 
-<file path=ppt/slides/slide4.xml><?xml version="1.0" encoding="utf-8"?>
+<file path=ppt/slides/slide5.xml><?xml version="1.0" encoding="utf-8"?>
 <p:sld xmlns:a="http://schemas.openxmlformats.org/drawingml/2006/main" xmlns:r="http://schemas.openxmlformats.org/officeDocument/2006/relationships" xmlns:p="http://schemas.openxmlformats.org/presentationml/2006/main">
   <p:cSld>
     <p:spTree>
@@ -26978,7 +27779,7 @@
 </p:sld>
 </file>
 
-<file path=ppt/slides/slide5.xml><?xml version="1.0" encoding="utf-8"?>
+<file path=ppt/slides/slide6.xml><?xml version="1.0" encoding="utf-8"?>
 <p:sld xmlns:a="http://schemas.openxmlformats.org/drawingml/2006/main" xmlns:r="http://schemas.openxmlformats.org/officeDocument/2006/relationships" xmlns:p="http://schemas.openxmlformats.org/presentationml/2006/main">
   <p:cSld>
     <p:bg>
@@ -27249,7 +28050,7 @@
 </p:sld>
 </file>
 
-<file path=ppt/slides/slide6.xml><?xml version="1.0" encoding="utf-8"?>
+<file path=ppt/slides/slide7.xml><?xml version="1.0" encoding="utf-8"?>
 <p:sld xmlns:a="http://schemas.openxmlformats.org/drawingml/2006/main" xmlns:r="http://schemas.openxmlformats.org/officeDocument/2006/relationships" xmlns:p="http://schemas.openxmlformats.org/presentationml/2006/main">
   <p:cSld>
     <p:spTree>
@@ -27543,7 +28344,7 @@
 </p:sld>
 </file>
 
-<file path=ppt/slides/slide7.xml><?xml version="1.0" encoding="utf-8"?>
+<file path=ppt/slides/slide8.xml><?xml version="1.0" encoding="utf-8"?>
 <p:sld xmlns:a="http://schemas.openxmlformats.org/drawingml/2006/main" xmlns:r="http://schemas.openxmlformats.org/officeDocument/2006/relationships" xmlns:p="http://schemas.openxmlformats.org/presentationml/2006/main">
   <p:cSld>
     <p:spTree>
@@ -27639,7 +28440,7 @@
 </p:sld>
 </file>
 
-<file path=ppt/slides/slide8.xml><?xml version="1.0" encoding="utf-8"?>
+<file path=ppt/slides/slide9.xml><?xml version="1.0" encoding="utf-8"?>
 <p:sld xmlns:a="http://schemas.openxmlformats.org/drawingml/2006/main" xmlns:r="http://schemas.openxmlformats.org/officeDocument/2006/relationships" xmlns:p="http://schemas.openxmlformats.org/presentationml/2006/main">
   <p:cSld>
     <p:spTree>
@@ -27916,530 +28717,6 @@
     <p:extLst>
       <p:ext uri="{BB962C8B-B14F-4D97-AF65-F5344CB8AC3E}">
         <p14:creationId xmlns:p14="http://schemas.microsoft.com/office/powerpoint/2010/main" val="1486955818"/>
-      </p:ext>
-    </p:extLst>
-  </p:cSld>
-  <p:clrMapOvr>
-    <a:masterClrMapping/>
-  </p:clrMapOvr>
-  <mc:AlternateContent xmlns:mc="http://schemas.openxmlformats.org/markup-compatibility/2006" xmlns:p159="http://schemas.microsoft.com/office/powerpoint/2015/09/main">
-    <mc:Choice Requires="p159">
-      <p:transition xmlns:p14="http://schemas.microsoft.com/office/powerpoint/2010/main" p14:dur="250">
-        <p159:morph option="byWord"/>
-      </p:transition>
-    </mc:Choice>
-    <mc:Fallback xmlns="">
-      <p:transition>
-        <p:fade/>
-      </p:transition>
-    </mc:Fallback>
-  </mc:AlternateContent>
-</p:sld>
-</file>
-
-<file path=ppt/slides/slide9.xml><?xml version="1.0" encoding="utf-8"?>
-<p:sld xmlns:a="http://schemas.openxmlformats.org/drawingml/2006/main" xmlns:r="http://schemas.openxmlformats.org/officeDocument/2006/relationships" xmlns:p="http://schemas.openxmlformats.org/presentationml/2006/main">
-  <p:cSld>
-    <p:spTree>
-      <p:nvGrpSpPr>
-        <p:cNvPr id="1" name=""/>
-        <p:cNvGrpSpPr/>
-        <p:nvPr/>
-      </p:nvGrpSpPr>
-      <p:grpSpPr>
-        <a:xfrm>
-          <a:off x="0" y="0"/>
-          <a:ext cx="0" cy="0"/>
-          <a:chOff x="0" y="0"/>
-          <a:chExt cx="0" cy="0"/>
-        </a:xfrm>
-      </p:grpSpPr>
-      <p:grpSp>
-        <p:nvGrpSpPr>
-          <p:cNvPr id="3" name="Group 2">
-            <a:extLst>
-              <a:ext uri="{FF2B5EF4-FFF2-40B4-BE49-F238E27FC236}">
-                <a16:creationId xmlns:a16="http://schemas.microsoft.com/office/drawing/2014/main" id="{0F0383F6-EE1B-40B4-A2B4-18FDD0B65173}"/>
-              </a:ext>
-            </a:extLst>
-          </p:cNvPr>
-          <p:cNvGrpSpPr/>
-          <p:nvPr/>
-        </p:nvGrpSpPr>
-        <p:grpSpPr>
-          <a:xfrm>
-            <a:off x="3046152" y="2705406"/>
-            <a:ext cx="1718034" cy="2066891"/>
-            <a:chOff x="2881523" y="2434361"/>
-            <a:chExt cx="1718034" cy="2066891"/>
-          </a:xfrm>
-        </p:grpSpPr>
-        <p:pic>
-          <p:nvPicPr>
-            <p:cNvPr id="23" name="Imagem 22" descr="Bot Framework">
-              <a:extLst>
-                <a:ext uri="{FF2B5EF4-FFF2-40B4-BE49-F238E27FC236}">
-                  <a16:creationId xmlns:a16="http://schemas.microsoft.com/office/drawing/2014/main" id="{24E6F6A0-E1DF-4931-B914-D1FAC4D2E331}"/>
-                </a:ext>
-                <a:ext uri="{C183D7F6-B498-43B3-948B-1728B52AA6E4}">
-                  <adec:decorative xmlns:adec="http://schemas.microsoft.com/office/drawing/2017/decorative" val="0"/>
-                </a:ext>
-              </a:extLst>
-            </p:cNvPr>
-            <p:cNvPicPr>
-              <a:picLocks noChangeAspect="1"/>
-            </p:cNvPicPr>
-            <p:nvPr/>
-          </p:nvPicPr>
-          <p:blipFill>
-            <a:blip r:embed="rId3">
-              <a:extLst>
-                <a:ext uri="{28A0092B-C50C-407E-A947-70E740481C1C}">
-                  <a14:useLocalDpi xmlns:a14="http://schemas.microsoft.com/office/drawing/2010/main" val="0"/>
-                </a:ext>
-              </a:extLst>
-            </a:blip>
-            <a:stretch>
-              <a:fillRect/>
-            </a:stretch>
-          </p:blipFill>
-          <p:spPr>
-            <a:xfrm>
-              <a:off x="2927698" y="2434361"/>
-              <a:ext cx="1625684" cy="1625684"/>
-            </a:xfrm>
-            <a:prstGeom prst="rect">
-              <a:avLst/>
-            </a:prstGeom>
-          </p:spPr>
-        </p:pic>
-        <p:sp>
-          <p:nvSpPr>
-            <p:cNvPr id="25" name="CaixaDeTexto 24">
-              <a:extLst>
-                <a:ext uri="{FF2B5EF4-FFF2-40B4-BE49-F238E27FC236}">
-                  <a16:creationId xmlns:a16="http://schemas.microsoft.com/office/drawing/2014/main" id="{FD786B10-3A10-430B-85C2-8959575BE24B}"/>
-                </a:ext>
-              </a:extLst>
-            </p:cNvPr>
-            <p:cNvSpPr txBox="1"/>
-            <p:nvPr/>
-          </p:nvSpPr>
-          <p:spPr>
-            <a:xfrm>
-              <a:off x="2881523" y="4131920"/>
-              <a:ext cx="1718034" cy="369332"/>
-            </a:xfrm>
-            <a:prstGeom prst="rect">
-              <a:avLst/>
-            </a:prstGeom>
-            <a:noFill/>
-          </p:spPr>
-          <p:txBody>
-            <a:bodyPr wrap="none" rtlCol="0">
-              <a:spAutoFit/>
-            </a:bodyPr>
-            <a:lstStyle/>
-            <a:p>
-              <a:r>
-                <a:rPr lang="en-US" dirty="0"/>
-                <a:t>Bot Framework</a:t>
-              </a:r>
-            </a:p>
-          </p:txBody>
-        </p:sp>
-      </p:grpSp>
-      <p:sp>
-        <p:nvSpPr>
-          <p:cNvPr id="26" name="Seta: Para a Direita 25">
-            <a:extLst>
-              <a:ext uri="{FF2B5EF4-FFF2-40B4-BE49-F238E27FC236}">
-                <a16:creationId xmlns:a16="http://schemas.microsoft.com/office/drawing/2014/main" id="{56608159-C789-424A-80CF-9B45136DFF9F}"/>
-              </a:ext>
-            </a:extLst>
-          </p:cNvPr>
-          <p:cNvSpPr/>
-          <p:nvPr/>
-        </p:nvSpPr>
-        <p:spPr>
-          <a:xfrm>
-            <a:off x="5479200" y="3247203"/>
-            <a:ext cx="2190750" cy="519706"/>
-          </a:xfrm>
-          <a:prstGeom prst="rightArrow">
-            <a:avLst/>
-          </a:prstGeom>
-          <a:solidFill>
-            <a:schemeClr val="accent1">
-              <a:lumMod val="75000"/>
-            </a:schemeClr>
-          </a:solidFill>
-          <a:ln>
-            <a:noFill/>
-          </a:ln>
-        </p:spPr>
-        <p:style>
-          <a:lnRef idx="2">
-            <a:schemeClr val="accent1">
-              <a:shade val="50000"/>
-            </a:schemeClr>
-          </a:lnRef>
-          <a:fillRef idx="1">
-            <a:schemeClr val="accent1"/>
-          </a:fillRef>
-          <a:effectRef idx="0">
-            <a:schemeClr val="accent1"/>
-          </a:effectRef>
-          <a:fontRef idx="minor">
-            <a:schemeClr val="lt1"/>
-          </a:fontRef>
-        </p:style>
-        <p:txBody>
-          <a:bodyPr rtlCol="0" anchor="ctr"/>
-          <a:lstStyle/>
-          <a:p>
-            <a:pPr algn="ctr"/>
-            <a:endParaRPr lang="en-US" dirty="0">
-              <a:solidFill>
-                <a:schemeClr val="bg1"/>
-              </a:solidFill>
-            </a:endParaRPr>
-          </a:p>
-        </p:txBody>
-      </p:sp>
-      <p:sp>
-        <p:nvSpPr>
-          <p:cNvPr id="2" name="Título 1">
-            <a:extLst>
-              <a:ext uri="{FF2B5EF4-FFF2-40B4-BE49-F238E27FC236}">
-                <a16:creationId xmlns:a16="http://schemas.microsoft.com/office/drawing/2014/main" id="{CB62B9E9-0D50-4AD2-9915-759A37C90587}"/>
-              </a:ext>
-            </a:extLst>
-          </p:cNvPr>
-          <p:cNvSpPr>
-            <a:spLocks noGrp="1"/>
-          </p:cNvSpPr>
-          <p:nvPr>
-            <p:ph type="title"/>
-          </p:nvPr>
-        </p:nvSpPr>
-        <p:spPr/>
-        <p:txBody>
-          <a:bodyPr/>
-          <a:lstStyle/>
-          <a:p>
-            <a:r>
-              <a:rPr lang="en-US" dirty="0"/>
-              <a:t>API de </a:t>
-            </a:r>
-            <a:r>
-              <a:rPr lang="en-US" dirty="0" err="1"/>
-              <a:t>Gestão</a:t>
-            </a:r>
-            <a:r>
-              <a:rPr lang="en-US" dirty="0"/>
-              <a:t> de </a:t>
-            </a:r>
-            <a:r>
-              <a:rPr lang="en-US" dirty="0" err="1"/>
-              <a:t>Registos</a:t>
-            </a:r>
-            <a:r>
-              <a:rPr lang="en-US" dirty="0"/>
-              <a:t> (</a:t>
-            </a:r>
-            <a:r>
-              <a:rPr lang="en-US" dirty="0" err="1"/>
-              <a:t>TimeSheets</a:t>
-            </a:r>
-            <a:r>
-              <a:rPr lang="en-US" dirty="0"/>
-              <a:t>)</a:t>
-            </a:r>
-          </a:p>
-        </p:txBody>
-      </p:sp>
-      <p:sp>
-        <p:nvSpPr>
-          <p:cNvPr id="12" name="CaixaDeTexto 11">
-            <a:extLst>
-              <a:ext uri="{FF2B5EF4-FFF2-40B4-BE49-F238E27FC236}">
-                <a16:creationId xmlns:a16="http://schemas.microsoft.com/office/drawing/2014/main" id="{24F71750-F8EC-4789-9C22-DC92B3825188}"/>
-              </a:ext>
-            </a:extLst>
-          </p:cNvPr>
-          <p:cNvSpPr txBox="1"/>
-          <p:nvPr/>
-        </p:nvSpPr>
-        <p:spPr>
-          <a:xfrm>
-            <a:off x="5373369" y="2243741"/>
-            <a:ext cx="2613216" cy="923330"/>
-          </a:xfrm>
-          <a:prstGeom prst="rect">
-            <a:avLst/>
-          </a:prstGeom>
-          <a:noFill/>
-        </p:spPr>
-        <p:txBody>
-          <a:bodyPr wrap="none" rtlCol="0">
-            <a:spAutoFit/>
-          </a:bodyPr>
-          <a:lstStyle/>
-          <a:p>
-            <a:pPr marL="285750" indent="-285750">
-              <a:buFont typeface="Arial" panose="020B0604020202020204" pitchFamily="34" charset="0"/>
-              <a:buChar char="•"/>
-            </a:pPr>
-            <a:r>
-              <a:rPr lang="en-US" dirty="0"/>
-              <a:t>Criar </a:t>
-            </a:r>
-            <a:r>
-              <a:rPr lang="en-US" dirty="0" err="1"/>
-              <a:t>registo</a:t>
-            </a:r>
-            <a:endParaRPr lang="en-US" dirty="0"/>
-          </a:p>
-          <a:p>
-            <a:pPr marL="285750" indent="-285750">
-              <a:buFont typeface="Arial" panose="020B0604020202020204" pitchFamily="34" charset="0"/>
-              <a:buChar char="•"/>
-            </a:pPr>
-            <a:r>
-              <a:rPr lang="en-US" dirty="0" err="1"/>
-              <a:t>Listar</a:t>
-            </a:r>
-            <a:r>
-              <a:rPr lang="en-US" dirty="0"/>
-              <a:t> </a:t>
-            </a:r>
-            <a:r>
-              <a:rPr lang="en-US" dirty="0" err="1"/>
-              <a:t>registos</a:t>
-            </a:r>
-            <a:endParaRPr lang="en-US" dirty="0"/>
-          </a:p>
-          <a:p>
-            <a:pPr marL="285750" indent="-285750">
-              <a:buFont typeface="Arial" panose="020B0604020202020204" pitchFamily="34" charset="0"/>
-              <a:buChar char="•"/>
-            </a:pPr>
-            <a:r>
-              <a:rPr lang="en-US" dirty="0" err="1"/>
-              <a:t>Anular</a:t>
-            </a:r>
-            <a:r>
-              <a:rPr lang="en-US" dirty="0"/>
-              <a:t> </a:t>
-            </a:r>
-            <a:r>
-              <a:rPr lang="en-US" dirty="0" err="1"/>
-              <a:t>último</a:t>
-            </a:r>
-            <a:r>
-              <a:rPr lang="en-US" dirty="0"/>
-              <a:t> </a:t>
-            </a:r>
-            <a:r>
-              <a:rPr lang="en-US" dirty="0" err="1"/>
-              <a:t>registo</a:t>
-            </a:r>
-            <a:endParaRPr lang="en-US" dirty="0"/>
-          </a:p>
-        </p:txBody>
-      </p:sp>
-      <p:pic>
-        <p:nvPicPr>
-          <p:cNvPr id="27" name="Imagem 35">
-            <a:extLst>
-              <a:ext uri="{FF2B5EF4-FFF2-40B4-BE49-F238E27FC236}">
-                <a16:creationId xmlns:a16="http://schemas.microsoft.com/office/drawing/2014/main" id="{C2DF9BEF-91B5-4C3A-B670-B93CCD0266C3}"/>
-              </a:ext>
-            </a:extLst>
-          </p:cNvPr>
-          <p:cNvPicPr>
-            <a:picLocks noChangeAspect="1"/>
-          </p:cNvPicPr>
-          <p:nvPr/>
-        </p:nvPicPr>
-        <p:blipFill>
-          <a:blip r:embed="rId4">
-            <a:extLst>
-              <a:ext uri="{28A0092B-C50C-407E-A947-70E740481C1C}">
-                <a14:useLocalDpi xmlns:a14="http://schemas.microsoft.com/office/drawing/2010/main" val="0"/>
-              </a:ext>
-            </a:extLst>
-          </a:blip>
-          <a:stretch>
-            <a:fillRect/>
-          </a:stretch>
-        </p:blipFill>
-        <p:spPr>
-          <a:xfrm>
-            <a:off x="13303263" y="3167071"/>
-            <a:ext cx="3016137" cy="700382"/>
-          </a:xfrm>
-          <a:prstGeom prst="rect">
-            <a:avLst/>
-          </a:prstGeom>
-        </p:spPr>
-      </p:pic>
-      <p:sp>
-        <p:nvSpPr>
-          <p:cNvPr id="35" name="Seta: Para a Direita 2">
-            <a:extLst>
-              <a:ext uri="{FF2B5EF4-FFF2-40B4-BE49-F238E27FC236}">
-                <a16:creationId xmlns:a16="http://schemas.microsoft.com/office/drawing/2014/main" id="{954F5AF3-BDD1-4958-9B1C-96AE11DF5742}"/>
-              </a:ext>
-            </a:extLst>
-          </p:cNvPr>
-          <p:cNvSpPr/>
-          <p:nvPr/>
-        </p:nvSpPr>
-        <p:spPr>
-          <a:xfrm>
-            <a:off x="10667957" y="3257409"/>
-            <a:ext cx="2190750" cy="519706"/>
-          </a:xfrm>
-          <a:prstGeom prst="rightArrow">
-            <a:avLst/>
-          </a:prstGeom>
-          <a:solidFill>
-            <a:schemeClr val="accent1">
-              <a:lumMod val="75000"/>
-            </a:schemeClr>
-          </a:solidFill>
-          <a:ln>
-            <a:noFill/>
-          </a:ln>
-        </p:spPr>
-        <p:style>
-          <a:lnRef idx="2">
-            <a:schemeClr val="accent1">
-              <a:shade val="50000"/>
-            </a:schemeClr>
-          </a:lnRef>
-          <a:fillRef idx="1">
-            <a:schemeClr val="accent1"/>
-          </a:fillRef>
-          <a:effectRef idx="0">
-            <a:schemeClr val="accent1"/>
-          </a:effectRef>
-          <a:fontRef idx="minor">
-            <a:schemeClr val="lt1"/>
-          </a:fontRef>
-        </p:style>
-        <p:txBody>
-          <a:bodyPr rtlCol="0" anchor="ctr"/>
-          <a:lstStyle/>
-          <a:p>
-            <a:pPr algn="ctr"/>
-            <a:endParaRPr lang="en-US" dirty="0">
-              <a:solidFill>
-                <a:schemeClr val="bg1"/>
-              </a:solidFill>
-            </a:endParaRPr>
-          </a:p>
-        </p:txBody>
-      </p:sp>
-      <p:grpSp>
-        <p:nvGrpSpPr>
-          <p:cNvPr id="36" name="Agrupar 12">
-            <a:extLst>
-              <a:ext uri="{FF2B5EF4-FFF2-40B4-BE49-F238E27FC236}">
-                <a16:creationId xmlns:a16="http://schemas.microsoft.com/office/drawing/2014/main" id="{0D1FA898-9503-4155-B437-F48073DF27A1}"/>
-              </a:ext>
-            </a:extLst>
-          </p:cNvPr>
-          <p:cNvGrpSpPr/>
-          <p:nvPr/>
-        </p:nvGrpSpPr>
-        <p:grpSpPr>
-          <a:xfrm>
-            <a:off x="8595768" y="2611113"/>
-            <a:ext cx="1627632" cy="1812298"/>
-            <a:chOff x="4961009" y="-311009"/>
-            <a:chExt cx="1627632" cy="1812298"/>
-          </a:xfrm>
-        </p:grpSpPr>
-        <p:pic>
-          <p:nvPicPr>
-            <p:cNvPr id="37" name="Imagem 13" descr="Uma imagem com objeto&#10;&#10;Descrição gerada automaticamente">
-              <a:extLst>
-                <a:ext uri="{FF2B5EF4-FFF2-40B4-BE49-F238E27FC236}">
-                  <a16:creationId xmlns:a16="http://schemas.microsoft.com/office/drawing/2014/main" id="{1DE2A6F7-7867-4823-903B-23D758FEFEA5}"/>
-                </a:ext>
-              </a:extLst>
-            </p:cNvPr>
-            <p:cNvPicPr>
-              <a:picLocks noChangeAspect="1"/>
-            </p:cNvPicPr>
-            <p:nvPr/>
-          </p:nvPicPr>
-          <p:blipFill>
-            <a:blip r:embed="rId5">
-              <a:biLevel thresh="50000"/>
-              <a:extLst>
-                <a:ext uri="{28A0092B-C50C-407E-A947-70E740481C1C}">
-                  <a14:useLocalDpi xmlns:a14="http://schemas.microsoft.com/office/drawing/2010/main" val="0"/>
-                </a:ext>
-              </a:extLst>
-            </a:blip>
-            <a:stretch>
-              <a:fillRect/>
-            </a:stretch>
-          </p:blipFill>
-          <p:spPr>
-            <a:xfrm rot="5400000">
-              <a:off x="4961009" y="-311009"/>
-              <a:ext cx="1627632" cy="1627632"/>
-            </a:xfrm>
-            <a:prstGeom prst="rect">
-              <a:avLst/>
-            </a:prstGeom>
-          </p:spPr>
-        </p:pic>
-        <p:sp>
-          <p:nvSpPr>
-            <p:cNvPr id="38" name="CaixaDeTexto 14">
-              <a:extLst>
-                <a:ext uri="{FF2B5EF4-FFF2-40B4-BE49-F238E27FC236}">
-                  <a16:creationId xmlns:a16="http://schemas.microsoft.com/office/drawing/2014/main" id="{77EBE2B7-76B2-4C57-8B17-E8AF58E7F209}"/>
-                </a:ext>
-              </a:extLst>
-            </p:cNvPr>
-            <p:cNvSpPr txBox="1"/>
-            <p:nvPr/>
-          </p:nvSpPr>
-          <p:spPr>
-            <a:xfrm>
-              <a:off x="5363494" y="1131957"/>
-              <a:ext cx="822661" cy="369332"/>
-            </a:xfrm>
-            <a:prstGeom prst="rect">
-              <a:avLst/>
-            </a:prstGeom>
-            <a:noFill/>
-          </p:spPr>
-          <p:txBody>
-            <a:bodyPr wrap="none" rtlCol="0">
-              <a:spAutoFit/>
-            </a:bodyPr>
-            <a:lstStyle/>
-            <a:p>
-              <a:r>
-                <a:rPr lang="en-US" dirty="0"/>
-                <a:t>Plugin</a:t>
-              </a:r>
-            </a:p>
-          </p:txBody>
-        </p:sp>
-      </p:grpSp>
-    </p:spTree>
-    <p:extLst>
-      <p:ext uri="{BB962C8B-B14F-4D97-AF65-F5344CB8AC3E}">
-        <p14:creationId xmlns:p14="http://schemas.microsoft.com/office/powerpoint/2010/main" val="2196912933"/>
       </p:ext>
     </p:extLst>
   </p:cSld>

--- a/01 Bots, Messaging Extensions and Cards/TimeSheetsBot-DevScope-TeamsChallenge2018.pptx
+++ b/01 Bots, Messaging Extensions and Cards/TimeSheetsBot-DevScope-TeamsChallenge2018.pptx
@@ -6,34 +6,33 @@
     <p:sldMasterId id="2147483663" r:id="rId2"/>
   </p:sldMasterIdLst>
   <p:notesMasterIdLst>
-    <p:notesMasterId r:id="rId28"/>
+    <p:notesMasterId r:id="rId27"/>
   </p:notesMasterIdLst>
   <p:sldIdLst>
     <p:sldId id="508" r:id="rId3"/>
-    <p:sldId id="513" r:id="rId4"/>
-    <p:sldId id="422" r:id="rId5"/>
-    <p:sldId id="416" r:id="rId6"/>
-    <p:sldId id="417" r:id="rId7"/>
-    <p:sldId id="438" r:id="rId8"/>
-    <p:sldId id="498" r:id="rId9"/>
-    <p:sldId id="505" r:id="rId10"/>
-    <p:sldId id="473" r:id="rId11"/>
-    <p:sldId id="474" r:id="rId12"/>
-    <p:sldId id="506" r:id="rId13"/>
-    <p:sldId id="507" r:id="rId14"/>
-    <p:sldId id="476" r:id="rId15"/>
-    <p:sldId id="494" r:id="rId16"/>
-    <p:sldId id="501" r:id="rId17"/>
-    <p:sldId id="441" r:id="rId18"/>
-    <p:sldId id="491" r:id="rId19"/>
-    <p:sldId id="490" r:id="rId20"/>
-    <p:sldId id="504" r:id="rId21"/>
-    <p:sldId id="503" r:id="rId22"/>
-    <p:sldId id="447" r:id="rId23"/>
-    <p:sldId id="456" r:id="rId24"/>
-    <p:sldId id="509" r:id="rId25"/>
-    <p:sldId id="511" r:id="rId26"/>
-    <p:sldId id="512" r:id="rId27"/>
+    <p:sldId id="422" r:id="rId4"/>
+    <p:sldId id="416" r:id="rId5"/>
+    <p:sldId id="417" r:id="rId6"/>
+    <p:sldId id="498" r:id="rId7"/>
+    <p:sldId id="505" r:id="rId8"/>
+    <p:sldId id="473" r:id="rId9"/>
+    <p:sldId id="474" r:id="rId10"/>
+    <p:sldId id="506" r:id="rId11"/>
+    <p:sldId id="507" r:id="rId12"/>
+    <p:sldId id="476" r:id="rId13"/>
+    <p:sldId id="494" r:id="rId14"/>
+    <p:sldId id="501" r:id="rId15"/>
+    <p:sldId id="438" r:id="rId16"/>
+    <p:sldId id="441" r:id="rId17"/>
+    <p:sldId id="491" r:id="rId18"/>
+    <p:sldId id="490" r:id="rId19"/>
+    <p:sldId id="504" r:id="rId20"/>
+    <p:sldId id="503" r:id="rId21"/>
+    <p:sldId id="447" r:id="rId22"/>
+    <p:sldId id="456" r:id="rId23"/>
+    <p:sldId id="509" r:id="rId24"/>
+    <p:sldId id="511" r:id="rId25"/>
+    <p:sldId id="512" r:id="rId26"/>
   </p:sldIdLst>
   <p:sldSz cx="12192000" cy="6858000"/>
   <p:notesSz cx="6858000" cy="9144000"/>
@@ -138,11 +137,9 @@
         <p14:section name="Intro" id="{6A0CCFBD-3720-4107-BC31-4D0B167B1053}">
           <p14:sldIdLst>
             <p14:sldId id="508"/>
-            <p14:sldId id="513"/>
             <p14:sldId id="422"/>
             <p14:sldId id="416"/>
             <p14:sldId id="417"/>
-            <p14:sldId id="438"/>
             <p14:sldId id="498"/>
             <p14:sldId id="505"/>
             <p14:sldId id="473"/>
@@ -152,6 +149,7 @@
             <p14:sldId id="476"/>
             <p14:sldId id="494"/>
             <p14:sldId id="501"/>
+            <p14:sldId id="438"/>
             <p14:sldId id="441"/>
             <p14:sldId id="491"/>
             <p14:sldId id="490"/>
@@ -3512,23 +3510,153 @@
           <a:bodyPr/>
           <a:lstStyle/>
           <a:p>
+            <a:pPr marL="0" marR="0" lvl="0" indent="0" algn="l" defTabSz="914400" rtl="0" eaLnBrk="1" fontAlgn="auto" latinLnBrk="0" hangingPunct="1">
+              <a:lnSpc>
+                <a:spcPct val="100000"/>
+              </a:lnSpc>
+              <a:spcBef>
+                <a:spcPts val="0"/>
+              </a:spcBef>
+              <a:spcAft>
+                <a:spcPts val="0"/>
+              </a:spcAft>
+              <a:buClrTx/>
+              <a:buSzTx/>
+              <a:buFontTx/>
+              <a:buNone/>
+              <a:tabLst/>
+              <a:defRPr/>
+            </a:pPr>
             <a:r>
               <a:rPr lang="en-US" dirty="0"/>
-              <a:t>If you found this, tweet about it!</a:t>
-            </a:r>
-          </a:p>
-          <a:p>
-            <a:r>
-              <a:rPr lang="pt-PT" sz="1200" b="1" i="0" kern="1200" dirty="0">
-                <a:solidFill>
-                  <a:schemeClr val="tx1"/>
-                </a:solidFill>
-                <a:effectLst/>
-                <a:latin typeface="+mn-lt"/>
-                <a:ea typeface="+mn-ea"/>
-                <a:cs typeface="+mn-cs"/>
-              </a:rPr>
-              <a:t>https://tinyurl.com/y9f5qkfy</a:t>
+              <a:t>[10s]</a:t>
+            </a:r>
+          </a:p>
+          <a:p>
+            <a:pPr marL="0" marR="0" lvl="0" indent="0" algn="l" defTabSz="914400" rtl="0" eaLnBrk="1" fontAlgn="auto" latinLnBrk="0" hangingPunct="1">
+              <a:lnSpc>
+                <a:spcPct val="100000"/>
+              </a:lnSpc>
+              <a:spcBef>
+                <a:spcPts val="0"/>
+              </a:spcBef>
+              <a:spcAft>
+                <a:spcPts val="0"/>
+              </a:spcAft>
+              <a:buClrTx/>
+              <a:buSzTx/>
+              <a:buFontTx/>
+              <a:buNone/>
+              <a:tabLst/>
+              <a:defRPr/>
+            </a:pPr>
+            <a:r>
+              <a:rPr lang="en-US" dirty="0"/>
+              <a:t>No </a:t>
+            </a:r>
+            <a:r>
+              <a:rPr lang="en-US" dirty="0" err="1"/>
+              <a:t>dia</a:t>
+            </a:r>
+            <a:r>
+              <a:rPr lang="en-US" dirty="0"/>
+              <a:t> a </a:t>
+            </a:r>
+            <a:r>
+              <a:rPr lang="en-US" dirty="0" err="1"/>
+              <a:t>dia</a:t>
+            </a:r>
+            <a:r>
+              <a:rPr lang="en-US" dirty="0"/>
+              <a:t> de </a:t>
+            </a:r>
+            <a:r>
+              <a:rPr lang="en-US" dirty="0" err="1"/>
+              <a:t>cada</a:t>
+            </a:r>
+            <a:r>
+              <a:rPr lang="en-US" dirty="0"/>
+              <a:t> </a:t>
+            </a:r>
+            <a:r>
+              <a:rPr lang="en-US" dirty="0" err="1"/>
+              <a:t>colaborador</a:t>
+            </a:r>
+            <a:r>
+              <a:rPr lang="en-US" dirty="0"/>
+              <a:t> é normal a </a:t>
+            </a:r>
+            <a:r>
+              <a:rPr lang="en-US" dirty="0" err="1"/>
+              <a:t>procura</a:t>
+            </a:r>
+            <a:r>
+              <a:rPr lang="en-US" dirty="0"/>
+              <a:t> pela </a:t>
+            </a:r>
+            <a:r>
+              <a:rPr lang="en-US" dirty="0" err="1"/>
+              <a:t>otimização</a:t>
+            </a:r>
+            <a:r>
+              <a:rPr lang="en-US" dirty="0"/>
+              <a:t> a </a:t>
+            </a:r>
+            <a:r>
+              <a:rPr lang="en-US" dirty="0" err="1"/>
+              <a:t>utilização</a:t>
+            </a:r>
+            <a:r>
+              <a:rPr lang="en-US" dirty="0"/>
+              <a:t> do tempo </a:t>
+            </a:r>
+            <a:r>
+              <a:rPr lang="en-US" dirty="0" err="1"/>
+              <a:t>em</a:t>
+            </a:r>
+            <a:r>
+              <a:rPr lang="en-US" dirty="0"/>
+              <a:t> </a:t>
+            </a:r>
+            <a:r>
+              <a:rPr lang="en-US" dirty="0" err="1"/>
+              <a:t>tarefas</a:t>
+            </a:r>
+            <a:r>
+              <a:rPr lang="en-US" dirty="0"/>
+              <a:t> mais </a:t>
+            </a:r>
+            <a:r>
+              <a:rPr lang="en-US" dirty="0" err="1"/>
+              <a:t>rotineiras</a:t>
+            </a:r>
+            <a:r>
+              <a:rPr lang="en-US" dirty="0"/>
+              <a:t> e um das que mais </a:t>
+            </a:r>
+            <a:r>
+              <a:rPr lang="en-US" dirty="0" err="1"/>
+              <a:t>carecem</a:t>
+            </a:r>
+            <a:r>
+              <a:rPr lang="en-US" dirty="0"/>
+              <a:t> de </a:t>
+            </a:r>
+            <a:r>
+              <a:rPr lang="en-US" dirty="0" err="1"/>
+              <a:t>atenção</a:t>
+            </a:r>
+            <a:r>
+              <a:rPr lang="en-US" dirty="0"/>
+              <a:t> é o </a:t>
+            </a:r>
+            <a:r>
+              <a:rPr lang="en-US" dirty="0" err="1"/>
+              <a:t>registos</a:t>
+            </a:r>
+            <a:r>
+              <a:rPr lang="en-US" dirty="0"/>
+              <a:t> das horas.</a:t>
             </a:r>
             <a:endParaRPr lang="pt-PT" dirty="0"/>
           </a:p>
@@ -3560,7 +3688,7 @@
     </p:spTree>
     <p:extLst>
       <p:ext uri="{BB962C8B-B14F-4D97-AF65-F5344CB8AC3E}">
-        <p14:creationId xmlns:p14="http://schemas.microsoft.com/office/powerpoint/2010/main" val="691380060"/>
+        <p14:creationId xmlns:p14="http://schemas.microsoft.com/office/powerpoint/2010/main" val="1002386625"/>
       </p:ext>
     </p:extLst>
   </p:cSld>
@@ -3616,63 +3744,25 @@
           <a:p>
             <a:r>
               <a:rPr lang="en-US" dirty="0"/>
-              <a:t>[30s] Para </a:t>
-            </a:r>
+              <a:t>[30s]</a:t>
+            </a:r>
+          </a:p>
+          <a:p>
             <a:r>
               <a:rPr lang="en-US" dirty="0" err="1"/>
-              <a:t>podermos</a:t>
+              <a:t>Também</a:t>
             </a:r>
             <a:r>
               <a:rPr lang="en-US" dirty="0"/>
-              <a:t> </a:t>
+              <a:t> é </a:t>
             </a:r>
             <a:r>
               <a:rPr lang="en-US" dirty="0" err="1"/>
-              <a:t>identificar</a:t>
+              <a:t>usado</a:t>
             </a:r>
             <a:r>
               <a:rPr lang="en-US" dirty="0"/>
-              <a:t> o </a:t>
-            </a:r>
-            <a:r>
-              <a:rPr lang="en-US" dirty="0" err="1"/>
-              <a:t>utilizador</a:t>
-            </a:r>
-            <a:r>
-              <a:rPr lang="en-US" dirty="0"/>
-              <a:t> para </a:t>
-            </a:r>
-            <a:r>
-              <a:rPr lang="en-US" dirty="0" err="1"/>
-              <a:t>executar</a:t>
-            </a:r>
-            <a:r>
-              <a:rPr lang="en-US" dirty="0"/>
-              <a:t> as </a:t>
-            </a:r>
-            <a:r>
-              <a:rPr lang="en-US" dirty="0" err="1"/>
-              <a:t>operações</a:t>
-            </a:r>
-            <a:r>
-              <a:rPr lang="en-US" dirty="0"/>
-              <a:t> sob o CRM </a:t>
-            </a:r>
-            <a:r>
-              <a:rPr lang="en-US" dirty="0" err="1"/>
-              <a:t>usamos</a:t>
-            </a:r>
-            <a:r>
-              <a:rPr lang="en-US" dirty="0"/>
-              <a:t> o Azure AD </a:t>
-            </a:r>
-            <a:r>
-              <a:rPr lang="en-US" dirty="0" err="1"/>
-              <a:t>ou</a:t>
-            </a:r>
-            <a:r>
-              <a:rPr lang="en-US" dirty="0"/>
-              <a:t> Azure Active Directory</a:t>
+              <a:t> o Microsoft Flow</a:t>
             </a:r>
           </a:p>
         </p:txBody>
@@ -3703,7 +3793,7 @@
     </p:spTree>
     <p:extLst>
       <p:ext uri="{BB962C8B-B14F-4D97-AF65-F5344CB8AC3E}">
-        <p14:creationId xmlns:p14="http://schemas.microsoft.com/office/powerpoint/2010/main" val="3109215568"/>
+        <p14:creationId xmlns:p14="http://schemas.microsoft.com/office/powerpoint/2010/main" val="3093562586"/>
       </p:ext>
     </p:extLst>
   </p:cSld>
@@ -3759,11 +3849,17 @@
           <a:p>
             <a:r>
               <a:rPr lang="en-US" dirty="0"/>
-              <a:t>[30s] Para que bot </a:t>
+              <a:t>[20s]</a:t>
+            </a:r>
+          </a:p>
+          <a:p>
+            <a:r>
+              <a:rPr lang="en-US" dirty="0"/>
+              <a:t>Para </a:t>
             </a:r>
             <a:r>
               <a:rPr lang="en-US" dirty="0" err="1"/>
-              <a:t>entenda</a:t>
+              <a:t>criar</a:t>
             </a:r>
             <a:r>
               <a:rPr lang="en-US" dirty="0"/>
@@ -3771,41 +3867,84 @@
             </a:r>
             <a:r>
               <a:rPr lang="en-US" dirty="0" err="1"/>
-              <a:t>melhor</a:t>
+              <a:t>uma</a:t>
             </a:r>
             <a:r>
               <a:rPr lang="en-US" dirty="0"/>
-              <a:t> o input do </a:t>
+              <a:t> </a:t>
             </a:r>
             <a:r>
               <a:rPr lang="en-US" dirty="0" err="1"/>
-              <a:t>colaborador</a:t>
+              <a:t>regra</a:t>
             </a:r>
             <a:r>
               <a:rPr lang="en-US" dirty="0"/>
-              <a:t> é </a:t>
+              <a:t> com </a:t>
             </a:r>
             <a:r>
               <a:rPr lang="en-US" dirty="0" err="1"/>
-              <a:t>usado</a:t>
+              <a:t>recorrencia</a:t>
             </a:r>
             <a:r>
               <a:rPr lang="en-US" dirty="0"/>
-              <a:t> o LUIS para </a:t>
+              <a:t> </a:t>
             </a:r>
             <a:r>
               <a:rPr lang="en-US" dirty="0" err="1"/>
-              <a:t>fazer</a:t>
+              <a:t>diaria</a:t>
             </a:r>
             <a:r>
               <a:rPr lang="en-US" dirty="0"/>
-              <a:t> a </a:t>
+              <a:t> para </a:t>
             </a:r>
             <a:r>
               <a:rPr lang="en-US" dirty="0" err="1"/>
-              <a:t>triagem</a:t>
-            </a:r>
-            <a:endParaRPr lang="en-US" dirty="0"/>
+              <a:t>ativar</a:t>
+            </a:r>
+            <a:r>
+              <a:rPr lang="en-US" dirty="0"/>
+              <a:t> o bot de forma a que </a:t>
+            </a:r>
+            <a:r>
+              <a:rPr lang="en-US" dirty="0" err="1"/>
+              <a:t>este</a:t>
+            </a:r>
+            <a:r>
+              <a:rPr lang="en-US" dirty="0"/>
+              <a:t> </a:t>
+            </a:r>
+            <a:r>
+              <a:rPr lang="en-US" dirty="0" err="1"/>
+              <a:t>seja</a:t>
+            </a:r>
+            <a:r>
+              <a:rPr lang="en-US" dirty="0"/>
+              <a:t> </a:t>
+            </a:r>
+            <a:r>
+              <a:rPr lang="en-US" dirty="0" err="1"/>
+              <a:t>proativo</a:t>
+            </a:r>
+            <a:r>
+              <a:rPr lang="en-US" dirty="0"/>
+              <a:t> </a:t>
+            </a:r>
+            <a:r>
+              <a:rPr lang="en-US" dirty="0" err="1"/>
+              <a:t>nos</a:t>
+            </a:r>
+            <a:r>
+              <a:rPr lang="en-US" dirty="0"/>
+              <a:t> </a:t>
+            </a:r>
+            <a:r>
+              <a:rPr lang="en-US" dirty="0" err="1"/>
+              <a:t>alertas</a:t>
+            </a:r>
+            <a:r>
+              <a:rPr lang="en-US" dirty="0"/>
+              <a:t>.</a:t>
+            </a:r>
           </a:p>
         </p:txBody>
       </p:sp>
@@ -3835,7 +3974,7 @@
     </p:spTree>
     <p:extLst>
       <p:ext uri="{BB962C8B-B14F-4D97-AF65-F5344CB8AC3E}">
-        <p14:creationId xmlns:p14="http://schemas.microsoft.com/office/powerpoint/2010/main" val="681191430"/>
+        <p14:creationId xmlns:p14="http://schemas.microsoft.com/office/powerpoint/2010/main" val="1385080331"/>
       </p:ext>
     </p:extLst>
   </p:cSld>
@@ -3846,6 +3985,203 @@
 </file>
 
 <file path=ppt/notesSlides/notesSlide12.xml><?xml version="1.0" encoding="utf-8"?>
+<p:notes xmlns:a="http://schemas.openxmlformats.org/drawingml/2006/main" xmlns:r="http://schemas.openxmlformats.org/officeDocument/2006/relationships" xmlns:p="http://schemas.openxmlformats.org/presentationml/2006/main">
+  <p:cSld>
+    <p:spTree>
+      <p:nvGrpSpPr>
+        <p:cNvPr id="1" name=""/>
+        <p:cNvGrpSpPr/>
+        <p:nvPr/>
+      </p:nvGrpSpPr>
+      <p:grpSpPr>
+        <a:xfrm>
+          <a:off x="0" y="0"/>
+          <a:ext cx="0" cy="0"/>
+          <a:chOff x="0" y="0"/>
+          <a:chExt cx="0" cy="0"/>
+        </a:xfrm>
+      </p:grpSpPr>
+      <p:sp>
+        <p:nvSpPr>
+          <p:cNvPr id="2" name="Slide Image Placeholder 1"/>
+          <p:cNvSpPr>
+            <a:spLocks noGrp="1" noRot="1" noChangeAspect="1"/>
+          </p:cNvSpPr>
+          <p:nvPr>
+            <p:ph type="sldImg"/>
+          </p:nvPr>
+        </p:nvSpPr>
+        <p:spPr/>
+      </p:sp>
+      <p:sp>
+        <p:nvSpPr>
+          <p:cNvPr id="3" name="Notes Placeholder 2"/>
+          <p:cNvSpPr>
+            <a:spLocks noGrp="1"/>
+          </p:cNvSpPr>
+          <p:nvPr>
+            <p:ph type="body" idx="1"/>
+          </p:nvPr>
+        </p:nvSpPr>
+        <p:spPr/>
+        <p:txBody>
+          <a:bodyPr/>
+          <a:lstStyle/>
+          <a:p>
+            <a:r>
+              <a:rPr lang="en-US" dirty="0"/>
+              <a:t>[5s] </a:t>
+            </a:r>
+          </a:p>
+          <a:p>
+            <a:r>
+              <a:rPr lang="en-US" dirty="0" err="1"/>
+              <a:t>Preparei</a:t>
+            </a:r>
+            <a:r>
+              <a:rPr lang="en-US" dirty="0"/>
+              <a:t> </a:t>
+            </a:r>
+            <a:r>
+              <a:rPr lang="en-US" dirty="0" err="1"/>
+              <a:t>uma</a:t>
+            </a:r>
+            <a:r>
+              <a:rPr lang="en-US" dirty="0"/>
+              <a:t> breve </a:t>
+            </a:r>
+            <a:r>
+              <a:rPr lang="en-US" dirty="0" err="1"/>
+              <a:t>demonstração</a:t>
+            </a:r>
+            <a:endParaRPr lang="en-US" dirty="0"/>
+          </a:p>
+        </p:txBody>
+      </p:sp>
+      <p:sp>
+        <p:nvSpPr>
+          <p:cNvPr id="4" name="Slide Number Placeholder 3"/>
+          <p:cNvSpPr>
+            <a:spLocks noGrp="1"/>
+          </p:cNvSpPr>
+          <p:nvPr>
+            <p:ph type="sldNum" sz="quarter" idx="10"/>
+          </p:nvPr>
+        </p:nvSpPr>
+        <p:spPr/>
+        <p:txBody>
+          <a:bodyPr/>
+          <a:lstStyle/>
+          <a:p>
+            <a:fld id="{01283FAC-A721-45A3-BBDE-EAF2B09B7CD9}" type="slidenum">
+              <a:rPr lang="en-US" smtClean="0"/>
+              <a:t>14</a:t>
+            </a:fld>
+            <a:endParaRPr lang="en-US"/>
+          </a:p>
+        </p:txBody>
+      </p:sp>
+    </p:spTree>
+    <p:extLst>
+      <p:ext uri="{BB962C8B-B14F-4D97-AF65-F5344CB8AC3E}">
+        <p14:creationId xmlns:p14="http://schemas.microsoft.com/office/powerpoint/2010/main" val="1445374738"/>
+      </p:ext>
+    </p:extLst>
+  </p:cSld>
+  <p:clrMapOvr>
+    <a:masterClrMapping/>
+  </p:clrMapOvr>
+</p:notes>
+</file>
+
+<file path=ppt/notesSlides/notesSlide13.xml><?xml version="1.0" encoding="utf-8"?>
+<p:notes xmlns:a="http://schemas.openxmlformats.org/drawingml/2006/main" xmlns:r="http://schemas.openxmlformats.org/officeDocument/2006/relationships" xmlns:p="http://schemas.openxmlformats.org/presentationml/2006/main">
+  <p:cSld>
+    <p:spTree>
+      <p:nvGrpSpPr>
+        <p:cNvPr id="1" name=""/>
+        <p:cNvGrpSpPr/>
+        <p:nvPr/>
+      </p:nvGrpSpPr>
+      <p:grpSpPr>
+        <a:xfrm>
+          <a:off x="0" y="0"/>
+          <a:ext cx="0" cy="0"/>
+          <a:chOff x="0" y="0"/>
+          <a:chExt cx="0" cy="0"/>
+        </a:xfrm>
+      </p:grpSpPr>
+      <p:sp>
+        <p:nvSpPr>
+          <p:cNvPr id="2" name="Slide Image Placeholder 1"/>
+          <p:cNvSpPr>
+            <a:spLocks noGrp="1" noRot="1" noChangeAspect="1"/>
+          </p:cNvSpPr>
+          <p:nvPr>
+            <p:ph type="sldImg"/>
+          </p:nvPr>
+        </p:nvSpPr>
+        <p:spPr/>
+      </p:sp>
+      <p:sp>
+        <p:nvSpPr>
+          <p:cNvPr id="3" name="Notes Placeholder 2"/>
+          <p:cNvSpPr>
+            <a:spLocks noGrp="1"/>
+          </p:cNvSpPr>
+          <p:nvPr>
+            <p:ph type="body" idx="1"/>
+          </p:nvPr>
+        </p:nvSpPr>
+        <p:spPr/>
+        <p:txBody>
+          <a:bodyPr/>
+          <a:lstStyle/>
+          <a:p>
+            <a:r>
+              <a:rPr lang="en-US" dirty="0"/>
+              <a:t>[2s]</a:t>
+            </a:r>
+          </a:p>
+        </p:txBody>
+      </p:sp>
+      <p:sp>
+        <p:nvSpPr>
+          <p:cNvPr id="4" name="Slide Number Placeholder 3"/>
+          <p:cNvSpPr>
+            <a:spLocks noGrp="1"/>
+          </p:cNvSpPr>
+          <p:nvPr>
+            <p:ph type="sldNum" sz="quarter" idx="10"/>
+          </p:nvPr>
+        </p:nvSpPr>
+        <p:spPr/>
+        <p:txBody>
+          <a:bodyPr/>
+          <a:lstStyle/>
+          <a:p>
+            <a:fld id="{01283FAC-A721-45A3-BBDE-EAF2B09B7CD9}" type="slidenum">
+              <a:rPr lang="en-US" smtClean="0"/>
+              <a:t>15</a:t>
+            </a:fld>
+            <a:endParaRPr lang="en-US"/>
+          </a:p>
+        </p:txBody>
+      </p:sp>
+    </p:spTree>
+    <p:extLst>
+      <p:ext uri="{BB962C8B-B14F-4D97-AF65-F5344CB8AC3E}">
+        <p14:creationId xmlns:p14="http://schemas.microsoft.com/office/powerpoint/2010/main" val="59729904"/>
+      </p:ext>
+    </p:extLst>
+  </p:cSld>
+  <p:clrMapOvr>
+    <a:masterClrMapping/>
+  </p:clrMapOvr>
+</p:notes>
+</file>
+
+<file path=ppt/notesSlides/notesSlide14.xml><?xml version="1.0" encoding="utf-8"?>
 <p:notes xmlns:a="http://schemas.openxmlformats.org/drawingml/2006/main" xmlns:r="http://schemas.openxmlformats.org/officeDocument/2006/relationships" xmlns:p="http://schemas.openxmlformats.org/presentationml/2006/main">
   <p:cSld>
     <p:spTree>
@@ -3893,24 +4229,7 @@
               <a:rPr lang="en-US" dirty="0"/>
               <a:t>[30s]</a:t>
             </a:r>
-          </a:p>
-          <a:p>
-            <a:r>
-              <a:rPr lang="en-US" dirty="0" err="1"/>
-              <a:t>Também</a:t>
-            </a:r>
-            <a:r>
-              <a:rPr lang="en-US" dirty="0"/>
-              <a:t> é </a:t>
-            </a:r>
-            <a:r>
-              <a:rPr lang="en-US" dirty="0" err="1"/>
-              <a:t>usado</a:t>
-            </a:r>
-            <a:r>
-              <a:rPr lang="en-US" dirty="0"/>
-              <a:t> o Microsoft Flow</a:t>
-            </a:r>
+            <a:endParaRPr lang="pt-PT" dirty="0"/>
           </a:p>
         </p:txBody>
       </p:sp>
@@ -3931,7 +4250,7 @@
           <a:p>
             <a:fld id="{01283FAC-A721-45A3-BBDE-EAF2B09B7CD9}" type="slidenum">
               <a:rPr lang="en-US" smtClean="0"/>
-              <a:t>14</a:t>
+              <a:t>16</a:t>
             </a:fld>
             <a:endParaRPr lang="en-US"/>
           </a:p>
@@ -3940,275 +4259,7 @@
     </p:spTree>
     <p:extLst>
       <p:ext uri="{BB962C8B-B14F-4D97-AF65-F5344CB8AC3E}">
-        <p14:creationId xmlns:p14="http://schemas.microsoft.com/office/powerpoint/2010/main" val="3093562586"/>
-      </p:ext>
-    </p:extLst>
-  </p:cSld>
-  <p:clrMapOvr>
-    <a:masterClrMapping/>
-  </p:clrMapOvr>
-</p:notes>
-</file>
-
-<file path=ppt/notesSlides/notesSlide13.xml><?xml version="1.0" encoding="utf-8"?>
-<p:notes xmlns:a="http://schemas.openxmlformats.org/drawingml/2006/main" xmlns:r="http://schemas.openxmlformats.org/officeDocument/2006/relationships" xmlns:p="http://schemas.openxmlformats.org/presentationml/2006/main">
-  <p:cSld>
-    <p:spTree>
-      <p:nvGrpSpPr>
-        <p:cNvPr id="1" name=""/>
-        <p:cNvGrpSpPr/>
-        <p:nvPr/>
-      </p:nvGrpSpPr>
-      <p:grpSpPr>
-        <a:xfrm>
-          <a:off x="0" y="0"/>
-          <a:ext cx="0" cy="0"/>
-          <a:chOff x="0" y="0"/>
-          <a:chExt cx="0" cy="0"/>
-        </a:xfrm>
-      </p:grpSpPr>
-      <p:sp>
-        <p:nvSpPr>
-          <p:cNvPr id="2" name="Marcador de Posição da Imagem do Diapositivo 1"/>
-          <p:cNvSpPr>
-            <a:spLocks noGrp="1" noRot="1" noChangeAspect="1"/>
-          </p:cNvSpPr>
-          <p:nvPr>
-            <p:ph type="sldImg"/>
-          </p:nvPr>
-        </p:nvSpPr>
-        <p:spPr/>
-      </p:sp>
-      <p:sp>
-        <p:nvSpPr>
-          <p:cNvPr id="3" name="Marcador de Posição de Notas 2"/>
-          <p:cNvSpPr>
-            <a:spLocks noGrp="1"/>
-          </p:cNvSpPr>
-          <p:nvPr>
-            <p:ph type="body" idx="1"/>
-          </p:nvPr>
-        </p:nvSpPr>
-        <p:spPr/>
-        <p:txBody>
-          <a:bodyPr/>
-          <a:lstStyle/>
-          <a:p>
-            <a:r>
-              <a:rPr lang="en-US" dirty="0"/>
-              <a:t>[20s]</a:t>
-            </a:r>
-          </a:p>
-          <a:p>
-            <a:r>
-              <a:rPr lang="en-US" dirty="0"/>
-              <a:t>Para </a:t>
-            </a:r>
-            <a:r>
-              <a:rPr lang="en-US" dirty="0" err="1"/>
-              <a:t>criar</a:t>
-            </a:r>
-            <a:r>
-              <a:rPr lang="en-US" dirty="0"/>
-              <a:t> </a:t>
-            </a:r>
-            <a:r>
-              <a:rPr lang="en-US" dirty="0" err="1"/>
-              <a:t>uma</a:t>
-            </a:r>
-            <a:r>
-              <a:rPr lang="en-US" dirty="0"/>
-              <a:t> </a:t>
-            </a:r>
-            <a:r>
-              <a:rPr lang="en-US" dirty="0" err="1"/>
-              <a:t>regra</a:t>
-            </a:r>
-            <a:r>
-              <a:rPr lang="en-US" dirty="0"/>
-              <a:t> com </a:t>
-            </a:r>
-            <a:r>
-              <a:rPr lang="en-US" dirty="0" err="1"/>
-              <a:t>recorrencia</a:t>
-            </a:r>
-            <a:r>
-              <a:rPr lang="en-US" dirty="0"/>
-              <a:t> </a:t>
-            </a:r>
-            <a:r>
-              <a:rPr lang="en-US" dirty="0" err="1"/>
-              <a:t>diaria</a:t>
-            </a:r>
-            <a:r>
-              <a:rPr lang="en-US" dirty="0"/>
-              <a:t> para </a:t>
-            </a:r>
-            <a:r>
-              <a:rPr lang="en-US" dirty="0" err="1"/>
-              <a:t>ativar</a:t>
-            </a:r>
-            <a:r>
-              <a:rPr lang="en-US" dirty="0"/>
-              <a:t> o bot de forma a que </a:t>
-            </a:r>
-            <a:r>
-              <a:rPr lang="en-US" dirty="0" err="1"/>
-              <a:t>este</a:t>
-            </a:r>
-            <a:r>
-              <a:rPr lang="en-US" dirty="0"/>
-              <a:t> </a:t>
-            </a:r>
-            <a:r>
-              <a:rPr lang="en-US" dirty="0" err="1"/>
-              <a:t>seja</a:t>
-            </a:r>
-            <a:r>
-              <a:rPr lang="en-US" dirty="0"/>
-              <a:t> </a:t>
-            </a:r>
-            <a:r>
-              <a:rPr lang="en-US" dirty="0" err="1"/>
-              <a:t>proativo</a:t>
-            </a:r>
-            <a:r>
-              <a:rPr lang="en-US" dirty="0"/>
-              <a:t> </a:t>
-            </a:r>
-            <a:r>
-              <a:rPr lang="en-US" dirty="0" err="1"/>
-              <a:t>nos</a:t>
-            </a:r>
-            <a:r>
-              <a:rPr lang="en-US" dirty="0"/>
-              <a:t> </a:t>
-            </a:r>
-            <a:r>
-              <a:rPr lang="en-US" dirty="0" err="1"/>
-              <a:t>alertas</a:t>
-            </a:r>
-            <a:r>
-              <a:rPr lang="en-US" dirty="0"/>
-              <a:t>.</a:t>
-            </a:r>
-          </a:p>
-        </p:txBody>
-      </p:sp>
-      <p:sp>
-        <p:nvSpPr>
-          <p:cNvPr id="4" name="Marcador de Posição do Número do Diapositivo 3"/>
-          <p:cNvSpPr>
-            <a:spLocks noGrp="1"/>
-          </p:cNvSpPr>
-          <p:nvPr>
-            <p:ph type="sldNum" sz="quarter" idx="5"/>
-          </p:nvPr>
-        </p:nvSpPr>
-        <p:spPr/>
-        <p:txBody>
-          <a:bodyPr/>
-          <a:lstStyle/>
-          <a:p>
-            <a:fld id="{01283FAC-A721-45A3-BBDE-EAF2B09B7CD9}" type="slidenum">
-              <a:rPr lang="en-US" smtClean="0"/>
-              <a:t>15</a:t>
-            </a:fld>
-            <a:endParaRPr lang="en-US"/>
-          </a:p>
-        </p:txBody>
-      </p:sp>
-    </p:spTree>
-    <p:extLst>
-      <p:ext uri="{BB962C8B-B14F-4D97-AF65-F5344CB8AC3E}">
-        <p14:creationId xmlns:p14="http://schemas.microsoft.com/office/powerpoint/2010/main" val="1385080331"/>
-      </p:ext>
-    </p:extLst>
-  </p:cSld>
-  <p:clrMapOvr>
-    <a:masterClrMapping/>
-  </p:clrMapOvr>
-</p:notes>
-</file>
-
-<file path=ppt/notesSlides/notesSlide14.xml><?xml version="1.0" encoding="utf-8"?>
-<p:notes xmlns:a="http://schemas.openxmlformats.org/drawingml/2006/main" xmlns:r="http://schemas.openxmlformats.org/officeDocument/2006/relationships" xmlns:p="http://schemas.openxmlformats.org/presentationml/2006/main">
-  <p:cSld>
-    <p:spTree>
-      <p:nvGrpSpPr>
-        <p:cNvPr id="1" name=""/>
-        <p:cNvGrpSpPr/>
-        <p:nvPr/>
-      </p:nvGrpSpPr>
-      <p:grpSpPr>
-        <a:xfrm>
-          <a:off x="0" y="0"/>
-          <a:ext cx="0" cy="0"/>
-          <a:chOff x="0" y="0"/>
-          <a:chExt cx="0" cy="0"/>
-        </a:xfrm>
-      </p:grpSpPr>
-      <p:sp>
-        <p:nvSpPr>
-          <p:cNvPr id="2" name="Slide Image Placeholder 1"/>
-          <p:cNvSpPr>
-            <a:spLocks noGrp="1" noRot="1" noChangeAspect="1"/>
-          </p:cNvSpPr>
-          <p:nvPr>
-            <p:ph type="sldImg"/>
-          </p:nvPr>
-        </p:nvSpPr>
-        <p:spPr/>
-      </p:sp>
-      <p:sp>
-        <p:nvSpPr>
-          <p:cNvPr id="3" name="Notes Placeholder 2"/>
-          <p:cNvSpPr>
-            <a:spLocks noGrp="1"/>
-          </p:cNvSpPr>
-          <p:nvPr>
-            <p:ph type="body" idx="1"/>
-          </p:nvPr>
-        </p:nvSpPr>
-        <p:spPr/>
-        <p:txBody>
-          <a:bodyPr/>
-          <a:lstStyle/>
-          <a:p>
-            <a:r>
-              <a:rPr lang="en-US" dirty="0"/>
-              <a:t>[2s]</a:t>
-            </a:r>
-          </a:p>
-        </p:txBody>
-      </p:sp>
-      <p:sp>
-        <p:nvSpPr>
-          <p:cNvPr id="4" name="Slide Number Placeholder 3"/>
-          <p:cNvSpPr>
-            <a:spLocks noGrp="1"/>
-          </p:cNvSpPr>
-          <p:nvPr>
-            <p:ph type="sldNum" sz="quarter" idx="10"/>
-          </p:nvPr>
-        </p:nvSpPr>
-        <p:spPr/>
-        <p:txBody>
-          <a:bodyPr/>
-          <a:lstStyle/>
-          <a:p>
-            <a:fld id="{01283FAC-A721-45A3-BBDE-EAF2B09B7CD9}" type="slidenum">
-              <a:rPr lang="en-US" smtClean="0"/>
-              <a:t>16</a:t>
-            </a:fld>
-            <a:endParaRPr lang="en-US"/>
-          </a:p>
-        </p:txBody>
-      </p:sp>
-    </p:spTree>
-    <p:extLst>
-      <p:ext uri="{BB962C8B-B14F-4D97-AF65-F5344CB8AC3E}">
-        <p14:creationId xmlns:p14="http://schemas.microsoft.com/office/powerpoint/2010/main" val="59729904"/>
+        <p14:creationId xmlns:p14="http://schemas.microsoft.com/office/powerpoint/2010/main" val="1901790136"/>
       </p:ext>
     </p:extLst>
   </p:cSld>
@@ -4296,7 +4347,7 @@
     </p:spTree>
     <p:extLst>
       <p:ext uri="{BB962C8B-B14F-4D97-AF65-F5344CB8AC3E}">
-        <p14:creationId xmlns:p14="http://schemas.microsoft.com/office/powerpoint/2010/main" val="1901790136"/>
+        <p14:creationId xmlns:p14="http://schemas.microsoft.com/office/powerpoint/2010/main" val="770022856"/>
       </p:ext>
     </p:extLst>
   </p:cSld>
@@ -4307,6 +4358,93 @@
 </file>
 
 <file path=ppt/notesSlides/notesSlide16.xml><?xml version="1.0" encoding="utf-8"?>
+<p:notes xmlns:a="http://schemas.openxmlformats.org/drawingml/2006/main" xmlns:r="http://schemas.openxmlformats.org/officeDocument/2006/relationships" xmlns:p="http://schemas.openxmlformats.org/presentationml/2006/main">
+  <p:cSld>
+    <p:spTree>
+      <p:nvGrpSpPr>
+        <p:cNvPr id="1" name=""/>
+        <p:cNvGrpSpPr/>
+        <p:nvPr/>
+      </p:nvGrpSpPr>
+      <p:grpSpPr>
+        <a:xfrm>
+          <a:off x="0" y="0"/>
+          <a:ext cx="0" cy="0"/>
+          <a:chOff x="0" y="0"/>
+          <a:chExt cx="0" cy="0"/>
+        </a:xfrm>
+      </p:grpSpPr>
+      <p:sp>
+        <p:nvSpPr>
+          <p:cNvPr id="2" name="Slide Image Placeholder 1"/>
+          <p:cNvSpPr>
+            <a:spLocks noGrp="1" noRot="1" noChangeAspect="1"/>
+          </p:cNvSpPr>
+          <p:nvPr>
+            <p:ph type="sldImg"/>
+          </p:nvPr>
+        </p:nvSpPr>
+        <p:spPr/>
+      </p:sp>
+      <p:sp>
+        <p:nvSpPr>
+          <p:cNvPr id="3" name="Notes Placeholder 2"/>
+          <p:cNvSpPr>
+            <a:spLocks noGrp="1"/>
+          </p:cNvSpPr>
+          <p:nvPr>
+            <p:ph type="body" idx="1"/>
+          </p:nvPr>
+        </p:nvSpPr>
+        <p:spPr/>
+        <p:txBody>
+          <a:bodyPr/>
+          <a:lstStyle/>
+          <a:p>
+            <a:r>
+              <a:rPr lang="en-US" dirty="0"/>
+              <a:t>[2s]</a:t>
+            </a:r>
+          </a:p>
+        </p:txBody>
+      </p:sp>
+      <p:sp>
+        <p:nvSpPr>
+          <p:cNvPr id="4" name="Slide Number Placeholder 3"/>
+          <p:cNvSpPr>
+            <a:spLocks noGrp="1"/>
+          </p:cNvSpPr>
+          <p:nvPr>
+            <p:ph type="sldNum" sz="quarter" idx="10"/>
+          </p:nvPr>
+        </p:nvSpPr>
+        <p:spPr/>
+        <p:txBody>
+          <a:bodyPr/>
+          <a:lstStyle/>
+          <a:p>
+            <a:fld id="{01283FAC-A721-45A3-BBDE-EAF2B09B7CD9}" type="slidenum">
+              <a:rPr lang="en-US" smtClean="0"/>
+              <a:t>18</a:t>
+            </a:fld>
+            <a:endParaRPr lang="en-US"/>
+          </a:p>
+        </p:txBody>
+      </p:sp>
+    </p:spTree>
+    <p:extLst>
+      <p:ext uri="{BB962C8B-B14F-4D97-AF65-F5344CB8AC3E}">
+        <p14:creationId xmlns:p14="http://schemas.microsoft.com/office/powerpoint/2010/main" val="331825209"/>
+      </p:ext>
+    </p:extLst>
+  </p:cSld>
+  <p:clrMapOvr>
+    <a:masterClrMapping/>
+  </p:clrMapOvr>
+</p:notes>
+</file>
+
+<file path=ppt/notesSlides/notesSlide17.xml><?xml version="1.0" encoding="utf-8"?>
 <p:notes xmlns:a="http://schemas.openxmlformats.org/drawingml/2006/main" xmlns:r="http://schemas.openxmlformats.org/officeDocument/2006/relationships" xmlns:p="http://schemas.openxmlformats.org/presentationml/2006/main">
   <p:cSld>
     <p:spTree>
@@ -4375,7 +4513,7 @@
           <a:p>
             <a:fld id="{01283FAC-A721-45A3-BBDE-EAF2B09B7CD9}" type="slidenum">
               <a:rPr lang="en-US" smtClean="0"/>
-              <a:t>18</a:t>
+              <a:t>19</a:t>
             </a:fld>
             <a:endParaRPr lang="en-US"/>
           </a:p>
@@ -4384,7 +4522,7 @@
     </p:spTree>
     <p:extLst>
       <p:ext uri="{BB962C8B-B14F-4D97-AF65-F5344CB8AC3E}">
-        <p14:creationId xmlns:p14="http://schemas.microsoft.com/office/powerpoint/2010/main" val="770022856"/>
+        <p14:creationId xmlns:p14="http://schemas.microsoft.com/office/powerpoint/2010/main" val="1655610377"/>
       </p:ext>
     </p:extLst>
   </p:cSld>
@@ -4394,7 +4532,7 @@
 </p:notes>
 </file>
 
-<file path=ppt/notesSlides/notesSlide17.xml><?xml version="1.0" encoding="utf-8"?>
+<file path=ppt/notesSlides/notesSlide18.xml><?xml version="1.0" encoding="utf-8"?>
 <p:notes xmlns:a="http://schemas.openxmlformats.org/drawingml/2006/main" xmlns:r="http://schemas.openxmlformats.org/officeDocument/2006/relationships" xmlns:p="http://schemas.openxmlformats.org/presentationml/2006/main">
   <p:cSld>
     <p:spTree>
@@ -4462,7 +4600,7 @@
           <a:p>
             <a:fld id="{01283FAC-A721-45A3-BBDE-EAF2B09B7CD9}" type="slidenum">
               <a:rPr lang="en-US" smtClean="0"/>
-              <a:t>19</a:t>
+              <a:t>20</a:t>
             </a:fld>
             <a:endParaRPr lang="en-US"/>
           </a:p>
@@ -4471,7 +4609,7 @@
     </p:spTree>
     <p:extLst>
       <p:ext uri="{BB962C8B-B14F-4D97-AF65-F5344CB8AC3E}">
-        <p14:creationId xmlns:p14="http://schemas.microsoft.com/office/powerpoint/2010/main" val="331825209"/>
+        <p14:creationId xmlns:p14="http://schemas.microsoft.com/office/powerpoint/2010/main" val="2401799420"/>
       </p:ext>
     </p:extLst>
   </p:cSld>
@@ -4481,7 +4619,7 @@
 </p:notes>
 </file>
 
-<file path=ppt/notesSlides/notesSlide18.xml><?xml version="1.0" encoding="utf-8"?>
+<file path=ppt/notesSlides/notesSlide19.xml><?xml version="1.0" encoding="utf-8"?>
 <p:notes xmlns:a="http://schemas.openxmlformats.org/drawingml/2006/main" xmlns:r="http://schemas.openxmlformats.org/officeDocument/2006/relationships" xmlns:p="http://schemas.openxmlformats.org/presentationml/2006/main">
   <p:cSld>
     <p:spTree>
@@ -4527,7 +4665,7 @@
           <a:p>
             <a:r>
               <a:rPr lang="en-US" dirty="0"/>
-              <a:t>[30s]</a:t>
+              <a:t>[60s]</a:t>
             </a:r>
             <a:endParaRPr lang="pt-PT" dirty="0"/>
           </a:p>
@@ -4550,7 +4688,7 @@
           <a:p>
             <a:fld id="{01283FAC-A721-45A3-BBDE-EAF2B09B7CD9}" type="slidenum">
               <a:rPr lang="en-US" smtClean="0"/>
-              <a:t>20</a:t>
+              <a:t>21</a:t>
             </a:fld>
             <a:endParaRPr lang="en-US"/>
           </a:p>
@@ -4559,94 +4697,7 @@
     </p:spTree>
     <p:extLst>
       <p:ext uri="{BB962C8B-B14F-4D97-AF65-F5344CB8AC3E}">
-        <p14:creationId xmlns:p14="http://schemas.microsoft.com/office/powerpoint/2010/main" val="1655610377"/>
-      </p:ext>
-    </p:extLst>
-  </p:cSld>
-  <p:clrMapOvr>
-    <a:masterClrMapping/>
-  </p:clrMapOvr>
-</p:notes>
-</file>
-
-<file path=ppt/notesSlides/notesSlide19.xml><?xml version="1.0" encoding="utf-8"?>
-<p:notes xmlns:a="http://schemas.openxmlformats.org/drawingml/2006/main" xmlns:r="http://schemas.openxmlformats.org/officeDocument/2006/relationships" xmlns:p="http://schemas.openxmlformats.org/presentationml/2006/main">
-  <p:cSld>
-    <p:spTree>
-      <p:nvGrpSpPr>
-        <p:cNvPr id="1" name=""/>
-        <p:cNvGrpSpPr/>
-        <p:nvPr/>
-      </p:nvGrpSpPr>
-      <p:grpSpPr>
-        <a:xfrm>
-          <a:off x="0" y="0"/>
-          <a:ext cx="0" cy="0"/>
-          <a:chOff x="0" y="0"/>
-          <a:chExt cx="0" cy="0"/>
-        </a:xfrm>
-      </p:grpSpPr>
-      <p:sp>
-        <p:nvSpPr>
-          <p:cNvPr id="2" name="Slide Image Placeholder 1"/>
-          <p:cNvSpPr>
-            <a:spLocks noGrp="1" noRot="1" noChangeAspect="1"/>
-          </p:cNvSpPr>
-          <p:nvPr>
-            <p:ph type="sldImg"/>
-          </p:nvPr>
-        </p:nvSpPr>
-        <p:spPr/>
-      </p:sp>
-      <p:sp>
-        <p:nvSpPr>
-          <p:cNvPr id="3" name="Notes Placeholder 2"/>
-          <p:cNvSpPr>
-            <a:spLocks noGrp="1"/>
-          </p:cNvSpPr>
-          <p:nvPr>
-            <p:ph type="body" idx="1"/>
-          </p:nvPr>
-        </p:nvSpPr>
-        <p:spPr/>
-        <p:txBody>
-          <a:bodyPr/>
-          <a:lstStyle/>
-          <a:p>
-            <a:r>
-              <a:rPr lang="en-US" dirty="0"/>
-              <a:t>[2s]</a:t>
-            </a:r>
-          </a:p>
-        </p:txBody>
-      </p:sp>
-      <p:sp>
-        <p:nvSpPr>
-          <p:cNvPr id="4" name="Slide Number Placeholder 3"/>
-          <p:cNvSpPr>
-            <a:spLocks noGrp="1"/>
-          </p:cNvSpPr>
-          <p:nvPr>
-            <p:ph type="sldNum" sz="quarter" idx="10"/>
-          </p:nvPr>
-        </p:nvSpPr>
-        <p:spPr/>
-        <p:txBody>
-          <a:bodyPr/>
-          <a:lstStyle/>
-          <a:p>
-            <a:fld id="{01283FAC-A721-45A3-BBDE-EAF2B09B7CD9}" type="slidenum">
-              <a:rPr lang="en-US" smtClean="0"/>
-              <a:t>21</a:t>
-            </a:fld>
-            <a:endParaRPr lang="en-US"/>
-          </a:p>
-        </p:txBody>
-      </p:sp>
-    </p:spTree>
-    <p:extLst>
-      <p:ext uri="{BB962C8B-B14F-4D97-AF65-F5344CB8AC3E}">
-        <p14:creationId xmlns:p14="http://schemas.microsoft.com/office/powerpoint/2010/main" val="2401799420"/>
+        <p14:creationId xmlns:p14="http://schemas.microsoft.com/office/powerpoint/2010/main" val="1978866515"/>
       </p:ext>
     </p:extLst>
   </p:cSld>
@@ -4719,134 +4770,7 @@
             </a:pPr>
             <a:r>
               <a:rPr lang="en-US" dirty="0"/>
-              <a:t>[10s]</a:t>
-            </a:r>
-          </a:p>
-          <a:p>
-            <a:pPr marL="0" marR="0" lvl="0" indent="0" algn="l" defTabSz="914400" rtl="0" eaLnBrk="1" fontAlgn="auto" latinLnBrk="0" hangingPunct="1">
-              <a:lnSpc>
-                <a:spcPct val="100000"/>
-              </a:lnSpc>
-              <a:spcBef>
-                <a:spcPts val="0"/>
-              </a:spcBef>
-              <a:spcAft>
-                <a:spcPts val="0"/>
-              </a:spcAft>
-              <a:buClrTx/>
-              <a:buSzTx/>
-              <a:buFontTx/>
-              <a:buNone/>
-              <a:tabLst/>
-              <a:defRPr/>
-            </a:pPr>
-            <a:r>
-              <a:rPr lang="en-US" dirty="0"/>
-              <a:t>No </a:t>
-            </a:r>
-            <a:r>
-              <a:rPr lang="en-US" dirty="0" err="1"/>
-              <a:t>dia</a:t>
-            </a:r>
-            <a:r>
-              <a:rPr lang="en-US" dirty="0"/>
-              <a:t> a </a:t>
-            </a:r>
-            <a:r>
-              <a:rPr lang="en-US" dirty="0" err="1"/>
-              <a:t>dia</a:t>
-            </a:r>
-            <a:r>
-              <a:rPr lang="en-US" dirty="0"/>
-              <a:t> de </a:t>
-            </a:r>
-            <a:r>
-              <a:rPr lang="en-US" dirty="0" err="1"/>
-              <a:t>cada</a:t>
-            </a:r>
-            <a:r>
-              <a:rPr lang="en-US" dirty="0"/>
-              <a:t> </a:t>
-            </a:r>
-            <a:r>
-              <a:rPr lang="en-US" dirty="0" err="1"/>
-              <a:t>colaborador</a:t>
-            </a:r>
-            <a:r>
-              <a:rPr lang="en-US" dirty="0"/>
-              <a:t> é normal a </a:t>
-            </a:r>
-            <a:r>
-              <a:rPr lang="en-US" dirty="0" err="1"/>
-              <a:t>procura</a:t>
-            </a:r>
-            <a:r>
-              <a:rPr lang="en-US" dirty="0"/>
-              <a:t> pela </a:t>
-            </a:r>
-            <a:r>
-              <a:rPr lang="en-US" dirty="0" err="1"/>
-              <a:t>otimização</a:t>
-            </a:r>
-            <a:r>
-              <a:rPr lang="en-US" dirty="0"/>
-              <a:t> a </a:t>
-            </a:r>
-            <a:r>
-              <a:rPr lang="en-US" dirty="0" err="1"/>
-              <a:t>utilização</a:t>
-            </a:r>
-            <a:r>
-              <a:rPr lang="en-US" dirty="0"/>
-              <a:t> do tempo </a:t>
-            </a:r>
-            <a:r>
-              <a:rPr lang="en-US" dirty="0" err="1"/>
-              <a:t>em</a:t>
-            </a:r>
-            <a:r>
-              <a:rPr lang="en-US" dirty="0"/>
-              <a:t> </a:t>
-            </a:r>
-            <a:r>
-              <a:rPr lang="en-US" dirty="0" err="1"/>
-              <a:t>tarefas</a:t>
-            </a:r>
-            <a:r>
-              <a:rPr lang="en-US" dirty="0"/>
-              <a:t> mais </a:t>
-            </a:r>
-            <a:r>
-              <a:rPr lang="en-US" dirty="0" err="1"/>
-              <a:t>rotineiras</a:t>
-            </a:r>
-            <a:r>
-              <a:rPr lang="en-US" dirty="0"/>
-              <a:t> e um das que mais </a:t>
-            </a:r>
-            <a:r>
-              <a:rPr lang="en-US" dirty="0" err="1"/>
-              <a:t>carecem</a:t>
-            </a:r>
-            <a:r>
-              <a:rPr lang="en-US" dirty="0"/>
-              <a:t> de </a:t>
-            </a:r>
-            <a:r>
-              <a:rPr lang="en-US" dirty="0" err="1"/>
-              <a:t>atenção</a:t>
-            </a:r>
-            <a:r>
-              <a:rPr lang="en-US" dirty="0"/>
-              <a:t> é o </a:t>
-            </a:r>
-            <a:r>
-              <a:rPr lang="en-US" dirty="0" err="1"/>
-              <a:t>registos</a:t>
-            </a:r>
-            <a:r>
-              <a:rPr lang="en-US" dirty="0"/>
-              <a:t> das horas.</a:t>
+              <a:t>[5s]</a:t>
             </a:r>
             <a:endParaRPr lang="pt-PT" dirty="0"/>
           </a:p>
@@ -4878,7 +4802,7 @@
     </p:spTree>
     <p:extLst>
       <p:ext uri="{BB962C8B-B14F-4D97-AF65-F5344CB8AC3E}">
-        <p14:creationId xmlns:p14="http://schemas.microsoft.com/office/powerpoint/2010/main" val="1002386625"/>
+        <p14:creationId xmlns:p14="http://schemas.microsoft.com/office/powerpoint/2010/main" val="3348391638"/>
       </p:ext>
     </p:extLst>
   </p:cSld>
@@ -4889,6 +4813,93 @@
 </file>
 
 <file path=ppt/notesSlides/notesSlide20.xml><?xml version="1.0" encoding="utf-8"?>
+<p:notes xmlns:a="http://schemas.openxmlformats.org/drawingml/2006/main" xmlns:r="http://schemas.openxmlformats.org/officeDocument/2006/relationships" xmlns:p="http://schemas.openxmlformats.org/presentationml/2006/main">
+  <p:cSld>
+    <p:spTree>
+      <p:nvGrpSpPr>
+        <p:cNvPr id="1" name=""/>
+        <p:cNvGrpSpPr/>
+        <p:nvPr/>
+      </p:nvGrpSpPr>
+      <p:grpSpPr>
+        <a:xfrm>
+          <a:off x="0" y="0"/>
+          <a:ext cx="0" cy="0"/>
+          <a:chOff x="0" y="0"/>
+          <a:chExt cx="0" cy="0"/>
+        </a:xfrm>
+      </p:grpSpPr>
+      <p:sp>
+        <p:nvSpPr>
+          <p:cNvPr id="2" name="Slide Image Placeholder 1"/>
+          <p:cNvSpPr>
+            <a:spLocks noGrp="1" noRot="1" noChangeAspect="1"/>
+          </p:cNvSpPr>
+          <p:nvPr>
+            <p:ph type="sldImg"/>
+          </p:nvPr>
+        </p:nvSpPr>
+        <p:spPr/>
+      </p:sp>
+      <p:sp>
+        <p:nvSpPr>
+          <p:cNvPr id="3" name="Notes Placeholder 2"/>
+          <p:cNvSpPr>
+            <a:spLocks noGrp="1"/>
+          </p:cNvSpPr>
+          <p:nvPr>
+            <p:ph type="body" idx="1"/>
+          </p:nvPr>
+        </p:nvSpPr>
+        <p:spPr/>
+        <p:txBody>
+          <a:bodyPr/>
+          <a:lstStyle/>
+          <a:p>
+            <a:r>
+              <a:rPr lang="en-US" dirty="0"/>
+              <a:t>[2s]</a:t>
+            </a:r>
+          </a:p>
+        </p:txBody>
+      </p:sp>
+      <p:sp>
+        <p:nvSpPr>
+          <p:cNvPr id="4" name="Slide Number Placeholder 3"/>
+          <p:cNvSpPr>
+            <a:spLocks noGrp="1"/>
+          </p:cNvSpPr>
+          <p:nvPr>
+            <p:ph type="sldNum" sz="quarter" idx="10"/>
+          </p:nvPr>
+        </p:nvSpPr>
+        <p:spPr/>
+        <p:txBody>
+          <a:bodyPr/>
+          <a:lstStyle/>
+          <a:p>
+            <a:fld id="{01283FAC-A721-45A3-BBDE-EAF2B09B7CD9}" type="slidenum">
+              <a:rPr lang="en-US" smtClean="0"/>
+              <a:t>22</a:t>
+            </a:fld>
+            <a:endParaRPr lang="en-US"/>
+          </a:p>
+        </p:txBody>
+      </p:sp>
+    </p:spTree>
+    <p:extLst>
+      <p:ext uri="{BB962C8B-B14F-4D97-AF65-F5344CB8AC3E}">
+        <p14:creationId xmlns:p14="http://schemas.microsoft.com/office/powerpoint/2010/main" val="2126888572"/>
+      </p:ext>
+    </p:extLst>
+  </p:cSld>
+  <p:clrMapOvr>
+    <a:masterClrMapping/>
+  </p:clrMapOvr>
+</p:notes>
+</file>
+
+<file path=ppt/notesSlides/notesSlide21.xml><?xml version="1.0" encoding="utf-8"?>
 <p:notes xmlns:a="http://schemas.openxmlformats.org/drawingml/2006/main" xmlns:r="http://schemas.openxmlformats.org/officeDocument/2006/relationships" xmlns:p="http://schemas.openxmlformats.org/presentationml/2006/main">
   <p:cSld>
     <p:spTree>
@@ -4957,7 +4968,7 @@
           <a:p>
             <a:fld id="{01283FAC-A721-45A3-BBDE-EAF2B09B7CD9}" type="slidenum">
               <a:rPr lang="en-US" smtClean="0"/>
-              <a:t>22</a:t>
+              <a:t>23</a:t>
             </a:fld>
             <a:endParaRPr lang="en-US"/>
           </a:p>
@@ -4966,94 +4977,7 @@
     </p:spTree>
     <p:extLst>
       <p:ext uri="{BB962C8B-B14F-4D97-AF65-F5344CB8AC3E}">
-        <p14:creationId xmlns:p14="http://schemas.microsoft.com/office/powerpoint/2010/main" val="1978866515"/>
-      </p:ext>
-    </p:extLst>
-  </p:cSld>
-  <p:clrMapOvr>
-    <a:masterClrMapping/>
-  </p:clrMapOvr>
-</p:notes>
-</file>
-
-<file path=ppt/notesSlides/notesSlide21.xml><?xml version="1.0" encoding="utf-8"?>
-<p:notes xmlns:a="http://schemas.openxmlformats.org/drawingml/2006/main" xmlns:r="http://schemas.openxmlformats.org/officeDocument/2006/relationships" xmlns:p="http://schemas.openxmlformats.org/presentationml/2006/main">
-  <p:cSld>
-    <p:spTree>
-      <p:nvGrpSpPr>
-        <p:cNvPr id="1" name=""/>
-        <p:cNvGrpSpPr/>
-        <p:nvPr/>
-      </p:nvGrpSpPr>
-      <p:grpSpPr>
-        <a:xfrm>
-          <a:off x="0" y="0"/>
-          <a:ext cx="0" cy="0"/>
-          <a:chOff x="0" y="0"/>
-          <a:chExt cx="0" cy="0"/>
-        </a:xfrm>
-      </p:grpSpPr>
-      <p:sp>
-        <p:nvSpPr>
-          <p:cNvPr id="2" name="Slide Image Placeholder 1"/>
-          <p:cNvSpPr>
-            <a:spLocks noGrp="1" noRot="1" noChangeAspect="1"/>
-          </p:cNvSpPr>
-          <p:nvPr>
-            <p:ph type="sldImg"/>
-          </p:nvPr>
-        </p:nvSpPr>
-        <p:spPr/>
-      </p:sp>
-      <p:sp>
-        <p:nvSpPr>
-          <p:cNvPr id="3" name="Notes Placeholder 2"/>
-          <p:cNvSpPr>
-            <a:spLocks noGrp="1"/>
-          </p:cNvSpPr>
-          <p:nvPr>
-            <p:ph type="body" idx="1"/>
-          </p:nvPr>
-        </p:nvSpPr>
-        <p:spPr/>
-        <p:txBody>
-          <a:bodyPr/>
-          <a:lstStyle/>
-          <a:p>
-            <a:r>
-              <a:rPr lang="en-US" dirty="0"/>
-              <a:t>[2s]</a:t>
-            </a:r>
-          </a:p>
-        </p:txBody>
-      </p:sp>
-      <p:sp>
-        <p:nvSpPr>
-          <p:cNvPr id="4" name="Slide Number Placeholder 3"/>
-          <p:cNvSpPr>
-            <a:spLocks noGrp="1"/>
-          </p:cNvSpPr>
-          <p:nvPr>
-            <p:ph type="sldNum" sz="quarter" idx="10"/>
-          </p:nvPr>
-        </p:nvSpPr>
-        <p:spPr/>
-        <p:txBody>
-          <a:bodyPr/>
-          <a:lstStyle/>
-          <a:p>
-            <a:fld id="{01283FAC-A721-45A3-BBDE-EAF2B09B7CD9}" type="slidenum">
-              <a:rPr lang="en-US" smtClean="0"/>
-              <a:t>23</a:t>
-            </a:fld>
-            <a:endParaRPr lang="en-US"/>
-          </a:p>
-        </p:txBody>
-      </p:sp>
-    </p:spTree>
-    <p:extLst>
-      <p:ext uri="{BB962C8B-B14F-4D97-AF65-F5344CB8AC3E}">
-        <p14:creationId xmlns:p14="http://schemas.microsoft.com/office/powerpoint/2010/main" val="2126888572"/>
+        <p14:creationId xmlns:p14="http://schemas.microsoft.com/office/powerpoint/2010/main" val="2682389337"/>
       </p:ext>
     </p:extLst>
   </p:cSld>
@@ -5133,94 +5057,6 @@
             <a:fld id="{01283FAC-A721-45A3-BBDE-EAF2B09B7CD9}" type="slidenum">
               <a:rPr lang="en-US" smtClean="0"/>
               <a:t>24</a:t>
-            </a:fld>
-            <a:endParaRPr lang="en-US"/>
-          </a:p>
-        </p:txBody>
-      </p:sp>
-    </p:spTree>
-    <p:extLst>
-      <p:ext uri="{BB962C8B-B14F-4D97-AF65-F5344CB8AC3E}">
-        <p14:creationId xmlns:p14="http://schemas.microsoft.com/office/powerpoint/2010/main" val="2682389337"/>
-      </p:ext>
-    </p:extLst>
-  </p:cSld>
-  <p:clrMapOvr>
-    <a:masterClrMapping/>
-  </p:clrMapOvr>
-</p:notes>
-</file>
-
-<file path=ppt/notesSlides/notesSlide23.xml><?xml version="1.0" encoding="utf-8"?>
-<p:notes xmlns:a="http://schemas.openxmlformats.org/drawingml/2006/main" xmlns:r="http://schemas.openxmlformats.org/officeDocument/2006/relationships" xmlns:p="http://schemas.openxmlformats.org/presentationml/2006/main">
-  <p:cSld>
-    <p:spTree>
-      <p:nvGrpSpPr>
-        <p:cNvPr id="1" name=""/>
-        <p:cNvGrpSpPr/>
-        <p:nvPr/>
-      </p:nvGrpSpPr>
-      <p:grpSpPr>
-        <a:xfrm>
-          <a:off x="0" y="0"/>
-          <a:ext cx="0" cy="0"/>
-          <a:chOff x="0" y="0"/>
-          <a:chExt cx="0" cy="0"/>
-        </a:xfrm>
-      </p:grpSpPr>
-      <p:sp>
-        <p:nvSpPr>
-          <p:cNvPr id="2" name="Marcador de Posição da Imagem do Diapositivo 1"/>
-          <p:cNvSpPr>
-            <a:spLocks noGrp="1" noRot="1" noChangeAspect="1"/>
-          </p:cNvSpPr>
-          <p:nvPr>
-            <p:ph type="sldImg"/>
-          </p:nvPr>
-        </p:nvSpPr>
-        <p:spPr/>
-      </p:sp>
-      <p:sp>
-        <p:nvSpPr>
-          <p:cNvPr id="3" name="Marcador de Posição de Notas 2"/>
-          <p:cNvSpPr>
-            <a:spLocks noGrp="1"/>
-          </p:cNvSpPr>
-          <p:nvPr>
-            <p:ph type="body" idx="1"/>
-          </p:nvPr>
-        </p:nvSpPr>
-        <p:spPr/>
-        <p:txBody>
-          <a:bodyPr/>
-          <a:lstStyle/>
-          <a:p>
-            <a:r>
-              <a:rPr lang="en-US" dirty="0"/>
-              <a:t>[60s]</a:t>
-            </a:r>
-            <a:endParaRPr lang="pt-PT" dirty="0"/>
-          </a:p>
-        </p:txBody>
-      </p:sp>
-      <p:sp>
-        <p:nvSpPr>
-          <p:cNvPr id="4" name="Marcador de Posição do Número do Diapositivo 3"/>
-          <p:cNvSpPr>
-            <a:spLocks noGrp="1"/>
-          </p:cNvSpPr>
-          <p:nvPr>
-            <p:ph type="sldNum" sz="quarter" idx="5"/>
-          </p:nvPr>
-        </p:nvSpPr>
-        <p:spPr/>
-        <p:txBody>
-          <a:bodyPr/>
-          <a:lstStyle/>
-          <a:p>
-            <a:fld id="{01283FAC-A721-45A3-BBDE-EAF2B09B7CD9}" type="slidenum">
-              <a:rPr lang="en-US" smtClean="0"/>
-              <a:t>25</a:t>
             </a:fld>
             <a:endParaRPr lang="en-US"/>
           </a:p>
@@ -5283,26 +5119,9 @@
           <a:bodyPr/>
           <a:lstStyle/>
           <a:p>
-            <a:pPr marL="0" marR="0" lvl="0" indent="0" algn="l" defTabSz="914400" rtl="0" eaLnBrk="1" fontAlgn="auto" latinLnBrk="0" hangingPunct="1">
-              <a:lnSpc>
-                <a:spcPct val="100000"/>
-              </a:lnSpc>
-              <a:spcBef>
-                <a:spcPts val="0"/>
-              </a:spcBef>
-              <a:spcAft>
-                <a:spcPts val="0"/>
-              </a:spcAft>
-              <a:buClrTx/>
-              <a:buSzTx/>
-              <a:buFontTx/>
-              <a:buNone/>
-              <a:tabLst/>
-              <a:defRPr/>
-            </a:pPr>
             <a:r>
               <a:rPr lang="en-US" dirty="0"/>
-              <a:t>[5s]</a:t>
+              <a:t>[2s]</a:t>
             </a:r>
             <a:endParaRPr lang="pt-PT" dirty="0"/>
           </a:p>
@@ -5334,7 +5153,7 @@
     </p:spTree>
     <p:extLst>
       <p:ext uri="{BB962C8B-B14F-4D97-AF65-F5344CB8AC3E}">
-        <p14:creationId xmlns:p14="http://schemas.microsoft.com/office/powerpoint/2010/main" val="3348391638"/>
+        <p14:creationId xmlns:p14="http://schemas.microsoft.com/office/powerpoint/2010/main" val="2788510090"/>
       </p:ext>
     </p:extLst>
   </p:cSld>
@@ -5390,7 +5209,65 @@
           <a:p>
             <a:r>
               <a:rPr lang="en-US" dirty="0"/>
-              <a:t>[2s]</a:t>
+              <a:t>[20s]</a:t>
+            </a:r>
+          </a:p>
+          <a:p>
+            <a:r>
+              <a:rPr lang="en-US" dirty="0"/>
+              <a:t>É </a:t>
+            </a:r>
+            <a:r>
+              <a:rPr lang="en-US" dirty="0" err="1"/>
+              <a:t>usado</a:t>
+            </a:r>
+            <a:r>
+              <a:rPr lang="en-US" dirty="0"/>
+              <a:t> o bot framework que é </a:t>
+            </a:r>
+            <a:r>
+              <a:rPr lang="en-US" dirty="0" err="1"/>
+              <a:t>responsável</a:t>
+            </a:r>
+            <a:r>
+              <a:rPr lang="en-US" dirty="0"/>
+              <a:t> pela </a:t>
+            </a:r>
+            <a:r>
+              <a:rPr lang="en-US" dirty="0" err="1"/>
+              <a:t>abstração</a:t>
+            </a:r>
+            <a:r>
+              <a:rPr lang="en-US" dirty="0"/>
+              <a:t> da </a:t>
+            </a:r>
+            <a:r>
+              <a:rPr lang="en-US" dirty="0" err="1"/>
+              <a:t>comunicação</a:t>
+            </a:r>
+            <a:r>
+              <a:rPr lang="en-US" dirty="0"/>
+              <a:t> com </a:t>
+            </a:r>
+            <a:r>
+              <a:rPr lang="en-US" dirty="0" err="1"/>
+              <a:t>os</a:t>
+            </a:r>
+            <a:r>
+              <a:rPr lang="en-US" dirty="0"/>
+              <a:t> </a:t>
+            </a:r>
+            <a:r>
+              <a:rPr lang="en-US" dirty="0" err="1"/>
+              <a:t>canais</a:t>
+            </a:r>
+            <a:r>
+              <a:rPr lang="en-US" dirty="0"/>
+              <a:t> de </a:t>
+            </a:r>
+            <a:r>
+              <a:rPr lang="en-US" dirty="0" err="1"/>
+              <a:t>comunicação</a:t>
             </a:r>
             <a:endParaRPr lang="pt-PT" dirty="0"/>
           </a:p>
@@ -5422,7 +5299,7 @@
     </p:spTree>
     <p:extLst>
       <p:ext uri="{BB962C8B-B14F-4D97-AF65-F5344CB8AC3E}">
-        <p14:creationId xmlns:p14="http://schemas.microsoft.com/office/powerpoint/2010/main" val="2788510090"/>
+        <p14:creationId xmlns:p14="http://schemas.microsoft.com/office/powerpoint/2010/main" val="513363707"/>
       </p:ext>
     </p:extLst>
   </p:cSld>
@@ -5451,7 +5328,7 @@
       </p:grpSpPr>
       <p:sp>
         <p:nvSpPr>
-          <p:cNvPr id="2" name="Slide Image Placeholder 1"/>
+          <p:cNvPr id="2" name="Marcador de Posição da Imagem do Diapositivo 1"/>
           <p:cNvSpPr>
             <a:spLocks noGrp="1" noRot="1" noChangeAspect="1"/>
           </p:cNvSpPr>
@@ -5463,7 +5340,7 @@
       </p:sp>
       <p:sp>
         <p:nvSpPr>
-          <p:cNvPr id="3" name="Notes Placeholder 2"/>
+          <p:cNvPr id="3" name="Marcador de Posição de Notas 2"/>
           <p:cNvSpPr>
             <a:spLocks noGrp="1"/>
           </p:cNvSpPr>
@@ -5476,44 +5353,85 @@
           <a:bodyPr/>
           <a:lstStyle/>
           <a:p>
+            <a:pPr marL="0" marR="0" lvl="0" indent="0" algn="l" defTabSz="914400" rtl="0" eaLnBrk="1" fontAlgn="auto" latinLnBrk="0" hangingPunct="1">
+              <a:lnSpc>
+                <a:spcPct val="100000"/>
+              </a:lnSpc>
+              <a:spcBef>
+                <a:spcPts val="0"/>
+              </a:spcBef>
+              <a:spcAft>
+                <a:spcPts val="0"/>
+              </a:spcAft>
+              <a:buClrTx/>
+              <a:buSzTx/>
+              <a:buFont typeface="Arial" panose="020B0604020202020204" pitchFamily="34" charset="0"/>
+              <a:buNone/>
+              <a:tabLst/>
+              <a:defRPr/>
+            </a:pPr>
             <a:r>
               <a:rPr lang="en-US" dirty="0"/>
-              <a:t>[5s] </a:t>
-            </a:r>
-          </a:p>
-          <a:p>
+              <a:t>[10s]</a:t>
+            </a:r>
+          </a:p>
+          <a:p>
+            <a:pPr marL="0" marR="0" lvl="0" indent="0" algn="l" defTabSz="914400" rtl="0" eaLnBrk="1" fontAlgn="auto" latinLnBrk="0" hangingPunct="1">
+              <a:lnSpc>
+                <a:spcPct val="100000"/>
+              </a:lnSpc>
+              <a:spcBef>
+                <a:spcPts val="0"/>
+              </a:spcBef>
+              <a:spcAft>
+                <a:spcPts val="0"/>
+              </a:spcAft>
+              <a:buClrTx/>
+              <a:buSzTx/>
+              <a:buFont typeface="Arial" panose="020B0604020202020204" pitchFamily="34" charset="0"/>
+              <a:buNone/>
+              <a:tabLst/>
+              <a:defRPr/>
+            </a:pPr>
+            <a:r>
+              <a:rPr lang="en-US" dirty="0"/>
+              <a:t>É </a:t>
+            </a:r>
             <a:r>
               <a:rPr lang="en-US" dirty="0" err="1"/>
-              <a:t>Preparei</a:t>
+              <a:t>implementado</a:t>
             </a:r>
             <a:r>
               <a:rPr lang="en-US" dirty="0"/>
-              <a:t> </a:t>
+              <a:t> um plugin que </a:t>
             </a:r>
             <a:r>
               <a:rPr lang="en-US" dirty="0" err="1"/>
-              <a:t>uma</a:t>
+              <a:t>faz</a:t>
             </a:r>
             <a:r>
               <a:rPr lang="en-US" dirty="0"/>
-              <a:t> breve </a:t>
+              <a:t> a </a:t>
             </a:r>
             <a:r>
               <a:rPr lang="en-US" dirty="0" err="1"/>
-              <a:t>demonstração</a:t>
-            </a:r>
-            <a:endParaRPr lang="en-US" dirty="0"/>
+              <a:t>comunicação</a:t>
+            </a:r>
+            <a:r>
+              <a:rPr lang="en-US" dirty="0"/>
+              <a:t> da solução com o CRM</a:t>
+            </a:r>
           </a:p>
         </p:txBody>
       </p:sp>
       <p:sp>
         <p:nvSpPr>
-          <p:cNvPr id="4" name="Slide Number Placeholder 3"/>
+          <p:cNvPr id="4" name="Marcador de Posição do Número do Diapositivo 3"/>
           <p:cNvSpPr>
             <a:spLocks noGrp="1"/>
           </p:cNvSpPr>
           <p:nvPr>
-            <p:ph type="sldNum" sz="quarter" idx="10"/>
+            <p:ph type="sldNum" sz="quarter" idx="5"/>
           </p:nvPr>
         </p:nvSpPr>
         <p:spPr/>
@@ -5523,7 +5441,7 @@
           <a:p>
             <a:fld id="{01283FAC-A721-45A3-BBDE-EAF2B09B7CD9}" type="slidenum">
               <a:rPr lang="en-US" smtClean="0"/>
-              <a:t>6</a:t>
+              <a:t>7</a:t>
             </a:fld>
             <a:endParaRPr lang="en-US"/>
           </a:p>
@@ -5532,7 +5450,7 @@
     </p:spTree>
     <p:extLst>
       <p:ext uri="{BB962C8B-B14F-4D97-AF65-F5344CB8AC3E}">
-        <p14:creationId xmlns:p14="http://schemas.microsoft.com/office/powerpoint/2010/main" val="1445374738"/>
+        <p14:creationId xmlns:p14="http://schemas.microsoft.com/office/powerpoint/2010/main" val="618019258"/>
       </p:ext>
     </p:extLst>
   </p:cSld>
@@ -5588,37 +5506,29 @@
           <a:p>
             <a:r>
               <a:rPr lang="en-US" dirty="0"/>
-              <a:t>[20s]</a:t>
+              <a:t>[10s] </a:t>
             </a:r>
           </a:p>
           <a:p>
             <a:r>
               <a:rPr lang="en-US" dirty="0"/>
-              <a:t>É </a:t>
+              <a:t>Depois é </a:t>
             </a:r>
             <a:r>
               <a:rPr lang="en-US" dirty="0" err="1"/>
-              <a:t>usado</a:t>
+              <a:t>criado</a:t>
             </a:r>
             <a:r>
               <a:rPr lang="en-US" dirty="0"/>
-              <a:t> o bot framework que é </a:t>
+              <a:t> o bot que </a:t>
             </a:r>
             <a:r>
               <a:rPr lang="en-US" dirty="0" err="1"/>
-              <a:t>responsável</a:t>
+              <a:t>faz</a:t>
             </a:r>
             <a:r>
               <a:rPr lang="en-US" dirty="0"/>
-              <a:t> pela </a:t>
-            </a:r>
-            <a:r>
-              <a:rPr lang="en-US" dirty="0" err="1"/>
-              <a:t>abstração</a:t>
-            </a:r>
-            <a:r>
-              <a:rPr lang="en-US" dirty="0"/>
-              <a:t> da </a:t>
+              <a:t> a </a:t>
             </a:r>
             <a:r>
               <a:rPr lang="en-US" dirty="0" err="1"/>
@@ -5626,19 +5536,42 @@
             </a:r>
             <a:r>
               <a:rPr lang="en-US" dirty="0"/>
-              <a:t> com </a:t>
-            </a:r>
+              <a:t> com esse plugin para a </a:t>
+            </a:r>
+          </a:p>
+          <a:p>
+            <a:pPr marL="171450" indent="-171450">
+              <a:buFont typeface="Arial" panose="020B0604020202020204" pitchFamily="34" charset="0"/>
+              <a:buChar char="•"/>
+            </a:pPr>
             <a:r>
               <a:rPr lang="en-US" dirty="0" err="1"/>
-              <a:t>os</a:t>
+              <a:t>Criação</a:t>
+            </a:r>
+            <a:endParaRPr lang="en-US" dirty="0"/>
+          </a:p>
+          <a:p>
+            <a:pPr marL="171450" indent="-171450">
+              <a:buFont typeface="Arial" panose="020B0604020202020204" pitchFamily="34" charset="0"/>
+              <a:buChar char="•"/>
+            </a:pPr>
+            <a:r>
+              <a:rPr lang="en-US" dirty="0" err="1"/>
+              <a:t>Listagem</a:t>
             </a:r>
             <a:r>
               <a:rPr lang="en-US" dirty="0"/>
-              <a:t> </a:t>
-            </a:r>
+              <a:t> e a </a:t>
+            </a:r>
+          </a:p>
+          <a:p>
+            <a:pPr marL="171450" indent="-171450">
+              <a:buFont typeface="Arial" panose="020B0604020202020204" pitchFamily="34" charset="0"/>
+              <a:buChar char="•"/>
+            </a:pPr>
             <a:r>
               <a:rPr lang="en-US" dirty="0" err="1"/>
-              <a:t>canais</a:t>
+              <a:t>Anulação</a:t>
             </a:r>
             <a:r>
               <a:rPr lang="en-US" dirty="0"/>
@@ -5646,9 +5579,9 @@
             </a:r>
             <a:r>
               <a:rPr lang="en-US" dirty="0" err="1"/>
-              <a:t>comunicação</a:t>
-            </a:r>
-            <a:endParaRPr lang="pt-PT" dirty="0"/>
+              <a:t>registos</a:t>
+            </a:r>
+            <a:endParaRPr lang="en-US" dirty="0"/>
           </a:p>
         </p:txBody>
       </p:sp>
@@ -5669,7 +5602,7 @@
           <a:p>
             <a:fld id="{01283FAC-A721-45A3-BBDE-EAF2B09B7CD9}" type="slidenum">
               <a:rPr lang="en-US" smtClean="0"/>
-              <a:t>7</a:t>
+              <a:t>8</a:t>
             </a:fld>
             <a:endParaRPr lang="en-US"/>
           </a:p>
@@ -5678,7 +5611,7 @@
     </p:spTree>
     <p:extLst>
       <p:ext uri="{BB962C8B-B14F-4D97-AF65-F5344CB8AC3E}">
-        <p14:creationId xmlns:p14="http://schemas.microsoft.com/office/powerpoint/2010/main" val="513363707"/>
+        <p14:creationId xmlns:p14="http://schemas.microsoft.com/office/powerpoint/2010/main" val="1103250774"/>
       </p:ext>
     </p:extLst>
   </p:cSld>
@@ -5732,57 +5665,23 @@
           <a:bodyPr/>
           <a:lstStyle/>
           <a:p>
-            <a:pPr marL="0" marR="0" lvl="0" indent="0" algn="l" defTabSz="914400" rtl="0" eaLnBrk="1" fontAlgn="auto" latinLnBrk="0" hangingPunct="1">
-              <a:lnSpc>
-                <a:spcPct val="100000"/>
-              </a:lnSpc>
-              <a:spcBef>
-                <a:spcPts val="0"/>
-              </a:spcBef>
-              <a:spcAft>
-                <a:spcPts val="0"/>
-              </a:spcAft>
-              <a:buClrTx/>
-              <a:buSzTx/>
-              <a:buFont typeface="Arial" panose="020B0604020202020204" pitchFamily="34" charset="0"/>
-              <a:buNone/>
-              <a:tabLst/>
-              <a:defRPr/>
-            </a:pPr>
             <a:r>
               <a:rPr lang="en-US" dirty="0"/>
-              <a:t>[10s]</a:t>
-            </a:r>
-          </a:p>
-          <a:p>
-            <a:pPr marL="0" marR="0" lvl="0" indent="0" algn="l" defTabSz="914400" rtl="0" eaLnBrk="1" fontAlgn="auto" latinLnBrk="0" hangingPunct="1">
-              <a:lnSpc>
-                <a:spcPct val="100000"/>
-              </a:lnSpc>
-              <a:spcBef>
-                <a:spcPts val="0"/>
-              </a:spcBef>
-              <a:spcAft>
-                <a:spcPts val="0"/>
-              </a:spcAft>
-              <a:buClrTx/>
-              <a:buSzTx/>
-              <a:buFont typeface="Arial" panose="020B0604020202020204" pitchFamily="34" charset="0"/>
-              <a:buNone/>
-              <a:tabLst/>
-              <a:defRPr/>
-            </a:pPr>
+              <a:t>[10s] </a:t>
+            </a:r>
+          </a:p>
+          <a:p>
             <a:r>
               <a:rPr lang="en-US" dirty="0"/>
-              <a:t>É </a:t>
+              <a:t>Depois é </a:t>
             </a:r>
             <a:r>
               <a:rPr lang="en-US" dirty="0" err="1"/>
-              <a:t>implementado</a:t>
+              <a:t>criado</a:t>
             </a:r>
             <a:r>
               <a:rPr lang="en-US" dirty="0"/>
-              <a:t> um plugin que </a:t>
+              <a:t> o bot que </a:t>
             </a:r>
             <a:r>
               <a:rPr lang="en-US" dirty="0" err="1"/>
@@ -5798,8 +5697,52 @@
             </a:r>
             <a:r>
               <a:rPr lang="en-US" dirty="0"/>
-              <a:t> da solução com o CRM</a:t>
-            </a:r>
+              <a:t> com esse plugin para a </a:t>
+            </a:r>
+          </a:p>
+          <a:p>
+            <a:pPr marL="171450" indent="-171450">
+              <a:buFont typeface="Arial" panose="020B0604020202020204" pitchFamily="34" charset="0"/>
+              <a:buChar char="•"/>
+            </a:pPr>
+            <a:r>
+              <a:rPr lang="en-US" dirty="0" err="1"/>
+              <a:t>Criação</a:t>
+            </a:r>
+            <a:endParaRPr lang="en-US" dirty="0"/>
+          </a:p>
+          <a:p>
+            <a:pPr marL="171450" indent="-171450">
+              <a:buFont typeface="Arial" panose="020B0604020202020204" pitchFamily="34" charset="0"/>
+              <a:buChar char="•"/>
+            </a:pPr>
+            <a:r>
+              <a:rPr lang="en-US" dirty="0" err="1"/>
+              <a:t>Listagem</a:t>
+            </a:r>
+            <a:r>
+              <a:rPr lang="en-US" dirty="0"/>
+              <a:t> e a </a:t>
+            </a:r>
+          </a:p>
+          <a:p>
+            <a:pPr marL="171450" indent="-171450">
+              <a:buFont typeface="Arial" panose="020B0604020202020204" pitchFamily="34" charset="0"/>
+              <a:buChar char="•"/>
+            </a:pPr>
+            <a:r>
+              <a:rPr lang="en-US" dirty="0" err="1"/>
+              <a:t>Anulação</a:t>
+            </a:r>
+            <a:r>
+              <a:rPr lang="en-US" dirty="0"/>
+              <a:t> de </a:t>
+            </a:r>
+            <a:r>
+              <a:rPr lang="en-US" dirty="0" err="1"/>
+              <a:t>registos</a:t>
+            </a:r>
+            <a:endParaRPr lang="en-US" dirty="0"/>
           </a:p>
         </p:txBody>
       </p:sp>
@@ -5829,7 +5772,7 @@
     </p:spTree>
     <p:extLst>
       <p:ext uri="{BB962C8B-B14F-4D97-AF65-F5344CB8AC3E}">
-        <p14:creationId xmlns:p14="http://schemas.microsoft.com/office/powerpoint/2010/main" val="618019258"/>
+        <p14:creationId xmlns:p14="http://schemas.microsoft.com/office/powerpoint/2010/main" val="2443300081"/>
       </p:ext>
     </p:extLst>
   </p:cSld>
@@ -5885,82 +5828,64 @@
           <a:p>
             <a:r>
               <a:rPr lang="en-US" dirty="0"/>
-              <a:t>[10s] </a:t>
-            </a:r>
-          </a:p>
-          <a:p>
+              <a:t>[30s] Para </a:t>
+            </a:r>
+            <a:r>
+              <a:rPr lang="en-US" dirty="0" err="1"/>
+              <a:t>podermos</a:t>
+            </a:r>
             <a:r>
               <a:rPr lang="en-US" dirty="0"/>
-              <a:t>Depois é </a:t>
+              <a:t> </a:t>
             </a:r>
             <a:r>
               <a:rPr lang="en-US" dirty="0" err="1"/>
-              <a:t>criado</a:t>
+              <a:t>identificar</a:t>
             </a:r>
             <a:r>
               <a:rPr lang="en-US" dirty="0"/>
-              <a:t> o bot que </a:t>
+              <a:t> o </a:t>
             </a:r>
             <a:r>
               <a:rPr lang="en-US" dirty="0" err="1"/>
-              <a:t>faz</a:t>
+              <a:t>utilizador</a:t>
             </a:r>
             <a:r>
               <a:rPr lang="en-US" dirty="0"/>
-              <a:t> a </a:t>
+              <a:t> para </a:t>
             </a:r>
             <a:r>
               <a:rPr lang="en-US" dirty="0" err="1"/>
-              <a:t>comunicação</a:t>
+              <a:t>executar</a:t>
             </a:r>
             <a:r>
               <a:rPr lang="en-US" dirty="0"/>
-              <a:t> com esse plugin para a </a:t>
-            </a:r>
-          </a:p>
-          <a:p>
-            <a:pPr marL="171450" indent="-171450">
-              <a:buFont typeface="Arial" panose="020B0604020202020204" pitchFamily="34" charset="0"/>
-              <a:buChar char="•"/>
-            </a:pPr>
+              <a:t> as </a:t>
+            </a:r>
             <a:r>
               <a:rPr lang="en-US" dirty="0" err="1"/>
-              <a:t>Criação</a:t>
-            </a:r>
-            <a:endParaRPr lang="en-US" dirty="0"/>
-          </a:p>
-          <a:p>
-            <a:pPr marL="171450" indent="-171450">
-              <a:buFont typeface="Arial" panose="020B0604020202020204" pitchFamily="34" charset="0"/>
-              <a:buChar char="•"/>
-            </a:pPr>
+              <a:t>operações</a:t>
+            </a:r>
+            <a:r>
+              <a:rPr lang="en-US" dirty="0"/>
+              <a:t> sob o CRM </a:t>
+            </a:r>
             <a:r>
               <a:rPr lang="en-US" dirty="0" err="1"/>
-              <a:t>Listagem</a:t>
+              <a:t>usamos</a:t>
             </a:r>
             <a:r>
               <a:rPr lang="en-US" dirty="0"/>
-              <a:t> e a </a:t>
-            </a:r>
-          </a:p>
-          <a:p>
-            <a:pPr marL="171450" indent="-171450">
-              <a:buFont typeface="Arial" panose="020B0604020202020204" pitchFamily="34" charset="0"/>
-              <a:buChar char="•"/>
-            </a:pPr>
+              <a:t> o Azure AD </a:t>
+            </a:r>
             <a:r>
               <a:rPr lang="en-US" dirty="0" err="1"/>
-              <a:t>Anulação</a:t>
+              <a:t>ou</a:t>
             </a:r>
             <a:r>
               <a:rPr lang="en-US" dirty="0"/>
-              <a:t> de </a:t>
-            </a:r>
-            <a:r>
-              <a:rPr lang="en-US" dirty="0" err="1"/>
-              <a:t>registos</a:t>
-            </a:r>
-            <a:endParaRPr lang="en-US" dirty="0"/>
+              <a:t> Azure Active Directory</a:t>
+            </a:r>
           </a:p>
         </p:txBody>
       </p:sp>
@@ -5990,7 +5915,7 @@
     </p:spTree>
     <p:extLst>
       <p:ext uri="{BB962C8B-B14F-4D97-AF65-F5344CB8AC3E}">
-        <p14:creationId xmlns:p14="http://schemas.microsoft.com/office/powerpoint/2010/main" val="1103250774"/>
+        <p14:creationId xmlns:p14="http://schemas.microsoft.com/office/powerpoint/2010/main" val="3109215568"/>
       </p:ext>
     </p:extLst>
   </p:cSld>
@@ -6046,25 +5971,43 @@
           <a:p>
             <a:r>
               <a:rPr lang="en-US" dirty="0"/>
-              <a:t>[10s] </a:t>
-            </a:r>
-          </a:p>
-          <a:p>
+              <a:t>[30s] Para que bot </a:t>
+            </a:r>
+            <a:r>
+              <a:rPr lang="en-US" dirty="0" err="1"/>
+              <a:t>entenda</a:t>
+            </a:r>
             <a:r>
               <a:rPr lang="en-US" dirty="0"/>
-              <a:t>Depois é </a:t>
+              <a:t> </a:t>
             </a:r>
             <a:r>
               <a:rPr lang="en-US" dirty="0" err="1"/>
-              <a:t>criado</a:t>
+              <a:t>melhor</a:t>
             </a:r>
             <a:r>
               <a:rPr lang="en-US" dirty="0"/>
-              <a:t> o bot que </a:t>
+              <a:t> o input do </a:t>
             </a:r>
             <a:r>
               <a:rPr lang="en-US" dirty="0" err="1"/>
-              <a:t>faz</a:t>
+              <a:t>colaborador</a:t>
+            </a:r>
+            <a:r>
+              <a:rPr lang="en-US" dirty="0"/>
+              <a:t> é </a:t>
+            </a:r>
+            <a:r>
+              <a:rPr lang="en-US" dirty="0" err="1"/>
+              <a:t>usado</a:t>
+            </a:r>
+            <a:r>
+              <a:rPr lang="en-US" dirty="0"/>
+              <a:t> o LUIS para </a:t>
+            </a:r>
+            <a:r>
+              <a:rPr lang="en-US" dirty="0" err="1"/>
+              <a:t>fazer</a:t>
             </a:r>
             <a:r>
               <a:rPr lang="en-US" dirty="0"/>
@@ -6072,54 +6015,7 @@
             </a:r>
             <a:r>
               <a:rPr lang="en-US" dirty="0" err="1"/>
-              <a:t>comunicação</a:t>
-            </a:r>
-            <a:r>
-              <a:rPr lang="en-US" dirty="0"/>
-              <a:t> com esse plugin para a </a:t>
-            </a:r>
-          </a:p>
-          <a:p>
-            <a:pPr marL="171450" indent="-171450">
-              <a:buFont typeface="Arial" panose="020B0604020202020204" pitchFamily="34" charset="0"/>
-              <a:buChar char="•"/>
-            </a:pPr>
-            <a:r>
-              <a:rPr lang="en-US" dirty="0" err="1"/>
-              <a:t>Criação</a:t>
-            </a:r>
-            <a:endParaRPr lang="en-US" dirty="0"/>
-          </a:p>
-          <a:p>
-            <a:pPr marL="171450" indent="-171450">
-              <a:buFont typeface="Arial" panose="020B0604020202020204" pitchFamily="34" charset="0"/>
-              <a:buChar char="•"/>
-            </a:pPr>
-            <a:r>
-              <a:rPr lang="en-US" dirty="0" err="1"/>
-              <a:t>Listagem</a:t>
-            </a:r>
-            <a:r>
-              <a:rPr lang="en-US" dirty="0"/>
-              <a:t> e a </a:t>
-            </a:r>
-          </a:p>
-          <a:p>
-            <a:pPr marL="171450" indent="-171450">
-              <a:buFont typeface="Arial" panose="020B0604020202020204" pitchFamily="34" charset="0"/>
-              <a:buChar char="•"/>
-            </a:pPr>
-            <a:r>
-              <a:rPr lang="en-US" dirty="0" err="1"/>
-              <a:t>Anulação</a:t>
-            </a:r>
-            <a:r>
-              <a:rPr lang="en-US" dirty="0"/>
-              <a:t> de </a:t>
-            </a:r>
-            <a:r>
-              <a:rPr lang="en-US" dirty="0" err="1"/>
-              <a:t>registos</a:t>
+              <a:t>triagem</a:t>
             </a:r>
             <a:endParaRPr lang="en-US" dirty="0"/>
           </a:p>
@@ -6151,7 +6047,7 @@
     </p:spTree>
     <p:extLst>
       <p:ext uri="{BB962C8B-B14F-4D97-AF65-F5344CB8AC3E}">
-        <p14:creationId xmlns:p14="http://schemas.microsoft.com/office/powerpoint/2010/main" val="2443300081"/>
+        <p14:creationId xmlns:p14="http://schemas.microsoft.com/office/powerpoint/2010/main" val="681191430"/>
       </p:ext>
     </p:extLst>
   </p:cSld>
@@ -20779,1102 +20675,6 @@
           <a:chExt cx="0" cy="0"/>
         </a:xfrm>
       </p:grpSpPr>
-      <p:grpSp>
-        <p:nvGrpSpPr>
-          <p:cNvPr id="3" name="Group 2">
-            <a:extLst>
-              <a:ext uri="{FF2B5EF4-FFF2-40B4-BE49-F238E27FC236}">
-                <a16:creationId xmlns:a16="http://schemas.microsoft.com/office/drawing/2014/main" id="{0F0383F6-EE1B-40B4-A2B4-18FDD0B65173}"/>
-              </a:ext>
-            </a:extLst>
-          </p:cNvPr>
-          <p:cNvGrpSpPr/>
-          <p:nvPr/>
-        </p:nvGrpSpPr>
-        <p:grpSpPr>
-          <a:xfrm>
-            <a:off x="3046152" y="2705406"/>
-            <a:ext cx="1718034" cy="2066891"/>
-            <a:chOff x="2881523" y="2434361"/>
-            <a:chExt cx="1718034" cy="2066891"/>
-          </a:xfrm>
-        </p:grpSpPr>
-        <p:pic>
-          <p:nvPicPr>
-            <p:cNvPr id="23" name="Imagem 22" descr="Bot Framework">
-              <a:extLst>
-                <a:ext uri="{FF2B5EF4-FFF2-40B4-BE49-F238E27FC236}">
-                  <a16:creationId xmlns:a16="http://schemas.microsoft.com/office/drawing/2014/main" id="{24E6F6A0-E1DF-4931-B914-D1FAC4D2E331}"/>
-                </a:ext>
-                <a:ext uri="{C183D7F6-B498-43B3-948B-1728B52AA6E4}">
-                  <adec:decorative xmlns:adec="http://schemas.microsoft.com/office/drawing/2017/decorative" val="0"/>
-                </a:ext>
-              </a:extLst>
-            </p:cNvPr>
-            <p:cNvPicPr>
-              <a:picLocks noChangeAspect="1"/>
-            </p:cNvPicPr>
-            <p:nvPr/>
-          </p:nvPicPr>
-          <p:blipFill>
-            <a:blip r:embed="rId3">
-              <a:extLst>
-                <a:ext uri="{28A0092B-C50C-407E-A947-70E740481C1C}">
-                  <a14:useLocalDpi xmlns:a14="http://schemas.microsoft.com/office/drawing/2010/main" val="0"/>
-                </a:ext>
-              </a:extLst>
-            </a:blip>
-            <a:stretch>
-              <a:fillRect/>
-            </a:stretch>
-          </p:blipFill>
-          <p:spPr>
-            <a:xfrm>
-              <a:off x="2927698" y="2434361"/>
-              <a:ext cx="1625684" cy="1625684"/>
-            </a:xfrm>
-            <a:prstGeom prst="rect">
-              <a:avLst/>
-            </a:prstGeom>
-          </p:spPr>
-        </p:pic>
-        <p:sp>
-          <p:nvSpPr>
-            <p:cNvPr id="25" name="CaixaDeTexto 24">
-              <a:extLst>
-                <a:ext uri="{FF2B5EF4-FFF2-40B4-BE49-F238E27FC236}">
-                  <a16:creationId xmlns:a16="http://schemas.microsoft.com/office/drawing/2014/main" id="{FD786B10-3A10-430B-85C2-8959575BE24B}"/>
-                </a:ext>
-              </a:extLst>
-            </p:cNvPr>
-            <p:cNvSpPr txBox="1"/>
-            <p:nvPr/>
-          </p:nvSpPr>
-          <p:spPr>
-            <a:xfrm>
-              <a:off x="2881523" y="4131920"/>
-              <a:ext cx="1718034" cy="369332"/>
-            </a:xfrm>
-            <a:prstGeom prst="rect">
-              <a:avLst/>
-            </a:prstGeom>
-            <a:noFill/>
-          </p:spPr>
-          <p:txBody>
-            <a:bodyPr wrap="none" rtlCol="0">
-              <a:spAutoFit/>
-            </a:bodyPr>
-            <a:lstStyle/>
-            <a:p>
-              <a:r>
-                <a:rPr lang="en-US" dirty="0"/>
-                <a:t>Bot Framework</a:t>
-              </a:r>
-            </a:p>
-          </p:txBody>
-        </p:sp>
-      </p:grpSp>
-      <p:sp>
-        <p:nvSpPr>
-          <p:cNvPr id="26" name="Seta: Para a Direita 25">
-            <a:extLst>
-              <a:ext uri="{FF2B5EF4-FFF2-40B4-BE49-F238E27FC236}">
-                <a16:creationId xmlns:a16="http://schemas.microsoft.com/office/drawing/2014/main" id="{56608159-C789-424A-80CF-9B45136DFF9F}"/>
-              </a:ext>
-            </a:extLst>
-          </p:cNvPr>
-          <p:cNvSpPr/>
-          <p:nvPr/>
-        </p:nvSpPr>
-        <p:spPr>
-          <a:xfrm>
-            <a:off x="5479200" y="3247203"/>
-            <a:ext cx="2190750" cy="519706"/>
-          </a:xfrm>
-          <a:prstGeom prst="rightArrow">
-            <a:avLst/>
-          </a:prstGeom>
-          <a:solidFill>
-            <a:schemeClr val="accent1">
-              <a:lumMod val="75000"/>
-            </a:schemeClr>
-          </a:solidFill>
-          <a:ln>
-            <a:noFill/>
-          </a:ln>
-        </p:spPr>
-        <p:style>
-          <a:lnRef idx="2">
-            <a:schemeClr val="accent1">
-              <a:shade val="50000"/>
-            </a:schemeClr>
-          </a:lnRef>
-          <a:fillRef idx="1">
-            <a:schemeClr val="accent1"/>
-          </a:fillRef>
-          <a:effectRef idx="0">
-            <a:schemeClr val="accent1"/>
-          </a:effectRef>
-          <a:fontRef idx="minor">
-            <a:schemeClr val="lt1"/>
-          </a:fontRef>
-        </p:style>
-        <p:txBody>
-          <a:bodyPr rtlCol="0" anchor="ctr"/>
-          <a:lstStyle/>
-          <a:p>
-            <a:pPr algn="ctr"/>
-            <a:endParaRPr lang="en-US" dirty="0">
-              <a:solidFill>
-                <a:schemeClr val="bg1"/>
-              </a:solidFill>
-            </a:endParaRPr>
-          </a:p>
-        </p:txBody>
-      </p:sp>
-      <p:sp>
-        <p:nvSpPr>
-          <p:cNvPr id="2" name="Título 1">
-            <a:extLst>
-              <a:ext uri="{FF2B5EF4-FFF2-40B4-BE49-F238E27FC236}">
-                <a16:creationId xmlns:a16="http://schemas.microsoft.com/office/drawing/2014/main" id="{CB62B9E9-0D50-4AD2-9915-759A37C90587}"/>
-              </a:ext>
-            </a:extLst>
-          </p:cNvPr>
-          <p:cNvSpPr>
-            <a:spLocks noGrp="1"/>
-          </p:cNvSpPr>
-          <p:nvPr>
-            <p:ph type="title"/>
-          </p:nvPr>
-        </p:nvSpPr>
-        <p:spPr/>
-        <p:txBody>
-          <a:bodyPr/>
-          <a:lstStyle/>
-          <a:p>
-            <a:r>
-              <a:rPr lang="en-US" dirty="0"/>
-              <a:t>API de </a:t>
-            </a:r>
-            <a:r>
-              <a:rPr lang="en-US" dirty="0" err="1"/>
-              <a:t>Gestão</a:t>
-            </a:r>
-            <a:r>
-              <a:rPr lang="en-US" dirty="0"/>
-              <a:t> de </a:t>
-            </a:r>
-            <a:r>
-              <a:rPr lang="en-US" dirty="0" err="1"/>
-              <a:t>Registos</a:t>
-            </a:r>
-            <a:r>
-              <a:rPr lang="en-US" dirty="0"/>
-              <a:t> (</a:t>
-            </a:r>
-            <a:r>
-              <a:rPr lang="en-US" dirty="0" err="1"/>
-              <a:t>TimeSheets</a:t>
-            </a:r>
-            <a:r>
-              <a:rPr lang="en-US" dirty="0"/>
-              <a:t>)</a:t>
-            </a:r>
-          </a:p>
-        </p:txBody>
-      </p:sp>
-      <p:sp>
-        <p:nvSpPr>
-          <p:cNvPr id="12" name="CaixaDeTexto 11">
-            <a:extLst>
-              <a:ext uri="{FF2B5EF4-FFF2-40B4-BE49-F238E27FC236}">
-                <a16:creationId xmlns:a16="http://schemas.microsoft.com/office/drawing/2014/main" id="{24F71750-F8EC-4789-9C22-DC92B3825188}"/>
-              </a:ext>
-            </a:extLst>
-          </p:cNvPr>
-          <p:cNvSpPr txBox="1"/>
-          <p:nvPr/>
-        </p:nvSpPr>
-        <p:spPr>
-          <a:xfrm>
-            <a:off x="5373369" y="2243741"/>
-            <a:ext cx="2613216" cy="923330"/>
-          </a:xfrm>
-          <a:prstGeom prst="rect">
-            <a:avLst/>
-          </a:prstGeom>
-          <a:noFill/>
-        </p:spPr>
-        <p:txBody>
-          <a:bodyPr wrap="none" rtlCol="0">
-            <a:spAutoFit/>
-          </a:bodyPr>
-          <a:lstStyle/>
-          <a:p>
-            <a:pPr marL="285750" indent="-285750">
-              <a:buFont typeface="Arial" panose="020B0604020202020204" pitchFamily="34" charset="0"/>
-              <a:buChar char="•"/>
-            </a:pPr>
-            <a:r>
-              <a:rPr lang="en-US" dirty="0"/>
-              <a:t>Criar </a:t>
-            </a:r>
-            <a:r>
-              <a:rPr lang="en-US" dirty="0" err="1"/>
-              <a:t>registo</a:t>
-            </a:r>
-            <a:endParaRPr lang="en-US" dirty="0"/>
-          </a:p>
-          <a:p>
-            <a:pPr marL="285750" indent="-285750">
-              <a:buFont typeface="Arial" panose="020B0604020202020204" pitchFamily="34" charset="0"/>
-              <a:buChar char="•"/>
-            </a:pPr>
-            <a:r>
-              <a:rPr lang="en-US" dirty="0" err="1"/>
-              <a:t>Listar</a:t>
-            </a:r>
-            <a:r>
-              <a:rPr lang="en-US" dirty="0"/>
-              <a:t> </a:t>
-            </a:r>
-            <a:r>
-              <a:rPr lang="en-US" dirty="0" err="1"/>
-              <a:t>registos</a:t>
-            </a:r>
-            <a:endParaRPr lang="en-US" dirty="0"/>
-          </a:p>
-          <a:p>
-            <a:pPr marL="285750" indent="-285750">
-              <a:buFont typeface="Arial" panose="020B0604020202020204" pitchFamily="34" charset="0"/>
-              <a:buChar char="•"/>
-            </a:pPr>
-            <a:r>
-              <a:rPr lang="en-US" dirty="0" err="1"/>
-              <a:t>Anular</a:t>
-            </a:r>
-            <a:r>
-              <a:rPr lang="en-US" dirty="0"/>
-              <a:t> </a:t>
-            </a:r>
-            <a:r>
-              <a:rPr lang="en-US" dirty="0" err="1"/>
-              <a:t>último</a:t>
-            </a:r>
-            <a:r>
-              <a:rPr lang="en-US" dirty="0"/>
-              <a:t> </a:t>
-            </a:r>
-            <a:r>
-              <a:rPr lang="en-US" dirty="0" err="1"/>
-              <a:t>registo</a:t>
-            </a:r>
-            <a:endParaRPr lang="en-US" dirty="0"/>
-          </a:p>
-        </p:txBody>
-      </p:sp>
-      <p:pic>
-        <p:nvPicPr>
-          <p:cNvPr id="27" name="Imagem 35">
-            <a:extLst>
-              <a:ext uri="{FF2B5EF4-FFF2-40B4-BE49-F238E27FC236}">
-                <a16:creationId xmlns:a16="http://schemas.microsoft.com/office/drawing/2014/main" id="{C2DF9BEF-91B5-4C3A-B670-B93CCD0266C3}"/>
-              </a:ext>
-            </a:extLst>
-          </p:cNvPr>
-          <p:cNvPicPr>
-            <a:picLocks noChangeAspect="1"/>
-          </p:cNvPicPr>
-          <p:nvPr/>
-        </p:nvPicPr>
-        <p:blipFill>
-          <a:blip r:embed="rId4">
-            <a:extLst>
-              <a:ext uri="{28A0092B-C50C-407E-A947-70E740481C1C}">
-                <a14:useLocalDpi xmlns:a14="http://schemas.microsoft.com/office/drawing/2010/main" val="0"/>
-              </a:ext>
-            </a:extLst>
-          </a:blip>
-          <a:stretch>
-            <a:fillRect/>
-          </a:stretch>
-        </p:blipFill>
-        <p:spPr>
-          <a:xfrm>
-            <a:off x="13303263" y="3167071"/>
-            <a:ext cx="3016137" cy="700382"/>
-          </a:xfrm>
-          <a:prstGeom prst="rect">
-            <a:avLst/>
-          </a:prstGeom>
-        </p:spPr>
-      </p:pic>
-      <p:sp>
-        <p:nvSpPr>
-          <p:cNvPr id="35" name="Seta: Para a Direita 2">
-            <a:extLst>
-              <a:ext uri="{FF2B5EF4-FFF2-40B4-BE49-F238E27FC236}">
-                <a16:creationId xmlns:a16="http://schemas.microsoft.com/office/drawing/2014/main" id="{954F5AF3-BDD1-4958-9B1C-96AE11DF5742}"/>
-              </a:ext>
-            </a:extLst>
-          </p:cNvPr>
-          <p:cNvSpPr/>
-          <p:nvPr/>
-        </p:nvSpPr>
-        <p:spPr>
-          <a:xfrm>
-            <a:off x="10667957" y="3257409"/>
-            <a:ext cx="2190750" cy="519706"/>
-          </a:xfrm>
-          <a:prstGeom prst="rightArrow">
-            <a:avLst/>
-          </a:prstGeom>
-          <a:solidFill>
-            <a:schemeClr val="accent1">
-              <a:lumMod val="75000"/>
-            </a:schemeClr>
-          </a:solidFill>
-          <a:ln>
-            <a:noFill/>
-          </a:ln>
-        </p:spPr>
-        <p:style>
-          <a:lnRef idx="2">
-            <a:schemeClr val="accent1">
-              <a:shade val="50000"/>
-            </a:schemeClr>
-          </a:lnRef>
-          <a:fillRef idx="1">
-            <a:schemeClr val="accent1"/>
-          </a:fillRef>
-          <a:effectRef idx="0">
-            <a:schemeClr val="accent1"/>
-          </a:effectRef>
-          <a:fontRef idx="minor">
-            <a:schemeClr val="lt1"/>
-          </a:fontRef>
-        </p:style>
-        <p:txBody>
-          <a:bodyPr rtlCol="0" anchor="ctr"/>
-          <a:lstStyle/>
-          <a:p>
-            <a:pPr algn="ctr"/>
-            <a:endParaRPr lang="en-US" dirty="0">
-              <a:solidFill>
-                <a:schemeClr val="bg1"/>
-              </a:solidFill>
-            </a:endParaRPr>
-          </a:p>
-        </p:txBody>
-      </p:sp>
-      <p:grpSp>
-        <p:nvGrpSpPr>
-          <p:cNvPr id="36" name="Agrupar 12">
-            <a:extLst>
-              <a:ext uri="{FF2B5EF4-FFF2-40B4-BE49-F238E27FC236}">
-                <a16:creationId xmlns:a16="http://schemas.microsoft.com/office/drawing/2014/main" id="{0D1FA898-9503-4155-B437-F48073DF27A1}"/>
-              </a:ext>
-            </a:extLst>
-          </p:cNvPr>
-          <p:cNvGrpSpPr/>
-          <p:nvPr/>
-        </p:nvGrpSpPr>
-        <p:grpSpPr>
-          <a:xfrm>
-            <a:off x="8595768" y="2611113"/>
-            <a:ext cx="1627632" cy="1812298"/>
-            <a:chOff x="4961009" y="-311009"/>
-            <a:chExt cx="1627632" cy="1812298"/>
-          </a:xfrm>
-        </p:grpSpPr>
-        <p:pic>
-          <p:nvPicPr>
-            <p:cNvPr id="37" name="Imagem 13" descr="Uma imagem com objeto&#10;&#10;Descrição gerada automaticamente">
-              <a:extLst>
-                <a:ext uri="{FF2B5EF4-FFF2-40B4-BE49-F238E27FC236}">
-                  <a16:creationId xmlns:a16="http://schemas.microsoft.com/office/drawing/2014/main" id="{1DE2A6F7-7867-4823-903B-23D758FEFEA5}"/>
-                </a:ext>
-              </a:extLst>
-            </p:cNvPr>
-            <p:cNvPicPr>
-              <a:picLocks noChangeAspect="1"/>
-            </p:cNvPicPr>
-            <p:nvPr/>
-          </p:nvPicPr>
-          <p:blipFill>
-            <a:blip r:embed="rId5">
-              <a:biLevel thresh="50000"/>
-              <a:extLst>
-                <a:ext uri="{28A0092B-C50C-407E-A947-70E740481C1C}">
-                  <a14:useLocalDpi xmlns:a14="http://schemas.microsoft.com/office/drawing/2010/main" val="0"/>
-                </a:ext>
-              </a:extLst>
-            </a:blip>
-            <a:stretch>
-              <a:fillRect/>
-            </a:stretch>
-          </p:blipFill>
-          <p:spPr>
-            <a:xfrm rot="5400000">
-              <a:off x="4961009" y="-311009"/>
-              <a:ext cx="1627632" cy="1627632"/>
-            </a:xfrm>
-            <a:prstGeom prst="rect">
-              <a:avLst/>
-            </a:prstGeom>
-          </p:spPr>
-        </p:pic>
-        <p:sp>
-          <p:nvSpPr>
-            <p:cNvPr id="38" name="CaixaDeTexto 14">
-              <a:extLst>
-                <a:ext uri="{FF2B5EF4-FFF2-40B4-BE49-F238E27FC236}">
-                  <a16:creationId xmlns:a16="http://schemas.microsoft.com/office/drawing/2014/main" id="{77EBE2B7-76B2-4C57-8B17-E8AF58E7F209}"/>
-                </a:ext>
-              </a:extLst>
-            </p:cNvPr>
-            <p:cNvSpPr txBox="1"/>
-            <p:nvPr/>
-          </p:nvSpPr>
-          <p:spPr>
-            <a:xfrm>
-              <a:off x="5363494" y="1131957"/>
-              <a:ext cx="822661" cy="369332"/>
-            </a:xfrm>
-            <a:prstGeom prst="rect">
-              <a:avLst/>
-            </a:prstGeom>
-            <a:noFill/>
-          </p:spPr>
-          <p:txBody>
-            <a:bodyPr wrap="none" rtlCol="0">
-              <a:spAutoFit/>
-            </a:bodyPr>
-            <a:lstStyle/>
-            <a:p>
-              <a:r>
-                <a:rPr lang="en-US" dirty="0"/>
-                <a:t>Plugin</a:t>
-              </a:r>
-            </a:p>
-          </p:txBody>
-        </p:sp>
-      </p:grpSp>
-    </p:spTree>
-    <p:extLst>
-      <p:ext uri="{BB962C8B-B14F-4D97-AF65-F5344CB8AC3E}">
-        <p14:creationId xmlns:p14="http://schemas.microsoft.com/office/powerpoint/2010/main" val="2196912933"/>
-      </p:ext>
-    </p:extLst>
-  </p:cSld>
-  <p:clrMapOvr>
-    <a:masterClrMapping/>
-  </p:clrMapOvr>
-  <mc:AlternateContent xmlns:mc="http://schemas.openxmlformats.org/markup-compatibility/2006" xmlns:p159="http://schemas.microsoft.com/office/powerpoint/2015/09/main">
-    <mc:Choice Requires="p159">
-      <p:transition xmlns:p14="http://schemas.microsoft.com/office/powerpoint/2010/main" p14:dur="250">
-        <p159:morph option="byWord"/>
-      </p:transition>
-    </mc:Choice>
-    <mc:Fallback xmlns="">
-      <p:transition>
-        <p:fade/>
-      </p:transition>
-    </mc:Fallback>
-  </mc:AlternateContent>
-</p:sld>
-</file>
-
-<file path=ppt/slides/slide11.xml><?xml version="1.0" encoding="utf-8"?>
-<p:sld xmlns:a="http://schemas.openxmlformats.org/drawingml/2006/main" xmlns:r="http://schemas.openxmlformats.org/officeDocument/2006/relationships" xmlns:p="http://schemas.openxmlformats.org/presentationml/2006/main">
-  <p:cSld>
-    <p:spTree>
-      <p:nvGrpSpPr>
-        <p:cNvPr id="1" name=""/>
-        <p:cNvGrpSpPr/>
-        <p:nvPr/>
-      </p:nvGrpSpPr>
-      <p:grpSpPr>
-        <a:xfrm>
-          <a:off x="0" y="0"/>
-          <a:ext cx="0" cy="0"/>
-          <a:chOff x="0" y="0"/>
-          <a:chExt cx="0" cy="0"/>
-        </a:xfrm>
-      </p:grpSpPr>
-      <p:sp>
-        <p:nvSpPr>
-          <p:cNvPr id="25" name="CaixaDeTexto 24">
-            <a:extLst>
-              <a:ext uri="{FF2B5EF4-FFF2-40B4-BE49-F238E27FC236}">
-                <a16:creationId xmlns:a16="http://schemas.microsoft.com/office/drawing/2014/main" id="{FD786B10-3A10-430B-85C2-8959575BE24B}"/>
-              </a:ext>
-            </a:extLst>
-          </p:cNvPr>
-          <p:cNvSpPr txBox="1"/>
-          <p:nvPr/>
-        </p:nvSpPr>
-        <p:spPr>
-          <a:xfrm>
-            <a:off x="3046152" y="4402965"/>
-            <a:ext cx="1718034" cy="369332"/>
-          </a:xfrm>
-          <a:prstGeom prst="rect">
-            <a:avLst/>
-          </a:prstGeom>
-          <a:noFill/>
-        </p:spPr>
-        <p:txBody>
-          <a:bodyPr wrap="none" rtlCol="0">
-            <a:spAutoFit/>
-          </a:bodyPr>
-          <a:lstStyle/>
-          <a:p>
-            <a:r>
-              <a:rPr lang="en-US" dirty="0"/>
-              <a:t>Bot Framework</a:t>
-            </a:r>
-          </a:p>
-        </p:txBody>
-      </p:sp>
-      <p:sp>
-        <p:nvSpPr>
-          <p:cNvPr id="26" name="Seta: Para a Direita 25">
-            <a:extLst>
-              <a:ext uri="{FF2B5EF4-FFF2-40B4-BE49-F238E27FC236}">
-                <a16:creationId xmlns:a16="http://schemas.microsoft.com/office/drawing/2014/main" id="{56608159-C789-424A-80CF-9B45136DFF9F}"/>
-              </a:ext>
-            </a:extLst>
-          </p:cNvPr>
-          <p:cNvSpPr/>
-          <p:nvPr/>
-        </p:nvSpPr>
-        <p:spPr>
-          <a:xfrm>
-            <a:off x="5479200" y="3247203"/>
-            <a:ext cx="2190750" cy="519706"/>
-          </a:xfrm>
-          <a:prstGeom prst="rightArrow">
-            <a:avLst/>
-          </a:prstGeom>
-          <a:solidFill>
-            <a:schemeClr val="accent1">
-              <a:lumMod val="75000"/>
-            </a:schemeClr>
-          </a:solidFill>
-          <a:ln>
-            <a:noFill/>
-          </a:ln>
-        </p:spPr>
-        <p:style>
-          <a:lnRef idx="2">
-            <a:schemeClr val="accent1">
-              <a:shade val="50000"/>
-            </a:schemeClr>
-          </a:lnRef>
-          <a:fillRef idx="1">
-            <a:schemeClr val="accent1"/>
-          </a:fillRef>
-          <a:effectRef idx="0">
-            <a:schemeClr val="accent1"/>
-          </a:effectRef>
-          <a:fontRef idx="minor">
-            <a:schemeClr val="lt1"/>
-          </a:fontRef>
-        </p:style>
-        <p:txBody>
-          <a:bodyPr rtlCol="0" anchor="ctr"/>
-          <a:lstStyle/>
-          <a:p>
-            <a:pPr algn="ctr"/>
-            <a:endParaRPr lang="en-US" dirty="0">
-              <a:solidFill>
-                <a:schemeClr val="bg1"/>
-              </a:solidFill>
-            </a:endParaRPr>
-          </a:p>
-        </p:txBody>
-      </p:sp>
-      <p:sp>
-        <p:nvSpPr>
-          <p:cNvPr id="2" name="Título 1">
-            <a:extLst>
-              <a:ext uri="{FF2B5EF4-FFF2-40B4-BE49-F238E27FC236}">
-                <a16:creationId xmlns:a16="http://schemas.microsoft.com/office/drawing/2014/main" id="{CB62B9E9-0D50-4AD2-9915-759A37C90587}"/>
-              </a:ext>
-            </a:extLst>
-          </p:cNvPr>
-          <p:cNvSpPr>
-            <a:spLocks noGrp="1"/>
-          </p:cNvSpPr>
-          <p:nvPr>
-            <p:ph type="title"/>
-          </p:nvPr>
-        </p:nvSpPr>
-        <p:spPr/>
-        <p:txBody>
-          <a:bodyPr/>
-          <a:lstStyle/>
-          <a:p>
-            <a:r>
-              <a:rPr lang="en-US" dirty="0"/>
-              <a:t>Re-usable BOT</a:t>
-            </a:r>
-          </a:p>
-        </p:txBody>
-      </p:sp>
-      <p:sp>
-        <p:nvSpPr>
-          <p:cNvPr id="12" name="CaixaDeTexto 11">
-            <a:extLst>
-              <a:ext uri="{FF2B5EF4-FFF2-40B4-BE49-F238E27FC236}">
-                <a16:creationId xmlns:a16="http://schemas.microsoft.com/office/drawing/2014/main" id="{24F71750-F8EC-4789-9C22-DC92B3825188}"/>
-              </a:ext>
-            </a:extLst>
-          </p:cNvPr>
-          <p:cNvSpPr txBox="1"/>
-          <p:nvPr/>
-        </p:nvSpPr>
-        <p:spPr>
-          <a:xfrm>
-            <a:off x="5373369" y="2243741"/>
-            <a:ext cx="2613216" cy="923330"/>
-          </a:xfrm>
-          <a:prstGeom prst="rect">
-            <a:avLst/>
-          </a:prstGeom>
-          <a:noFill/>
-        </p:spPr>
-        <p:txBody>
-          <a:bodyPr wrap="none" rtlCol="0">
-            <a:spAutoFit/>
-          </a:bodyPr>
-          <a:lstStyle/>
-          <a:p>
-            <a:pPr marL="285750" indent="-285750">
-              <a:buFont typeface="Arial" panose="020B0604020202020204" pitchFamily="34" charset="0"/>
-              <a:buChar char="•"/>
-            </a:pPr>
-            <a:r>
-              <a:rPr lang="en-US" dirty="0"/>
-              <a:t>Criar </a:t>
-            </a:r>
-            <a:r>
-              <a:rPr lang="en-US" dirty="0" err="1"/>
-              <a:t>registo</a:t>
-            </a:r>
-            <a:endParaRPr lang="en-US" dirty="0"/>
-          </a:p>
-          <a:p>
-            <a:pPr marL="285750" indent="-285750">
-              <a:buFont typeface="Arial" panose="020B0604020202020204" pitchFamily="34" charset="0"/>
-              <a:buChar char="•"/>
-            </a:pPr>
-            <a:r>
-              <a:rPr lang="en-US" dirty="0" err="1"/>
-              <a:t>Listar</a:t>
-            </a:r>
-            <a:r>
-              <a:rPr lang="en-US" dirty="0"/>
-              <a:t> </a:t>
-            </a:r>
-            <a:r>
-              <a:rPr lang="en-US" dirty="0" err="1"/>
-              <a:t>registos</a:t>
-            </a:r>
-            <a:endParaRPr lang="en-US" dirty="0"/>
-          </a:p>
-          <a:p>
-            <a:pPr marL="285750" indent="-285750">
-              <a:buFont typeface="Arial" panose="020B0604020202020204" pitchFamily="34" charset="0"/>
-              <a:buChar char="•"/>
-            </a:pPr>
-            <a:r>
-              <a:rPr lang="en-US" dirty="0" err="1"/>
-              <a:t>Anular</a:t>
-            </a:r>
-            <a:r>
-              <a:rPr lang="en-US" dirty="0"/>
-              <a:t> </a:t>
-            </a:r>
-            <a:r>
-              <a:rPr lang="en-US" dirty="0" err="1"/>
-              <a:t>último</a:t>
-            </a:r>
-            <a:r>
-              <a:rPr lang="en-US" dirty="0"/>
-              <a:t> </a:t>
-            </a:r>
-            <a:r>
-              <a:rPr lang="en-US" dirty="0" err="1"/>
-              <a:t>registo</a:t>
-            </a:r>
-            <a:endParaRPr lang="en-US" dirty="0"/>
-          </a:p>
-        </p:txBody>
-      </p:sp>
-      <p:pic>
-        <p:nvPicPr>
-          <p:cNvPr id="27" name="Imagem 35">
-            <a:extLst>
-              <a:ext uri="{FF2B5EF4-FFF2-40B4-BE49-F238E27FC236}">
-                <a16:creationId xmlns:a16="http://schemas.microsoft.com/office/drawing/2014/main" id="{C2DF9BEF-91B5-4C3A-B670-B93CCD0266C3}"/>
-              </a:ext>
-            </a:extLst>
-          </p:cNvPr>
-          <p:cNvPicPr>
-            <a:picLocks noChangeAspect="1"/>
-          </p:cNvPicPr>
-          <p:nvPr/>
-        </p:nvPicPr>
-        <p:blipFill>
-          <a:blip r:embed="rId3">
-            <a:extLst>
-              <a:ext uri="{28A0092B-C50C-407E-A947-70E740481C1C}">
-                <a14:useLocalDpi xmlns:a14="http://schemas.microsoft.com/office/drawing/2010/main" val="0"/>
-              </a:ext>
-            </a:extLst>
-          </a:blip>
-          <a:stretch>
-            <a:fillRect/>
-          </a:stretch>
-        </p:blipFill>
-        <p:spPr>
-          <a:xfrm>
-            <a:off x="13303263" y="3167071"/>
-            <a:ext cx="3016137" cy="700382"/>
-          </a:xfrm>
-          <a:prstGeom prst="rect">
-            <a:avLst/>
-          </a:prstGeom>
-        </p:spPr>
-      </p:pic>
-      <p:sp>
-        <p:nvSpPr>
-          <p:cNvPr id="35" name="Seta: Para a Direita 2">
-            <a:extLst>
-              <a:ext uri="{FF2B5EF4-FFF2-40B4-BE49-F238E27FC236}">
-                <a16:creationId xmlns:a16="http://schemas.microsoft.com/office/drawing/2014/main" id="{954F5AF3-BDD1-4958-9B1C-96AE11DF5742}"/>
-              </a:ext>
-            </a:extLst>
-          </p:cNvPr>
-          <p:cNvSpPr/>
-          <p:nvPr/>
-        </p:nvSpPr>
-        <p:spPr>
-          <a:xfrm>
-            <a:off x="10667957" y="3257409"/>
-            <a:ext cx="2190750" cy="519706"/>
-          </a:xfrm>
-          <a:prstGeom prst="rightArrow">
-            <a:avLst/>
-          </a:prstGeom>
-          <a:solidFill>
-            <a:schemeClr val="accent1">
-              <a:lumMod val="75000"/>
-            </a:schemeClr>
-          </a:solidFill>
-          <a:ln>
-            <a:noFill/>
-          </a:ln>
-        </p:spPr>
-        <p:style>
-          <a:lnRef idx="2">
-            <a:schemeClr val="accent1">
-              <a:shade val="50000"/>
-            </a:schemeClr>
-          </a:lnRef>
-          <a:fillRef idx="1">
-            <a:schemeClr val="accent1"/>
-          </a:fillRef>
-          <a:effectRef idx="0">
-            <a:schemeClr val="accent1"/>
-          </a:effectRef>
-          <a:fontRef idx="minor">
-            <a:schemeClr val="lt1"/>
-          </a:fontRef>
-        </p:style>
-        <p:txBody>
-          <a:bodyPr rtlCol="0" anchor="ctr"/>
-          <a:lstStyle/>
-          <a:p>
-            <a:pPr algn="ctr"/>
-            <a:endParaRPr lang="en-US" dirty="0">
-              <a:solidFill>
-                <a:schemeClr val="bg1"/>
-              </a:solidFill>
-            </a:endParaRPr>
-          </a:p>
-        </p:txBody>
-      </p:sp>
-      <p:grpSp>
-        <p:nvGrpSpPr>
-          <p:cNvPr id="36" name="Agrupar 12">
-            <a:extLst>
-              <a:ext uri="{FF2B5EF4-FFF2-40B4-BE49-F238E27FC236}">
-                <a16:creationId xmlns:a16="http://schemas.microsoft.com/office/drawing/2014/main" id="{0D1FA898-9503-4155-B437-F48073DF27A1}"/>
-              </a:ext>
-            </a:extLst>
-          </p:cNvPr>
-          <p:cNvGrpSpPr/>
-          <p:nvPr/>
-        </p:nvGrpSpPr>
-        <p:grpSpPr>
-          <a:xfrm>
-            <a:off x="8595768" y="2611113"/>
-            <a:ext cx="1627632" cy="1812298"/>
-            <a:chOff x="4961009" y="-311009"/>
-            <a:chExt cx="1627632" cy="1812298"/>
-          </a:xfrm>
-        </p:grpSpPr>
-        <p:pic>
-          <p:nvPicPr>
-            <p:cNvPr id="37" name="Imagem 13" descr="Uma imagem com objeto&#10;&#10;Descrição gerada automaticamente">
-              <a:extLst>
-                <a:ext uri="{FF2B5EF4-FFF2-40B4-BE49-F238E27FC236}">
-                  <a16:creationId xmlns:a16="http://schemas.microsoft.com/office/drawing/2014/main" id="{1DE2A6F7-7867-4823-903B-23D758FEFEA5}"/>
-                </a:ext>
-              </a:extLst>
-            </p:cNvPr>
-            <p:cNvPicPr>
-              <a:picLocks noChangeAspect="1"/>
-            </p:cNvPicPr>
-            <p:nvPr/>
-          </p:nvPicPr>
-          <p:blipFill>
-            <a:blip r:embed="rId4">
-              <a:biLevel thresh="50000"/>
-              <a:extLst>
-                <a:ext uri="{28A0092B-C50C-407E-A947-70E740481C1C}">
-                  <a14:useLocalDpi xmlns:a14="http://schemas.microsoft.com/office/drawing/2010/main" val="0"/>
-                </a:ext>
-              </a:extLst>
-            </a:blip>
-            <a:stretch>
-              <a:fillRect/>
-            </a:stretch>
-          </p:blipFill>
-          <p:spPr>
-            <a:xfrm rot="5400000">
-              <a:off x="4961009" y="-311009"/>
-              <a:ext cx="1627632" cy="1627632"/>
-            </a:xfrm>
-            <a:prstGeom prst="rect">
-              <a:avLst/>
-            </a:prstGeom>
-          </p:spPr>
-        </p:pic>
-        <p:sp>
-          <p:nvSpPr>
-            <p:cNvPr id="38" name="CaixaDeTexto 14">
-              <a:extLst>
-                <a:ext uri="{FF2B5EF4-FFF2-40B4-BE49-F238E27FC236}">
-                  <a16:creationId xmlns:a16="http://schemas.microsoft.com/office/drawing/2014/main" id="{77EBE2B7-76B2-4C57-8B17-E8AF58E7F209}"/>
-                </a:ext>
-              </a:extLst>
-            </p:cNvPr>
-            <p:cNvSpPr txBox="1"/>
-            <p:nvPr/>
-          </p:nvSpPr>
-          <p:spPr>
-            <a:xfrm>
-              <a:off x="5363494" y="1131957"/>
-              <a:ext cx="822661" cy="369332"/>
-            </a:xfrm>
-            <a:prstGeom prst="rect">
-              <a:avLst/>
-            </a:prstGeom>
-            <a:noFill/>
-          </p:spPr>
-          <p:txBody>
-            <a:bodyPr wrap="none" rtlCol="0">
-              <a:spAutoFit/>
-            </a:bodyPr>
-            <a:lstStyle/>
-            <a:p>
-              <a:r>
-                <a:rPr lang="en-US" dirty="0"/>
-                <a:t>Plugin</a:t>
-              </a:r>
-            </a:p>
-          </p:txBody>
-        </p:sp>
-      </p:grpSp>
-      <p:pic>
-        <p:nvPicPr>
-          <p:cNvPr id="13" name="Imagem 18" descr="Time Report bot logo">
-            <a:extLst>
-              <a:ext uri="{FF2B5EF4-FFF2-40B4-BE49-F238E27FC236}">
-                <a16:creationId xmlns:a16="http://schemas.microsoft.com/office/drawing/2014/main" id="{BA586DD9-DC6A-44A0-8CE2-AC940FCDB615}"/>
-              </a:ext>
-            </a:extLst>
-          </p:cNvPr>
-          <p:cNvPicPr>
-            <a:picLocks noChangeAspect="1"/>
-          </p:cNvPicPr>
-          <p:nvPr/>
-        </p:nvPicPr>
-        <p:blipFill>
-          <a:blip r:embed="rId5">
-            <a:extLst>
-              <a:ext uri="{28A0092B-C50C-407E-A947-70E740481C1C}">
-                <a14:useLocalDpi xmlns:a14="http://schemas.microsoft.com/office/drawing/2010/main" val="0"/>
-              </a:ext>
-            </a:extLst>
-          </a:blip>
-          <a:stretch>
-            <a:fillRect/>
-          </a:stretch>
-        </p:blipFill>
-        <p:spPr>
-          <a:xfrm>
-            <a:off x="3136554" y="2611113"/>
-            <a:ext cx="1627632" cy="1627632"/>
-          </a:xfrm>
-          <a:prstGeom prst="rect">
-            <a:avLst/>
-          </a:prstGeom>
-          <a:ln>
-            <a:noFill/>
-          </a:ln>
-          <a:effectLst>
-            <a:outerShdw blurRad="292100" dist="139700" dir="2700000" algn="tl" rotWithShape="0">
-              <a:srgbClr val="333333">
-                <a:alpha val="65000"/>
-              </a:srgbClr>
-            </a:outerShdw>
-          </a:effectLst>
-        </p:spPr>
-      </p:pic>
-    </p:spTree>
-    <p:extLst>
-      <p:ext uri="{BB962C8B-B14F-4D97-AF65-F5344CB8AC3E}">
-        <p14:creationId xmlns:p14="http://schemas.microsoft.com/office/powerpoint/2010/main" val="3992211939"/>
-      </p:ext>
-    </p:extLst>
-  </p:cSld>
-  <p:clrMapOvr>
-    <a:masterClrMapping/>
-  </p:clrMapOvr>
-  <mc:AlternateContent xmlns:mc="http://schemas.openxmlformats.org/markup-compatibility/2006" xmlns:p159="http://schemas.microsoft.com/office/powerpoint/2015/09/main">
-    <mc:Choice Requires="p159">
-      <p:transition xmlns:p14="http://schemas.microsoft.com/office/powerpoint/2010/main" p14:dur="250">
-        <p159:morph option="byWord"/>
-      </p:transition>
-    </mc:Choice>
-    <mc:Fallback xmlns="">
-      <p:transition>
-        <p:fade/>
-      </p:transition>
-    </mc:Fallback>
-  </mc:AlternateContent>
-  <p:timing>
-    <p:tnLst>
-      <p:par>
-        <p:cTn id="1" dur="indefinite" restart="never" nodeType="tmRoot">
-          <p:childTnLst>
-            <p:seq concurrent="1" nextAc="seek">
-              <p:cTn id="2" dur="indefinite" nodeType="mainSeq">
-                <p:childTnLst>
-                  <p:par>
-                    <p:cTn id="3" fill="hold">
-                      <p:stCondLst>
-                        <p:cond delay="indefinite"/>
-                        <p:cond evt="onBegin" delay="0">
-                          <p:tn val="2"/>
-                        </p:cond>
-                      </p:stCondLst>
-                      <p:childTnLst>
-                        <p:par>
-                          <p:cTn id="4" fill="hold">
-                            <p:stCondLst>
-                              <p:cond delay="0"/>
-                            </p:stCondLst>
-                            <p:childTnLst>
-                              <p:par>
-                                <p:cTn id="5" presetID="10" presetClass="entr" presetSubtype="0" fill="hold" nodeType="afterEffect">
-                                  <p:stCondLst>
-                                    <p:cond delay="0"/>
-                                  </p:stCondLst>
-                                  <p:childTnLst>
-                                    <p:set>
-                                      <p:cBhvr>
-                                        <p:cTn id="6" dur="1" fill="hold">
-                                          <p:stCondLst>
-                                            <p:cond delay="0"/>
-                                          </p:stCondLst>
-                                        </p:cTn>
-                                        <p:tgtEl>
-                                          <p:spTgt spid="13"/>
-                                        </p:tgtEl>
-                                        <p:attrNameLst>
-                                          <p:attrName>style.visibility</p:attrName>
-                                        </p:attrNameLst>
-                                      </p:cBhvr>
-                                      <p:to>
-                                        <p:strVal val="visible"/>
-                                      </p:to>
-                                    </p:set>
-                                    <p:animEffect transition="in" filter="fade">
-                                      <p:cBhvr>
-                                        <p:cTn id="7" dur="250"/>
-                                        <p:tgtEl>
-                                          <p:spTgt spid="13"/>
-                                        </p:tgtEl>
-                                      </p:cBhvr>
-                                    </p:animEffect>
-                                  </p:childTnLst>
-                                </p:cTn>
-                              </p:par>
-                            </p:childTnLst>
-                          </p:cTn>
-                        </p:par>
-                      </p:childTnLst>
-                    </p:cTn>
-                  </p:par>
-                </p:childTnLst>
-              </p:cTn>
-              <p:prevCondLst>
-                <p:cond evt="onPrev" delay="0">
-                  <p:tgtEl>
-                    <p:sldTgt/>
-                  </p:tgtEl>
-                </p:cond>
-              </p:prevCondLst>
-              <p:nextCondLst>
-                <p:cond evt="onNext" delay="0">
-                  <p:tgtEl>
-                    <p:sldTgt/>
-                  </p:tgtEl>
-                </p:cond>
-              </p:nextCondLst>
-            </p:seq>
-          </p:childTnLst>
-        </p:cTn>
-      </p:par>
-    </p:tnLst>
-  </p:timing>
-</p:sld>
-</file>
-
-<file path=ppt/slides/slide12.xml><?xml version="1.0" encoding="utf-8"?>
-<p:sld xmlns:a="http://schemas.openxmlformats.org/drawingml/2006/main" xmlns:r="http://schemas.openxmlformats.org/officeDocument/2006/relationships" xmlns:p="http://schemas.openxmlformats.org/presentationml/2006/main">
-  <p:cSld>
-    <p:spTree>
-      <p:nvGrpSpPr>
-        <p:cNvPr id="1" name=""/>
-        <p:cNvGrpSpPr/>
-        <p:nvPr/>
-      </p:nvGrpSpPr>
-      <p:grpSpPr>
-        <a:xfrm>
-          <a:off x="0" y="0"/>
-          <a:ext cx="0" cy="0"/>
-          <a:chOff x="0" y="0"/>
-          <a:chExt cx="0" cy="0"/>
-        </a:xfrm>
-      </p:grpSpPr>
       <p:sp>
         <p:nvSpPr>
           <p:cNvPr id="25" name="CaixaDeTexto 24">
@@ -22619,7 +21419,7 @@
 </p:sld>
 </file>
 
-<file path=ppt/slides/slide13.xml><?xml version="1.0" encoding="utf-8"?>
+<file path=ppt/slides/slide11.xml><?xml version="1.0" encoding="utf-8"?>
 <p:sld xmlns:a="http://schemas.openxmlformats.org/drawingml/2006/main" xmlns:r="http://schemas.openxmlformats.org/officeDocument/2006/relationships" xmlns:p="http://schemas.openxmlformats.org/presentationml/2006/main">
   <p:cSld>
     <p:spTree>
@@ -23520,7 +22320,7 @@
 </p:sld>
 </file>
 
-<file path=ppt/slides/slide14.xml><?xml version="1.0" encoding="utf-8"?>
+<file path=ppt/slides/slide12.xml><?xml version="1.0" encoding="utf-8"?>
 <p:sld xmlns:a="http://schemas.openxmlformats.org/drawingml/2006/main" xmlns:r="http://schemas.openxmlformats.org/officeDocument/2006/relationships" xmlns:p="http://schemas.openxmlformats.org/presentationml/2006/main">
   <p:cSld>
     <p:spTree>
@@ -24528,7 +23328,7 @@
 </p:sld>
 </file>
 
-<file path=ppt/slides/slide15.xml><?xml version="1.0" encoding="utf-8"?>
+<file path=ppt/slides/slide13.xml><?xml version="1.0" encoding="utf-8"?>
 <p:sld xmlns:a="http://schemas.openxmlformats.org/drawingml/2006/main" xmlns:r="http://schemas.openxmlformats.org/officeDocument/2006/relationships" xmlns:p="http://schemas.openxmlformats.org/presentationml/2006/main">
   <p:cSld>
     <p:spTree>
@@ -24718,7 +23518,278 @@
 </p:sld>
 </file>
 
-<file path=ppt/slides/slide16.xml><?xml version="1.0" encoding="utf-8"?>
+<file path=ppt/slides/slide14.xml><?xml version="1.0" encoding="utf-8"?>
+<p:sld xmlns:a="http://schemas.openxmlformats.org/drawingml/2006/main" xmlns:r="http://schemas.openxmlformats.org/officeDocument/2006/relationships" xmlns:p="http://schemas.openxmlformats.org/presentationml/2006/main">
+  <p:cSld>
+    <p:bg>
+      <p:bgPr>
+        <a:solidFill>
+          <a:srgbClr val="235888"/>
+        </a:solidFill>
+        <a:effectLst/>
+      </p:bgPr>
+    </p:bg>
+    <p:spTree>
+      <p:nvGrpSpPr>
+        <p:cNvPr id="1" name=""/>
+        <p:cNvGrpSpPr/>
+        <p:nvPr/>
+      </p:nvGrpSpPr>
+      <p:grpSpPr>
+        <a:xfrm>
+          <a:off x="0" y="0"/>
+          <a:ext cx="0" cy="0"/>
+          <a:chOff x="0" y="0"/>
+          <a:chExt cx="0" cy="0"/>
+        </a:xfrm>
+      </p:grpSpPr>
+      <p:sp>
+        <p:nvSpPr>
+          <p:cNvPr id="2" name="Title 1"/>
+          <p:cNvSpPr>
+            <a:spLocks noGrp="1"/>
+          </p:cNvSpPr>
+          <p:nvPr>
+            <p:ph type="title"/>
+          </p:nvPr>
+        </p:nvSpPr>
+        <p:spPr>
+          <a:xfrm>
+            <a:off x="9826" y="-161931"/>
+            <a:ext cx="10515600" cy="1985962"/>
+          </a:xfrm>
+        </p:spPr>
+        <p:txBody>
+          <a:bodyPr>
+            <a:normAutofit/>
+          </a:bodyPr>
+          <a:lstStyle/>
+          <a:p>
+            <a:r>
+              <a:rPr lang="en-US" sz="13800" dirty="0">
+                <a:solidFill>
+                  <a:schemeClr val="accent1">
+                    <a:lumMod val="75000"/>
+                  </a:schemeClr>
+                </a:solidFill>
+              </a:rPr>
+              <a:t>demo</a:t>
+            </a:r>
+          </a:p>
+        </p:txBody>
+      </p:sp>
+      <p:pic>
+        <p:nvPicPr>
+          <p:cNvPr id="3" name="demo1">
+            <a:hlinkClick r:id="" action="ppaction://media"/>
+            <a:extLst>
+              <a:ext uri="{FF2B5EF4-FFF2-40B4-BE49-F238E27FC236}">
+                <a16:creationId xmlns:a16="http://schemas.microsoft.com/office/drawing/2014/main" id="{B1E5D3E9-831D-4A1C-B461-B3E1B299EDB0}"/>
+              </a:ext>
+            </a:extLst>
+          </p:cNvPr>
+          <p:cNvPicPr>
+            <a:picLocks noChangeAspect="1"/>
+          </p:cNvPicPr>
+          <p:nvPr>
+            <a:videoFile r:link="rId2"/>
+            <p:extLst>
+              <p:ext uri="{DAA4B4D4-6D71-4841-9C94-3DE7FCFB9230}">
+                <p14:media xmlns:p14="http://schemas.microsoft.com/office/powerpoint/2010/main" r:embed="rId1"/>
+              </p:ext>
+            </p:extLst>
+          </p:nvPr>
+        </p:nvPicPr>
+        <p:blipFill>
+          <a:blip r:embed="rId5"/>
+          <a:stretch>
+            <a:fillRect/>
+          </a:stretch>
+        </p:blipFill>
+        <p:spPr>
+          <a:xfrm>
+            <a:off x="244776" y="1543042"/>
+            <a:ext cx="11829448" cy="4557727"/>
+          </a:xfrm>
+          <a:prstGeom prst="rect">
+            <a:avLst/>
+          </a:prstGeom>
+          <a:ln>
+            <a:noFill/>
+          </a:ln>
+          <a:effectLst>
+            <a:outerShdw blurRad="190500" algn="tl" rotWithShape="0">
+              <a:srgbClr val="000000">
+                <a:alpha val="70000"/>
+              </a:srgbClr>
+            </a:outerShdw>
+          </a:effectLst>
+        </p:spPr>
+      </p:pic>
+    </p:spTree>
+    <p:extLst>
+      <p:ext uri="{BB962C8B-B14F-4D97-AF65-F5344CB8AC3E}">
+        <p14:creationId xmlns:p14="http://schemas.microsoft.com/office/powerpoint/2010/main" val="1415877439"/>
+      </p:ext>
+    </p:extLst>
+  </p:cSld>
+  <p:clrMapOvr>
+    <a:masterClrMapping/>
+  </p:clrMapOvr>
+  <mc:AlternateContent xmlns:mc="http://schemas.openxmlformats.org/markup-compatibility/2006" xmlns:p159="http://schemas.microsoft.com/office/powerpoint/2015/09/main">
+    <mc:Choice Requires="p159">
+      <p:transition xmlns:p14="http://schemas.microsoft.com/office/powerpoint/2010/main" p14:dur="250">
+        <p159:morph option="byWord"/>
+      </p:transition>
+    </mc:Choice>
+    <mc:Fallback xmlns="">
+      <p:transition>
+        <p:fade/>
+      </p:transition>
+    </mc:Fallback>
+  </mc:AlternateContent>
+  <p:timing>
+    <p:tnLst>
+      <p:par>
+        <p:cTn id="1" dur="indefinite" restart="never" nodeType="tmRoot">
+          <p:childTnLst>
+            <p:seq concurrent="1" nextAc="seek">
+              <p:cTn id="2" dur="indefinite" nodeType="mainSeq">
+                <p:childTnLst>
+                  <p:par>
+                    <p:cTn id="3" fill="hold">
+                      <p:stCondLst>
+                        <p:cond delay="indefinite"/>
+                        <p:cond evt="onBegin" delay="0">
+                          <p:tn val="2"/>
+                        </p:cond>
+                      </p:stCondLst>
+                      <p:childTnLst>
+                        <p:par>
+                          <p:cTn id="4" fill="hold">
+                            <p:stCondLst>
+                              <p:cond delay="0"/>
+                            </p:stCondLst>
+                            <p:childTnLst>
+                              <p:par>
+                                <p:cTn id="5" presetID="1" presetClass="mediacall" presetSubtype="0" fill="hold" nodeType="afterEffect">
+                                  <p:stCondLst>
+                                    <p:cond delay="0"/>
+                                  </p:stCondLst>
+                                  <p:childTnLst>
+                                    <p:cmd type="call" cmd="playFrom(0.0)">
+                                      <p:cBhvr>
+                                        <p:cTn id="6" dur="44400" fill="hold"/>
+                                        <p:tgtEl>
+                                          <p:spTgt spid="3"/>
+                                        </p:tgtEl>
+                                      </p:cBhvr>
+                                    </p:cmd>
+                                  </p:childTnLst>
+                                </p:cTn>
+                              </p:par>
+                            </p:childTnLst>
+                          </p:cTn>
+                        </p:par>
+                      </p:childTnLst>
+                    </p:cTn>
+                  </p:par>
+                </p:childTnLst>
+              </p:cTn>
+              <p:prevCondLst>
+                <p:cond evt="onPrev" delay="0">
+                  <p:tgtEl>
+                    <p:sldTgt/>
+                  </p:tgtEl>
+                </p:cond>
+              </p:prevCondLst>
+              <p:nextCondLst>
+                <p:cond evt="onNext" delay="0">
+                  <p:tgtEl>
+                    <p:sldTgt/>
+                  </p:tgtEl>
+                </p:cond>
+              </p:nextCondLst>
+            </p:seq>
+            <p:seq concurrent="1" nextAc="seek">
+              <p:cTn id="7" restart="whenNotActive" fill="hold" evtFilter="cancelBubble" nodeType="interactiveSeq">
+                <p:stCondLst>
+                  <p:cond evt="onClick" delay="0">
+                    <p:tgtEl>
+                      <p:spTgt spid="3"/>
+                    </p:tgtEl>
+                  </p:cond>
+                </p:stCondLst>
+                <p:endSync evt="end" delay="0">
+                  <p:rtn val="all"/>
+                </p:endSync>
+                <p:childTnLst>
+                  <p:par>
+                    <p:cTn id="8" fill="hold">
+                      <p:stCondLst>
+                        <p:cond delay="0"/>
+                      </p:stCondLst>
+                      <p:childTnLst>
+                        <p:par>
+                          <p:cTn id="9" fill="hold">
+                            <p:stCondLst>
+                              <p:cond delay="0"/>
+                            </p:stCondLst>
+                            <p:childTnLst>
+                              <p:par>
+                                <p:cTn id="10" presetID="2" presetClass="mediacall" presetSubtype="0" fill="hold" nodeType="clickEffect">
+                                  <p:stCondLst>
+                                    <p:cond delay="0"/>
+                                  </p:stCondLst>
+                                  <p:childTnLst>
+                                    <p:cmd type="call" cmd="togglePause">
+                                      <p:cBhvr>
+                                        <p:cTn id="11" dur="1" fill="hold"/>
+                                        <p:tgtEl>
+                                          <p:spTgt spid="3"/>
+                                        </p:tgtEl>
+                                      </p:cBhvr>
+                                    </p:cmd>
+                                  </p:childTnLst>
+                                </p:cTn>
+                              </p:par>
+                            </p:childTnLst>
+                          </p:cTn>
+                        </p:par>
+                      </p:childTnLst>
+                    </p:cTn>
+                  </p:par>
+                </p:childTnLst>
+              </p:cTn>
+              <p:nextCondLst>
+                <p:cond evt="onClick" delay="0">
+                  <p:tgtEl>
+                    <p:spTgt spid="3"/>
+                  </p:tgtEl>
+                </p:cond>
+              </p:nextCondLst>
+            </p:seq>
+            <p:video>
+              <p:cMediaNode vol="80000">
+                <p:cTn id="12" fill="hold" display="0">
+                  <p:stCondLst>
+                    <p:cond delay="indefinite"/>
+                  </p:stCondLst>
+                </p:cTn>
+                <p:tgtEl>
+                  <p:spTgt spid="3"/>
+                </p:tgtEl>
+              </p:cMediaNode>
+            </p:video>
+          </p:childTnLst>
+        </p:cTn>
+      </p:par>
+    </p:tnLst>
+  </p:timing>
+</p:sld>
+</file>
+
+<file path=ppt/slides/slide15.xml><?xml version="1.0" encoding="utf-8"?>
 <p:sld xmlns:a="http://schemas.openxmlformats.org/drawingml/2006/main" xmlns:r="http://schemas.openxmlformats.org/officeDocument/2006/relationships" xmlns:p="http://schemas.openxmlformats.org/presentationml/2006/main">
   <p:cSld>
     <p:spTree>
@@ -24767,6 +23838,163 @@
     <p:extLst>
       <p:ext uri="{BB962C8B-B14F-4D97-AF65-F5344CB8AC3E}">
         <p14:creationId xmlns:p14="http://schemas.microsoft.com/office/powerpoint/2010/main" val="66424768"/>
+      </p:ext>
+    </p:extLst>
+  </p:cSld>
+  <p:clrMapOvr>
+    <a:masterClrMapping/>
+  </p:clrMapOvr>
+  <mc:AlternateContent xmlns:mc="http://schemas.openxmlformats.org/markup-compatibility/2006" xmlns:p159="http://schemas.microsoft.com/office/powerpoint/2015/09/main">
+    <mc:Choice Requires="p159">
+      <p:transition xmlns:p14="http://schemas.microsoft.com/office/powerpoint/2010/main" p14:dur="250">
+        <p159:morph option="byWord"/>
+      </p:transition>
+    </mc:Choice>
+    <mc:Fallback xmlns="">
+      <p:transition>
+        <p:fade/>
+      </p:transition>
+    </mc:Fallback>
+  </mc:AlternateContent>
+</p:sld>
+</file>
+
+<file path=ppt/slides/slide16.xml><?xml version="1.0" encoding="utf-8"?>
+<p:sld xmlns:a="http://schemas.openxmlformats.org/drawingml/2006/main" xmlns:r="http://schemas.openxmlformats.org/officeDocument/2006/relationships" xmlns:p="http://schemas.openxmlformats.org/presentationml/2006/main">
+  <p:cSld>
+    <p:spTree>
+      <p:nvGrpSpPr>
+        <p:cNvPr id="1" name=""/>
+        <p:cNvGrpSpPr/>
+        <p:nvPr/>
+      </p:nvGrpSpPr>
+      <p:grpSpPr>
+        <a:xfrm>
+          <a:off x="0" y="0"/>
+          <a:ext cx="0" cy="0"/>
+          <a:chOff x="0" y="0"/>
+          <a:chExt cx="0" cy="0"/>
+        </a:xfrm>
+      </p:grpSpPr>
+      <p:sp>
+        <p:nvSpPr>
+          <p:cNvPr id="2" name="Título 1">
+            <a:extLst>
+              <a:ext uri="{FF2B5EF4-FFF2-40B4-BE49-F238E27FC236}">
+                <a16:creationId xmlns:a16="http://schemas.microsoft.com/office/drawing/2014/main" id="{CB62B9E9-0D50-4AD2-9915-759A37C90587}"/>
+              </a:ext>
+            </a:extLst>
+          </p:cNvPr>
+          <p:cNvSpPr>
+            <a:spLocks noGrp="1"/>
+          </p:cNvSpPr>
+          <p:nvPr>
+            <p:ph type="title"/>
+          </p:nvPr>
+        </p:nvSpPr>
+        <p:spPr/>
+        <p:txBody>
+          <a:bodyPr/>
+          <a:lstStyle/>
+          <a:p>
+            <a:r>
+              <a:rPr lang="en-US" dirty="0" err="1"/>
+              <a:t>Resultados</a:t>
+            </a:r>
+            <a:endParaRPr lang="en-US" dirty="0"/>
+          </a:p>
+        </p:txBody>
+      </p:sp>
+      <p:sp>
+        <p:nvSpPr>
+          <p:cNvPr id="14" name="Content Placeholder 2">
+            <a:extLst>
+              <a:ext uri="{FF2B5EF4-FFF2-40B4-BE49-F238E27FC236}">
+                <a16:creationId xmlns:a16="http://schemas.microsoft.com/office/drawing/2014/main" id="{04517473-56A2-4BBC-913B-0CB260629346}"/>
+              </a:ext>
+            </a:extLst>
+          </p:cNvPr>
+          <p:cNvSpPr>
+            <a:spLocks noGrp="1"/>
+          </p:cNvSpPr>
+          <p:nvPr>
+            <p:ph idx="1"/>
+          </p:nvPr>
+        </p:nvSpPr>
+        <p:spPr>
+          <a:xfrm>
+            <a:off x="838200" y="1825625"/>
+            <a:ext cx="10071100" cy="924717"/>
+          </a:xfrm>
+        </p:spPr>
+        <p:txBody>
+          <a:bodyPr>
+            <a:normAutofit/>
+          </a:bodyPr>
+          <a:lstStyle/>
+          <a:p>
+            <a:pPr marL="0" indent="0">
+              <a:buNone/>
+            </a:pPr>
+            <a:r>
+              <a:rPr lang="pt-PT" sz="2600" dirty="0"/>
+              <a:t>Comparação da </a:t>
+            </a:r>
+            <a:r>
+              <a:rPr lang="en-US" sz="2600" b="1" dirty="0" err="1"/>
+              <a:t>periodicidade</a:t>
+            </a:r>
+            <a:r>
+              <a:rPr lang="en-US" sz="2600" b="1" dirty="0"/>
+              <a:t> dos </a:t>
+            </a:r>
+            <a:r>
+              <a:rPr lang="en-US" sz="2600" b="1" dirty="0" err="1"/>
+              <a:t>registos</a:t>
+            </a:r>
+            <a:r>
+              <a:rPr lang="en-US" sz="2600" b="1" dirty="0"/>
+              <a:t> </a:t>
+            </a:r>
+            <a:r>
+              <a:rPr lang="pt-PT" sz="2600" dirty="0"/>
+              <a:t>usando o portal CRM</a:t>
+            </a:r>
+          </a:p>
+        </p:txBody>
+      </p:sp>
+      <p:graphicFrame>
+        <p:nvGraphicFramePr>
+          <p:cNvPr id="13" name="Gráfico 12">
+            <a:extLst>
+              <a:ext uri="{FF2B5EF4-FFF2-40B4-BE49-F238E27FC236}">
+                <a16:creationId xmlns:a16="http://schemas.microsoft.com/office/drawing/2014/main" id="{4006F227-CF9E-4A77-BA78-B246D6D8BFF5}"/>
+              </a:ext>
+            </a:extLst>
+          </p:cNvPr>
+          <p:cNvGraphicFramePr/>
+          <p:nvPr>
+            <p:extLst>
+              <p:ext uri="{D42A27DB-BD31-4B8C-83A1-F6EECF244321}">
+                <p14:modId xmlns:p14="http://schemas.microsoft.com/office/powerpoint/2010/main" val="2877821028"/>
+              </p:ext>
+            </p:extLst>
+          </p:nvPr>
+        </p:nvGraphicFramePr>
+        <p:xfrm>
+          <a:off x="717548" y="2284413"/>
+          <a:ext cx="10636252" cy="3934783"/>
+        </p:xfrm>
+        <a:graphic>
+          <a:graphicData uri="http://schemas.openxmlformats.org/drawingml/2006/chart">
+            <c:chart xmlns:c="http://schemas.openxmlformats.org/drawingml/2006/chart" xmlns:r="http://schemas.openxmlformats.org/officeDocument/2006/relationships" r:id="rId3"/>
+          </a:graphicData>
+        </a:graphic>
+      </p:graphicFrame>
+    </p:spTree>
+    <p:extLst>
+      <p:ext uri="{BB962C8B-B14F-4D97-AF65-F5344CB8AC3E}">
+        <p14:creationId xmlns:p14="http://schemas.microsoft.com/office/powerpoint/2010/main" val="1120787578"/>
       </p:ext>
     </p:extLst>
   </p:cSld>
@@ -24852,163 +24080,6 @@
         </p:nvSpPr>
         <p:spPr>
           <a:xfrm>
-            <a:off x="838200" y="1825625"/>
-            <a:ext cx="10071100" cy="924717"/>
-          </a:xfrm>
-        </p:spPr>
-        <p:txBody>
-          <a:bodyPr>
-            <a:normAutofit/>
-          </a:bodyPr>
-          <a:lstStyle/>
-          <a:p>
-            <a:pPr marL="0" indent="0">
-              <a:buNone/>
-            </a:pPr>
-            <a:r>
-              <a:rPr lang="pt-PT" sz="2600" dirty="0"/>
-              <a:t>Comparação da </a:t>
-            </a:r>
-            <a:r>
-              <a:rPr lang="en-US" sz="2600" b="1" dirty="0" err="1"/>
-              <a:t>periodicidade</a:t>
-            </a:r>
-            <a:r>
-              <a:rPr lang="en-US" sz="2600" b="1" dirty="0"/>
-              <a:t> dos </a:t>
-            </a:r>
-            <a:r>
-              <a:rPr lang="en-US" sz="2600" b="1" dirty="0" err="1"/>
-              <a:t>registos</a:t>
-            </a:r>
-            <a:r>
-              <a:rPr lang="en-US" sz="2600" b="1" dirty="0"/>
-              <a:t> </a:t>
-            </a:r>
-            <a:r>
-              <a:rPr lang="pt-PT" sz="2600" dirty="0"/>
-              <a:t>usando o portal CRM</a:t>
-            </a:r>
-          </a:p>
-        </p:txBody>
-      </p:sp>
-      <p:graphicFrame>
-        <p:nvGraphicFramePr>
-          <p:cNvPr id="13" name="Gráfico 12">
-            <a:extLst>
-              <a:ext uri="{FF2B5EF4-FFF2-40B4-BE49-F238E27FC236}">
-                <a16:creationId xmlns:a16="http://schemas.microsoft.com/office/drawing/2014/main" id="{4006F227-CF9E-4A77-BA78-B246D6D8BFF5}"/>
-              </a:ext>
-            </a:extLst>
-          </p:cNvPr>
-          <p:cNvGraphicFramePr/>
-          <p:nvPr>
-            <p:extLst>
-              <p:ext uri="{D42A27DB-BD31-4B8C-83A1-F6EECF244321}">
-                <p14:modId xmlns:p14="http://schemas.microsoft.com/office/powerpoint/2010/main" val="2877821028"/>
-              </p:ext>
-            </p:extLst>
-          </p:nvPr>
-        </p:nvGraphicFramePr>
-        <p:xfrm>
-          <a:off x="717548" y="2284413"/>
-          <a:ext cx="10636252" cy="3934783"/>
-        </p:xfrm>
-        <a:graphic>
-          <a:graphicData uri="http://schemas.openxmlformats.org/drawingml/2006/chart">
-            <c:chart xmlns:c="http://schemas.openxmlformats.org/drawingml/2006/chart" xmlns:r="http://schemas.openxmlformats.org/officeDocument/2006/relationships" r:id="rId3"/>
-          </a:graphicData>
-        </a:graphic>
-      </p:graphicFrame>
-    </p:spTree>
-    <p:extLst>
-      <p:ext uri="{BB962C8B-B14F-4D97-AF65-F5344CB8AC3E}">
-        <p14:creationId xmlns:p14="http://schemas.microsoft.com/office/powerpoint/2010/main" val="1120787578"/>
-      </p:ext>
-    </p:extLst>
-  </p:cSld>
-  <p:clrMapOvr>
-    <a:masterClrMapping/>
-  </p:clrMapOvr>
-  <mc:AlternateContent xmlns:mc="http://schemas.openxmlformats.org/markup-compatibility/2006" xmlns:p159="http://schemas.microsoft.com/office/powerpoint/2015/09/main">
-    <mc:Choice Requires="p159">
-      <p:transition xmlns:p14="http://schemas.microsoft.com/office/powerpoint/2010/main" p14:dur="250">
-        <p159:morph option="byWord"/>
-      </p:transition>
-    </mc:Choice>
-    <mc:Fallback xmlns="">
-      <p:transition>
-        <p:fade/>
-      </p:transition>
-    </mc:Fallback>
-  </mc:AlternateContent>
-</p:sld>
-</file>
-
-<file path=ppt/slides/slide18.xml><?xml version="1.0" encoding="utf-8"?>
-<p:sld xmlns:a="http://schemas.openxmlformats.org/drawingml/2006/main" xmlns:r="http://schemas.openxmlformats.org/officeDocument/2006/relationships" xmlns:p="http://schemas.openxmlformats.org/presentationml/2006/main">
-  <p:cSld>
-    <p:spTree>
-      <p:nvGrpSpPr>
-        <p:cNvPr id="1" name=""/>
-        <p:cNvGrpSpPr/>
-        <p:nvPr/>
-      </p:nvGrpSpPr>
-      <p:grpSpPr>
-        <a:xfrm>
-          <a:off x="0" y="0"/>
-          <a:ext cx="0" cy="0"/>
-          <a:chOff x="0" y="0"/>
-          <a:chExt cx="0" cy="0"/>
-        </a:xfrm>
-      </p:grpSpPr>
-      <p:sp>
-        <p:nvSpPr>
-          <p:cNvPr id="2" name="Título 1">
-            <a:extLst>
-              <a:ext uri="{FF2B5EF4-FFF2-40B4-BE49-F238E27FC236}">
-                <a16:creationId xmlns:a16="http://schemas.microsoft.com/office/drawing/2014/main" id="{CB62B9E9-0D50-4AD2-9915-759A37C90587}"/>
-              </a:ext>
-            </a:extLst>
-          </p:cNvPr>
-          <p:cNvSpPr>
-            <a:spLocks noGrp="1"/>
-          </p:cNvSpPr>
-          <p:nvPr>
-            <p:ph type="title"/>
-          </p:nvPr>
-        </p:nvSpPr>
-        <p:spPr/>
-        <p:txBody>
-          <a:bodyPr/>
-          <a:lstStyle/>
-          <a:p>
-            <a:r>
-              <a:rPr lang="en-US" dirty="0" err="1"/>
-              <a:t>Resultados</a:t>
-            </a:r>
-            <a:endParaRPr lang="en-US" dirty="0"/>
-          </a:p>
-        </p:txBody>
-      </p:sp>
-      <p:sp>
-        <p:nvSpPr>
-          <p:cNvPr id="14" name="Content Placeholder 2">
-            <a:extLst>
-              <a:ext uri="{FF2B5EF4-FFF2-40B4-BE49-F238E27FC236}">
-                <a16:creationId xmlns:a16="http://schemas.microsoft.com/office/drawing/2014/main" id="{04517473-56A2-4BBC-913B-0CB260629346}"/>
-              </a:ext>
-            </a:extLst>
-          </p:cNvPr>
-          <p:cNvSpPr>
-            <a:spLocks noGrp="1"/>
-          </p:cNvSpPr>
-          <p:nvPr>
-            <p:ph idx="1"/>
-          </p:nvPr>
-        </p:nvSpPr>
-        <p:spPr>
-          <a:xfrm>
             <a:off x="838199" y="1825625"/>
             <a:ext cx="10305739" cy="846151"/>
           </a:xfrm>
@@ -25090,7 +24161,7 @@
 </p:sld>
 </file>
 
-<file path=ppt/slides/slide19.xml><?xml version="1.0" encoding="utf-8"?>
+<file path=ppt/slides/slide18.xml><?xml version="1.0" encoding="utf-8"?>
 <p:sld xmlns:a="http://schemas.openxmlformats.org/drawingml/2006/main" xmlns:r="http://schemas.openxmlformats.org/officeDocument/2006/relationships" xmlns:p="http://schemas.openxmlformats.org/presentationml/2006/main">
   <p:cSld>
     <p:spTree>
@@ -25160,180 +24231,7 @@
 </p:sld>
 </file>
 
-<file path=ppt/slides/slide2.xml><?xml version="1.0" encoding="utf-8"?>
-<p:sld xmlns:a="http://schemas.openxmlformats.org/drawingml/2006/main" xmlns:r="http://schemas.openxmlformats.org/officeDocument/2006/relationships" xmlns:p="http://schemas.openxmlformats.org/presentationml/2006/main" show="0">
-  <p:cSld>
-    <p:spTree>
-      <p:nvGrpSpPr>
-        <p:cNvPr id="1" name=""/>
-        <p:cNvGrpSpPr/>
-        <p:nvPr/>
-      </p:nvGrpSpPr>
-      <p:grpSpPr>
-        <a:xfrm>
-          <a:off x="0" y="0"/>
-          <a:ext cx="0" cy="0"/>
-          <a:chOff x="0" y="0"/>
-          <a:chExt cx="0" cy="0"/>
-        </a:xfrm>
-      </p:grpSpPr>
-      <p:sp>
-        <p:nvSpPr>
-          <p:cNvPr id="5" name="Title 4">
-            <a:extLst>
-              <a:ext uri="{FF2B5EF4-FFF2-40B4-BE49-F238E27FC236}">
-                <a16:creationId xmlns:a16="http://schemas.microsoft.com/office/drawing/2014/main" id="{9585E97D-3EDC-457A-8E7C-7A9C309EE26F}"/>
-              </a:ext>
-            </a:extLst>
-          </p:cNvPr>
-          <p:cNvSpPr>
-            <a:spLocks noGrp="1"/>
-          </p:cNvSpPr>
-          <p:nvPr>
-            <p:ph type="ctrTitle"/>
-          </p:nvPr>
-        </p:nvSpPr>
-        <p:spPr>
-          <a:xfrm>
-            <a:off x="-524467" y="-502144"/>
-            <a:ext cx="9144000" cy="2387600"/>
-          </a:xfrm>
-        </p:spPr>
-        <p:txBody>
-          <a:bodyPr>
-            <a:normAutofit/>
-          </a:bodyPr>
-          <a:lstStyle/>
-          <a:p>
-            <a:r>
-              <a:rPr lang="en-US" sz="6600" dirty="0">
-                <a:effectLst>
-                  <a:outerShdw blurRad="38100" dist="38100" dir="2700000" algn="tl">
-                    <a:srgbClr val="000000">
-                      <a:alpha val="43137"/>
-                    </a:srgbClr>
-                  </a:outerShdw>
-                </a:effectLst>
-              </a:rPr>
-              <a:t>DevScope</a:t>
-            </a:r>
-          </a:p>
-        </p:txBody>
-      </p:sp>
-      <p:pic>
-        <p:nvPicPr>
-          <p:cNvPr id="7" name="Picture 2" descr="https://intranet.devscope.net/operacional/marketing/Branding/Logotipo%20Devscope/devscope_square.png">
-            <a:extLst>
-              <a:ext uri="{FF2B5EF4-FFF2-40B4-BE49-F238E27FC236}">
-                <a16:creationId xmlns:a16="http://schemas.microsoft.com/office/drawing/2014/main" id="{7146BEBF-458A-455B-866C-E7CCB334F5A5}"/>
-              </a:ext>
-            </a:extLst>
-          </p:cNvPr>
-          <p:cNvPicPr>
-            <a:picLocks noChangeAspect="1" noChangeArrowheads="1"/>
-          </p:cNvPicPr>
-          <p:nvPr/>
-        </p:nvPicPr>
-        <p:blipFill>
-          <a:blip r:embed="rId3" cstate="print">
-            <a:extLst>
-              <a:ext uri="{28A0092B-C50C-407E-A947-70E740481C1C}">
-                <a14:useLocalDpi xmlns:a14="http://schemas.microsoft.com/office/drawing/2010/main" val="0"/>
-              </a:ext>
-            </a:extLst>
-          </a:blip>
-          <a:srcRect/>
-          <a:stretch>
-            <a:fillRect/>
-          </a:stretch>
-        </p:blipFill>
-        <p:spPr bwMode="auto">
-          <a:xfrm>
-            <a:off x="10552983" y="5185603"/>
-            <a:ext cx="1453070" cy="1453070"/>
-          </a:xfrm>
-          <a:prstGeom prst="rect">
-            <a:avLst/>
-          </a:prstGeom>
-          <a:solidFill>
-            <a:schemeClr val="tx1"/>
-          </a:solidFill>
-          <a:extLst/>
-        </p:spPr>
-      </p:pic>
-      <p:pic>
-        <p:nvPicPr>
-          <p:cNvPr id="8" name="Picture 2" descr="Resultado de imagem para devscope">
-            <a:extLst>
-              <a:ext uri="{FF2B5EF4-FFF2-40B4-BE49-F238E27FC236}">
-                <a16:creationId xmlns:a16="http://schemas.microsoft.com/office/drawing/2014/main" id="{07724E9E-47D5-429C-A03E-A6360C976F77}"/>
-              </a:ext>
-            </a:extLst>
-          </p:cNvPr>
-          <p:cNvPicPr>
-            <a:picLocks noChangeAspect="1" noChangeArrowheads="1"/>
-          </p:cNvPicPr>
-          <p:nvPr/>
-        </p:nvPicPr>
-        <p:blipFill>
-          <a:blip r:embed="rId4">
-            <a:extLst>
-              <a:ext uri="{28A0092B-C50C-407E-A947-70E740481C1C}">
-                <a14:useLocalDpi xmlns:a14="http://schemas.microsoft.com/office/drawing/2010/main" val="0"/>
-              </a:ext>
-            </a:extLst>
-          </a:blip>
-          <a:srcRect/>
-          <a:stretch>
-            <a:fillRect/>
-          </a:stretch>
-        </p:blipFill>
-        <p:spPr bwMode="auto">
-          <a:xfrm>
-            <a:off x="2122096" y="2018581"/>
-            <a:ext cx="8213496" cy="4620092"/>
-          </a:xfrm>
-          <a:prstGeom prst="rect">
-            <a:avLst/>
-          </a:prstGeom>
-          <a:noFill/>
-          <a:extLst>
-            <a:ext uri="{909E8E84-426E-40DD-AFC4-6F175D3DCCD1}">
-              <a14:hiddenFill xmlns:a14="http://schemas.microsoft.com/office/drawing/2010/main">
-                <a:solidFill>
-                  <a:srgbClr val="FFFFFF"/>
-                </a:solidFill>
-              </a14:hiddenFill>
-            </a:ext>
-          </a:extLst>
-        </p:spPr>
-      </p:pic>
-    </p:spTree>
-    <p:extLst>
-      <p:ext uri="{BB962C8B-B14F-4D97-AF65-F5344CB8AC3E}">
-        <p14:creationId xmlns:p14="http://schemas.microsoft.com/office/powerpoint/2010/main" val="2306624542"/>
-      </p:ext>
-    </p:extLst>
-  </p:cSld>
-  <p:clrMapOvr>
-    <a:masterClrMapping/>
-  </p:clrMapOvr>
-  <mc:AlternateContent xmlns:mc="http://schemas.openxmlformats.org/markup-compatibility/2006">
-    <mc:Choice xmlns:p159="http://schemas.microsoft.com/office/powerpoint/2015/09/main" Requires="p159">
-      <p:transition xmlns:p14="http://schemas.microsoft.com/office/powerpoint/2010/main" p14:dur="250">
-        <p159:morph option="byWord"/>
-      </p:transition>
-    </mc:Choice>
-    <mc:Fallback>
-      <p:transition>
-        <p:fade/>
-      </p:transition>
-    </mc:Fallback>
-  </mc:AlternateContent>
-</p:sld>
-</file>
-
-<file path=ppt/slides/slide20.xml><?xml version="1.0" encoding="utf-8"?>
+<file path=ppt/slides/slide19.xml><?xml version="1.0" encoding="utf-8"?>
 <p:sld xmlns:a="http://schemas.openxmlformats.org/drawingml/2006/main" xmlns:r="http://schemas.openxmlformats.org/officeDocument/2006/relationships" xmlns:p="http://schemas.openxmlformats.org/presentationml/2006/main">
   <p:cSld>
     <p:spTree>
@@ -25532,646 +24430,7 @@
 </p:sld>
 </file>
 
-<file path=ppt/slides/slide21.xml><?xml version="1.0" encoding="utf-8"?>
-<p:sld xmlns:a="http://schemas.openxmlformats.org/drawingml/2006/main" xmlns:r="http://schemas.openxmlformats.org/officeDocument/2006/relationships" xmlns:p="http://schemas.openxmlformats.org/presentationml/2006/main">
-  <p:cSld>
-    <p:spTree>
-      <p:nvGrpSpPr>
-        <p:cNvPr id="1" name=""/>
-        <p:cNvGrpSpPr/>
-        <p:nvPr/>
-      </p:nvGrpSpPr>
-      <p:grpSpPr>
-        <a:xfrm>
-          <a:off x="0" y="0"/>
-          <a:ext cx="0" cy="0"/>
-          <a:chOff x="0" y="0"/>
-          <a:chExt cx="0" cy="0"/>
-        </a:xfrm>
-      </p:grpSpPr>
-      <p:sp>
-        <p:nvSpPr>
-          <p:cNvPr id="2" name="Title 1"/>
-          <p:cNvSpPr>
-            <a:spLocks noGrp="1"/>
-          </p:cNvSpPr>
-          <p:nvPr>
-            <p:ph type="title"/>
-          </p:nvPr>
-        </p:nvSpPr>
-        <p:spPr>
-          <a:xfrm>
-            <a:off x="831850" y="1709738"/>
-            <a:ext cx="10515600" cy="2852737"/>
-          </a:xfrm>
-        </p:spPr>
-        <p:txBody>
-          <a:bodyPr/>
-          <a:lstStyle/>
-          <a:p>
-            <a:r>
-              <a:rPr lang="en-US" dirty="0"/>
-              <a:t>Passos </a:t>
-            </a:r>
-            <a:r>
-              <a:rPr lang="en-US" dirty="0" err="1"/>
-              <a:t>Futuros</a:t>
-            </a:r>
-            <a:endParaRPr lang="en-US" dirty="0"/>
-          </a:p>
-        </p:txBody>
-      </p:sp>
-    </p:spTree>
-    <p:extLst>
-      <p:ext uri="{BB962C8B-B14F-4D97-AF65-F5344CB8AC3E}">
-        <p14:creationId xmlns:p14="http://schemas.microsoft.com/office/powerpoint/2010/main" val="1205179811"/>
-      </p:ext>
-    </p:extLst>
-  </p:cSld>
-  <p:clrMapOvr>
-    <a:masterClrMapping/>
-  </p:clrMapOvr>
-  <mc:AlternateContent xmlns:mc="http://schemas.openxmlformats.org/markup-compatibility/2006" xmlns:p159="http://schemas.microsoft.com/office/powerpoint/2015/09/main">
-    <mc:Choice Requires="p159">
-      <p:transition xmlns:p14="http://schemas.microsoft.com/office/powerpoint/2010/main" p14:dur="250">
-        <p159:morph option="byWord"/>
-      </p:transition>
-    </mc:Choice>
-    <mc:Fallback xmlns="">
-      <p:transition>
-        <p:fade/>
-      </p:transition>
-    </mc:Fallback>
-  </mc:AlternateContent>
-</p:sld>
-</file>
-
-<file path=ppt/slides/slide22.xml><?xml version="1.0" encoding="utf-8"?>
-<p:sld xmlns:a="http://schemas.openxmlformats.org/drawingml/2006/main" xmlns:r="http://schemas.openxmlformats.org/officeDocument/2006/relationships" xmlns:p="http://schemas.openxmlformats.org/presentationml/2006/main">
-  <p:cSld>
-    <p:spTree>
-      <p:nvGrpSpPr>
-        <p:cNvPr id="1" name=""/>
-        <p:cNvGrpSpPr/>
-        <p:nvPr/>
-      </p:nvGrpSpPr>
-      <p:grpSpPr>
-        <a:xfrm>
-          <a:off x="0" y="0"/>
-          <a:ext cx="0" cy="0"/>
-          <a:chOff x="0" y="0"/>
-          <a:chExt cx="0" cy="0"/>
-        </a:xfrm>
-      </p:grpSpPr>
-      <p:sp>
-        <p:nvSpPr>
-          <p:cNvPr id="2" name="Título 1">
-            <a:extLst>
-              <a:ext uri="{FF2B5EF4-FFF2-40B4-BE49-F238E27FC236}">
-                <a16:creationId xmlns:a16="http://schemas.microsoft.com/office/drawing/2014/main" id="{CB62B9E9-0D50-4AD2-9915-759A37C90587}"/>
-              </a:ext>
-            </a:extLst>
-          </p:cNvPr>
-          <p:cNvSpPr>
-            <a:spLocks noGrp="1"/>
-          </p:cNvSpPr>
-          <p:nvPr>
-            <p:ph type="title"/>
-          </p:nvPr>
-        </p:nvSpPr>
-        <p:spPr/>
-        <p:txBody>
-          <a:bodyPr/>
-          <a:lstStyle/>
-          <a:p>
-            <a:r>
-              <a:rPr lang="en-US" dirty="0"/>
-              <a:t>Passos </a:t>
-            </a:r>
-            <a:r>
-              <a:rPr lang="en-US" dirty="0" err="1"/>
-              <a:t>Futuros</a:t>
-            </a:r>
-            <a:endParaRPr lang="en-US" dirty="0"/>
-          </a:p>
-        </p:txBody>
-      </p:sp>
-      <p:sp>
-        <p:nvSpPr>
-          <p:cNvPr id="14" name="Content Placeholder 2">
-            <a:extLst>
-              <a:ext uri="{FF2B5EF4-FFF2-40B4-BE49-F238E27FC236}">
-                <a16:creationId xmlns:a16="http://schemas.microsoft.com/office/drawing/2014/main" id="{04517473-56A2-4BBC-913B-0CB260629346}"/>
-              </a:ext>
-            </a:extLst>
-          </p:cNvPr>
-          <p:cNvSpPr>
-            <a:spLocks noGrp="1"/>
-          </p:cNvSpPr>
-          <p:nvPr>
-            <p:ph idx="1"/>
-          </p:nvPr>
-        </p:nvSpPr>
-        <p:spPr>
-          <a:xfrm>
-            <a:off x="838200" y="1825625"/>
-            <a:ext cx="10198100" cy="3482975"/>
-          </a:xfrm>
-        </p:spPr>
-        <p:txBody>
-          <a:bodyPr>
-            <a:normAutofit lnSpcReduction="10000"/>
-          </a:bodyPr>
-          <a:lstStyle/>
-          <a:p>
-            <a:pPr>
-              <a:lnSpc>
-                <a:spcPct val="150000"/>
-              </a:lnSpc>
-            </a:pPr>
-            <a:r>
-              <a:rPr lang="pt-PT" sz="2600" dirty="0"/>
-              <a:t>Maturação do LUIS</a:t>
-            </a:r>
-          </a:p>
-          <a:p>
-            <a:pPr>
-              <a:lnSpc>
-                <a:spcPct val="150000"/>
-              </a:lnSpc>
-            </a:pPr>
-            <a:r>
-              <a:rPr lang="pt-PT" sz="2600" dirty="0"/>
-              <a:t>Suporte a registo de despesas associadas</a:t>
-            </a:r>
-          </a:p>
-          <a:p>
-            <a:pPr>
-              <a:lnSpc>
-                <a:spcPct val="150000"/>
-              </a:lnSpc>
-            </a:pPr>
-            <a:r>
-              <a:rPr lang="pt-PT" sz="2600" dirty="0"/>
-              <a:t>Utilização de síntese de voz</a:t>
-            </a:r>
-          </a:p>
-          <a:p>
-            <a:pPr>
-              <a:lnSpc>
-                <a:spcPct val="150000"/>
-              </a:lnSpc>
-            </a:pPr>
-            <a:r>
-              <a:rPr lang="pt-PT" sz="2600" dirty="0"/>
-              <a:t>Sistema de feedback de desempenho da solução</a:t>
-            </a:r>
-          </a:p>
-          <a:p>
-            <a:pPr>
-              <a:lnSpc>
-                <a:spcPct val="150000"/>
-              </a:lnSpc>
-            </a:pPr>
-            <a:r>
-              <a:rPr lang="pt-PT" sz="2600" dirty="0"/>
-              <a:t>Expansão via plugins</a:t>
-            </a:r>
-          </a:p>
-          <a:p>
-            <a:pPr marL="0" indent="0">
-              <a:buNone/>
-            </a:pPr>
-            <a:endParaRPr lang="pt-PT" sz="2600" dirty="0"/>
-          </a:p>
-        </p:txBody>
-      </p:sp>
-    </p:spTree>
-    <p:extLst>
-      <p:ext uri="{BB962C8B-B14F-4D97-AF65-F5344CB8AC3E}">
-        <p14:creationId xmlns:p14="http://schemas.microsoft.com/office/powerpoint/2010/main" val="693226067"/>
-      </p:ext>
-    </p:extLst>
-  </p:cSld>
-  <p:clrMapOvr>
-    <a:masterClrMapping/>
-  </p:clrMapOvr>
-  <mc:AlternateContent xmlns:mc="http://schemas.openxmlformats.org/markup-compatibility/2006" xmlns:p159="http://schemas.microsoft.com/office/powerpoint/2015/09/main">
-    <mc:Choice Requires="p159">
-      <p:transition xmlns:p14="http://schemas.microsoft.com/office/powerpoint/2010/main" p14:dur="250">
-        <p159:morph option="byWord"/>
-      </p:transition>
-    </mc:Choice>
-    <mc:Fallback xmlns="">
-      <p:transition>
-        <p:fade/>
-      </p:transition>
-    </mc:Fallback>
-  </mc:AlternateContent>
-</p:sld>
-</file>
-
-<file path=ppt/slides/slide23.xml><?xml version="1.0" encoding="utf-8"?>
-<p:sld xmlns:a="http://schemas.openxmlformats.org/drawingml/2006/main" xmlns:r="http://schemas.openxmlformats.org/officeDocument/2006/relationships" xmlns:p="http://schemas.openxmlformats.org/presentationml/2006/main">
-  <p:cSld>
-    <p:bg>
-      <p:bgPr>
-        <a:solidFill>
-          <a:srgbClr val="5095D1"/>
-        </a:solidFill>
-        <a:effectLst/>
-      </p:bgPr>
-    </p:bg>
-    <p:spTree>
-      <p:nvGrpSpPr>
-        <p:cNvPr id="1" name=""/>
-        <p:cNvGrpSpPr/>
-        <p:nvPr/>
-      </p:nvGrpSpPr>
-      <p:grpSpPr>
-        <a:xfrm>
-          <a:off x="0" y="0"/>
-          <a:ext cx="0" cy="0"/>
-          <a:chOff x="0" y="0"/>
-          <a:chExt cx="0" cy="0"/>
-        </a:xfrm>
-      </p:grpSpPr>
-      <p:sp>
-        <p:nvSpPr>
-          <p:cNvPr id="2" name="Title 1"/>
-          <p:cNvSpPr>
-            <a:spLocks noGrp="1"/>
-          </p:cNvSpPr>
-          <p:nvPr>
-            <p:ph type="title"/>
-          </p:nvPr>
-        </p:nvSpPr>
-        <p:spPr>
-          <a:xfrm>
-            <a:off x="831850" y="1709738"/>
-            <a:ext cx="10515600" cy="2852737"/>
-          </a:xfrm>
-        </p:spPr>
-        <p:txBody>
-          <a:bodyPr/>
-          <a:lstStyle/>
-          <a:p>
-            <a:r>
-              <a:rPr lang="en-US" dirty="0"/>
-              <a:t>Hands On</a:t>
-            </a:r>
-            <a:br>
-              <a:rPr lang="en-US" dirty="0"/>
-            </a:br>
-            <a:endParaRPr lang="en-US" dirty="0"/>
-          </a:p>
-        </p:txBody>
-      </p:sp>
-    </p:spTree>
-    <p:extLst>
-      <p:ext uri="{BB962C8B-B14F-4D97-AF65-F5344CB8AC3E}">
-        <p14:creationId xmlns:p14="http://schemas.microsoft.com/office/powerpoint/2010/main" val="4168173363"/>
-      </p:ext>
-    </p:extLst>
-  </p:cSld>
-  <p:clrMapOvr>
-    <a:masterClrMapping/>
-  </p:clrMapOvr>
-  <mc:AlternateContent xmlns:mc="http://schemas.openxmlformats.org/markup-compatibility/2006" xmlns:p159="http://schemas.microsoft.com/office/powerpoint/2015/09/main">
-    <mc:Choice Requires="p159">
-      <p:transition xmlns:p14="http://schemas.microsoft.com/office/powerpoint/2010/main" p14:dur="250">
-        <p159:morph option="byWord"/>
-      </p:transition>
-    </mc:Choice>
-    <mc:Fallback xmlns="">
-      <p:transition>
-        <p:fade/>
-      </p:transition>
-    </mc:Fallback>
-  </mc:AlternateContent>
-</p:sld>
-</file>
-
-<file path=ppt/slides/slide24.xml><?xml version="1.0" encoding="utf-8"?>
-<p:sld xmlns:a="http://schemas.openxmlformats.org/drawingml/2006/main" xmlns:r="http://schemas.openxmlformats.org/officeDocument/2006/relationships" xmlns:p="http://schemas.openxmlformats.org/presentationml/2006/main">
-  <p:cSld>
-    <p:spTree>
-      <p:nvGrpSpPr>
-        <p:cNvPr id="1" name=""/>
-        <p:cNvGrpSpPr/>
-        <p:nvPr/>
-      </p:nvGrpSpPr>
-      <p:grpSpPr>
-        <a:xfrm>
-          <a:off x="0" y="0"/>
-          <a:ext cx="0" cy="0"/>
-          <a:chOff x="0" y="0"/>
-          <a:chExt cx="0" cy="0"/>
-        </a:xfrm>
-      </p:grpSpPr>
-      <p:pic>
-        <p:nvPicPr>
-          <p:cNvPr id="12" name="Imagem 11">
-            <a:extLst>
-              <a:ext uri="{FF2B5EF4-FFF2-40B4-BE49-F238E27FC236}">
-                <a16:creationId xmlns:a16="http://schemas.microsoft.com/office/drawing/2014/main" id="{3D8D84A6-8A50-427C-A700-BAA871B17A13}"/>
-              </a:ext>
-            </a:extLst>
-          </p:cNvPr>
-          <p:cNvPicPr>
-            <a:picLocks noChangeAspect="1"/>
-          </p:cNvPicPr>
-          <p:nvPr/>
-        </p:nvPicPr>
-        <p:blipFill>
-          <a:blip r:embed="rId3">
-            <a:extLst>
-              <a:ext uri="{28A0092B-C50C-407E-A947-70E740481C1C}">
-                <a14:useLocalDpi xmlns:a14="http://schemas.microsoft.com/office/drawing/2010/main" val="0"/>
-              </a:ext>
-            </a:extLst>
-          </a:blip>
-          <a:stretch>
-            <a:fillRect/>
-          </a:stretch>
-        </p:blipFill>
-        <p:spPr>
-          <a:xfrm>
-            <a:off x="4583339" y="3575193"/>
-            <a:ext cx="3025320" cy="3025320"/>
-          </a:xfrm>
-          <a:prstGeom prst="rect">
-            <a:avLst/>
-          </a:prstGeom>
-        </p:spPr>
-      </p:pic>
-      <p:sp>
-        <p:nvSpPr>
-          <p:cNvPr id="2" name="Título 1">
-            <a:extLst>
-              <a:ext uri="{FF2B5EF4-FFF2-40B4-BE49-F238E27FC236}">
-                <a16:creationId xmlns:a16="http://schemas.microsoft.com/office/drawing/2014/main" id="{CB62B9E9-0D50-4AD2-9915-759A37C90587}"/>
-              </a:ext>
-            </a:extLst>
-          </p:cNvPr>
-          <p:cNvSpPr>
-            <a:spLocks noGrp="1"/>
-          </p:cNvSpPr>
-          <p:nvPr>
-            <p:ph type="title"/>
-          </p:nvPr>
-        </p:nvSpPr>
-        <p:spPr/>
-        <p:txBody>
-          <a:bodyPr/>
-          <a:lstStyle/>
-          <a:p>
-            <a:r>
-              <a:rPr lang="en-US" dirty="0"/>
-              <a:t>Hands On</a:t>
-            </a:r>
-          </a:p>
-        </p:txBody>
-      </p:sp>
-      <p:sp>
-        <p:nvSpPr>
-          <p:cNvPr id="9" name="Retângulo 8">
-            <a:extLst>
-              <a:ext uri="{FF2B5EF4-FFF2-40B4-BE49-F238E27FC236}">
-                <a16:creationId xmlns:a16="http://schemas.microsoft.com/office/drawing/2014/main" id="{87DCF375-DA0F-4E0E-9C96-72EB4F2C0895}"/>
-              </a:ext>
-            </a:extLst>
-          </p:cNvPr>
-          <p:cNvSpPr/>
-          <p:nvPr/>
-        </p:nvSpPr>
-        <p:spPr>
-          <a:xfrm>
-            <a:off x="898904" y="2003137"/>
-            <a:ext cx="10394192" cy="584775"/>
-          </a:xfrm>
-          <a:prstGeom prst="rect">
-            <a:avLst/>
-          </a:prstGeom>
-        </p:spPr>
-        <p:txBody>
-          <a:bodyPr wrap="none">
-            <a:spAutoFit/>
-          </a:bodyPr>
-          <a:lstStyle/>
-          <a:p>
-            <a:r>
-              <a:rPr lang="pt-PT" sz="3200" dirty="0"/>
-              <a:t>https://github.com/ruisilva450/O365BootcampDevscope</a:t>
-            </a:r>
-          </a:p>
-        </p:txBody>
-      </p:sp>
-      <p:sp>
-        <p:nvSpPr>
-          <p:cNvPr id="10" name="Retângulo 9">
-            <a:extLst>
-              <a:ext uri="{FF2B5EF4-FFF2-40B4-BE49-F238E27FC236}">
-                <a16:creationId xmlns:a16="http://schemas.microsoft.com/office/drawing/2014/main" id="{92BC17F6-CB07-447D-B437-44A497ED96CA}"/>
-              </a:ext>
-            </a:extLst>
-          </p:cNvPr>
-          <p:cNvSpPr/>
-          <p:nvPr/>
-        </p:nvSpPr>
-        <p:spPr>
-          <a:xfrm>
-            <a:off x="4000105" y="2990418"/>
-            <a:ext cx="4191789" cy="584775"/>
-          </a:xfrm>
-          <a:prstGeom prst="rect">
-            <a:avLst/>
-          </a:prstGeom>
-        </p:spPr>
-        <p:txBody>
-          <a:bodyPr wrap="none">
-            <a:spAutoFit/>
-          </a:bodyPr>
-          <a:lstStyle/>
-          <a:p>
-            <a:r>
-              <a:rPr lang="pt-PT" sz="3200" dirty="0"/>
-              <a:t>https://bit.ly/</a:t>
-            </a:r>
-            <a:r>
-              <a:rPr lang="pt-PT" sz="3200" b="1" dirty="0"/>
-              <a:t>2RpFrwr</a:t>
-            </a:r>
-          </a:p>
-        </p:txBody>
-      </p:sp>
-    </p:spTree>
-    <p:extLst>
-      <p:ext uri="{BB962C8B-B14F-4D97-AF65-F5344CB8AC3E}">
-        <p14:creationId xmlns:p14="http://schemas.microsoft.com/office/powerpoint/2010/main" val="1556897733"/>
-      </p:ext>
-    </p:extLst>
-  </p:cSld>
-  <p:clrMapOvr>
-    <a:masterClrMapping/>
-  </p:clrMapOvr>
-  <mc:AlternateContent xmlns:mc="http://schemas.openxmlformats.org/markup-compatibility/2006" xmlns:p159="http://schemas.microsoft.com/office/powerpoint/2015/09/main">
-    <mc:Choice Requires="p159">
-      <p:transition xmlns:p14="http://schemas.microsoft.com/office/powerpoint/2010/main" p14:dur="250">
-        <p159:morph option="byWord"/>
-      </p:transition>
-    </mc:Choice>
-    <mc:Fallback xmlns="">
-      <p:transition>
-        <p:fade/>
-      </p:transition>
-    </mc:Fallback>
-  </mc:AlternateContent>
-</p:sld>
-</file>
-
-<file path=ppt/slides/slide25.xml><?xml version="1.0" encoding="utf-8"?>
-<p:sld xmlns:a="http://schemas.openxmlformats.org/drawingml/2006/main" xmlns:r="http://schemas.openxmlformats.org/officeDocument/2006/relationships" xmlns:p="http://schemas.openxmlformats.org/presentationml/2006/main">
-  <p:cSld>
-    <p:spTree>
-      <p:nvGrpSpPr>
-        <p:cNvPr id="1" name=""/>
-        <p:cNvGrpSpPr/>
-        <p:nvPr/>
-      </p:nvGrpSpPr>
-      <p:grpSpPr>
-        <a:xfrm>
-          <a:off x="0" y="0"/>
-          <a:ext cx="0" cy="0"/>
-          <a:chOff x="0" y="0"/>
-          <a:chExt cx="0" cy="0"/>
-        </a:xfrm>
-      </p:grpSpPr>
-      <p:sp>
-        <p:nvSpPr>
-          <p:cNvPr id="2" name="Título 1">
-            <a:extLst>
-              <a:ext uri="{FF2B5EF4-FFF2-40B4-BE49-F238E27FC236}">
-                <a16:creationId xmlns:a16="http://schemas.microsoft.com/office/drawing/2014/main" id="{CB62B9E9-0D50-4AD2-9915-759A37C90587}"/>
-              </a:ext>
-            </a:extLst>
-          </p:cNvPr>
-          <p:cNvSpPr>
-            <a:spLocks noGrp="1"/>
-          </p:cNvSpPr>
-          <p:nvPr>
-            <p:ph type="title"/>
-          </p:nvPr>
-        </p:nvSpPr>
-        <p:spPr/>
-        <p:txBody>
-          <a:bodyPr/>
-          <a:lstStyle/>
-          <a:p>
-            <a:r>
-              <a:rPr lang="en-US" dirty="0"/>
-              <a:t>Obrigado</a:t>
-            </a:r>
-          </a:p>
-        </p:txBody>
-      </p:sp>
-      <p:sp>
-        <p:nvSpPr>
-          <p:cNvPr id="9" name="Retângulo 8">
-            <a:extLst>
-              <a:ext uri="{FF2B5EF4-FFF2-40B4-BE49-F238E27FC236}">
-                <a16:creationId xmlns:a16="http://schemas.microsoft.com/office/drawing/2014/main" id="{87DCF375-DA0F-4E0E-9C96-72EB4F2C0895}"/>
-              </a:ext>
-            </a:extLst>
-          </p:cNvPr>
-          <p:cNvSpPr/>
-          <p:nvPr/>
-        </p:nvSpPr>
-        <p:spPr>
-          <a:xfrm>
-            <a:off x="948597" y="2003137"/>
-            <a:ext cx="10294806" cy="584775"/>
-          </a:xfrm>
-          <a:prstGeom prst="rect">
-            <a:avLst/>
-          </a:prstGeom>
-        </p:spPr>
-        <p:txBody>
-          <a:bodyPr wrap="none">
-            <a:spAutoFit/>
-          </a:bodyPr>
-          <a:lstStyle/>
-          <a:p>
-            <a:r>
-              <a:rPr lang="en-US" sz="3200" dirty="0"/>
-              <a:t>http://aka.ms/2018GlobalOffice365DevBootcampSurvey</a:t>
-            </a:r>
-            <a:endParaRPr lang="pt-PT" sz="3200" dirty="0"/>
-          </a:p>
-        </p:txBody>
-      </p:sp>
-      <p:pic>
-        <p:nvPicPr>
-          <p:cNvPr id="4" name="Imagem 3">
-            <a:extLst>
-              <a:ext uri="{FF2B5EF4-FFF2-40B4-BE49-F238E27FC236}">
-                <a16:creationId xmlns:a16="http://schemas.microsoft.com/office/drawing/2014/main" id="{693FB4F3-4AA0-41F8-95A6-1CD194EDB1B3}"/>
-              </a:ext>
-            </a:extLst>
-          </p:cNvPr>
-          <p:cNvPicPr>
-            <a:picLocks noChangeAspect="1"/>
-          </p:cNvPicPr>
-          <p:nvPr/>
-        </p:nvPicPr>
-        <p:blipFill>
-          <a:blip r:embed="rId3">
-            <a:extLst>
-              <a:ext uri="{28A0092B-C50C-407E-A947-70E740481C1C}">
-                <a14:useLocalDpi xmlns:a14="http://schemas.microsoft.com/office/drawing/2010/main" val="0"/>
-              </a:ext>
-            </a:extLst>
-          </a:blip>
-          <a:stretch>
-            <a:fillRect/>
-          </a:stretch>
-        </p:blipFill>
-        <p:spPr>
-          <a:xfrm>
-            <a:off x="4585658" y="3574211"/>
-            <a:ext cx="3020683" cy="3020683"/>
-          </a:xfrm>
-          <a:prstGeom prst="rect">
-            <a:avLst/>
-          </a:prstGeom>
-        </p:spPr>
-      </p:pic>
-    </p:spTree>
-    <p:extLst>
-      <p:ext uri="{BB962C8B-B14F-4D97-AF65-F5344CB8AC3E}">
-        <p14:creationId xmlns:p14="http://schemas.microsoft.com/office/powerpoint/2010/main" val="4150081116"/>
-      </p:ext>
-    </p:extLst>
-  </p:cSld>
-  <p:clrMapOvr>
-    <a:masterClrMapping/>
-  </p:clrMapOvr>
-  <mc:AlternateContent xmlns:mc="http://schemas.openxmlformats.org/markup-compatibility/2006" xmlns:p159="http://schemas.microsoft.com/office/powerpoint/2015/09/main">
-    <mc:Choice Requires="p159">
-      <p:transition xmlns:p14="http://schemas.microsoft.com/office/powerpoint/2010/main" p14:dur="250">
-        <p159:morph option="byWord"/>
-      </p:transition>
-    </mc:Choice>
-    <mc:Fallback xmlns="">
-      <p:transition>
-        <p:fade/>
-      </p:transition>
-    </mc:Fallback>
-  </mc:AlternateContent>
-</p:sld>
-</file>
-
-<file path=ppt/slides/slide3.xml><?xml version="1.0" encoding="utf-8"?>
+<file path=ppt/slides/slide2.xml><?xml version="1.0" encoding="utf-8"?>
 <p:sld xmlns:a="http://schemas.openxmlformats.org/drawingml/2006/main" xmlns:r="http://schemas.openxmlformats.org/officeDocument/2006/relationships" xmlns:p="http://schemas.openxmlformats.org/presentationml/2006/main">
   <p:cSld>
     <p:spTree>
@@ -26331,7 +24590,790 @@
 </p:sld>
 </file>
 
-<file path=ppt/slides/slide4.xml><?xml version="1.0" encoding="utf-8"?>
+<file path=ppt/slides/slide20.xml><?xml version="1.0" encoding="utf-8"?>
+<p:sld xmlns:a="http://schemas.openxmlformats.org/drawingml/2006/main" xmlns:r="http://schemas.openxmlformats.org/officeDocument/2006/relationships" xmlns:p="http://schemas.openxmlformats.org/presentationml/2006/main">
+  <p:cSld>
+    <p:spTree>
+      <p:nvGrpSpPr>
+        <p:cNvPr id="1" name=""/>
+        <p:cNvGrpSpPr/>
+        <p:nvPr/>
+      </p:nvGrpSpPr>
+      <p:grpSpPr>
+        <a:xfrm>
+          <a:off x="0" y="0"/>
+          <a:ext cx="0" cy="0"/>
+          <a:chOff x="0" y="0"/>
+          <a:chExt cx="0" cy="0"/>
+        </a:xfrm>
+      </p:grpSpPr>
+      <p:sp>
+        <p:nvSpPr>
+          <p:cNvPr id="2" name="Title 1"/>
+          <p:cNvSpPr>
+            <a:spLocks noGrp="1"/>
+          </p:cNvSpPr>
+          <p:nvPr>
+            <p:ph type="title"/>
+          </p:nvPr>
+        </p:nvSpPr>
+        <p:spPr>
+          <a:xfrm>
+            <a:off x="831850" y="1709738"/>
+            <a:ext cx="10515600" cy="2852737"/>
+          </a:xfrm>
+        </p:spPr>
+        <p:txBody>
+          <a:bodyPr/>
+          <a:lstStyle/>
+          <a:p>
+            <a:r>
+              <a:rPr lang="en-US" dirty="0"/>
+              <a:t>Passos </a:t>
+            </a:r>
+            <a:r>
+              <a:rPr lang="en-US" dirty="0" err="1"/>
+              <a:t>Futuros</a:t>
+            </a:r>
+            <a:endParaRPr lang="en-US" dirty="0"/>
+          </a:p>
+        </p:txBody>
+      </p:sp>
+    </p:spTree>
+    <p:extLst>
+      <p:ext uri="{BB962C8B-B14F-4D97-AF65-F5344CB8AC3E}">
+        <p14:creationId xmlns:p14="http://schemas.microsoft.com/office/powerpoint/2010/main" val="1205179811"/>
+      </p:ext>
+    </p:extLst>
+  </p:cSld>
+  <p:clrMapOvr>
+    <a:masterClrMapping/>
+  </p:clrMapOvr>
+  <mc:AlternateContent xmlns:mc="http://schemas.openxmlformats.org/markup-compatibility/2006" xmlns:p159="http://schemas.microsoft.com/office/powerpoint/2015/09/main">
+    <mc:Choice Requires="p159">
+      <p:transition xmlns:p14="http://schemas.microsoft.com/office/powerpoint/2010/main" p14:dur="250">
+        <p159:morph option="byWord"/>
+      </p:transition>
+    </mc:Choice>
+    <mc:Fallback xmlns="">
+      <p:transition>
+        <p:fade/>
+      </p:transition>
+    </mc:Fallback>
+  </mc:AlternateContent>
+</p:sld>
+</file>
+
+<file path=ppt/slides/slide21.xml><?xml version="1.0" encoding="utf-8"?>
+<p:sld xmlns:a="http://schemas.openxmlformats.org/drawingml/2006/main" xmlns:r="http://schemas.openxmlformats.org/officeDocument/2006/relationships" xmlns:p="http://schemas.openxmlformats.org/presentationml/2006/main">
+  <p:cSld>
+    <p:spTree>
+      <p:nvGrpSpPr>
+        <p:cNvPr id="1" name=""/>
+        <p:cNvGrpSpPr/>
+        <p:nvPr/>
+      </p:nvGrpSpPr>
+      <p:grpSpPr>
+        <a:xfrm>
+          <a:off x="0" y="0"/>
+          <a:ext cx="0" cy="0"/>
+          <a:chOff x="0" y="0"/>
+          <a:chExt cx="0" cy="0"/>
+        </a:xfrm>
+      </p:grpSpPr>
+      <p:sp>
+        <p:nvSpPr>
+          <p:cNvPr id="2" name="Título 1">
+            <a:extLst>
+              <a:ext uri="{FF2B5EF4-FFF2-40B4-BE49-F238E27FC236}">
+                <a16:creationId xmlns:a16="http://schemas.microsoft.com/office/drawing/2014/main" id="{CB62B9E9-0D50-4AD2-9915-759A37C90587}"/>
+              </a:ext>
+            </a:extLst>
+          </p:cNvPr>
+          <p:cNvSpPr>
+            <a:spLocks noGrp="1"/>
+          </p:cNvSpPr>
+          <p:nvPr>
+            <p:ph type="title"/>
+          </p:nvPr>
+        </p:nvSpPr>
+        <p:spPr/>
+        <p:txBody>
+          <a:bodyPr/>
+          <a:lstStyle/>
+          <a:p>
+            <a:r>
+              <a:rPr lang="en-US" dirty="0"/>
+              <a:t>Passos </a:t>
+            </a:r>
+            <a:r>
+              <a:rPr lang="en-US" dirty="0" err="1"/>
+              <a:t>Futuros</a:t>
+            </a:r>
+            <a:endParaRPr lang="en-US" dirty="0"/>
+          </a:p>
+        </p:txBody>
+      </p:sp>
+      <p:sp>
+        <p:nvSpPr>
+          <p:cNvPr id="14" name="Content Placeholder 2">
+            <a:extLst>
+              <a:ext uri="{FF2B5EF4-FFF2-40B4-BE49-F238E27FC236}">
+                <a16:creationId xmlns:a16="http://schemas.microsoft.com/office/drawing/2014/main" id="{04517473-56A2-4BBC-913B-0CB260629346}"/>
+              </a:ext>
+            </a:extLst>
+          </p:cNvPr>
+          <p:cNvSpPr>
+            <a:spLocks noGrp="1"/>
+          </p:cNvSpPr>
+          <p:nvPr>
+            <p:ph idx="1"/>
+          </p:nvPr>
+        </p:nvSpPr>
+        <p:spPr>
+          <a:xfrm>
+            <a:off x="838200" y="1825625"/>
+            <a:ext cx="10198100" cy="3482975"/>
+          </a:xfrm>
+        </p:spPr>
+        <p:txBody>
+          <a:bodyPr>
+            <a:normAutofit lnSpcReduction="10000"/>
+          </a:bodyPr>
+          <a:lstStyle/>
+          <a:p>
+            <a:pPr>
+              <a:lnSpc>
+                <a:spcPct val="150000"/>
+              </a:lnSpc>
+            </a:pPr>
+            <a:r>
+              <a:rPr lang="pt-PT" sz="2600" dirty="0"/>
+              <a:t>Maturação do LUIS</a:t>
+            </a:r>
+          </a:p>
+          <a:p>
+            <a:pPr>
+              <a:lnSpc>
+                <a:spcPct val="150000"/>
+              </a:lnSpc>
+            </a:pPr>
+            <a:r>
+              <a:rPr lang="pt-PT" sz="2600" dirty="0"/>
+              <a:t>Suporte a registo de despesas associadas</a:t>
+            </a:r>
+          </a:p>
+          <a:p>
+            <a:pPr>
+              <a:lnSpc>
+                <a:spcPct val="150000"/>
+              </a:lnSpc>
+            </a:pPr>
+            <a:r>
+              <a:rPr lang="pt-PT" sz="2600" dirty="0"/>
+              <a:t>Utilização de síntese de voz</a:t>
+            </a:r>
+          </a:p>
+          <a:p>
+            <a:pPr>
+              <a:lnSpc>
+                <a:spcPct val="150000"/>
+              </a:lnSpc>
+            </a:pPr>
+            <a:r>
+              <a:rPr lang="pt-PT" sz="2600" dirty="0"/>
+              <a:t>Sistema de feedback de desempenho da solução</a:t>
+            </a:r>
+          </a:p>
+          <a:p>
+            <a:pPr>
+              <a:lnSpc>
+                <a:spcPct val="150000"/>
+              </a:lnSpc>
+            </a:pPr>
+            <a:r>
+              <a:rPr lang="pt-PT" sz="2600" dirty="0"/>
+              <a:t>Expansão via plugins</a:t>
+            </a:r>
+          </a:p>
+          <a:p>
+            <a:pPr marL="0" indent="0">
+              <a:buNone/>
+            </a:pPr>
+            <a:endParaRPr lang="pt-PT" sz="2600" dirty="0"/>
+          </a:p>
+        </p:txBody>
+      </p:sp>
+    </p:spTree>
+    <p:extLst>
+      <p:ext uri="{BB962C8B-B14F-4D97-AF65-F5344CB8AC3E}">
+        <p14:creationId xmlns:p14="http://schemas.microsoft.com/office/powerpoint/2010/main" val="693226067"/>
+      </p:ext>
+    </p:extLst>
+  </p:cSld>
+  <p:clrMapOvr>
+    <a:masterClrMapping/>
+  </p:clrMapOvr>
+  <mc:AlternateContent xmlns:mc="http://schemas.openxmlformats.org/markup-compatibility/2006" xmlns:p159="http://schemas.microsoft.com/office/powerpoint/2015/09/main">
+    <mc:Choice Requires="p159">
+      <p:transition xmlns:p14="http://schemas.microsoft.com/office/powerpoint/2010/main" p14:dur="250">
+        <p159:morph option="byWord"/>
+      </p:transition>
+    </mc:Choice>
+    <mc:Fallback xmlns="">
+      <p:transition>
+        <p:fade/>
+      </p:transition>
+    </mc:Fallback>
+  </mc:AlternateContent>
+</p:sld>
+</file>
+
+<file path=ppt/slides/slide22.xml><?xml version="1.0" encoding="utf-8"?>
+<p:sld xmlns:a="http://schemas.openxmlformats.org/drawingml/2006/main" xmlns:r="http://schemas.openxmlformats.org/officeDocument/2006/relationships" xmlns:p="http://schemas.openxmlformats.org/presentationml/2006/main">
+  <p:cSld>
+    <p:bg>
+      <p:bgPr>
+        <a:solidFill>
+          <a:srgbClr val="5095D1"/>
+        </a:solidFill>
+        <a:effectLst/>
+      </p:bgPr>
+    </p:bg>
+    <p:spTree>
+      <p:nvGrpSpPr>
+        <p:cNvPr id="1" name=""/>
+        <p:cNvGrpSpPr/>
+        <p:nvPr/>
+      </p:nvGrpSpPr>
+      <p:grpSpPr>
+        <a:xfrm>
+          <a:off x="0" y="0"/>
+          <a:ext cx="0" cy="0"/>
+          <a:chOff x="0" y="0"/>
+          <a:chExt cx="0" cy="0"/>
+        </a:xfrm>
+      </p:grpSpPr>
+      <p:sp>
+        <p:nvSpPr>
+          <p:cNvPr id="2" name="Title 1"/>
+          <p:cNvSpPr>
+            <a:spLocks noGrp="1"/>
+          </p:cNvSpPr>
+          <p:nvPr>
+            <p:ph type="title"/>
+          </p:nvPr>
+        </p:nvSpPr>
+        <p:spPr>
+          <a:xfrm>
+            <a:off x="831850" y="1709738"/>
+            <a:ext cx="10515600" cy="2852737"/>
+          </a:xfrm>
+        </p:spPr>
+        <p:txBody>
+          <a:bodyPr/>
+          <a:lstStyle/>
+          <a:p>
+            <a:r>
+              <a:rPr lang="en-US" dirty="0"/>
+              <a:t>Hands On</a:t>
+            </a:r>
+            <a:br>
+              <a:rPr lang="en-US" dirty="0"/>
+            </a:br>
+            <a:endParaRPr lang="en-US" dirty="0"/>
+          </a:p>
+        </p:txBody>
+      </p:sp>
+    </p:spTree>
+    <p:extLst>
+      <p:ext uri="{BB962C8B-B14F-4D97-AF65-F5344CB8AC3E}">
+        <p14:creationId xmlns:p14="http://schemas.microsoft.com/office/powerpoint/2010/main" val="4168173363"/>
+      </p:ext>
+    </p:extLst>
+  </p:cSld>
+  <p:clrMapOvr>
+    <a:masterClrMapping/>
+  </p:clrMapOvr>
+  <mc:AlternateContent xmlns:mc="http://schemas.openxmlformats.org/markup-compatibility/2006" xmlns:p159="http://schemas.microsoft.com/office/powerpoint/2015/09/main">
+    <mc:Choice Requires="p159">
+      <p:transition xmlns:p14="http://schemas.microsoft.com/office/powerpoint/2010/main" p14:dur="250">
+        <p159:morph option="byWord"/>
+      </p:transition>
+    </mc:Choice>
+    <mc:Fallback xmlns="">
+      <p:transition>
+        <p:fade/>
+      </p:transition>
+    </mc:Fallback>
+  </mc:AlternateContent>
+</p:sld>
+</file>
+
+<file path=ppt/slides/slide23.xml><?xml version="1.0" encoding="utf-8"?>
+<p:sld xmlns:a="http://schemas.openxmlformats.org/drawingml/2006/main" xmlns:r="http://schemas.openxmlformats.org/officeDocument/2006/relationships" xmlns:p="http://schemas.openxmlformats.org/presentationml/2006/main">
+  <p:cSld>
+    <p:spTree>
+      <p:nvGrpSpPr>
+        <p:cNvPr id="1" name=""/>
+        <p:cNvGrpSpPr/>
+        <p:nvPr/>
+      </p:nvGrpSpPr>
+      <p:grpSpPr>
+        <a:xfrm>
+          <a:off x="0" y="0"/>
+          <a:ext cx="0" cy="0"/>
+          <a:chOff x="0" y="0"/>
+          <a:chExt cx="0" cy="0"/>
+        </a:xfrm>
+      </p:grpSpPr>
+      <p:pic>
+        <p:nvPicPr>
+          <p:cNvPr id="12" name="Imagem 11">
+            <a:extLst>
+              <a:ext uri="{FF2B5EF4-FFF2-40B4-BE49-F238E27FC236}">
+                <a16:creationId xmlns:a16="http://schemas.microsoft.com/office/drawing/2014/main" id="{3D8D84A6-8A50-427C-A700-BAA871B17A13}"/>
+              </a:ext>
+            </a:extLst>
+          </p:cNvPr>
+          <p:cNvPicPr>
+            <a:picLocks noChangeAspect="1"/>
+          </p:cNvPicPr>
+          <p:nvPr/>
+        </p:nvPicPr>
+        <p:blipFill>
+          <a:blip r:embed="rId3">
+            <a:extLst>
+              <a:ext uri="{28A0092B-C50C-407E-A947-70E740481C1C}">
+                <a14:useLocalDpi xmlns:a14="http://schemas.microsoft.com/office/drawing/2010/main" val="0"/>
+              </a:ext>
+            </a:extLst>
+          </a:blip>
+          <a:stretch>
+            <a:fillRect/>
+          </a:stretch>
+        </p:blipFill>
+        <p:spPr>
+          <a:xfrm>
+            <a:off x="4583339" y="3575193"/>
+            <a:ext cx="3025320" cy="3025320"/>
+          </a:xfrm>
+          <a:prstGeom prst="rect">
+            <a:avLst/>
+          </a:prstGeom>
+        </p:spPr>
+      </p:pic>
+      <p:sp>
+        <p:nvSpPr>
+          <p:cNvPr id="2" name="Título 1">
+            <a:extLst>
+              <a:ext uri="{FF2B5EF4-FFF2-40B4-BE49-F238E27FC236}">
+                <a16:creationId xmlns:a16="http://schemas.microsoft.com/office/drawing/2014/main" id="{CB62B9E9-0D50-4AD2-9915-759A37C90587}"/>
+              </a:ext>
+            </a:extLst>
+          </p:cNvPr>
+          <p:cNvSpPr>
+            <a:spLocks noGrp="1"/>
+          </p:cNvSpPr>
+          <p:nvPr>
+            <p:ph type="title"/>
+          </p:nvPr>
+        </p:nvSpPr>
+        <p:spPr/>
+        <p:txBody>
+          <a:bodyPr/>
+          <a:lstStyle/>
+          <a:p>
+            <a:r>
+              <a:rPr lang="en-US" dirty="0"/>
+              <a:t>Hands On</a:t>
+            </a:r>
+          </a:p>
+        </p:txBody>
+      </p:sp>
+      <p:sp>
+        <p:nvSpPr>
+          <p:cNvPr id="9" name="Retângulo 8">
+            <a:extLst>
+              <a:ext uri="{FF2B5EF4-FFF2-40B4-BE49-F238E27FC236}">
+                <a16:creationId xmlns:a16="http://schemas.microsoft.com/office/drawing/2014/main" id="{87DCF375-DA0F-4E0E-9C96-72EB4F2C0895}"/>
+              </a:ext>
+            </a:extLst>
+          </p:cNvPr>
+          <p:cNvSpPr/>
+          <p:nvPr/>
+        </p:nvSpPr>
+        <p:spPr>
+          <a:xfrm>
+            <a:off x="1568158" y="2377811"/>
+            <a:ext cx="9055684" cy="584775"/>
+          </a:xfrm>
+          <a:prstGeom prst="rect">
+            <a:avLst/>
+          </a:prstGeom>
+        </p:spPr>
+        <p:txBody>
+          <a:bodyPr wrap="none">
+            <a:spAutoFit/>
+          </a:bodyPr>
+          <a:lstStyle/>
+          <a:p>
+            <a:r>
+              <a:rPr lang="pt-PT" sz="3200" dirty="0">
+                <a:solidFill>
+                  <a:schemeClr val="tx1">
+                    <a:lumMod val="65000"/>
+                    <a:lumOff val="35000"/>
+                  </a:schemeClr>
+                </a:solidFill>
+                <a:hlinkClick r:id="rId4">
+                  <a:extLst>
+                    <a:ext uri="{A12FA001-AC4F-418D-AE19-62706E023703}">
+                      <ahyp:hlinkClr xmlns:ahyp="http://schemas.microsoft.com/office/drawing/2018/hyperlinkcolor" val="tx"/>
+                    </a:ext>
+                  </a:extLst>
+                </a:hlinkClick>
+              </a:rPr>
+              <a:t>github.com/ruisilva450/O365BootcampDevscope</a:t>
+            </a:r>
+            <a:endParaRPr lang="pt-PT" sz="3200" dirty="0">
+              <a:solidFill>
+                <a:schemeClr val="tx1">
+                  <a:lumMod val="65000"/>
+                  <a:lumOff val="35000"/>
+                </a:schemeClr>
+              </a:solidFill>
+            </a:endParaRPr>
+          </a:p>
+        </p:txBody>
+      </p:sp>
+      <p:sp>
+        <p:nvSpPr>
+          <p:cNvPr id="10" name="Retângulo 9">
+            <a:extLst>
+              <a:ext uri="{FF2B5EF4-FFF2-40B4-BE49-F238E27FC236}">
+                <a16:creationId xmlns:a16="http://schemas.microsoft.com/office/drawing/2014/main" id="{92BC17F6-CB07-447D-B437-44A497ED96CA}"/>
+              </a:ext>
+            </a:extLst>
+          </p:cNvPr>
+          <p:cNvSpPr/>
+          <p:nvPr/>
+        </p:nvSpPr>
+        <p:spPr>
+          <a:xfrm>
+            <a:off x="4669359" y="3161890"/>
+            <a:ext cx="2853282" cy="584775"/>
+          </a:xfrm>
+          <a:prstGeom prst="rect">
+            <a:avLst/>
+          </a:prstGeom>
+        </p:spPr>
+        <p:txBody>
+          <a:bodyPr wrap="none">
+            <a:spAutoFit/>
+          </a:bodyPr>
+          <a:lstStyle/>
+          <a:p>
+            <a:r>
+              <a:rPr lang="pt-PT" sz="3200" dirty="0">
+                <a:solidFill>
+                  <a:schemeClr val="tx1">
+                    <a:lumMod val="65000"/>
+                    <a:lumOff val="35000"/>
+                  </a:schemeClr>
+                </a:solidFill>
+                <a:hlinkClick r:id="rId5">
+                  <a:extLst>
+                    <a:ext uri="{A12FA001-AC4F-418D-AE19-62706E023703}">
+                      <ahyp:hlinkClr xmlns:ahyp="http://schemas.microsoft.com/office/drawing/2018/hyperlinkcolor" val="tx"/>
+                    </a:ext>
+                  </a:extLst>
+                </a:hlinkClick>
+              </a:rPr>
+              <a:t>bit.ly/</a:t>
+            </a:r>
+            <a:r>
+              <a:rPr lang="pt-PT" sz="3200" b="1" dirty="0">
+                <a:solidFill>
+                  <a:schemeClr val="tx1">
+                    <a:lumMod val="65000"/>
+                    <a:lumOff val="35000"/>
+                  </a:schemeClr>
+                </a:solidFill>
+                <a:hlinkClick r:id="rId5">
+                  <a:extLst>
+                    <a:ext uri="{A12FA001-AC4F-418D-AE19-62706E023703}">
+                      <ahyp:hlinkClr xmlns:ahyp="http://schemas.microsoft.com/office/drawing/2018/hyperlinkcolor" val="tx"/>
+                    </a:ext>
+                  </a:extLst>
+                </a:hlinkClick>
+              </a:rPr>
+              <a:t>2RpFrwr</a:t>
+            </a:r>
+            <a:endParaRPr lang="pt-PT" sz="3200" b="1" dirty="0">
+              <a:solidFill>
+                <a:schemeClr val="tx1">
+                  <a:lumMod val="65000"/>
+                  <a:lumOff val="35000"/>
+                </a:schemeClr>
+              </a:solidFill>
+            </a:endParaRPr>
+          </a:p>
+        </p:txBody>
+      </p:sp>
+      <p:sp>
+        <p:nvSpPr>
+          <p:cNvPr id="6" name="Retângulo 5">
+            <a:extLst>
+              <a:ext uri="{FF2B5EF4-FFF2-40B4-BE49-F238E27FC236}">
+                <a16:creationId xmlns:a16="http://schemas.microsoft.com/office/drawing/2014/main" id="{F87ECB5E-7570-4573-9C88-009177C7B517}"/>
+              </a:ext>
+            </a:extLst>
+          </p:cNvPr>
+          <p:cNvSpPr/>
+          <p:nvPr/>
+        </p:nvSpPr>
+        <p:spPr>
+          <a:xfrm>
+            <a:off x="1607624" y="1519216"/>
+            <a:ext cx="8976753" cy="584775"/>
+          </a:xfrm>
+          <a:prstGeom prst="rect">
+            <a:avLst/>
+          </a:prstGeom>
+        </p:spPr>
+        <p:txBody>
+          <a:bodyPr wrap="none">
+            <a:spAutoFit/>
+          </a:bodyPr>
+          <a:lstStyle/>
+          <a:p>
+            <a:r>
+              <a:rPr lang="pt-PT" sz="3200" b="1" dirty="0"/>
+              <a:t>Original</a:t>
+            </a:r>
+            <a:r>
+              <a:rPr lang="pt-PT" sz="3200" dirty="0"/>
+              <a:t>: </a:t>
+            </a:r>
+            <a:r>
+              <a:rPr lang="pt-PT" sz="3200" dirty="0">
+                <a:solidFill>
+                  <a:schemeClr val="tx1">
+                    <a:lumMod val="65000"/>
+                    <a:lumOff val="35000"/>
+                  </a:schemeClr>
+                </a:solidFill>
+                <a:hlinkClick r:id="rId6">
+                  <a:extLst>
+                    <a:ext uri="{A12FA001-AC4F-418D-AE19-62706E023703}">
+                      <ahyp:hlinkClr xmlns:ahyp="http://schemas.microsoft.com/office/drawing/2018/hyperlinkcolor" val="tx"/>
+                    </a:ext>
+                  </a:extLst>
+                </a:hlinkClick>
+              </a:rPr>
+              <a:t>github.com/OfficeDev/TrainingContent</a:t>
+            </a:r>
+            <a:endParaRPr lang="pt-PT" sz="3200" dirty="0">
+              <a:solidFill>
+                <a:schemeClr val="tx1">
+                  <a:lumMod val="65000"/>
+                  <a:lumOff val="35000"/>
+                </a:schemeClr>
+              </a:solidFill>
+            </a:endParaRPr>
+          </a:p>
+        </p:txBody>
+      </p:sp>
+    </p:spTree>
+    <p:extLst>
+      <p:ext uri="{BB962C8B-B14F-4D97-AF65-F5344CB8AC3E}">
+        <p14:creationId xmlns:p14="http://schemas.microsoft.com/office/powerpoint/2010/main" val="1556897733"/>
+      </p:ext>
+    </p:extLst>
+  </p:cSld>
+  <p:clrMapOvr>
+    <a:masterClrMapping/>
+  </p:clrMapOvr>
+  <mc:AlternateContent xmlns:mc="http://schemas.openxmlformats.org/markup-compatibility/2006" xmlns:p159="http://schemas.microsoft.com/office/powerpoint/2015/09/main">
+    <mc:Choice Requires="p159">
+      <p:transition xmlns:p14="http://schemas.microsoft.com/office/powerpoint/2010/main" p14:dur="250">
+        <p159:morph option="byWord"/>
+      </p:transition>
+    </mc:Choice>
+    <mc:Fallback xmlns="">
+      <p:transition>
+        <p:fade/>
+      </p:transition>
+    </mc:Fallback>
+  </mc:AlternateContent>
+</p:sld>
+</file>
+
+<file path=ppt/slides/slide24.xml><?xml version="1.0" encoding="utf-8"?>
+<p:sld xmlns:a="http://schemas.openxmlformats.org/drawingml/2006/main" xmlns:r="http://schemas.openxmlformats.org/officeDocument/2006/relationships" xmlns:p="http://schemas.openxmlformats.org/presentationml/2006/main">
+  <p:cSld>
+    <p:spTree>
+      <p:nvGrpSpPr>
+        <p:cNvPr id="1" name=""/>
+        <p:cNvGrpSpPr/>
+        <p:nvPr/>
+      </p:nvGrpSpPr>
+      <p:grpSpPr>
+        <a:xfrm>
+          <a:off x="0" y="0"/>
+          <a:ext cx="0" cy="0"/>
+          <a:chOff x="0" y="0"/>
+          <a:chExt cx="0" cy="0"/>
+        </a:xfrm>
+      </p:grpSpPr>
+      <p:sp>
+        <p:nvSpPr>
+          <p:cNvPr id="2" name="Título 1">
+            <a:extLst>
+              <a:ext uri="{FF2B5EF4-FFF2-40B4-BE49-F238E27FC236}">
+                <a16:creationId xmlns:a16="http://schemas.microsoft.com/office/drawing/2014/main" id="{CB62B9E9-0D50-4AD2-9915-759A37C90587}"/>
+              </a:ext>
+            </a:extLst>
+          </p:cNvPr>
+          <p:cNvSpPr>
+            <a:spLocks noGrp="1"/>
+          </p:cNvSpPr>
+          <p:nvPr>
+            <p:ph type="title"/>
+          </p:nvPr>
+        </p:nvSpPr>
+        <p:spPr/>
+        <p:txBody>
+          <a:bodyPr/>
+          <a:lstStyle/>
+          <a:p>
+            <a:r>
+              <a:rPr lang="en-US" dirty="0"/>
+              <a:t>Obrigado</a:t>
+            </a:r>
+          </a:p>
+        </p:txBody>
+      </p:sp>
+      <p:sp>
+        <p:nvSpPr>
+          <p:cNvPr id="9" name="Retângulo 8">
+            <a:hlinkClick r:id="rId3"/>
+            <a:extLst>
+              <a:ext uri="{FF2B5EF4-FFF2-40B4-BE49-F238E27FC236}">
+                <a16:creationId xmlns:a16="http://schemas.microsoft.com/office/drawing/2014/main" id="{87DCF375-DA0F-4E0E-9C96-72EB4F2C0895}"/>
+              </a:ext>
+            </a:extLst>
+          </p:cNvPr>
+          <p:cNvSpPr/>
+          <p:nvPr/>
+        </p:nvSpPr>
+        <p:spPr>
+          <a:xfrm>
+            <a:off x="1530486" y="2003137"/>
+            <a:ext cx="9131026" cy="584775"/>
+          </a:xfrm>
+          <a:prstGeom prst="rect">
+            <a:avLst/>
+          </a:prstGeom>
+        </p:spPr>
+        <p:txBody>
+          <a:bodyPr wrap="none">
+            <a:spAutoFit/>
+          </a:bodyPr>
+          <a:lstStyle/>
+          <a:p>
+            <a:r>
+              <a:rPr lang="en-US" sz="3200" dirty="0">
+                <a:solidFill>
+                  <a:schemeClr val="tx1">
+                    <a:lumMod val="65000"/>
+                    <a:lumOff val="35000"/>
+                  </a:schemeClr>
+                </a:solidFill>
+                <a:hlinkClick r:id="rId3">
+                  <a:extLst>
+                    <a:ext uri="{A12FA001-AC4F-418D-AE19-62706E023703}">
+                      <ahyp:hlinkClr xmlns:ahyp="http://schemas.microsoft.com/office/drawing/2018/hyperlinkcolor" val="tx"/>
+                    </a:ext>
+                  </a:extLst>
+                </a:hlinkClick>
+              </a:rPr>
+              <a:t>aka.ms/2018GlobalOffice365DevBootcampSurvey</a:t>
+            </a:r>
+            <a:endParaRPr lang="pt-PT" sz="3200" dirty="0">
+              <a:solidFill>
+                <a:schemeClr val="tx1">
+                  <a:lumMod val="65000"/>
+                  <a:lumOff val="35000"/>
+                </a:schemeClr>
+              </a:solidFill>
+            </a:endParaRPr>
+          </a:p>
+        </p:txBody>
+      </p:sp>
+      <p:pic>
+        <p:nvPicPr>
+          <p:cNvPr id="4" name="Imagem 3">
+            <a:extLst>
+              <a:ext uri="{FF2B5EF4-FFF2-40B4-BE49-F238E27FC236}">
+                <a16:creationId xmlns:a16="http://schemas.microsoft.com/office/drawing/2014/main" id="{693FB4F3-4AA0-41F8-95A6-1CD194EDB1B3}"/>
+              </a:ext>
+            </a:extLst>
+          </p:cNvPr>
+          <p:cNvPicPr>
+            <a:picLocks noChangeAspect="1"/>
+          </p:cNvPicPr>
+          <p:nvPr/>
+        </p:nvPicPr>
+        <p:blipFill>
+          <a:blip r:embed="rId4">
+            <a:extLst>
+              <a:ext uri="{28A0092B-C50C-407E-A947-70E740481C1C}">
+                <a14:useLocalDpi xmlns:a14="http://schemas.microsoft.com/office/drawing/2010/main" val="0"/>
+              </a:ext>
+            </a:extLst>
+          </a:blip>
+          <a:stretch>
+            <a:fillRect/>
+          </a:stretch>
+        </p:blipFill>
+        <p:spPr>
+          <a:xfrm>
+            <a:off x="4585658" y="3574211"/>
+            <a:ext cx="3020683" cy="3020683"/>
+          </a:xfrm>
+          <a:prstGeom prst="rect">
+            <a:avLst/>
+          </a:prstGeom>
+        </p:spPr>
+      </p:pic>
+    </p:spTree>
+    <p:extLst>
+      <p:ext uri="{BB962C8B-B14F-4D97-AF65-F5344CB8AC3E}">
+        <p14:creationId xmlns:p14="http://schemas.microsoft.com/office/powerpoint/2010/main" val="4150081116"/>
+      </p:ext>
+    </p:extLst>
+  </p:cSld>
+  <p:clrMapOvr>
+    <a:masterClrMapping/>
+  </p:clrMapOvr>
+  <mc:AlternateContent xmlns:mc="http://schemas.openxmlformats.org/markup-compatibility/2006" xmlns:p159="http://schemas.microsoft.com/office/powerpoint/2015/09/main">
+    <mc:Choice Requires="p159">
+      <p:transition xmlns:p14="http://schemas.microsoft.com/office/powerpoint/2010/main" p14:dur="250">
+        <p159:morph option="byWord"/>
+      </p:transition>
+    </mc:Choice>
+    <mc:Fallback xmlns="">
+      <p:transition>
+        <p:fade/>
+      </p:transition>
+    </mc:Fallback>
+  </mc:AlternateContent>
+</p:sld>
+</file>
+
+<file path=ppt/slides/slide3.xml><?xml version="1.0" encoding="utf-8"?>
 <p:sld xmlns:a="http://schemas.openxmlformats.org/drawingml/2006/main" xmlns:r="http://schemas.openxmlformats.org/officeDocument/2006/relationships" xmlns:p="http://schemas.openxmlformats.org/presentationml/2006/main">
   <p:cSld>
     <p:spTree>
@@ -27134,7 +26176,7 @@
 </p:sld>
 </file>
 
-<file path=ppt/slides/slide5.xml><?xml version="1.0" encoding="utf-8"?>
+<file path=ppt/slides/slide4.xml><?xml version="1.0" encoding="utf-8"?>
 <p:sld xmlns:a="http://schemas.openxmlformats.org/drawingml/2006/main" xmlns:r="http://schemas.openxmlformats.org/officeDocument/2006/relationships" xmlns:p="http://schemas.openxmlformats.org/presentationml/2006/main">
   <p:cSld>
     <p:spTree>
@@ -27779,278 +26821,7 @@
 </p:sld>
 </file>
 
-<file path=ppt/slides/slide6.xml><?xml version="1.0" encoding="utf-8"?>
-<p:sld xmlns:a="http://schemas.openxmlformats.org/drawingml/2006/main" xmlns:r="http://schemas.openxmlformats.org/officeDocument/2006/relationships" xmlns:p="http://schemas.openxmlformats.org/presentationml/2006/main">
-  <p:cSld>
-    <p:bg>
-      <p:bgPr>
-        <a:solidFill>
-          <a:srgbClr val="235888"/>
-        </a:solidFill>
-        <a:effectLst/>
-      </p:bgPr>
-    </p:bg>
-    <p:spTree>
-      <p:nvGrpSpPr>
-        <p:cNvPr id="1" name=""/>
-        <p:cNvGrpSpPr/>
-        <p:nvPr/>
-      </p:nvGrpSpPr>
-      <p:grpSpPr>
-        <a:xfrm>
-          <a:off x="0" y="0"/>
-          <a:ext cx="0" cy="0"/>
-          <a:chOff x="0" y="0"/>
-          <a:chExt cx="0" cy="0"/>
-        </a:xfrm>
-      </p:grpSpPr>
-      <p:sp>
-        <p:nvSpPr>
-          <p:cNvPr id="2" name="Title 1"/>
-          <p:cNvSpPr>
-            <a:spLocks noGrp="1"/>
-          </p:cNvSpPr>
-          <p:nvPr>
-            <p:ph type="title"/>
-          </p:nvPr>
-        </p:nvSpPr>
-        <p:spPr>
-          <a:xfrm>
-            <a:off x="9826" y="-161931"/>
-            <a:ext cx="10515600" cy="1985962"/>
-          </a:xfrm>
-        </p:spPr>
-        <p:txBody>
-          <a:bodyPr>
-            <a:normAutofit/>
-          </a:bodyPr>
-          <a:lstStyle/>
-          <a:p>
-            <a:r>
-              <a:rPr lang="en-US" sz="13800" dirty="0">
-                <a:solidFill>
-                  <a:schemeClr val="accent1">
-                    <a:lumMod val="75000"/>
-                  </a:schemeClr>
-                </a:solidFill>
-              </a:rPr>
-              <a:t>demo</a:t>
-            </a:r>
-          </a:p>
-        </p:txBody>
-      </p:sp>
-      <p:pic>
-        <p:nvPicPr>
-          <p:cNvPr id="3" name="demo1">
-            <a:hlinkClick r:id="" action="ppaction://media"/>
-            <a:extLst>
-              <a:ext uri="{FF2B5EF4-FFF2-40B4-BE49-F238E27FC236}">
-                <a16:creationId xmlns:a16="http://schemas.microsoft.com/office/drawing/2014/main" id="{B1E5D3E9-831D-4A1C-B461-B3E1B299EDB0}"/>
-              </a:ext>
-            </a:extLst>
-          </p:cNvPr>
-          <p:cNvPicPr>
-            <a:picLocks noChangeAspect="1"/>
-          </p:cNvPicPr>
-          <p:nvPr>
-            <a:videoFile r:link="rId2"/>
-            <p:extLst>
-              <p:ext uri="{DAA4B4D4-6D71-4841-9C94-3DE7FCFB9230}">
-                <p14:media xmlns:p14="http://schemas.microsoft.com/office/powerpoint/2010/main" r:embed="rId1"/>
-              </p:ext>
-            </p:extLst>
-          </p:nvPr>
-        </p:nvPicPr>
-        <p:blipFill>
-          <a:blip r:embed="rId5"/>
-          <a:stretch>
-            <a:fillRect/>
-          </a:stretch>
-        </p:blipFill>
-        <p:spPr>
-          <a:xfrm>
-            <a:off x="244776" y="1543042"/>
-            <a:ext cx="11829448" cy="4557727"/>
-          </a:xfrm>
-          <a:prstGeom prst="rect">
-            <a:avLst/>
-          </a:prstGeom>
-          <a:ln>
-            <a:noFill/>
-          </a:ln>
-          <a:effectLst>
-            <a:outerShdw blurRad="190500" algn="tl" rotWithShape="0">
-              <a:srgbClr val="000000">
-                <a:alpha val="70000"/>
-              </a:srgbClr>
-            </a:outerShdw>
-          </a:effectLst>
-        </p:spPr>
-      </p:pic>
-    </p:spTree>
-    <p:extLst>
-      <p:ext uri="{BB962C8B-B14F-4D97-AF65-F5344CB8AC3E}">
-        <p14:creationId xmlns:p14="http://schemas.microsoft.com/office/powerpoint/2010/main" val="1415877439"/>
-      </p:ext>
-    </p:extLst>
-  </p:cSld>
-  <p:clrMapOvr>
-    <a:masterClrMapping/>
-  </p:clrMapOvr>
-  <mc:AlternateContent xmlns:mc="http://schemas.openxmlformats.org/markup-compatibility/2006" xmlns:p159="http://schemas.microsoft.com/office/powerpoint/2015/09/main">
-    <mc:Choice Requires="p159">
-      <p:transition xmlns:p14="http://schemas.microsoft.com/office/powerpoint/2010/main" p14:dur="250">
-        <p159:morph option="byWord"/>
-      </p:transition>
-    </mc:Choice>
-    <mc:Fallback xmlns="">
-      <p:transition>
-        <p:fade/>
-      </p:transition>
-    </mc:Fallback>
-  </mc:AlternateContent>
-  <p:timing>
-    <p:tnLst>
-      <p:par>
-        <p:cTn id="1" dur="indefinite" restart="never" nodeType="tmRoot">
-          <p:childTnLst>
-            <p:seq concurrent="1" nextAc="seek">
-              <p:cTn id="2" dur="indefinite" nodeType="mainSeq">
-                <p:childTnLst>
-                  <p:par>
-                    <p:cTn id="3" fill="hold">
-                      <p:stCondLst>
-                        <p:cond delay="indefinite"/>
-                        <p:cond evt="onBegin" delay="0">
-                          <p:tn val="2"/>
-                        </p:cond>
-                      </p:stCondLst>
-                      <p:childTnLst>
-                        <p:par>
-                          <p:cTn id="4" fill="hold">
-                            <p:stCondLst>
-                              <p:cond delay="0"/>
-                            </p:stCondLst>
-                            <p:childTnLst>
-                              <p:par>
-                                <p:cTn id="5" presetID="1" presetClass="mediacall" presetSubtype="0" fill="hold" nodeType="afterEffect">
-                                  <p:stCondLst>
-                                    <p:cond delay="0"/>
-                                  </p:stCondLst>
-                                  <p:childTnLst>
-                                    <p:cmd type="call" cmd="playFrom(0.0)">
-                                      <p:cBhvr>
-                                        <p:cTn id="6" dur="44400" fill="hold"/>
-                                        <p:tgtEl>
-                                          <p:spTgt spid="3"/>
-                                        </p:tgtEl>
-                                      </p:cBhvr>
-                                    </p:cmd>
-                                  </p:childTnLst>
-                                </p:cTn>
-                              </p:par>
-                            </p:childTnLst>
-                          </p:cTn>
-                        </p:par>
-                      </p:childTnLst>
-                    </p:cTn>
-                  </p:par>
-                </p:childTnLst>
-              </p:cTn>
-              <p:prevCondLst>
-                <p:cond evt="onPrev" delay="0">
-                  <p:tgtEl>
-                    <p:sldTgt/>
-                  </p:tgtEl>
-                </p:cond>
-              </p:prevCondLst>
-              <p:nextCondLst>
-                <p:cond evt="onNext" delay="0">
-                  <p:tgtEl>
-                    <p:sldTgt/>
-                  </p:tgtEl>
-                </p:cond>
-              </p:nextCondLst>
-            </p:seq>
-            <p:seq concurrent="1" nextAc="seek">
-              <p:cTn id="7" restart="whenNotActive" fill="hold" evtFilter="cancelBubble" nodeType="interactiveSeq">
-                <p:stCondLst>
-                  <p:cond evt="onClick" delay="0">
-                    <p:tgtEl>
-                      <p:spTgt spid="3"/>
-                    </p:tgtEl>
-                  </p:cond>
-                </p:stCondLst>
-                <p:endSync evt="end" delay="0">
-                  <p:rtn val="all"/>
-                </p:endSync>
-                <p:childTnLst>
-                  <p:par>
-                    <p:cTn id="8" fill="hold">
-                      <p:stCondLst>
-                        <p:cond delay="0"/>
-                      </p:stCondLst>
-                      <p:childTnLst>
-                        <p:par>
-                          <p:cTn id="9" fill="hold">
-                            <p:stCondLst>
-                              <p:cond delay="0"/>
-                            </p:stCondLst>
-                            <p:childTnLst>
-                              <p:par>
-                                <p:cTn id="10" presetID="2" presetClass="mediacall" presetSubtype="0" fill="hold" nodeType="clickEffect">
-                                  <p:stCondLst>
-                                    <p:cond delay="0"/>
-                                  </p:stCondLst>
-                                  <p:childTnLst>
-                                    <p:cmd type="call" cmd="togglePause">
-                                      <p:cBhvr>
-                                        <p:cTn id="11" dur="1" fill="hold"/>
-                                        <p:tgtEl>
-                                          <p:spTgt spid="3"/>
-                                        </p:tgtEl>
-                                      </p:cBhvr>
-                                    </p:cmd>
-                                  </p:childTnLst>
-                                </p:cTn>
-                              </p:par>
-                            </p:childTnLst>
-                          </p:cTn>
-                        </p:par>
-                      </p:childTnLst>
-                    </p:cTn>
-                  </p:par>
-                </p:childTnLst>
-              </p:cTn>
-              <p:nextCondLst>
-                <p:cond evt="onClick" delay="0">
-                  <p:tgtEl>
-                    <p:spTgt spid="3"/>
-                  </p:tgtEl>
-                </p:cond>
-              </p:nextCondLst>
-            </p:seq>
-            <p:video>
-              <p:cMediaNode vol="80000">
-                <p:cTn id="12" fill="hold" display="0">
-                  <p:stCondLst>
-                    <p:cond delay="indefinite"/>
-                  </p:stCondLst>
-                </p:cTn>
-                <p:tgtEl>
-                  <p:spTgt spid="3"/>
-                </p:tgtEl>
-              </p:cMediaNode>
-            </p:video>
-          </p:childTnLst>
-        </p:cTn>
-      </p:par>
-    </p:tnLst>
-  </p:timing>
-</p:sld>
-</file>
-
-<file path=ppt/slides/slide7.xml><?xml version="1.0" encoding="utf-8"?>
+<file path=ppt/slides/slide5.xml><?xml version="1.0" encoding="utf-8"?>
 <p:sld xmlns:a="http://schemas.openxmlformats.org/drawingml/2006/main" xmlns:r="http://schemas.openxmlformats.org/officeDocument/2006/relationships" xmlns:p="http://schemas.openxmlformats.org/presentationml/2006/main">
   <p:cSld>
     <p:spTree>
@@ -28344,7 +27115,7 @@
 </p:sld>
 </file>
 
-<file path=ppt/slides/slide8.xml><?xml version="1.0" encoding="utf-8"?>
+<file path=ppt/slides/slide6.xml><?xml version="1.0" encoding="utf-8"?>
 <p:sld xmlns:a="http://schemas.openxmlformats.org/drawingml/2006/main" xmlns:r="http://schemas.openxmlformats.org/officeDocument/2006/relationships" xmlns:p="http://schemas.openxmlformats.org/presentationml/2006/main">
   <p:cSld>
     <p:spTree>
@@ -28390,31 +27161,6 @@
           </a:p>
         </p:txBody>
       </p:sp>
-      <p:sp>
-        <p:nvSpPr>
-          <p:cNvPr id="3" name="Text Placeholder 2">
-            <a:extLst>
-              <a:ext uri="{FF2B5EF4-FFF2-40B4-BE49-F238E27FC236}">
-                <a16:creationId xmlns:a16="http://schemas.microsoft.com/office/drawing/2014/main" id="{434CA638-3A6E-4DF0-AF18-4329AA8781AA}"/>
-              </a:ext>
-            </a:extLst>
-          </p:cNvPr>
-          <p:cNvSpPr>
-            <a:spLocks noGrp="1"/>
-          </p:cNvSpPr>
-          <p:nvPr>
-            <p:ph type="body" idx="1"/>
-          </p:nvPr>
-        </p:nvSpPr>
-        <p:spPr/>
-        <p:txBody>
-          <a:bodyPr/>
-          <a:lstStyle/>
-          <a:p>
-            <a:endParaRPr lang="en-US"/>
-          </a:p>
-        </p:txBody>
-      </p:sp>
     </p:spTree>
     <p:extLst>
       <p:ext uri="{BB962C8B-B14F-4D97-AF65-F5344CB8AC3E}">
@@ -28440,7 +27186,7 @@
 </p:sld>
 </file>
 
-<file path=ppt/slides/slide9.xml><?xml version="1.0" encoding="utf-8"?>
+<file path=ppt/slides/slide7.xml><?xml version="1.0" encoding="utf-8"?>
 <p:sld xmlns:a="http://schemas.openxmlformats.org/drawingml/2006/main" xmlns:r="http://schemas.openxmlformats.org/officeDocument/2006/relationships" xmlns:p="http://schemas.openxmlformats.org/presentationml/2006/main">
   <p:cSld>
     <p:spTree>
@@ -28735,6 +27481,1102 @@
       </p:transition>
     </mc:Fallback>
   </mc:AlternateContent>
+</p:sld>
+</file>
+
+<file path=ppt/slides/slide8.xml><?xml version="1.0" encoding="utf-8"?>
+<p:sld xmlns:a="http://schemas.openxmlformats.org/drawingml/2006/main" xmlns:r="http://schemas.openxmlformats.org/officeDocument/2006/relationships" xmlns:p="http://schemas.openxmlformats.org/presentationml/2006/main">
+  <p:cSld>
+    <p:spTree>
+      <p:nvGrpSpPr>
+        <p:cNvPr id="1" name=""/>
+        <p:cNvGrpSpPr/>
+        <p:nvPr/>
+      </p:nvGrpSpPr>
+      <p:grpSpPr>
+        <a:xfrm>
+          <a:off x="0" y="0"/>
+          <a:ext cx="0" cy="0"/>
+          <a:chOff x="0" y="0"/>
+          <a:chExt cx="0" cy="0"/>
+        </a:xfrm>
+      </p:grpSpPr>
+      <p:grpSp>
+        <p:nvGrpSpPr>
+          <p:cNvPr id="3" name="Group 2">
+            <a:extLst>
+              <a:ext uri="{FF2B5EF4-FFF2-40B4-BE49-F238E27FC236}">
+                <a16:creationId xmlns:a16="http://schemas.microsoft.com/office/drawing/2014/main" id="{0F0383F6-EE1B-40B4-A2B4-18FDD0B65173}"/>
+              </a:ext>
+            </a:extLst>
+          </p:cNvPr>
+          <p:cNvGrpSpPr/>
+          <p:nvPr/>
+        </p:nvGrpSpPr>
+        <p:grpSpPr>
+          <a:xfrm>
+            <a:off x="3046152" y="2705406"/>
+            <a:ext cx="1718034" cy="2066891"/>
+            <a:chOff x="2881523" y="2434361"/>
+            <a:chExt cx="1718034" cy="2066891"/>
+          </a:xfrm>
+        </p:grpSpPr>
+        <p:pic>
+          <p:nvPicPr>
+            <p:cNvPr id="23" name="Imagem 22" descr="Bot Framework">
+              <a:extLst>
+                <a:ext uri="{FF2B5EF4-FFF2-40B4-BE49-F238E27FC236}">
+                  <a16:creationId xmlns:a16="http://schemas.microsoft.com/office/drawing/2014/main" id="{24E6F6A0-E1DF-4931-B914-D1FAC4D2E331}"/>
+                </a:ext>
+                <a:ext uri="{C183D7F6-B498-43B3-948B-1728B52AA6E4}">
+                  <adec:decorative xmlns:adec="http://schemas.microsoft.com/office/drawing/2017/decorative" val="0"/>
+                </a:ext>
+              </a:extLst>
+            </p:cNvPr>
+            <p:cNvPicPr>
+              <a:picLocks noChangeAspect="1"/>
+            </p:cNvPicPr>
+            <p:nvPr/>
+          </p:nvPicPr>
+          <p:blipFill>
+            <a:blip r:embed="rId3">
+              <a:extLst>
+                <a:ext uri="{28A0092B-C50C-407E-A947-70E740481C1C}">
+                  <a14:useLocalDpi xmlns:a14="http://schemas.microsoft.com/office/drawing/2010/main" val="0"/>
+                </a:ext>
+              </a:extLst>
+            </a:blip>
+            <a:stretch>
+              <a:fillRect/>
+            </a:stretch>
+          </p:blipFill>
+          <p:spPr>
+            <a:xfrm>
+              <a:off x="2927698" y="2434361"/>
+              <a:ext cx="1625684" cy="1625684"/>
+            </a:xfrm>
+            <a:prstGeom prst="rect">
+              <a:avLst/>
+            </a:prstGeom>
+          </p:spPr>
+        </p:pic>
+        <p:sp>
+          <p:nvSpPr>
+            <p:cNvPr id="25" name="CaixaDeTexto 24">
+              <a:extLst>
+                <a:ext uri="{FF2B5EF4-FFF2-40B4-BE49-F238E27FC236}">
+                  <a16:creationId xmlns:a16="http://schemas.microsoft.com/office/drawing/2014/main" id="{FD786B10-3A10-430B-85C2-8959575BE24B}"/>
+                </a:ext>
+              </a:extLst>
+            </p:cNvPr>
+            <p:cNvSpPr txBox="1"/>
+            <p:nvPr/>
+          </p:nvSpPr>
+          <p:spPr>
+            <a:xfrm>
+              <a:off x="2881523" y="4131920"/>
+              <a:ext cx="1718034" cy="369332"/>
+            </a:xfrm>
+            <a:prstGeom prst="rect">
+              <a:avLst/>
+            </a:prstGeom>
+            <a:noFill/>
+          </p:spPr>
+          <p:txBody>
+            <a:bodyPr wrap="none" rtlCol="0">
+              <a:spAutoFit/>
+            </a:bodyPr>
+            <a:lstStyle/>
+            <a:p>
+              <a:r>
+                <a:rPr lang="en-US" dirty="0"/>
+                <a:t>Bot Framework</a:t>
+              </a:r>
+            </a:p>
+          </p:txBody>
+        </p:sp>
+      </p:grpSp>
+      <p:sp>
+        <p:nvSpPr>
+          <p:cNvPr id="26" name="Seta: Para a Direita 25">
+            <a:extLst>
+              <a:ext uri="{FF2B5EF4-FFF2-40B4-BE49-F238E27FC236}">
+                <a16:creationId xmlns:a16="http://schemas.microsoft.com/office/drawing/2014/main" id="{56608159-C789-424A-80CF-9B45136DFF9F}"/>
+              </a:ext>
+            </a:extLst>
+          </p:cNvPr>
+          <p:cNvSpPr/>
+          <p:nvPr/>
+        </p:nvSpPr>
+        <p:spPr>
+          <a:xfrm>
+            <a:off x="5479200" y="3247203"/>
+            <a:ext cx="2190750" cy="519706"/>
+          </a:xfrm>
+          <a:prstGeom prst="rightArrow">
+            <a:avLst/>
+          </a:prstGeom>
+          <a:solidFill>
+            <a:schemeClr val="accent1">
+              <a:lumMod val="75000"/>
+            </a:schemeClr>
+          </a:solidFill>
+          <a:ln>
+            <a:noFill/>
+          </a:ln>
+        </p:spPr>
+        <p:style>
+          <a:lnRef idx="2">
+            <a:schemeClr val="accent1">
+              <a:shade val="50000"/>
+            </a:schemeClr>
+          </a:lnRef>
+          <a:fillRef idx="1">
+            <a:schemeClr val="accent1"/>
+          </a:fillRef>
+          <a:effectRef idx="0">
+            <a:schemeClr val="accent1"/>
+          </a:effectRef>
+          <a:fontRef idx="minor">
+            <a:schemeClr val="lt1"/>
+          </a:fontRef>
+        </p:style>
+        <p:txBody>
+          <a:bodyPr rtlCol="0" anchor="ctr"/>
+          <a:lstStyle/>
+          <a:p>
+            <a:pPr algn="ctr"/>
+            <a:endParaRPr lang="en-US" dirty="0">
+              <a:solidFill>
+                <a:schemeClr val="bg1"/>
+              </a:solidFill>
+            </a:endParaRPr>
+          </a:p>
+        </p:txBody>
+      </p:sp>
+      <p:sp>
+        <p:nvSpPr>
+          <p:cNvPr id="2" name="Título 1">
+            <a:extLst>
+              <a:ext uri="{FF2B5EF4-FFF2-40B4-BE49-F238E27FC236}">
+                <a16:creationId xmlns:a16="http://schemas.microsoft.com/office/drawing/2014/main" id="{CB62B9E9-0D50-4AD2-9915-759A37C90587}"/>
+              </a:ext>
+            </a:extLst>
+          </p:cNvPr>
+          <p:cNvSpPr>
+            <a:spLocks noGrp="1"/>
+          </p:cNvSpPr>
+          <p:nvPr>
+            <p:ph type="title"/>
+          </p:nvPr>
+        </p:nvSpPr>
+        <p:spPr/>
+        <p:txBody>
+          <a:bodyPr/>
+          <a:lstStyle/>
+          <a:p>
+            <a:r>
+              <a:rPr lang="en-US" dirty="0"/>
+              <a:t>API de </a:t>
+            </a:r>
+            <a:r>
+              <a:rPr lang="en-US" dirty="0" err="1"/>
+              <a:t>Gestão</a:t>
+            </a:r>
+            <a:r>
+              <a:rPr lang="en-US" dirty="0"/>
+              <a:t> de </a:t>
+            </a:r>
+            <a:r>
+              <a:rPr lang="en-US" dirty="0" err="1"/>
+              <a:t>Registos</a:t>
+            </a:r>
+            <a:r>
+              <a:rPr lang="en-US" dirty="0"/>
+              <a:t> (</a:t>
+            </a:r>
+            <a:r>
+              <a:rPr lang="en-US" dirty="0" err="1"/>
+              <a:t>TimeSheets</a:t>
+            </a:r>
+            <a:r>
+              <a:rPr lang="en-US" dirty="0"/>
+              <a:t>)</a:t>
+            </a:r>
+          </a:p>
+        </p:txBody>
+      </p:sp>
+      <p:sp>
+        <p:nvSpPr>
+          <p:cNvPr id="12" name="CaixaDeTexto 11">
+            <a:extLst>
+              <a:ext uri="{FF2B5EF4-FFF2-40B4-BE49-F238E27FC236}">
+                <a16:creationId xmlns:a16="http://schemas.microsoft.com/office/drawing/2014/main" id="{24F71750-F8EC-4789-9C22-DC92B3825188}"/>
+              </a:ext>
+            </a:extLst>
+          </p:cNvPr>
+          <p:cNvSpPr txBox="1"/>
+          <p:nvPr/>
+        </p:nvSpPr>
+        <p:spPr>
+          <a:xfrm>
+            <a:off x="5373369" y="2243741"/>
+            <a:ext cx="2613216" cy="923330"/>
+          </a:xfrm>
+          <a:prstGeom prst="rect">
+            <a:avLst/>
+          </a:prstGeom>
+          <a:noFill/>
+        </p:spPr>
+        <p:txBody>
+          <a:bodyPr wrap="none" rtlCol="0">
+            <a:spAutoFit/>
+          </a:bodyPr>
+          <a:lstStyle/>
+          <a:p>
+            <a:pPr marL="285750" indent="-285750">
+              <a:buFont typeface="Arial" panose="020B0604020202020204" pitchFamily="34" charset="0"/>
+              <a:buChar char="•"/>
+            </a:pPr>
+            <a:r>
+              <a:rPr lang="en-US" dirty="0"/>
+              <a:t>Criar </a:t>
+            </a:r>
+            <a:r>
+              <a:rPr lang="en-US" dirty="0" err="1"/>
+              <a:t>registo</a:t>
+            </a:r>
+            <a:endParaRPr lang="en-US" dirty="0"/>
+          </a:p>
+          <a:p>
+            <a:pPr marL="285750" indent="-285750">
+              <a:buFont typeface="Arial" panose="020B0604020202020204" pitchFamily="34" charset="0"/>
+              <a:buChar char="•"/>
+            </a:pPr>
+            <a:r>
+              <a:rPr lang="en-US" dirty="0" err="1"/>
+              <a:t>Listar</a:t>
+            </a:r>
+            <a:r>
+              <a:rPr lang="en-US" dirty="0"/>
+              <a:t> </a:t>
+            </a:r>
+            <a:r>
+              <a:rPr lang="en-US" dirty="0" err="1"/>
+              <a:t>registos</a:t>
+            </a:r>
+            <a:endParaRPr lang="en-US" dirty="0"/>
+          </a:p>
+          <a:p>
+            <a:pPr marL="285750" indent="-285750">
+              <a:buFont typeface="Arial" panose="020B0604020202020204" pitchFamily="34" charset="0"/>
+              <a:buChar char="•"/>
+            </a:pPr>
+            <a:r>
+              <a:rPr lang="en-US" dirty="0" err="1"/>
+              <a:t>Anular</a:t>
+            </a:r>
+            <a:r>
+              <a:rPr lang="en-US" dirty="0"/>
+              <a:t> </a:t>
+            </a:r>
+            <a:r>
+              <a:rPr lang="en-US" dirty="0" err="1"/>
+              <a:t>último</a:t>
+            </a:r>
+            <a:r>
+              <a:rPr lang="en-US" dirty="0"/>
+              <a:t> </a:t>
+            </a:r>
+            <a:r>
+              <a:rPr lang="en-US" dirty="0" err="1"/>
+              <a:t>registo</a:t>
+            </a:r>
+            <a:endParaRPr lang="en-US" dirty="0"/>
+          </a:p>
+        </p:txBody>
+      </p:sp>
+      <p:pic>
+        <p:nvPicPr>
+          <p:cNvPr id="27" name="Imagem 35">
+            <a:extLst>
+              <a:ext uri="{FF2B5EF4-FFF2-40B4-BE49-F238E27FC236}">
+                <a16:creationId xmlns:a16="http://schemas.microsoft.com/office/drawing/2014/main" id="{C2DF9BEF-91B5-4C3A-B670-B93CCD0266C3}"/>
+              </a:ext>
+            </a:extLst>
+          </p:cNvPr>
+          <p:cNvPicPr>
+            <a:picLocks noChangeAspect="1"/>
+          </p:cNvPicPr>
+          <p:nvPr/>
+        </p:nvPicPr>
+        <p:blipFill>
+          <a:blip r:embed="rId4">
+            <a:extLst>
+              <a:ext uri="{28A0092B-C50C-407E-A947-70E740481C1C}">
+                <a14:useLocalDpi xmlns:a14="http://schemas.microsoft.com/office/drawing/2010/main" val="0"/>
+              </a:ext>
+            </a:extLst>
+          </a:blip>
+          <a:stretch>
+            <a:fillRect/>
+          </a:stretch>
+        </p:blipFill>
+        <p:spPr>
+          <a:xfrm>
+            <a:off x="13303263" y="3167071"/>
+            <a:ext cx="3016137" cy="700382"/>
+          </a:xfrm>
+          <a:prstGeom prst="rect">
+            <a:avLst/>
+          </a:prstGeom>
+        </p:spPr>
+      </p:pic>
+      <p:sp>
+        <p:nvSpPr>
+          <p:cNvPr id="35" name="Seta: Para a Direita 2">
+            <a:extLst>
+              <a:ext uri="{FF2B5EF4-FFF2-40B4-BE49-F238E27FC236}">
+                <a16:creationId xmlns:a16="http://schemas.microsoft.com/office/drawing/2014/main" id="{954F5AF3-BDD1-4958-9B1C-96AE11DF5742}"/>
+              </a:ext>
+            </a:extLst>
+          </p:cNvPr>
+          <p:cNvSpPr/>
+          <p:nvPr/>
+        </p:nvSpPr>
+        <p:spPr>
+          <a:xfrm>
+            <a:off x="10667957" y="3257409"/>
+            <a:ext cx="2190750" cy="519706"/>
+          </a:xfrm>
+          <a:prstGeom prst="rightArrow">
+            <a:avLst/>
+          </a:prstGeom>
+          <a:solidFill>
+            <a:schemeClr val="accent1">
+              <a:lumMod val="75000"/>
+            </a:schemeClr>
+          </a:solidFill>
+          <a:ln>
+            <a:noFill/>
+          </a:ln>
+        </p:spPr>
+        <p:style>
+          <a:lnRef idx="2">
+            <a:schemeClr val="accent1">
+              <a:shade val="50000"/>
+            </a:schemeClr>
+          </a:lnRef>
+          <a:fillRef idx="1">
+            <a:schemeClr val="accent1"/>
+          </a:fillRef>
+          <a:effectRef idx="0">
+            <a:schemeClr val="accent1"/>
+          </a:effectRef>
+          <a:fontRef idx="minor">
+            <a:schemeClr val="lt1"/>
+          </a:fontRef>
+        </p:style>
+        <p:txBody>
+          <a:bodyPr rtlCol="0" anchor="ctr"/>
+          <a:lstStyle/>
+          <a:p>
+            <a:pPr algn="ctr"/>
+            <a:endParaRPr lang="en-US" dirty="0">
+              <a:solidFill>
+                <a:schemeClr val="bg1"/>
+              </a:solidFill>
+            </a:endParaRPr>
+          </a:p>
+        </p:txBody>
+      </p:sp>
+      <p:grpSp>
+        <p:nvGrpSpPr>
+          <p:cNvPr id="36" name="Agrupar 12">
+            <a:extLst>
+              <a:ext uri="{FF2B5EF4-FFF2-40B4-BE49-F238E27FC236}">
+                <a16:creationId xmlns:a16="http://schemas.microsoft.com/office/drawing/2014/main" id="{0D1FA898-9503-4155-B437-F48073DF27A1}"/>
+              </a:ext>
+            </a:extLst>
+          </p:cNvPr>
+          <p:cNvGrpSpPr/>
+          <p:nvPr/>
+        </p:nvGrpSpPr>
+        <p:grpSpPr>
+          <a:xfrm>
+            <a:off x="8595768" y="2611113"/>
+            <a:ext cx="1627632" cy="1812298"/>
+            <a:chOff x="4961009" y="-311009"/>
+            <a:chExt cx="1627632" cy="1812298"/>
+          </a:xfrm>
+        </p:grpSpPr>
+        <p:pic>
+          <p:nvPicPr>
+            <p:cNvPr id="37" name="Imagem 13" descr="Uma imagem com objeto&#10;&#10;Descrição gerada automaticamente">
+              <a:extLst>
+                <a:ext uri="{FF2B5EF4-FFF2-40B4-BE49-F238E27FC236}">
+                  <a16:creationId xmlns:a16="http://schemas.microsoft.com/office/drawing/2014/main" id="{1DE2A6F7-7867-4823-903B-23D758FEFEA5}"/>
+                </a:ext>
+              </a:extLst>
+            </p:cNvPr>
+            <p:cNvPicPr>
+              <a:picLocks noChangeAspect="1"/>
+            </p:cNvPicPr>
+            <p:nvPr/>
+          </p:nvPicPr>
+          <p:blipFill>
+            <a:blip r:embed="rId5">
+              <a:biLevel thresh="50000"/>
+              <a:extLst>
+                <a:ext uri="{28A0092B-C50C-407E-A947-70E740481C1C}">
+                  <a14:useLocalDpi xmlns:a14="http://schemas.microsoft.com/office/drawing/2010/main" val="0"/>
+                </a:ext>
+              </a:extLst>
+            </a:blip>
+            <a:stretch>
+              <a:fillRect/>
+            </a:stretch>
+          </p:blipFill>
+          <p:spPr>
+            <a:xfrm rot="5400000">
+              <a:off x="4961009" y="-311009"/>
+              <a:ext cx="1627632" cy="1627632"/>
+            </a:xfrm>
+            <a:prstGeom prst="rect">
+              <a:avLst/>
+            </a:prstGeom>
+          </p:spPr>
+        </p:pic>
+        <p:sp>
+          <p:nvSpPr>
+            <p:cNvPr id="38" name="CaixaDeTexto 14">
+              <a:extLst>
+                <a:ext uri="{FF2B5EF4-FFF2-40B4-BE49-F238E27FC236}">
+                  <a16:creationId xmlns:a16="http://schemas.microsoft.com/office/drawing/2014/main" id="{77EBE2B7-76B2-4C57-8B17-E8AF58E7F209}"/>
+                </a:ext>
+              </a:extLst>
+            </p:cNvPr>
+            <p:cNvSpPr txBox="1"/>
+            <p:nvPr/>
+          </p:nvSpPr>
+          <p:spPr>
+            <a:xfrm>
+              <a:off x="5363494" y="1131957"/>
+              <a:ext cx="822661" cy="369332"/>
+            </a:xfrm>
+            <a:prstGeom prst="rect">
+              <a:avLst/>
+            </a:prstGeom>
+            <a:noFill/>
+          </p:spPr>
+          <p:txBody>
+            <a:bodyPr wrap="none" rtlCol="0">
+              <a:spAutoFit/>
+            </a:bodyPr>
+            <a:lstStyle/>
+            <a:p>
+              <a:r>
+                <a:rPr lang="en-US" dirty="0"/>
+                <a:t>Plugin</a:t>
+              </a:r>
+            </a:p>
+          </p:txBody>
+        </p:sp>
+      </p:grpSp>
+    </p:spTree>
+    <p:extLst>
+      <p:ext uri="{BB962C8B-B14F-4D97-AF65-F5344CB8AC3E}">
+        <p14:creationId xmlns:p14="http://schemas.microsoft.com/office/powerpoint/2010/main" val="2196912933"/>
+      </p:ext>
+    </p:extLst>
+  </p:cSld>
+  <p:clrMapOvr>
+    <a:masterClrMapping/>
+  </p:clrMapOvr>
+  <mc:AlternateContent xmlns:mc="http://schemas.openxmlformats.org/markup-compatibility/2006" xmlns:p159="http://schemas.microsoft.com/office/powerpoint/2015/09/main">
+    <mc:Choice Requires="p159">
+      <p:transition xmlns:p14="http://schemas.microsoft.com/office/powerpoint/2010/main" p14:dur="250">
+        <p159:morph option="byWord"/>
+      </p:transition>
+    </mc:Choice>
+    <mc:Fallback xmlns="">
+      <p:transition>
+        <p:fade/>
+      </p:transition>
+    </mc:Fallback>
+  </mc:AlternateContent>
+</p:sld>
+</file>
+
+<file path=ppt/slides/slide9.xml><?xml version="1.0" encoding="utf-8"?>
+<p:sld xmlns:a="http://schemas.openxmlformats.org/drawingml/2006/main" xmlns:r="http://schemas.openxmlformats.org/officeDocument/2006/relationships" xmlns:p="http://schemas.openxmlformats.org/presentationml/2006/main">
+  <p:cSld>
+    <p:spTree>
+      <p:nvGrpSpPr>
+        <p:cNvPr id="1" name=""/>
+        <p:cNvGrpSpPr/>
+        <p:nvPr/>
+      </p:nvGrpSpPr>
+      <p:grpSpPr>
+        <a:xfrm>
+          <a:off x="0" y="0"/>
+          <a:ext cx="0" cy="0"/>
+          <a:chOff x="0" y="0"/>
+          <a:chExt cx="0" cy="0"/>
+        </a:xfrm>
+      </p:grpSpPr>
+      <p:sp>
+        <p:nvSpPr>
+          <p:cNvPr id="25" name="CaixaDeTexto 24">
+            <a:extLst>
+              <a:ext uri="{FF2B5EF4-FFF2-40B4-BE49-F238E27FC236}">
+                <a16:creationId xmlns:a16="http://schemas.microsoft.com/office/drawing/2014/main" id="{FD786B10-3A10-430B-85C2-8959575BE24B}"/>
+              </a:ext>
+            </a:extLst>
+          </p:cNvPr>
+          <p:cNvSpPr txBox="1"/>
+          <p:nvPr/>
+        </p:nvSpPr>
+        <p:spPr>
+          <a:xfrm>
+            <a:off x="3046152" y="4402965"/>
+            <a:ext cx="1718034" cy="369332"/>
+          </a:xfrm>
+          <a:prstGeom prst="rect">
+            <a:avLst/>
+          </a:prstGeom>
+          <a:noFill/>
+        </p:spPr>
+        <p:txBody>
+          <a:bodyPr wrap="none" rtlCol="0">
+            <a:spAutoFit/>
+          </a:bodyPr>
+          <a:lstStyle/>
+          <a:p>
+            <a:r>
+              <a:rPr lang="en-US" dirty="0"/>
+              <a:t>Bot Framework</a:t>
+            </a:r>
+          </a:p>
+        </p:txBody>
+      </p:sp>
+      <p:sp>
+        <p:nvSpPr>
+          <p:cNvPr id="26" name="Seta: Para a Direita 25">
+            <a:extLst>
+              <a:ext uri="{FF2B5EF4-FFF2-40B4-BE49-F238E27FC236}">
+                <a16:creationId xmlns:a16="http://schemas.microsoft.com/office/drawing/2014/main" id="{56608159-C789-424A-80CF-9B45136DFF9F}"/>
+              </a:ext>
+            </a:extLst>
+          </p:cNvPr>
+          <p:cNvSpPr/>
+          <p:nvPr/>
+        </p:nvSpPr>
+        <p:spPr>
+          <a:xfrm>
+            <a:off x="5479200" y="3247203"/>
+            <a:ext cx="2190750" cy="519706"/>
+          </a:xfrm>
+          <a:prstGeom prst="rightArrow">
+            <a:avLst/>
+          </a:prstGeom>
+          <a:solidFill>
+            <a:schemeClr val="accent1">
+              <a:lumMod val="75000"/>
+            </a:schemeClr>
+          </a:solidFill>
+          <a:ln>
+            <a:noFill/>
+          </a:ln>
+        </p:spPr>
+        <p:style>
+          <a:lnRef idx="2">
+            <a:schemeClr val="accent1">
+              <a:shade val="50000"/>
+            </a:schemeClr>
+          </a:lnRef>
+          <a:fillRef idx="1">
+            <a:schemeClr val="accent1"/>
+          </a:fillRef>
+          <a:effectRef idx="0">
+            <a:schemeClr val="accent1"/>
+          </a:effectRef>
+          <a:fontRef idx="minor">
+            <a:schemeClr val="lt1"/>
+          </a:fontRef>
+        </p:style>
+        <p:txBody>
+          <a:bodyPr rtlCol="0" anchor="ctr"/>
+          <a:lstStyle/>
+          <a:p>
+            <a:pPr algn="ctr"/>
+            <a:endParaRPr lang="en-US" dirty="0">
+              <a:solidFill>
+                <a:schemeClr val="bg1"/>
+              </a:solidFill>
+            </a:endParaRPr>
+          </a:p>
+        </p:txBody>
+      </p:sp>
+      <p:sp>
+        <p:nvSpPr>
+          <p:cNvPr id="2" name="Título 1">
+            <a:extLst>
+              <a:ext uri="{FF2B5EF4-FFF2-40B4-BE49-F238E27FC236}">
+                <a16:creationId xmlns:a16="http://schemas.microsoft.com/office/drawing/2014/main" id="{CB62B9E9-0D50-4AD2-9915-759A37C90587}"/>
+              </a:ext>
+            </a:extLst>
+          </p:cNvPr>
+          <p:cNvSpPr>
+            <a:spLocks noGrp="1"/>
+          </p:cNvSpPr>
+          <p:nvPr>
+            <p:ph type="title"/>
+          </p:nvPr>
+        </p:nvSpPr>
+        <p:spPr/>
+        <p:txBody>
+          <a:bodyPr/>
+          <a:lstStyle/>
+          <a:p>
+            <a:r>
+              <a:rPr lang="en-US" dirty="0"/>
+              <a:t>Re-usable BOT</a:t>
+            </a:r>
+          </a:p>
+        </p:txBody>
+      </p:sp>
+      <p:sp>
+        <p:nvSpPr>
+          <p:cNvPr id="12" name="CaixaDeTexto 11">
+            <a:extLst>
+              <a:ext uri="{FF2B5EF4-FFF2-40B4-BE49-F238E27FC236}">
+                <a16:creationId xmlns:a16="http://schemas.microsoft.com/office/drawing/2014/main" id="{24F71750-F8EC-4789-9C22-DC92B3825188}"/>
+              </a:ext>
+            </a:extLst>
+          </p:cNvPr>
+          <p:cNvSpPr txBox="1"/>
+          <p:nvPr/>
+        </p:nvSpPr>
+        <p:spPr>
+          <a:xfrm>
+            <a:off x="5373369" y="2243741"/>
+            <a:ext cx="2613216" cy="923330"/>
+          </a:xfrm>
+          <a:prstGeom prst="rect">
+            <a:avLst/>
+          </a:prstGeom>
+          <a:noFill/>
+        </p:spPr>
+        <p:txBody>
+          <a:bodyPr wrap="none" rtlCol="0">
+            <a:spAutoFit/>
+          </a:bodyPr>
+          <a:lstStyle/>
+          <a:p>
+            <a:pPr marL="285750" indent="-285750">
+              <a:buFont typeface="Arial" panose="020B0604020202020204" pitchFamily="34" charset="0"/>
+              <a:buChar char="•"/>
+            </a:pPr>
+            <a:r>
+              <a:rPr lang="en-US" dirty="0"/>
+              <a:t>Criar </a:t>
+            </a:r>
+            <a:r>
+              <a:rPr lang="en-US" dirty="0" err="1"/>
+              <a:t>registo</a:t>
+            </a:r>
+            <a:endParaRPr lang="en-US" dirty="0"/>
+          </a:p>
+          <a:p>
+            <a:pPr marL="285750" indent="-285750">
+              <a:buFont typeface="Arial" panose="020B0604020202020204" pitchFamily="34" charset="0"/>
+              <a:buChar char="•"/>
+            </a:pPr>
+            <a:r>
+              <a:rPr lang="en-US" dirty="0" err="1"/>
+              <a:t>Listar</a:t>
+            </a:r>
+            <a:r>
+              <a:rPr lang="en-US" dirty="0"/>
+              <a:t> </a:t>
+            </a:r>
+            <a:r>
+              <a:rPr lang="en-US" dirty="0" err="1"/>
+              <a:t>registos</a:t>
+            </a:r>
+            <a:endParaRPr lang="en-US" dirty="0"/>
+          </a:p>
+          <a:p>
+            <a:pPr marL="285750" indent="-285750">
+              <a:buFont typeface="Arial" panose="020B0604020202020204" pitchFamily="34" charset="0"/>
+              <a:buChar char="•"/>
+            </a:pPr>
+            <a:r>
+              <a:rPr lang="en-US" dirty="0" err="1"/>
+              <a:t>Anular</a:t>
+            </a:r>
+            <a:r>
+              <a:rPr lang="en-US" dirty="0"/>
+              <a:t> </a:t>
+            </a:r>
+            <a:r>
+              <a:rPr lang="en-US" dirty="0" err="1"/>
+              <a:t>último</a:t>
+            </a:r>
+            <a:r>
+              <a:rPr lang="en-US" dirty="0"/>
+              <a:t> </a:t>
+            </a:r>
+            <a:r>
+              <a:rPr lang="en-US" dirty="0" err="1"/>
+              <a:t>registo</a:t>
+            </a:r>
+            <a:endParaRPr lang="en-US" dirty="0"/>
+          </a:p>
+        </p:txBody>
+      </p:sp>
+      <p:pic>
+        <p:nvPicPr>
+          <p:cNvPr id="27" name="Imagem 35">
+            <a:extLst>
+              <a:ext uri="{FF2B5EF4-FFF2-40B4-BE49-F238E27FC236}">
+                <a16:creationId xmlns:a16="http://schemas.microsoft.com/office/drawing/2014/main" id="{C2DF9BEF-91B5-4C3A-B670-B93CCD0266C3}"/>
+              </a:ext>
+            </a:extLst>
+          </p:cNvPr>
+          <p:cNvPicPr>
+            <a:picLocks noChangeAspect="1"/>
+          </p:cNvPicPr>
+          <p:nvPr/>
+        </p:nvPicPr>
+        <p:blipFill>
+          <a:blip r:embed="rId3">
+            <a:extLst>
+              <a:ext uri="{28A0092B-C50C-407E-A947-70E740481C1C}">
+                <a14:useLocalDpi xmlns:a14="http://schemas.microsoft.com/office/drawing/2010/main" val="0"/>
+              </a:ext>
+            </a:extLst>
+          </a:blip>
+          <a:stretch>
+            <a:fillRect/>
+          </a:stretch>
+        </p:blipFill>
+        <p:spPr>
+          <a:xfrm>
+            <a:off x="13303263" y="3167071"/>
+            <a:ext cx="3016137" cy="700382"/>
+          </a:xfrm>
+          <a:prstGeom prst="rect">
+            <a:avLst/>
+          </a:prstGeom>
+        </p:spPr>
+      </p:pic>
+      <p:sp>
+        <p:nvSpPr>
+          <p:cNvPr id="35" name="Seta: Para a Direita 2">
+            <a:extLst>
+              <a:ext uri="{FF2B5EF4-FFF2-40B4-BE49-F238E27FC236}">
+                <a16:creationId xmlns:a16="http://schemas.microsoft.com/office/drawing/2014/main" id="{954F5AF3-BDD1-4958-9B1C-96AE11DF5742}"/>
+              </a:ext>
+            </a:extLst>
+          </p:cNvPr>
+          <p:cNvSpPr/>
+          <p:nvPr/>
+        </p:nvSpPr>
+        <p:spPr>
+          <a:xfrm>
+            <a:off x="10667957" y="3257409"/>
+            <a:ext cx="2190750" cy="519706"/>
+          </a:xfrm>
+          <a:prstGeom prst="rightArrow">
+            <a:avLst/>
+          </a:prstGeom>
+          <a:solidFill>
+            <a:schemeClr val="accent1">
+              <a:lumMod val="75000"/>
+            </a:schemeClr>
+          </a:solidFill>
+          <a:ln>
+            <a:noFill/>
+          </a:ln>
+        </p:spPr>
+        <p:style>
+          <a:lnRef idx="2">
+            <a:schemeClr val="accent1">
+              <a:shade val="50000"/>
+            </a:schemeClr>
+          </a:lnRef>
+          <a:fillRef idx="1">
+            <a:schemeClr val="accent1"/>
+          </a:fillRef>
+          <a:effectRef idx="0">
+            <a:schemeClr val="accent1"/>
+          </a:effectRef>
+          <a:fontRef idx="minor">
+            <a:schemeClr val="lt1"/>
+          </a:fontRef>
+        </p:style>
+        <p:txBody>
+          <a:bodyPr rtlCol="0" anchor="ctr"/>
+          <a:lstStyle/>
+          <a:p>
+            <a:pPr algn="ctr"/>
+            <a:endParaRPr lang="en-US" dirty="0">
+              <a:solidFill>
+                <a:schemeClr val="bg1"/>
+              </a:solidFill>
+            </a:endParaRPr>
+          </a:p>
+        </p:txBody>
+      </p:sp>
+      <p:grpSp>
+        <p:nvGrpSpPr>
+          <p:cNvPr id="36" name="Agrupar 12">
+            <a:extLst>
+              <a:ext uri="{FF2B5EF4-FFF2-40B4-BE49-F238E27FC236}">
+                <a16:creationId xmlns:a16="http://schemas.microsoft.com/office/drawing/2014/main" id="{0D1FA898-9503-4155-B437-F48073DF27A1}"/>
+              </a:ext>
+            </a:extLst>
+          </p:cNvPr>
+          <p:cNvGrpSpPr/>
+          <p:nvPr/>
+        </p:nvGrpSpPr>
+        <p:grpSpPr>
+          <a:xfrm>
+            <a:off x="8595768" y="2611113"/>
+            <a:ext cx="1627632" cy="1812298"/>
+            <a:chOff x="4961009" y="-311009"/>
+            <a:chExt cx="1627632" cy="1812298"/>
+          </a:xfrm>
+        </p:grpSpPr>
+        <p:pic>
+          <p:nvPicPr>
+            <p:cNvPr id="37" name="Imagem 13" descr="Uma imagem com objeto&#10;&#10;Descrição gerada automaticamente">
+              <a:extLst>
+                <a:ext uri="{FF2B5EF4-FFF2-40B4-BE49-F238E27FC236}">
+                  <a16:creationId xmlns:a16="http://schemas.microsoft.com/office/drawing/2014/main" id="{1DE2A6F7-7867-4823-903B-23D758FEFEA5}"/>
+                </a:ext>
+              </a:extLst>
+            </p:cNvPr>
+            <p:cNvPicPr>
+              <a:picLocks noChangeAspect="1"/>
+            </p:cNvPicPr>
+            <p:nvPr/>
+          </p:nvPicPr>
+          <p:blipFill>
+            <a:blip r:embed="rId4">
+              <a:biLevel thresh="50000"/>
+              <a:extLst>
+                <a:ext uri="{28A0092B-C50C-407E-A947-70E740481C1C}">
+                  <a14:useLocalDpi xmlns:a14="http://schemas.microsoft.com/office/drawing/2010/main" val="0"/>
+                </a:ext>
+              </a:extLst>
+            </a:blip>
+            <a:stretch>
+              <a:fillRect/>
+            </a:stretch>
+          </p:blipFill>
+          <p:spPr>
+            <a:xfrm rot="5400000">
+              <a:off x="4961009" y="-311009"/>
+              <a:ext cx="1627632" cy="1627632"/>
+            </a:xfrm>
+            <a:prstGeom prst="rect">
+              <a:avLst/>
+            </a:prstGeom>
+          </p:spPr>
+        </p:pic>
+        <p:sp>
+          <p:nvSpPr>
+            <p:cNvPr id="38" name="CaixaDeTexto 14">
+              <a:extLst>
+                <a:ext uri="{FF2B5EF4-FFF2-40B4-BE49-F238E27FC236}">
+                  <a16:creationId xmlns:a16="http://schemas.microsoft.com/office/drawing/2014/main" id="{77EBE2B7-76B2-4C57-8B17-E8AF58E7F209}"/>
+                </a:ext>
+              </a:extLst>
+            </p:cNvPr>
+            <p:cNvSpPr txBox="1"/>
+            <p:nvPr/>
+          </p:nvSpPr>
+          <p:spPr>
+            <a:xfrm>
+              <a:off x="5363494" y="1131957"/>
+              <a:ext cx="822661" cy="369332"/>
+            </a:xfrm>
+            <a:prstGeom prst="rect">
+              <a:avLst/>
+            </a:prstGeom>
+            <a:noFill/>
+          </p:spPr>
+          <p:txBody>
+            <a:bodyPr wrap="none" rtlCol="0">
+              <a:spAutoFit/>
+            </a:bodyPr>
+            <a:lstStyle/>
+            <a:p>
+              <a:r>
+                <a:rPr lang="en-US" dirty="0"/>
+                <a:t>Plugin</a:t>
+              </a:r>
+            </a:p>
+          </p:txBody>
+        </p:sp>
+      </p:grpSp>
+      <p:pic>
+        <p:nvPicPr>
+          <p:cNvPr id="13" name="Imagem 18" descr="Time Report bot logo">
+            <a:extLst>
+              <a:ext uri="{FF2B5EF4-FFF2-40B4-BE49-F238E27FC236}">
+                <a16:creationId xmlns:a16="http://schemas.microsoft.com/office/drawing/2014/main" id="{BA586DD9-DC6A-44A0-8CE2-AC940FCDB615}"/>
+              </a:ext>
+            </a:extLst>
+          </p:cNvPr>
+          <p:cNvPicPr>
+            <a:picLocks noChangeAspect="1"/>
+          </p:cNvPicPr>
+          <p:nvPr/>
+        </p:nvPicPr>
+        <p:blipFill>
+          <a:blip r:embed="rId5">
+            <a:extLst>
+              <a:ext uri="{28A0092B-C50C-407E-A947-70E740481C1C}">
+                <a14:useLocalDpi xmlns:a14="http://schemas.microsoft.com/office/drawing/2010/main" val="0"/>
+              </a:ext>
+            </a:extLst>
+          </a:blip>
+          <a:stretch>
+            <a:fillRect/>
+          </a:stretch>
+        </p:blipFill>
+        <p:spPr>
+          <a:xfrm>
+            <a:off x="3136554" y="2611113"/>
+            <a:ext cx="1627632" cy="1627632"/>
+          </a:xfrm>
+          <a:prstGeom prst="rect">
+            <a:avLst/>
+          </a:prstGeom>
+          <a:ln>
+            <a:noFill/>
+          </a:ln>
+          <a:effectLst>
+            <a:outerShdw blurRad="292100" dist="139700" dir="2700000" algn="tl" rotWithShape="0">
+              <a:srgbClr val="333333">
+                <a:alpha val="65000"/>
+              </a:srgbClr>
+            </a:outerShdw>
+          </a:effectLst>
+        </p:spPr>
+      </p:pic>
+    </p:spTree>
+    <p:extLst>
+      <p:ext uri="{BB962C8B-B14F-4D97-AF65-F5344CB8AC3E}">
+        <p14:creationId xmlns:p14="http://schemas.microsoft.com/office/powerpoint/2010/main" val="3992211939"/>
+      </p:ext>
+    </p:extLst>
+  </p:cSld>
+  <p:clrMapOvr>
+    <a:masterClrMapping/>
+  </p:clrMapOvr>
+  <mc:AlternateContent xmlns:mc="http://schemas.openxmlformats.org/markup-compatibility/2006" xmlns:p159="http://schemas.microsoft.com/office/powerpoint/2015/09/main">
+    <mc:Choice Requires="p159">
+      <p:transition xmlns:p14="http://schemas.microsoft.com/office/powerpoint/2010/main" p14:dur="250">
+        <p159:morph option="byWord"/>
+      </p:transition>
+    </mc:Choice>
+    <mc:Fallback xmlns="">
+      <p:transition>
+        <p:fade/>
+      </p:transition>
+    </mc:Fallback>
+  </mc:AlternateContent>
+  <p:timing>
+    <p:tnLst>
+      <p:par>
+        <p:cTn id="1" dur="indefinite" restart="never" nodeType="tmRoot">
+          <p:childTnLst>
+            <p:seq concurrent="1" nextAc="seek">
+              <p:cTn id="2" dur="indefinite" nodeType="mainSeq">
+                <p:childTnLst>
+                  <p:par>
+                    <p:cTn id="3" fill="hold">
+                      <p:stCondLst>
+                        <p:cond delay="indefinite"/>
+                        <p:cond evt="onBegin" delay="0">
+                          <p:tn val="2"/>
+                        </p:cond>
+                      </p:stCondLst>
+                      <p:childTnLst>
+                        <p:par>
+                          <p:cTn id="4" fill="hold">
+                            <p:stCondLst>
+                              <p:cond delay="0"/>
+                            </p:stCondLst>
+                            <p:childTnLst>
+                              <p:par>
+                                <p:cTn id="5" presetID="10" presetClass="entr" presetSubtype="0" fill="hold" nodeType="afterEffect">
+                                  <p:stCondLst>
+                                    <p:cond delay="0"/>
+                                  </p:stCondLst>
+                                  <p:childTnLst>
+                                    <p:set>
+                                      <p:cBhvr>
+                                        <p:cTn id="6" dur="1" fill="hold">
+                                          <p:stCondLst>
+                                            <p:cond delay="0"/>
+                                          </p:stCondLst>
+                                        </p:cTn>
+                                        <p:tgtEl>
+                                          <p:spTgt spid="13"/>
+                                        </p:tgtEl>
+                                        <p:attrNameLst>
+                                          <p:attrName>style.visibility</p:attrName>
+                                        </p:attrNameLst>
+                                      </p:cBhvr>
+                                      <p:to>
+                                        <p:strVal val="visible"/>
+                                      </p:to>
+                                    </p:set>
+                                    <p:animEffect transition="in" filter="fade">
+                                      <p:cBhvr>
+                                        <p:cTn id="7" dur="250"/>
+                                        <p:tgtEl>
+                                          <p:spTgt spid="13"/>
+                                        </p:tgtEl>
+                                      </p:cBhvr>
+                                    </p:animEffect>
+                                  </p:childTnLst>
+                                </p:cTn>
+                              </p:par>
+                            </p:childTnLst>
+                          </p:cTn>
+                        </p:par>
+                      </p:childTnLst>
+                    </p:cTn>
+                  </p:par>
+                </p:childTnLst>
+              </p:cTn>
+              <p:prevCondLst>
+                <p:cond evt="onPrev" delay="0">
+                  <p:tgtEl>
+                    <p:sldTgt/>
+                  </p:tgtEl>
+                </p:cond>
+              </p:prevCondLst>
+              <p:nextCondLst>
+                <p:cond evt="onNext" delay="0">
+                  <p:tgtEl>
+                    <p:sldTgt/>
+                  </p:tgtEl>
+                </p:cond>
+              </p:nextCondLst>
+            </p:seq>
+          </p:childTnLst>
+        </p:cTn>
+      </p:par>
+    </p:tnLst>
+  </p:timing>
 </p:sld>
 </file>
 
